--- a/forest_malaria/MMC_presentation.pptx
+++ b/forest_malaria/MMC_presentation.pptx
@@ -5,7 +5,7 @@
     <p:sldMasterId id="2147483648" r:id="rId1"/>
   </p:sldMasterIdLst>
   <p:notesMasterIdLst>
-    <p:notesMasterId r:id="rId7"/>
+    <p:notesMasterId r:id="rId10"/>
   </p:notesMasterIdLst>
   <p:sldIdLst>
     <p:sldId id="262" r:id="rId2"/>
@@ -13,6 +13,9 @@
     <p:sldId id="264" r:id="rId4"/>
     <p:sldId id="265" r:id="rId5"/>
     <p:sldId id="266" r:id="rId6"/>
+    <p:sldId id="267" r:id="rId7"/>
+    <p:sldId id="268" r:id="rId8"/>
+    <p:sldId id="271" r:id="rId9"/>
   </p:sldIdLst>
   <p:sldSz cx="9144000" cy="6858000" type="screen4x3"/>
   <p:notesSz cx="6858000" cy="9144000"/>
@@ -1174,7 +1177,7 @@
           <p:nvPr userDrawn="1"/>
         </p:nvPicPr>
         <p:blipFill>
-          <a:blip r:embed="rId5">
+          <a:blip r:embed="rId5" cstate="print">
             <a:extLst>
               <a:ext uri="{28A0092B-C50C-407E-A947-70E740481C1C}">
                 <a14:useLocalDpi xmlns:a14="http://schemas.microsoft.com/office/drawing/2010/main" val="0"/>
@@ -6116,6 +6119,13 @@
   <p:transition>
     <p:fade/>
   </p:transition>
+  <p:timing>
+    <p:tnLst>
+      <p:par>
+        <p:cTn id="1" dur="indefinite" restart="never" nodeType="tmRoot"/>
+      </p:par>
+    </p:tnLst>
+  </p:timing>
 </p:sld>
 </file>
 
@@ -6215,6 +6225,13 @@
   <p:transition>
     <p:fade/>
   </p:transition>
+  <p:timing>
+    <p:tnLst>
+      <p:par>
+        <p:cTn id="1" dur="indefinite" restart="never" nodeType="tmRoot"/>
+      </p:par>
+    </p:tnLst>
+  </p:timing>
 </p:sld>
 </file>
 
@@ -6312,6 +6329,456 @@
           </a:prstGeom>
         </p:spPr>
       </p:pic>
+      <p:grpSp>
+        <p:nvGrpSpPr>
+          <p:cNvPr id="14" name="Group 13"/>
+          <p:cNvGrpSpPr/>
+          <p:nvPr/>
+        </p:nvGrpSpPr>
+        <p:grpSpPr>
+          <a:xfrm>
+            <a:off x="679783" y="1094874"/>
+            <a:ext cx="6637194" cy="3276600"/>
+            <a:chOff x="679783" y="1094874"/>
+            <a:chExt cx="6637194" cy="3276600"/>
+          </a:xfrm>
+        </p:grpSpPr>
+        <p:sp>
+          <p:nvSpPr>
+            <p:cNvPr id="3" name="TextBox 2"/>
+            <p:cNvSpPr txBox="1"/>
+            <p:nvPr/>
+          </p:nvSpPr>
+          <p:spPr>
+            <a:xfrm>
+              <a:off x="679783" y="1094874"/>
+              <a:ext cx="2562727" cy="461665"/>
+            </a:xfrm>
+            <a:prstGeom prst="rect">
+              <a:avLst/>
+            </a:prstGeom>
+            <a:noFill/>
+          </p:spPr>
+          <p:txBody>
+            <a:bodyPr wrap="square" rtlCol="0">
+              <a:spAutoFit/>
+            </a:bodyPr>
+            <a:lstStyle/>
+            <a:p>
+              <a:pPr algn="ctr">
+                <a:spcBef>
+                  <a:spcPts val="54"/>
+                </a:spcBef>
+                <a:buClr>
+                  <a:schemeClr val="accent1"/>
+                </a:buClr>
+                <a:buSzPct val="110000"/>
+              </a:pPr>
+              <a:r>
+                <a:rPr lang="en-US" sz="2400" i="1" dirty="0" smtClean="0">
+                  <a:solidFill>
+                    <a:srgbClr val="FFC000"/>
+                  </a:solidFill>
+                </a:rPr>
+                <a:t>Infected Humans</a:t>
+              </a:r>
+            </a:p>
+          </p:txBody>
+        </p:sp>
+        <p:sp>
+          <p:nvSpPr>
+            <p:cNvPr id="6" name="Rectangle 5"/>
+            <p:cNvSpPr/>
+            <p:nvPr/>
+          </p:nvSpPr>
+          <p:spPr>
+            <a:xfrm>
+              <a:off x="2087479" y="2051384"/>
+              <a:ext cx="397042" cy="409074"/>
+            </a:xfrm>
+            <a:prstGeom prst="rect">
+              <a:avLst/>
+            </a:prstGeom>
+            <a:solidFill>
+              <a:srgbClr val="FFC000">
+                <a:alpha val="36078"/>
+              </a:srgbClr>
+            </a:solidFill>
+            <a:ln>
+              <a:noFill/>
+            </a:ln>
+          </p:spPr>
+          <p:style>
+            <a:lnRef idx="2">
+              <a:schemeClr val="accent1">
+                <a:shade val="50000"/>
+              </a:schemeClr>
+            </a:lnRef>
+            <a:fillRef idx="1">
+              <a:schemeClr val="accent1"/>
+            </a:fillRef>
+            <a:effectRef idx="0">
+              <a:schemeClr val="accent1"/>
+            </a:effectRef>
+            <a:fontRef idx="minor">
+              <a:schemeClr val="lt1"/>
+            </a:fontRef>
+          </p:style>
+          <p:txBody>
+            <a:bodyPr rtlCol="0" anchor="ctr"/>
+            <a:lstStyle/>
+            <a:p>
+              <a:pPr algn="ctr"/>
+              <a:endParaRPr lang="en-US"/>
+            </a:p>
+          </p:txBody>
+        </p:sp>
+        <p:sp>
+          <p:nvSpPr>
+            <p:cNvPr id="7" name="Rectangle 6"/>
+            <p:cNvSpPr/>
+            <p:nvPr/>
+          </p:nvSpPr>
+          <p:spPr>
+            <a:xfrm>
+              <a:off x="5680911" y="2324100"/>
+              <a:ext cx="397042" cy="409074"/>
+            </a:xfrm>
+            <a:prstGeom prst="rect">
+              <a:avLst/>
+            </a:prstGeom>
+            <a:solidFill>
+              <a:srgbClr val="FFC000">
+                <a:alpha val="36078"/>
+              </a:srgbClr>
+            </a:solidFill>
+            <a:ln>
+              <a:noFill/>
+            </a:ln>
+          </p:spPr>
+          <p:style>
+            <a:lnRef idx="2">
+              <a:schemeClr val="accent1">
+                <a:shade val="50000"/>
+              </a:schemeClr>
+            </a:lnRef>
+            <a:fillRef idx="1">
+              <a:schemeClr val="accent1"/>
+            </a:fillRef>
+            <a:effectRef idx="0">
+              <a:schemeClr val="accent1"/>
+            </a:effectRef>
+            <a:fontRef idx="minor">
+              <a:schemeClr val="lt1"/>
+            </a:fontRef>
+          </p:style>
+          <p:txBody>
+            <a:bodyPr rtlCol="0" anchor="ctr"/>
+            <a:lstStyle/>
+            <a:p>
+              <a:pPr algn="ctr"/>
+              <a:endParaRPr lang="en-US"/>
+            </a:p>
+          </p:txBody>
+        </p:sp>
+        <p:sp>
+          <p:nvSpPr>
+            <p:cNvPr id="8" name="Rectangle 7"/>
+            <p:cNvSpPr/>
+            <p:nvPr/>
+          </p:nvSpPr>
+          <p:spPr>
+            <a:xfrm>
+              <a:off x="6919935" y="2324100"/>
+              <a:ext cx="397042" cy="409074"/>
+            </a:xfrm>
+            <a:prstGeom prst="rect">
+              <a:avLst/>
+            </a:prstGeom>
+            <a:solidFill>
+              <a:srgbClr val="FFC000">
+                <a:alpha val="36078"/>
+              </a:srgbClr>
+            </a:solidFill>
+            <a:ln>
+              <a:noFill/>
+            </a:ln>
+          </p:spPr>
+          <p:style>
+            <a:lnRef idx="2">
+              <a:schemeClr val="accent1">
+                <a:shade val="50000"/>
+              </a:schemeClr>
+            </a:lnRef>
+            <a:fillRef idx="1">
+              <a:schemeClr val="accent1"/>
+            </a:fillRef>
+            <a:effectRef idx="0">
+              <a:schemeClr val="accent1"/>
+            </a:effectRef>
+            <a:fontRef idx="minor">
+              <a:schemeClr val="lt1"/>
+            </a:fontRef>
+          </p:style>
+          <p:txBody>
+            <a:bodyPr rtlCol="0" anchor="ctr"/>
+            <a:lstStyle/>
+            <a:p>
+              <a:pPr algn="ctr"/>
+              <a:endParaRPr lang="en-US"/>
+            </a:p>
+          </p:txBody>
+        </p:sp>
+        <p:sp>
+          <p:nvSpPr>
+            <p:cNvPr id="9" name="Rectangle 8"/>
+            <p:cNvSpPr/>
+            <p:nvPr/>
+          </p:nvSpPr>
+          <p:spPr>
+            <a:xfrm>
+              <a:off x="3914274" y="3962400"/>
+              <a:ext cx="397042" cy="409074"/>
+            </a:xfrm>
+            <a:prstGeom prst="rect">
+              <a:avLst/>
+            </a:prstGeom>
+            <a:solidFill>
+              <a:srgbClr val="FFC000">
+                <a:alpha val="36078"/>
+              </a:srgbClr>
+            </a:solidFill>
+            <a:ln>
+              <a:noFill/>
+            </a:ln>
+          </p:spPr>
+          <p:style>
+            <a:lnRef idx="2">
+              <a:schemeClr val="accent1">
+                <a:shade val="50000"/>
+              </a:schemeClr>
+            </a:lnRef>
+            <a:fillRef idx="1">
+              <a:schemeClr val="accent1"/>
+            </a:fillRef>
+            <a:effectRef idx="0">
+              <a:schemeClr val="accent1"/>
+            </a:effectRef>
+            <a:fontRef idx="minor">
+              <a:schemeClr val="lt1"/>
+            </a:fontRef>
+          </p:style>
+          <p:txBody>
+            <a:bodyPr rtlCol="0" anchor="ctr"/>
+            <a:lstStyle/>
+            <a:p>
+              <a:pPr algn="ctr"/>
+              <a:endParaRPr lang="en-US"/>
+            </a:p>
+          </p:txBody>
+        </p:sp>
+      </p:grpSp>
+      <p:grpSp>
+        <p:nvGrpSpPr>
+          <p:cNvPr id="15" name="Group 14"/>
+          <p:cNvGrpSpPr/>
+          <p:nvPr/>
+        </p:nvGrpSpPr>
+        <p:grpSpPr>
+          <a:xfrm>
+            <a:off x="4253749" y="1094874"/>
+            <a:ext cx="4146071" cy="3569368"/>
+            <a:chOff x="4253749" y="1094874"/>
+            <a:chExt cx="4146071" cy="3569368"/>
+          </a:xfrm>
+        </p:grpSpPr>
+        <p:sp>
+          <p:nvSpPr>
+            <p:cNvPr id="10" name="TextBox 9"/>
+            <p:cNvSpPr txBox="1"/>
+            <p:nvPr/>
+          </p:nvSpPr>
+          <p:spPr>
+            <a:xfrm>
+              <a:off x="5348038" y="1094874"/>
+              <a:ext cx="3051782" cy="461665"/>
+            </a:xfrm>
+            <a:prstGeom prst="rect">
+              <a:avLst/>
+            </a:prstGeom>
+            <a:noFill/>
+          </p:spPr>
+          <p:txBody>
+            <a:bodyPr wrap="square" rtlCol="0">
+              <a:spAutoFit/>
+            </a:bodyPr>
+            <a:lstStyle/>
+            <a:p>
+              <a:pPr algn="ctr">
+                <a:spcBef>
+                  <a:spcPts val="54"/>
+                </a:spcBef>
+                <a:buClr>
+                  <a:schemeClr val="accent1"/>
+                </a:buClr>
+                <a:buSzPct val="110000"/>
+              </a:pPr>
+              <a:r>
+                <a:rPr lang="en-US" sz="2400" i="1" dirty="0" smtClean="0">
+                  <a:solidFill>
+                    <a:srgbClr val="00B0F0"/>
+                  </a:solidFill>
+                </a:rPr>
+                <a:t>Infected Mosquitoes</a:t>
+              </a:r>
+            </a:p>
+          </p:txBody>
+        </p:sp>
+        <p:sp>
+          <p:nvSpPr>
+            <p:cNvPr id="11" name="Rectangle 10"/>
+            <p:cNvSpPr/>
+            <p:nvPr/>
+          </p:nvSpPr>
+          <p:spPr>
+            <a:xfrm>
+              <a:off x="4253749" y="2051384"/>
+              <a:ext cx="397042" cy="409074"/>
+            </a:xfrm>
+            <a:prstGeom prst="rect">
+              <a:avLst/>
+            </a:prstGeom>
+            <a:solidFill>
+              <a:srgbClr val="00B0F0">
+                <a:alpha val="36078"/>
+              </a:srgbClr>
+            </a:solidFill>
+            <a:ln>
+              <a:noFill/>
+            </a:ln>
+          </p:spPr>
+          <p:style>
+            <a:lnRef idx="2">
+              <a:schemeClr val="accent1">
+                <a:shade val="50000"/>
+              </a:schemeClr>
+            </a:lnRef>
+            <a:fillRef idx="1">
+              <a:schemeClr val="accent1"/>
+            </a:fillRef>
+            <a:effectRef idx="0">
+              <a:schemeClr val="accent1"/>
+            </a:effectRef>
+            <a:fontRef idx="minor">
+              <a:schemeClr val="lt1"/>
+            </a:fontRef>
+          </p:style>
+          <p:txBody>
+            <a:bodyPr rtlCol="0" anchor="ctr"/>
+            <a:lstStyle/>
+            <a:p>
+              <a:pPr algn="ctr"/>
+              <a:endParaRPr lang="en-US"/>
+            </a:p>
+          </p:txBody>
+        </p:sp>
+        <p:sp>
+          <p:nvSpPr>
+            <p:cNvPr id="12" name="Rectangle 11"/>
+            <p:cNvSpPr/>
+            <p:nvPr/>
+          </p:nvSpPr>
+          <p:spPr>
+            <a:xfrm>
+              <a:off x="5295901" y="4255168"/>
+              <a:ext cx="352926" cy="409074"/>
+            </a:xfrm>
+            <a:prstGeom prst="rect">
+              <a:avLst/>
+            </a:prstGeom>
+            <a:solidFill>
+              <a:srgbClr val="00B0F0">
+                <a:alpha val="36078"/>
+              </a:srgbClr>
+            </a:solidFill>
+            <a:ln>
+              <a:noFill/>
+            </a:ln>
+          </p:spPr>
+          <p:style>
+            <a:lnRef idx="2">
+              <a:schemeClr val="accent1">
+                <a:shade val="50000"/>
+              </a:schemeClr>
+            </a:lnRef>
+            <a:fillRef idx="1">
+              <a:schemeClr val="accent1"/>
+            </a:fillRef>
+            <a:effectRef idx="0">
+              <a:schemeClr val="accent1"/>
+            </a:effectRef>
+            <a:fontRef idx="minor">
+              <a:schemeClr val="lt1"/>
+            </a:fontRef>
+          </p:style>
+          <p:txBody>
+            <a:bodyPr rtlCol="0" anchor="ctr"/>
+            <a:lstStyle/>
+            <a:p>
+              <a:pPr algn="ctr"/>
+              <a:endParaRPr lang="en-US"/>
+            </a:p>
+          </p:txBody>
+        </p:sp>
+        <p:sp>
+          <p:nvSpPr>
+            <p:cNvPr id="13" name="Rectangle 12"/>
+            <p:cNvSpPr/>
+            <p:nvPr/>
+          </p:nvSpPr>
+          <p:spPr>
+            <a:xfrm>
+              <a:off x="6487916" y="4255168"/>
+              <a:ext cx="358052" cy="409074"/>
+            </a:xfrm>
+            <a:prstGeom prst="rect">
+              <a:avLst/>
+            </a:prstGeom>
+            <a:solidFill>
+              <a:srgbClr val="00B0F0">
+                <a:alpha val="36078"/>
+              </a:srgbClr>
+            </a:solidFill>
+            <a:ln>
+              <a:noFill/>
+            </a:ln>
+          </p:spPr>
+          <p:style>
+            <a:lnRef idx="2">
+              <a:schemeClr val="accent1">
+                <a:shade val="50000"/>
+              </a:schemeClr>
+            </a:lnRef>
+            <a:fillRef idx="1">
+              <a:schemeClr val="accent1"/>
+            </a:fillRef>
+            <a:effectRef idx="0">
+              <a:schemeClr val="accent1"/>
+            </a:effectRef>
+            <a:fontRef idx="minor">
+              <a:schemeClr val="lt1"/>
+            </a:fontRef>
+          </p:style>
+          <p:txBody>
+            <a:bodyPr rtlCol="0" anchor="ctr"/>
+            <a:lstStyle/>
+            <a:p>
+              <a:pPr algn="ctr"/>
+              <a:endParaRPr lang="en-US"/>
+            </a:p>
+          </p:txBody>
+        </p:sp>
+      </p:grpSp>
     </p:spTree>
     <p:extLst>
       <p:ext uri="{BB962C8B-B14F-4D97-AF65-F5344CB8AC3E}">
@@ -6325,6 +6792,142 @@
   <p:transition>
     <p:fade/>
   </p:transition>
+  <p:timing>
+    <p:tnLst>
+      <p:par>
+        <p:cTn id="1" dur="indefinite" restart="never" nodeType="tmRoot">
+          <p:childTnLst>
+            <p:seq concurrent="1" nextAc="seek">
+              <p:cTn id="2" dur="indefinite" nodeType="mainSeq">
+                <p:childTnLst>
+                  <p:par>
+                    <p:cTn id="3" fill="hold">
+                      <p:stCondLst>
+                        <p:cond delay="indefinite"/>
+                      </p:stCondLst>
+                      <p:childTnLst>
+                        <p:par>
+                          <p:cTn id="4" fill="hold">
+                            <p:stCondLst>
+                              <p:cond delay="0"/>
+                            </p:stCondLst>
+                            <p:childTnLst>
+                              <p:par>
+                                <p:cTn id="5" presetID="10" presetClass="entr" presetSubtype="0" fill="hold" nodeType="clickEffect">
+                                  <p:stCondLst>
+                                    <p:cond delay="0"/>
+                                  </p:stCondLst>
+                                  <p:childTnLst>
+                                    <p:set>
+                                      <p:cBhvr>
+                                        <p:cTn id="6" dur="1" fill="hold">
+                                          <p:stCondLst>
+                                            <p:cond delay="0"/>
+                                          </p:stCondLst>
+                                        </p:cTn>
+                                        <p:tgtEl>
+                                          <p:spTgt spid="14"/>
+                                        </p:tgtEl>
+                                        <p:attrNameLst>
+                                          <p:attrName>style.visibility</p:attrName>
+                                        </p:attrNameLst>
+                                      </p:cBhvr>
+                                      <p:to>
+                                        <p:strVal val="visible"/>
+                                      </p:to>
+                                    </p:set>
+                                    <p:animEffect transition="in" filter="fade">
+                                      <p:cBhvr>
+                                        <p:cTn id="7" dur="500"/>
+                                        <p:tgtEl>
+                                          <p:spTgt spid="14"/>
+                                        </p:tgtEl>
+                                      </p:cBhvr>
+                                    </p:animEffect>
+                                  </p:childTnLst>
+                                </p:cTn>
+                              </p:par>
+                            </p:childTnLst>
+                          </p:cTn>
+                        </p:par>
+                      </p:childTnLst>
+                    </p:cTn>
+                  </p:par>
+                  <p:par>
+                    <p:cTn id="8" fill="hold">
+                      <p:stCondLst>
+                        <p:cond delay="indefinite"/>
+                      </p:stCondLst>
+                      <p:childTnLst>
+                        <p:par>
+                          <p:cTn id="9" fill="hold">
+                            <p:stCondLst>
+                              <p:cond delay="0"/>
+                            </p:stCondLst>
+                            <p:childTnLst>
+                              <p:par>
+                                <p:cTn id="10" presetID="10" presetClass="entr" presetSubtype="0" fill="hold" nodeType="clickEffect">
+                                  <p:stCondLst>
+                                    <p:cond delay="0"/>
+                                  </p:stCondLst>
+                                  <p:childTnLst>
+                                    <p:set>
+                                      <p:cBhvr>
+                                        <p:cTn id="11" dur="1" fill="hold">
+                                          <p:stCondLst>
+                                            <p:cond delay="0"/>
+                                          </p:stCondLst>
+                                        </p:cTn>
+                                        <p:tgtEl>
+                                          <p:spTgt spid="15"/>
+                                        </p:tgtEl>
+                                        <p:attrNameLst>
+                                          <p:attrName>style.visibility</p:attrName>
+                                        </p:attrNameLst>
+                                      </p:cBhvr>
+                                      <p:to>
+                                        <p:strVal val="visible"/>
+                                      </p:to>
+                                    </p:set>
+                                    <p:animEffect transition="in" filter="fade">
+                                      <p:cBhvr>
+                                        <p:cTn id="12" dur="500"/>
+                                        <p:tgtEl>
+                                          <p:spTgt spid="15"/>
+                                        </p:tgtEl>
+                                      </p:cBhvr>
+                                    </p:animEffect>
+                                  </p:childTnLst>
+                                </p:cTn>
+                              </p:par>
+                            </p:childTnLst>
+                          </p:cTn>
+                        </p:par>
+                      </p:childTnLst>
+                    </p:cTn>
+                  </p:par>
+                </p:childTnLst>
+              </p:cTn>
+              <p:prevCondLst>
+                <p:cond evt="onPrev" delay="0">
+                  <p:tgtEl>
+                    <p:sldTgt/>
+                  </p:tgtEl>
+                </p:cond>
+              </p:prevCondLst>
+              <p:nextCondLst>
+                <p:cond evt="onNext" delay="0">
+                  <p:tgtEl>
+                    <p:sldTgt/>
+                  </p:tgtEl>
+                </p:cond>
+              </p:nextCondLst>
+            </p:seq>
+          </p:childTnLst>
+        </p:cTn>
+      </p:par>
+    </p:tnLst>
+  </p:timing>
 </p:sld>
 </file>
 
@@ -6485,6 +7088,13 @@
   <p:transition>
     <p:fade/>
   </p:transition>
+  <p:timing>
+    <p:tnLst>
+      <p:par>
+        <p:cTn id="1" dur="indefinite" restart="never" nodeType="tmRoot"/>
+      </p:par>
+    </p:tnLst>
+  </p:timing>
 </p:sld>
 </file>
 
@@ -6505,6 +7115,80 @@
           <a:chExt cx="0" cy="0"/>
         </a:xfrm>
       </p:grpSpPr>
+      <p:grpSp>
+        <p:nvGrpSpPr>
+          <p:cNvPr id="3" name="Group 2"/>
+          <p:cNvGrpSpPr/>
+          <p:nvPr/>
+        </p:nvGrpSpPr>
+        <p:grpSpPr>
+          <a:xfrm>
+            <a:off x="2464578" y="5001536"/>
+            <a:ext cx="4408519" cy="946292"/>
+            <a:chOff x="2464578" y="5001536"/>
+            <a:chExt cx="4408519" cy="946292"/>
+          </a:xfrm>
+        </p:grpSpPr>
+        <p:pic>
+          <p:nvPicPr>
+            <p:cNvPr id="11" name="Picture 10">
+              <a:extLst>
+                <a:ext uri="{FF2B5EF4-FFF2-40B4-BE49-F238E27FC236}">
+                  <a16:creationId xmlns:a16="http://schemas.microsoft.com/office/drawing/2014/main" id="{44F23342-32A3-184E-9D57-647F218CA957}"/>
+                </a:ext>
+              </a:extLst>
+            </p:cNvPr>
+            <p:cNvPicPr>
+              <a:picLocks noChangeAspect="1"/>
+            </p:cNvPicPr>
+            <p:nvPr/>
+          </p:nvPicPr>
+          <p:blipFill>
+            <a:blip r:embed="rId2"/>
+            <a:stretch>
+              <a:fillRect/>
+            </a:stretch>
+          </p:blipFill>
+          <p:spPr>
+            <a:xfrm>
+              <a:off x="2464578" y="5001536"/>
+              <a:ext cx="4408519" cy="946292"/>
+            </a:xfrm>
+            <a:prstGeom prst="rect">
+              <a:avLst/>
+            </a:prstGeom>
+          </p:spPr>
+        </p:pic>
+        <p:pic>
+          <p:nvPicPr>
+            <p:cNvPr id="22" name="Picture 21">
+              <a:extLst>
+                <a:ext uri="{FF2B5EF4-FFF2-40B4-BE49-F238E27FC236}">
+                  <a16:creationId xmlns:a16="http://schemas.microsoft.com/office/drawing/2014/main" id="{44F23342-32A3-184E-9D57-647F218CA957}"/>
+                </a:ext>
+              </a:extLst>
+            </p:cNvPr>
+            <p:cNvPicPr>
+              <a:picLocks noChangeAspect="1"/>
+            </p:cNvPicPr>
+            <p:nvPr/>
+          </p:nvPicPr>
+          <p:blipFill rotWithShape="1">
+            <a:blip r:embed="rId2"/>
+            <a:srcRect l="14706" t="34279" r="78198" b="28849"/>
+            <a:stretch/>
+          </p:blipFill>
+          <p:spPr>
+            <a:xfrm>
+              <a:off x="3098289" y="5335139"/>
+              <a:ext cx="312822" cy="348916"/>
+            </a:xfrm>
+            <a:prstGeom prst="rect">
+              <a:avLst/>
+            </a:prstGeom>
+          </p:spPr>
+        </p:pic>
+      </p:grpSp>
       <p:sp>
         <p:nvSpPr>
           <p:cNvPr id="2" name="Title 1">
@@ -6579,7 +7263,7 @@
           <p:nvPr/>
         </p:nvPicPr>
         <p:blipFill>
-          <a:blip r:embed="rId2"/>
+          <a:blip r:embed="rId3"/>
           <a:stretch>
             <a:fillRect/>
           </a:stretch>
@@ -6609,7 +7293,7 @@
           <p:nvPr/>
         </p:nvPicPr>
         <p:blipFill>
-          <a:blip r:embed="rId3"/>
+          <a:blip r:embed="rId4"/>
           <a:stretch>
             <a:fillRect/>
           </a:stretch>
@@ -6639,7 +7323,7 @@
           <p:nvPr/>
         </p:nvPicPr>
         <p:blipFill>
-          <a:blip r:embed="rId4"/>
+          <a:blip r:embed="rId5"/>
           <a:stretch>
             <a:fillRect/>
           </a:stretch>
@@ -6669,7 +7353,7 @@
           <p:nvPr/>
         </p:nvPicPr>
         <p:blipFill>
-          <a:blip r:embed="rId5"/>
+          <a:blip r:embed="rId6"/>
           <a:stretch>
             <a:fillRect/>
           </a:stretch>
@@ -6699,7 +7383,7 @@
           <p:nvPr/>
         </p:nvPicPr>
         <p:blipFill>
-          <a:blip r:embed="rId6"/>
+          <a:blip r:embed="rId7"/>
           <a:stretch>
             <a:fillRect/>
           </a:stretch>
@@ -6729,7 +7413,7 @@
           <p:nvPr/>
         </p:nvPicPr>
         <p:blipFill>
-          <a:blip r:embed="rId7"/>
+          <a:blip r:embed="rId8"/>
           <a:stretch>
             <a:fillRect/>
           </a:stretch>
@@ -6738,36 +7422,6 @@
           <a:xfrm>
             <a:off x="5227235" y="3995674"/>
             <a:ext cx="1870698" cy="789972"/>
-          </a:xfrm>
-          <a:prstGeom prst="rect">
-            <a:avLst/>
-          </a:prstGeom>
-        </p:spPr>
-      </p:pic>
-      <p:pic>
-        <p:nvPicPr>
-          <p:cNvPr id="11" name="Picture 10">
-            <a:extLst>
-              <a:ext uri="{FF2B5EF4-FFF2-40B4-BE49-F238E27FC236}">
-                <a16:creationId xmlns:a16="http://schemas.microsoft.com/office/drawing/2014/main" id="{44F23342-32A3-184E-9D57-647F218CA957}"/>
-              </a:ext>
-            </a:extLst>
-          </p:cNvPr>
-          <p:cNvPicPr>
-            <a:picLocks noChangeAspect="1"/>
-          </p:cNvPicPr>
-          <p:nvPr/>
-        </p:nvPicPr>
-        <p:blipFill>
-          <a:blip r:embed="rId8"/>
-          <a:stretch>
-            <a:fillRect/>
-          </a:stretch>
-        </p:blipFill>
-        <p:spPr>
-          <a:xfrm>
-            <a:off x="2464578" y="5001536"/>
-            <a:ext cx="4408519" cy="946292"/>
           </a:xfrm>
           <a:prstGeom prst="rect">
             <a:avLst/>
@@ -7281,7 +7935,7 @@
                             </p:stCondLst>
                             <p:childTnLst>
                               <p:par>
-                                <p:cTn id="5" presetID="1" presetClass="entr" presetSubtype="0" fill="hold" nodeType="afterEffect">
+                                <p:cTn id="5" presetID="10" presetClass="entr" presetSubtype="0" fill="hold" nodeType="afterEffect">
                                   <p:stCondLst>
                                     <p:cond delay="1000"/>
                                   </p:stCondLst>
@@ -7304,6 +7958,14 @@
                                         <p:strVal val="visible"/>
                                       </p:to>
                                     </p:set>
+                                    <p:animEffect transition="in" filter="fade">
+                                      <p:cBhvr>
+                                        <p:cTn id="7" dur="500"/>
+                                        <p:tgtEl>
+                                          <p:spTgt spid="5"/>
+                                        </p:tgtEl>
+                                      </p:cBhvr>
+                                    </p:animEffect>
                                   </p:childTnLst>
                                 </p:cTn>
                               </p:par>
@@ -7311,20 +7973,20 @@
                           </p:cTn>
                         </p:par>
                         <p:par>
-                          <p:cTn id="7" fill="hold">
+                          <p:cTn id="8" fill="hold">
                             <p:stCondLst>
-                              <p:cond delay="1000"/>
+                              <p:cond delay="1500"/>
                             </p:stCondLst>
                             <p:childTnLst>
                               <p:par>
-                                <p:cTn id="8" presetID="1" presetClass="entr" presetSubtype="0" fill="hold" nodeType="afterEffect">
+                                <p:cTn id="9" presetID="10" presetClass="entr" presetSubtype="0" fill="hold" nodeType="afterEffect">
                                   <p:stCondLst>
                                     <p:cond delay="1000"/>
                                   </p:stCondLst>
                                   <p:childTnLst>
                                     <p:set>
                                       <p:cBhvr>
-                                        <p:cTn id="9" dur="1" fill="hold">
+                                        <p:cTn id="10" dur="1" fill="hold">
                                           <p:stCondLst>
                                             <p:cond delay="0"/>
                                           </p:stCondLst>
@@ -7340,6 +8002,14 @@
                                         <p:strVal val="visible"/>
                                       </p:to>
                                     </p:set>
+                                    <p:animEffect transition="in" filter="fade">
+                                      <p:cBhvr>
+                                        <p:cTn id="11" dur="500"/>
+                                        <p:tgtEl>
+                                          <p:spTgt spid="6"/>
+                                        </p:tgtEl>
+                                      </p:cBhvr>
+                                    </p:animEffect>
                                   </p:childTnLst>
                                 </p:cTn>
                               </p:par>
@@ -7347,20 +8017,20 @@
                           </p:cTn>
                         </p:par>
                         <p:par>
-                          <p:cTn id="10" fill="hold">
+                          <p:cTn id="12" fill="hold">
                             <p:stCondLst>
-                              <p:cond delay="2000"/>
+                              <p:cond delay="3000"/>
                             </p:stCondLst>
                             <p:childTnLst>
                               <p:par>
-                                <p:cTn id="11" presetID="1" presetClass="entr" presetSubtype="0" fill="hold" nodeType="afterEffect">
+                                <p:cTn id="13" presetID="10" presetClass="entr" presetSubtype="0" fill="hold" nodeType="afterEffect">
                                   <p:stCondLst>
                                     <p:cond delay="1000"/>
                                   </p:stCondLst>
                                   <p:childTnLst>
                                     <p:set>
                                       <p:cBhvr>
-                                        <p:cTn id="12" dur="1" fill="hold">
+                                        <p:cTn id="14" dur="1" fill="hold">
                                           <p:stCondLst>
                                             <p:cond delay="0"/>
                                           </p:stCondLst>
@@ -7376,6 +8046,14 @@
                                         <p:strVal val="visible"/>
                                       </p:to>
                                     </p:set>
+                                    <p:animEffect transition="in" filter="fade">
+                                      <p:cBhvr>
+                                        <p:cTn id="15" dur="500"/>
+                                        <p:tgtEl>
+                                          <p:spTgt spid="7"/>
+                                        </p:tgtEl>
+                                      </p:cBhvr>
+                                    </p:animEffect>
                                   </p:childTnLst>
                                 </p:cTn>
                               </p:par>
@@ -7383,20 +8061,20 @@
                           </p:cTn>
                         </p:par>
                         <p:par>
-                          <p:cTn id="13" fill="hold">
+                          <p:cTn id="16" fill="hold">
                             <p:stCondLst>
-                              <p:cond delay="3000"/>
+                              <p:cond delay="4500"/>
                             </p:stCondLst>
                             <p:childTnLst>
                               <p:par>
-                                <p:cTn id="14" presetID="1" presetClass="entr" presetSubtype="0" fill="hold" nodeType="afterEffect">
+                                <p:cTn id="17" presetID="10" presetClass="entr" presetSubtype="0" fill="hold" nodeType="afterEffect">
                                   <p:stCondLst>
                                     <p:cond delay="1000"/>
                                   </p:stCondLst>
                                   <p:childTnLst>
                                     <p:set>
                                       <p:cBhvr>
-                                        <p:cTn id="15" dur="1" fill="hold">
+                                        <p:cTn id="18" dur="1" fill="hold">
                                           <p:stCondLst>
                                             <p:cond delay="0"/>
                                           </p:stCondLst>
@@ -7412,6 +8090,14 @@
                                         <p:strVal val="visible"/>
                                       </p:to>
                                     </p:set>
+                                    <p:animEffect transition="in" filter="fade">
+                                      <p:cBhvr>
+                                        <p:cTn id="19" dur="500"/>
+                                        <p:tgtEl>
+                                          <p:spTgt spid="8"/>
+                                        </p:tgtEl>
+                                      </p:cBhvr>
+                                    </p:animEffect>
                                   </p:childTnLst>
                                 </p:cTn>
                               </p:par>
@@ -7419,20 +8105,20 @@
                           </p:cTn>
                         </p:par>
                         <p:par>
-                          <p:cTn id="16" fill="hold">
+                          <p:cTn id="20" fill="hold">
                             <p:stCondLst>
-                              <p:cond delay="4000"/>
+                              <p:cond delay="6000"/>
                             </p:stCondLst>
                             <p:childTnLst>
                               <p:par>
-                                <p:cTn id="17" presetID="1" presetClass="entr" presetSubtype="0" fill="hold" nodeType="afterEffect">
+                                <p:cTn id="21" presetID="10" presetClass="entr" presetSubtype="0" fill="hold" nodeType="afterEffect">
                                   <p:stCondLst>
                                     <p:cond delay="1000"/>
                                   </p:stCondLst>
                                   <p:childTnLst>
                                     <p:set>
                                       <p:cBhvr>
-                                        <p:cTn id="18" dur="1" fill="hold">
+                                        <p:cTn id="22" dur="1" fill="hold">
                                           <p:stCondLst>
                                             <p:cond delay="0"/>
                                           </p:stCondLst>
@@ -7448,6 +8134,14 @@
                                         <p:strVal val="visible"/>
                                       </p:to>
                                     </p:set>
+                                    <p:animEffect transition="in" filter="fade">
+                                      <p:cBhvr>
+                                        <p:cTn id="23" dur="500"/>
+                                        <p:tgtEl>
+                                          <p:spTgt spid="9"/>
+                                        </p:tgtEl>
+                                      </p:cBhvr>
+                                    </p:animEffect>
                                   </p:childTnLst>
                                 </p:cTn>
                               </p:par>
@@ -7455,20 +8149,20 @@
                           </p:cTn>
                         </p:par>
                         <p:par>
-                          <p:cTn id="19" fill="hold">
+                          <p:cTn id="24" fill="hold">
                             <p:stCondLst>
-                              <p:cond delay="5000"/>
+                              <p:cond delay="7500"/>
                             </p:stCondLst>
                             <p:childTnLst>
                               <p:par>
-                                <p:cTn id="20" presetID="1" presetClass="entr" presetSubtype="0" fill="hold" nodeType="afterEffect">
+                                <p:cTn id="25" presetID="10" presetClass="entr" presetSubtype="0" fill="hold" nodeType="afterEffect">
                                   <p:stCondLst>
                                     <p:cond delay="1000"/>
                                   </p:stCondLst>
                                   <p:childTnLst>
                                     <p:set>
                                       <p:cBhvr>
-                                        <p:cTn id="21" dur="1" fill="hold">
+                                        <p:cTn id="26" dur="1" fill="hold">
                                           <p:stCondLst>
                                             <p:cond delay="0"/>
                                           </p:stCondLst>
@@ -7484,6 +8178,14 @@
                                         <p:strVal val="visible"/>
                                       </p:to>
                                     </p:set>
+                                    <p:animEffect transition="in" filter="fade">
+                                      <p:cBhvr>
+                                        <p:cTn id="27" dur="500"/>
+                                        <p:tgtEl>
+                                          <p:spTgt spid="10"/>
+                                        </p:tgtEl>
+                                      </p:cBhvr>
+                                    </p:animEffect>
                                   </p:childTnLst>
                                 </p:cTn>
                               </p:par>
@@ -7491,26 +8193,26 @@
                           </p:cTn>
                         </p:par>
                         <p:par>
-                          <p:cTn id="22" fill="hold">
+                          <p:cTn id="28" fill="hold">
                             <p:stCondLst>
-                              <p:cond delay="6000"/>
+                              <p:cond delay="9000"/>
                             </p:stCondLst>
                             <p:childTnLst>
                               <p:par>
-                                <p:cTn id="23" presetID="1" presetClass="entr" presetSubtype="0" fill="hold" nodeType="afterEffect">
+                                <p:cTn id="29" presetID="10" presetClass="entr" presetSubtype="0" fill="hold" nodeType="afterEffect">
                                   <p:stCondLst>
                                     <p:cond delay="1000"/>
                                   </p:stCondLst>
                                   <p:childTnLst>
                                     <p:set>
                                       <p:cBhvr>
-                                        <p:cTn id="24" dur="1" fill="hold">
+                                        <p:cTn id="30" dur="1" fill="hold">
                                           <p:stCondLst>
                                             <p:cond delay="0"/>
                                           </p:stCondLst>
                                         </p:cTn>
                                         <p:tgtEl>
-                                          <p:spTgt spid="11"/>
+                                          <p:spTgt spid="3"/>
                                         </p:tgtEl>
                                         <p:attrNameLst>
                                           <p:attrName>style.visibility</p:attrName>
@@ -7520,6 +8222,14 @@
                                         <p:strVal val="visible"/>
                                       </p:to>
                                     </p:set>
+                                    <p:animEffect transition="in" filter="fade">
+                                      <p:cBhvr>
+                                        <p:cTn id="31" dur="500"/>
+                                        <p:tgtEl>
+                                          <p:spTgt spid="3"/>
+                                        </p:tgtEl>
+                                      </p:cBhvr>
+                                    </p:animEffect>
                                   </p:childTnLst>
                                 </p:cTn>
                               </p:par>
@@ -7530,26 +8240,26 @@
                     </p:cTn>
                   </p:par>
                   <p:par>
-                    <p:cTn id="25" fill="hold">
+                    <p:cTn id="32" fill="hold">
                       <p:stCondLst>
                         <p:cond delay="indefinite"/>
                       </p:stCondLst>
                       <p:childTnLst>
                         <p:par>
-                          <p:cTn id="26" fill="hold">
+                          <p:cTn id="33" fill="hold">
                             <p:stCondLst>
                               <p:cond delay="0"/>
                             </p:stCondLst>
                             <p:childTnLst>
                               <p:par>
-                                <p:cTn id="27" presetID="1" presetClass="entr" presetSubtype="0" fill="hold" nodeType="clickEffect">
+                                <p:cTn id="34" presetID="10" presetClass="entr" presetSubtype="0" fill="hold" nodeType="clickEffect">
                                   <p:stCondLst>
                                     <p:cond delay="0"/>
                                   </p:stCondLst>
                                   <p:childTnLst>
                                     <p:set>
                                       <p:cBhvr>
-                                        <p:cTn id="28" dur="1" fill="hold">
+                                        <p:cTn id="35" dur="1" fill="hold">
                                           <p:stCondLst>
                                             <p:cond delay="0"/>
                                           </p:stCondLst>
@@ -7565,6 +8275,14 @@
                                         <p:strVal val="visible"/>
                                       </p:to>
                                     </p:set>
+                                    <p:animEffect transition="in" filter="fade">
+                                      <p:cBhvr>
+                                        <p:cTn id="36" dur="500"/>
+                                        <p:tgtEl>
+                                          <p:spTgt spid="15"/>
+                                        </p:tgtEl>
+                                      </p:cBhvr>
+                                    </p:animEffect>
                                   </p:childTnLst>
                                 </p:cTn>
                               </p:par>
@@ -7575,26 +8293,26 @@
                     </p:cTn>
                   </p:par>
                   <p:par>
-                    <p:cTn id="29" fill="hold">
+                    <p:cTn id="37" fill="hold">
                       <p:stCondLst>
                         <p:cond delay="indefinite"/>
                       </p:stCondLst>
                       <p:childTnLst>
                         <p:par>
-                          <p:cTn id="30" fill="hold">
+                          <p:cTn id="38" fill="hold">
                             <p:stCondLst>
                               <p:cond delay="0"/>
                             </p:stCondLst>
                             <p:childTnLst>
                               <p:par>
-                                <p:cTn id="31" presetID="1" presetClass="entr" presetSubtype="0" fill="hold" nodeType="clickEffect">
+                                <p:cTn id="39" presetID="10" presetClass="entr" presetSubtype="0" fill="hold" nodeType="clickEffect">
                                   <p:stCondLst>
                                     <p:cond delay="0"/>
                                   </p:stCondLst>
                                   <p:childTnLst>
                                     <p:set>
                                       <p:cBhvr>
-                                        <p:cTn id="32" dur="1" fill="hold">
+                                        <p:cTn id="40" dur="1" fill="hold">
                                           <p:stCondLst>
                                             <p:cond delay="0"/>
                                           </p:stCondLst>
@@ -7608,6 +8326,931 @@
                                       </p:cBhvr>
                                       <p:to>
                                         <p:strVal val="visible"/>
+                                      </p:to>
+                                    </p:set>
+                                    <p:animEffect transition="in" filter="fade">
+                                      <p:cBhvr>
+                                        <p:cTn id="41" dur="500"/>
+                                        <p:tgtEl>
+                                          <p:spTgt spid="23"/>
+                                        </p:tgtEl>
+                                      </p:cBhvr>
+                                    </p:animEffect>
+                                  </p:childTnLst>
+                                </p:cTn>
+                              </p:par>
+                            </p:childTnLst>
+                          </p:cTn>
+                        </p:par>
+                      </p:childTnLst>
+                    </p:cTn>
+                  </p:par>
+                </p:childTnLst>
+              </p:cTn>
+              <p:prevCondLst>
+                <p:cond evt="onPrev" delay="0">
+                  <p:tgtEl>
+                    <p:sldTgt/>
+                  </p:tgtEl>
+                </p:cond>
+              </p:prevCondLst>
+              <p:nextCondLst>
+                <p:cond evt="onNext" delay="0">
+                  <p:tgtEl>
+                    <p:sldTgt/>
+                  </p:tgtEl>
+                </p:cond>
+              </p:nextCondLst>
+            </p:seq>
+          </p:childTnLst>
+        </p:cTn>
+      </p:par>
+    </p:tnLst>
+  </p:timing>
+</p:sld>
+</file>
+
+<file path=ppt/slides/slide6.xml><?xml version="1.0" encoding="utf-8"?>
+<p:sld xmlns:a="http://schemas.openxmlformats.org/drawingml/2006/main" xmlns:r="http://schemas.openxmlformats.org/officeDocument/2006/relationships" xmlns:p="http://schemas.openxmlformats.org/presentationml/2006/main">
+  <p:cSld>
+    <p:spTree>
+      <p:nvGrpSpPr>
+        <p:cNvPr id="1" name=""/>
+        <p:cNvGrpSpPr/>
+        <p:nvPr/>
+      </p:nvGrpSpPr>
+      <p:grpSpPr>
+        <a:xfrm>
+          <a:off x="0" y="0"/>
+          <a:ext cx="0" cy="0"/>
+          <a:chOff x="0" y="0"/>
+          <a:chExt cx="0" cy="0"/>
+        </a:xfrm>
+      </p:grpSpPr>
+      <p:grpSp>
+        <p:nvGrpSpPr>
+          <p:cNvPr id="14" name="Group 13"/>
+          <p:cNvGrpSpPr/>
+          <p:nvPr/>
+        </p:nvGrpSpPr>
+        <p:grpSpPr>
+          <a:xfrm>
+            <a:off x="2464578" y="5001536"/>
+            <a:ext cx="4408519" cy="946292"/>
+            <a:chOff x="2464578" y="5001536"/>
+            <a:chExt cx="4408519" cy="946292"/>
+          </a:xfrm>
+        </p:grpSpPr>
+        <p:pic>
+          <p:nvPicPr>
+            <p:cNvPr id="11" name="Picture 10">
+              <a:extLst>
+                <a:ext uri="{FF2B5EF4-FFF2-40B4-BE49-F238E27FC236}">
+                  <a16:creationId xmlns:a16="http://schemas.microsoft.com/office/drawing/2014/main" id="{44F23342-32A3-184E-9D57-647F218CA957}"/>
+                </a:ext>
+              </a:extLst>
+            </p:cNvPr>
+            <p:cNvPicPr>
+              <a:picLocks noChangeAspect="1"/>
+            </p:cNvPicPr>
+            <p:nvPr/>
+          </p:nvPicPr>
+          <p:blipFill>
+            <a:blip r:embed="rId2"/>
+            <a:stretch>
+              <a:fillRect/>
+            </a:stretch>
+          </p:blipFill>
+          <p:spPr>
+            <a:xfrm>
+              <a:off x="2464578" y="5001536"/>
+              <a:ext cx="4408519" cy="946292"/>
+            </a:xfrm>
+            <a:prstGeom prst="rect">
+              <a:avLst/>
+            </a:prstGeom>
+          </p:spPr>
+        </p:pic>
+        <p:pic>
+          <p:nvPicPr>
+            <p:cNvPr id="22" name="Picture 21">
+              <a:extLst>
+                <a:ext uri="{FF2B5EF4-FFF2-40B4-BE49-F238E27FC236}">
+                  <a16:creationId xmlns:a16="http://schemas.microsoft.com/office/drawing/2014/main" id="{44F23342-32A3-184E-9D57-647F218CA957}"/>
+                </a:ext>
+              </a:extLst>
+            </p:cNvPr>
+            <p:cNvPicPr>
+              <a:picLocks noChangeAspect="1"/>
+            </p:cNvPicPr>
+            <p:nvPr/>
+          </p:nvPicPr>
+          <p:blipFill rotWithShape="1">
+            <a:blip r:embed="rId2"/>
+            <a:srcRect l="14706" t="34279" r="78198" b="28849"/>
+            <a:stretch/>
+          </p:blipFill>
+          <p:spPr>
+            <a:xfrm>
+              <a:off x="3098289" y="5335139"/>
+              <a:ext cx="312822" cy="348916"/>
+            </a:xfrm>
+            <a:prstGeom prst="rect">
+              <a:avLst/>
+            </a:prstGeom>
+          </p:spPr>
+        </p:pic>
+      </p:grpSp>
+      <p:sp>
+        <p:nvSpPr>
+          <p:cNvPr id="2" name="Title 1">
+            <a:extLst>
+              <a:ext uri="{FF2B5EF4-FFF2-40B4-BE49-F238E27FC236}">
+                <a16:creationId xmlns:a16="http://schemas.microsoft.com/office/drawing/2014/main" id="{0D67AC33-EE09-F94B-8F59-FF7BB6B5688F}"/>
+              </a:ext>
+            </a:extLst>
+          </p:cNvPr>
+          <p:cNvSpPr>
+            <a:spLocks noGrp="1"/>
+          </p:cNvSpPr>
+          <p:nvPr>
+            <p:ph type="title"/>
+          </p:nvPr>
+        </p:nvSpPr>
+        <p:spPr/>
+        <p:txBody>
+          <a:bodyPr/>
+          <a:lstStyle/>
+          <a:p>
+            <a:r>
+              <a:rPr lang="en-US" dirty="0"/>
+              <a:t>Equilibrium Assumptions</a:t>
+            </a:r>
+          </a:p>
+        </p:txBody>
+      </p:sp>
+      <p:sp>
+        <p:nvSpPr>
+          <p:cNvPr id="4" name="Slide Number Placeholder 3">
+            <a:extLst>
+              <a:ext uri="{FF2B5EF4-FFF2-40B4-BE49-F238E27FC236}">
+                <a16:creationId xmlns:a16="http://schemas.microsoft.com/office/drawing/2014/main" id="{99110574-29DC-C542-B2EE-7ACF6A4FE363}"/>
+              </a:ext>
+            </a:extLst>
+          </p:cNvPr>
+          <p:cNvSpPr>
+            <a:spLocks noGrp="1"/>
+          </p:cNvSpPr>
+          <p:nvPr>
+            <p:ph type="sldNum" sz="quarter" idx="4"/>
+          </p:nvPr>
+        </p:nvSpPr>
+        <p:spPr/>
+        <p:txBody>
+          <a:bodyPr/>
+          <a:lstStyle/>
+          <a:p>
+            <a:pPr algn="ctr"/>
+            <a:fld id="{F1E776F5-9A26-455E-BF09-7D727D022004}" type="slidenum">
+              <a:rPr lang="en-US" smtClean="0"/>
+              <a:pPr algn="ctr"/>
+              <a:t>6</a:t>
+            </a:fld>
+            <a:endParaRPr lang="en-US"/>
+          </a:p>
+        </p:txBody>
+      </p:sp>
+      <p:grpSp>
+        <p:nvGrpSpPr>
+          <p:cNvPr id="3" name="Group 2"/>
+          <p:cNvGrpSpPr/>
+          <p:nvPr/>
+        </p:nvGrpSpPr>
+        <p:grpSpPr>
+          <a:xfrm>
+            <a:off x="445625" y="910172"/>
+            <a:ext cx="7913949" cy="3875474"/>
+            <a:chOff x="445625" y="910172"/>
+            <a:chExt cx="7913949" cy="3875474"/>
+          </a:xfrm>
+        </p:grpSpPr>
+        <p:pic>
+          <p:nvPicPr>
+            <p:cNvPr id="5" name="Picture 4">
+              <a:extLst>
+                <a:ext uri="{FF2B5EF4-FFF2-40B4-BE49-F238E27FC236}">
+                  <a16:creationId xmlns:a16="http://schemas.microsoft.com/office/drawing/2014/main" id="{7FD12DFF-8DB8-FB45-AE1F-6BE809137393}"/>
+                </a:ext>
+              </a:extLst>
+            </p:cNvPr>
+            <p:cNvPicPr>
+              <a:picLocks noChangeAspect="1"/>
+            </p:cNvPicPr>
+            <p:nvPr/>
+          </p:nvPicPr>
+          <p:blipFill>
+            <a:blip r:embed="rId3"/>
+            <a:stretch>
+              <a:fillRect/>
+            </a:stretch>
+          </p:blipFill>
+          <p:spPr>
+            <a:xfrm>
+              <a:off x="457200" y="969121"/>
+              <a:ext cx="4091066" cy="894403"/>
+            </a:xfrm>
+            <a:prstGeom prst="rect">
+              <a:avLst/>
+            </a:prstGeom>
+          </p:spPr>
+        </p:pic>
+        <p:pic>
+          <p:nvPicPr>
+            <p:cNvPr id="6" name="Picture 5">
+              <a:extLst>
+                <a:ext uri="{FF2B5EF4-FFF2-40B4-BE49-F238E27FC236}">
+                  <a16:creationId xmlns:a16="http://schemas.microsoft.com/office/drawing/2014/main" id="{FE13C4E8-4F2F-1749-80FA-95303481F17B}"/>
+                </a:ext>
+              </a:extLst>
+            </p:cNvPr>
+            <p:cNvPicPr>
+              <a:picLocks noChangeAspect="1"/>
+            </p:cNvPicPr>
+            <p:nvPr/>
+          </p:nvPicPr>
+          <p:blipFill>
+            <a:blip r:embed="rId4"/>
+            <a:stretch>
+              <a:fillRect/>
+            </a:stretch>
+          </p:blipFill>
+          <p:spPr>
+            <a:xfrm>
+              <a:off x="5836293" y="910172"/>
+              <a:ext cx="2523281" cy="1011102"/>
+            </a:xfrm>
+            <a:prstGeom prst="rect">
+              <a:avLst/>
+            </a:prstGeom>
+          </p:spPr>
+        </p:pic>
+        <p:pic>
+          <p:nvPicPr>
+            <p:cNvPr id="7" name="Picture 6">
+              <a:extLst>
+                <a:ext uri="{FF2B5EF4-FFF2-40B4-BE49-F238E27FC236}">
+                  <a16:creationId xmlns:a16="http://schemas.microsoft.com/office/drawing/2014/main" id="{809B502E-4D67-5845-AB79-EAA18D9674E1}"/>
+                </a:ext>
+              </a:extLst>
+            </p:cNvPr>
+            <p:cNvPicPr>
+              <a:picLocks noChangeAspect="1"/>
+            </p:cNvPicPr>
+            <p:nvPr/>
+          </p:nvPicPr>
+          <p:blipFill>
+            <a:blip r:embed="rId5"/>
+            <a:stretch>
+              <a:fillRect/>
+            </a:stretch>
+          </p:blipFill>
+          <p:spPr>
+            <a:xfrm>
+              <a:off x="1600667" y="1931052"/>
+              <a:ext cx="6136341" cy="894403"/>
+            </a:xfrm>
+            <a:prstGeom prst="rect">
+              <a:avLst/>
+            </a:prstGeom>
+          </p:spPr>
+        </p:pic>
+        <p:pic>
+          <p:nvPicPr>
+            <p:cNvPr id="8" name="Picture 7">
+              <a:extLst>
+                <a:ext uri="{FF2B5EF4-FFF2-40B4-BE49-F238E27FC236}">
+                  <a16:creationId xmlns:a16="http://schemas.microsoft.com/office/drawing/2014/main" id="{BEB21114-EC2D-CA47-89E4-F05A2DC3A790}"/>
+                </a:ext>
+              </a:extLst>
+            </p:cNvPr>
+            <p:cNvPicPr>
+              <a:picLocks noChangeAspect="1"/>
+            </p:cNvPicPr>
+            <p:nvPr/>
+          </p:nvPicPr>
+          <p:blipFill>
+            <a:blip r:embed="rId6"/>
+            <a:stretch>
+              <a:fillRect/>
+            </a:stretch>
+          </p:blipFill>
+          <p:spPr>
+            <a:xfrm>
+              <a:off x="1751022" y="2872488"/>
+              <a:ext cx="5641955" cy="1041591"/>
+            </a:xfrm>
+            <a:prstGeom prst="rect">
+              <a:avLst/>
+            </a:prstGeom>
+          </p:spPr>
+        </p:pic>
+        <p:pic>
+          <p:nvPicPr>
+            <p:cNvPr id="9" name="Picture 8">
+              <a:extLst>
+                <a:ext uri="{FF2B5EF4-FFF2-40B4-BE49-F238E27FC236}">
+                  <a16:creationId xmlns:a16="http://schemas.microsoft.com/office/drawing/2014/main" id="{9A13CF5E-B5CA-EF42-90D8-D08A29405707}"/>
+                </a:ext>
+              </a:extLst>
+            </p:cNvPr>
+            <p:cNvPicPr>
+              <a:picLocks noChangeAspect="1"/>
+            </p:cNvPicPr>
+            <p:nvPr/>
+          </p:nvPicPr>
+          <p:blipFill>
+            <a:blip r:embed="rId7"/>
+            <a:stretch>
+              <a:fillRect/>
+            </a:stretch>
+          </p:blipFill>
+          <p:spPr>
+            <a:xfrm>
+              <a:off x="2502733" y="4011496"/>
+              <a:ext cx="981195" cy="758328"/>
+            </a:xfrm>
+            <a:prstGeom prst="rect">
+              <a:avLst/>
+            </a:prstGeom>
+          </p:spPr>
+        </p:pic>
+        <p:pic>
+          <p:nvPicPr>
+            <p:cNvPr id="10" name="Picture 9">
+              <a:extLst>
+                <a:ext uri="{FF2B5EF4-FFF2-40B4-BE49-F238E27FC236}">
+                  <a16:creationId xmlns:a16="http://schemas.microsoft.com/office/drawing/2014/main" id="{EEBEE5EF-2292-1241-97BA-F5E847C34F20}"/>
+                </a:ext>
+              </a:extLst>
+            </p:cNvPr>
+            <p:cNvPicPr>
+              <a:picLocks noChangeAspect="1"/>
+            </p:cNvPicPr>
+            <p:nvPr/>
+          </p:nvPicPr>
+          <p:blipFill>
+            <a:blip r:embed="rId8"/>
+            <a:stretch>
+              <a:fillRect/>
+            </a:stretch>
+          </p:blipFill>
+          <p:spPr>
+            <a:xfrm>
+              <a:off x="5227235" y="3995674"/>
+              <a:ext cx="1870698" cy="789972"/>
+            </a:xfrm>
+            <a:prstGeom prst="rect">
+              <a:avLst/>
+            </a:prstGeom>
+          </p:spPr>
+        </p:pic>
+        <p:grpSp>
+          <p:nvGrpSpPr>
+            <p:cNvPr id="15" name="Group 14">
+              <a:extLst>
+                <a:ext uri="{FF2B5EF4-FFF2-40B4-BE49-F238E27FC236}">
+                  <a16:creationId xmlns:a16="http://schemas.microsoft.com/office/drawing/2014/main" id="{3B50E717-A591-3D40-BE36-7A4B13F3FF93}"/>
+                </a:ext>
+              </a:extLst>
+            </p:cNvPr>
+            <p:cNvGrpSpPr/>
+            <p:nvPr/>
+          </p:nvGrpSpPr>
+          <p:grpSpPr>
+            <a:xfrm>
+              <a:off x="445625" y="1053296"/>
+              <a:ext cx="2214833" cy="1759070"/>
+              <a:chOff x="445625" y="1053296"/>
+              <a:chExt cx="2214833" cy="1759070"/>
+            </a:xfrm>
+          </p:grpSpPr>
+          <p:sp>
+            <p:nvSpPr>
+              <p:cNvPr id="12" name="Rectangle 11">
+                <a:extLst>
+                  <a:ext uri="{FF2B5EF4-FFF2-40B4-BE49-F238E27FC236}">
+                    <a16:creationId xmlns:a16="http://schemas.microsoft.com/office/drawing/2014/main" id="{B24CA60C-D23B-0943-B7DC-BBC8F722BF18}"/>
+                  </a:ext>
+                </a:extLst>
+              </p:cNvPr>
+              <p:cNvSpPr/>
+              <p:nvPr/>
+            </p:nvSpPr>
+            <p:spPr>
+              <a:xfrm>
+                <a:off x="445625" y="1053296"/>
+                <a:ext cx="1143467" cy="810228"/>
+              </a:xfrm>
+              <a:prstGeom prst="rect">
+                <a:avLst/>
+              </a:prstGeom>
+              <a:noFill/>
+              <a:ln w="57150">
+                <a:solidFill>
+                  <a:schemeClr val="accent1"/>
+                </a:solidFill>
+              </a:ln>
+            </p:spPr>
+            <p:style>
+              <a:lnRef idx="2">
+                <a:schemeClr val="accent1">
+                  <a:shade val="50000"/>
+                </a:schemeClr>
+              </a:lnRef>
+              <a:fillRef idx="1">
+                <a:schemeClr val="accent1"/>
+              </a:fillRef>
+              <a:effectRef idx="0">
+                <a:schemeClr val="accent1"/>
+              </a:effectRef>
+              <a:fontRef idx="minor">
+                <a:schemeClr val="lt1"/>
+              </a:fontRef>
+            </p:style>
+            <p:txBody>
+              <a:bodyPr rtlCol="0" anchor="ctr"/>
+              <a:lstStyle/>
+              <a:p>
+                <a:pPr algn="ctr"/>
+                <a:endParaRPr lang="en-US"/>
+              </a:p>
+            </p:txBody>
+          </p:sp>
+          <p:sp>
+            <p:nvSpPr>
+              <p:cNvPr id="13" name="Rectangle 12">
+                <a:extLst>
+                  <a:ext uri="{FF2B5EF4-FFF2-40B4-BE49-F238E27FC236}">
+                    <a16:creationId xmlns:a16="http://schemas.microsoft.com/office/drawing/2014/main" id="{47527EF9-089D-BF46-B075-926F9F9218E4}"/>
+                  </a:ext>
+                </a:extLst>
+              </p:cNvPr>
+              <p:cNvSpPr/>
+              <p:nvPr/>
+            </p:nvSpPr>
+            <p:spPr>
+              <a:xfrm>
+                <a:off x="1516991" y="2002138"/>
+                <a:ext cx="1143467" cy="810228"/>
+              </a:xfrm>
+              <a:prstGeom prst="rect">
+                <a:avLst/>
+              </a:prstGeom>
+              <a:noFill/>
+              <a:ln w="57150">
+                <a:solidFill>
+                  <a:schemeClr val="accent1"/>
+                </a:solidFill>
+              </a:ln>
+            </p:spPr>
+            <p:style>
+              <a:lnRef idx="2">
+                <a:schemeClr val="accent1">
+                  <a:shade val="50000"/>
+                </a:schemeClr>
+              </a:lnRef>
+              <a:fillRef idx="1">
+                <a:schemeClr val="accent1"/>
+              </a:fillRef>
+              <a:effectRef idx="0">
+                <a:schemeClr val="accent1"/>
+              </a:effectRef>
+              <a:fontRef idx="minor">
+                <a:schemeClr val="lt1"/>
+              </a:fontRef>
+            </p:style>
+            <p:txBody>
+              <a:bodyPr rtlCol="0" anchor="ctr"/>
+              <a:lstStyle/>
+              <a:p>
+                <a:pPr algn="ctr"/>
+                <a:endParaRPr lang="en-US"/>
+              </a:p>
+            </p:txBody>
+          </p:sp>
+        </p:grpSp>
+      </p:grpSp>
+      <p:grpSp>
+        <p:nvGrpSpPr>
+          <p:cNvPr id="23" name="Group 22">
+            <a:extLst>
+              <a:ext uri="{FF2B5EF4-FFF2-40B4-BE49-F238E27FC236}">
+                <a16:creationId xmlns:a16="http://schemas.microsoft.com/office/drawing/2014/main" id="{24E4A82F-9FE6-C842-8AF4-1E9A3DBCF9F6}"/>
+              </a:ext>
+            </a:extLst>
+          </p:cNvPr>
+          <p:cNvGrpSpPr/>
+          <p:nvPr/>
+        </p:nvGrpSpPr>
+        <p:grpSpPr>
+          <a:xfrm>
+            <a:off x="1629645" y="995622"/>
+            <a:ext cx="6607906" cy="4917899"/>
+            <a:chOff x="1629645" y="995622"/>
+            <a:chExt cx="6607906" cy="4917899"/>
+          </a:xfrm>
+        </p:grpSpPr>
+        <p:sp>
+          <p:nvSpPr>
+            <p:cNvPr id="16" name="Rectangle 15">
+              <a:extLst>
+                <a:ext uri="{FF2B5EF4-FFF2-40B4-BE49-F238E27FC236}">
+                  <a16:creationId xmlns:a16="http://schemas.microsoft.com/office/drawing/2014/main" id="{23B7AC37-1FD5-1544-9F4B-9EAD5C91A0B5}"/>
+                </a:ext>
+              </a:extLst>
+            </p:cNvPr>
+            <p:cNvSpPr/>
+            <p:nvPr/>
+          </p:nvSpPr>
+          <p:spPr>
+            <a:xfrm>
+              <a:off x="1629645" y="995622"/>
+              <a:ext cx="6607906" cy="877680"/>
+            </a:xfrm>
+            <a:prstGeom prst="rect">
+              <a:avLst/>
+            </a:prstGeom>
+            <a:solidFill>
+              <a:srgbClr val="FFFFFF">
+                <a:alpha val="85098"/>
+              </a:srgbClr>
+            </a:solidFill>
+            <a:ln>
+              <a:noFill/>
+            </a:ln>
+          </p:spPr>
+          <p:style>
+            <a:lnRef idx="2">
+              <a:schemeClr val="accent1">
+                <a:shade val="50000"/>
+              </a:schemeClr>
+            </a:lnRef>
+            <a:fillRef idx="1">
+              <a:schemeClr val="accent1"/>
+            </a:fillRef>
+            <a:effectRef idx="0">
+              <a:schemeClr val="accent1"/>
+            </a:effectRef>
+            <a:fontRef idx="minor">
+              <a:schemeClr val="lt1"/>
+            </a:fontRef>
+          </p:style>
+          <p:txBody>
+            <a:bodyPr rtlCol="0" anchor="ctr"/>
+            <a:lstStyle/>
+            <a:p>
+              <a:pPr algn="ctr"/>
+              <a:endParaRPr lang="en-US"/>
+            </a:p>
+          </p:txBody>
+        </p:sp>
+        <p:sp>
+          <p:nvSpPr>
+            <p:cNvPr id="17" name="Rectangle 16">
+              <a:extLst>
+                <a:ext uri="{FF2B5EF4-FFF2-40B4-BE49-F238E27FC236}">
+                  <a16:creationId xmlns:a16="http://schemas.microsoft.com/office/drawing/2014/main" id="{5A6E001E-A975-DD4D-B3A4-F67714EC63ED}"/>
+                </a:ext>
+              </a:extLst>
+            </p:cNvPr>
+            <p:cNvSpPr/>
+            <p:nvPr/>
+          </p:nvSpPr>
+          <p:spPr>
+            <a:xfrm>
+              <a:off x="2696427" y="1988802"/>
+              <a:ext cx="5040581" cy="877680"/>
+            </a:xfrm>
+            <a:prstGeom prst="rect">
+              <a:avLst/>
+            </a:prstGeom>
+            <a:solidFill>
+              <a:srgbClr val="FFFFFF">
+                <a:alpha val="85098"/>
+              </a:srgbClr>
+            </a:solidFill>
+            <a:ln>
+              <a:noFill/>
+            </a:ln>
+          </p:spPr>
+          <p:style>
+            <a:lnRef idx="2">
+              <a:schemeClr val="accent1">
+                <a:shade val="50000"/>
+              </a:schemeClr>
+            </a:lnRef>
+            <a:fillRef idx="1">
+              <a:schemeClr val="accent1"/>
+            </a:fillRef>
+            <a:effectRef idx="0">
+              <a:schemeClr val="accent1"/>
+            </a:effectRef>
+            <a:fontRef idx="minor">
+              <a:schemeClr val="lt1"/>
+            </a:fontRef>
+          </p:style>
+          <p:txBody>
+            <a:bodyPr rtlCol="0" anchor="ctr"/>
+            <a:lstStyle/>
+            <a:p>
+              <a:pPr algn="ctr"/>
+              <a:endParaRPr lang="en-US"/>
+            </a:p>
+          </p:txBody>
+        </p:sp>
+        <p:sp>
+          <p:nvSpPr>
+            <p:cNvPr id="18" name="Rectangle 17">
+              <a:extLst>
+                <a:ext uri="{FF2B5EF4-FFF2-40B4-BE49-F238E27FC236}">
+                  <a16:creationId xmlns:a16="http://schemas.microsoft.com/office/drawing/2014/main" id="{219E35DD-7DB9-4641-A9CC-9C8F5818506B}"/>
+                </a:ext>
+              </a:extLst>
+            </p:cNvPr>
+            <p:cNvSpPr/>
+            <p:nvPr/>
+          </p:nvSpPr>
+          <p:spPr>
+            <a:xfrm>
+              <a:off x="1751022" y="3009541"/>
+              <a:ext cx="5595523" cy="1775089"/>
+            </a:xfrm>
+            <a:prstGeom prst="rect">
+              <a:avLst/>
+            </a:prstGeom>
+            <a:solidFill>
+              <a:srgbClr val="FFFFFF">
+                <a:alpha val="85098"/>
+              </a:srgbClr>
+            </a:solidFill>
+            <a:ln>
+              <a:noFill/>
+            </a:ln>
+          </p:spPr>
+          <p:style>
+            <a:lnRef idx="2">
+              <a:schemeClr val="accent1">
+                <a:shade val="50000"/>
+              </a:schemeClr>
+            </a:lnRef>
+            <a:fillRef idx="1">
+              <a:schemeClr val="accent1"/>
+            </a:fillRef>
+            <a:effectRef idx="0">
+              <a:schemeClr val="accent1"/>
+            </a:effectRef>
+            <a:fontRef idx="minor">
+              <a:schemeClr val="lt1"/>
+            </a:fontRef>
+          </p:style>
+          <p:txBody>
+            <a:bodyPr rtlCol="0" anchor="ctr"/>
+            <a:lstStyle/>
+            <a:p>
+              <a:pPr algn="ctr"/>
+              <a:endParaRPr lang="en-US"/>
+            </a:p>
+          </p:txBody>
+        </p:sp>
+        <p:sp>
+          <p:nvSpPr>
+            <p:cNvPr id="19" name="Rectangle 18">
+              <a:extLst>
+                <a:ext uri="{FF2B5EF4-FFF2-40B4-BE49-F238E27FC236}">
+                  <a16:creationId xmlns:a16="http://schemas.microsoft.com/office/drawing/2014/main" id="{91D30FA5-B69D-064D-9FBC-E39727A89B0C}"/>
+                </a:ext>
+              </a:extLst>
+            </p:cNvPr>
+            <p:cNvSpPr/>
+            <p:nvPr/>
+          </p:nvSpPr>
+          <p:spPr>
+            <a:xfrm>
+              <a:off x="3411111" y="5470496"/>
+              <a:ext cx="1391478" cy="443025"/>
+            </a:xfrm>
+            <a:prstGeom prst="rect">
+              <a:avLst/>
+            </a:prstGeom>
+            <a:solidFill>
+              <a:srgbClr val="FFFFFF">
+                <a:alpha val="85098"/>
+              </a:srgbClr>
+            </a:solidFill>
+            <a:ln>
+              <a:noFill/>
+            </a:ln>
+          </p:spPr>
+          <p:style>
+            <a:lnRef idx="2">
+              <a:schemeClr val="accent1">
+                <a:shade val="50000"/>
+              </a:schemeClr>
+            </a:lnRef>
+            <a:fillRef idx="1">
+              <a:schemeClr val="accent1"/>
+            </a:fillRef>
+            <a:effectRef idx="0">
+              <a:schemeClr val="accent1"/>
+            </a:effectRef>
+            <a:fontRef idx="minor">
+              <a:schemeClr val="lt1"/>
+            </a:fontRef>
+          </p:style>
+          <p:txBody>
+            <a:bodyPr rtlCol="0" anchor="ctr"/>
+            <a:lstStyle/>
+            <a:p>
+              <a:pPr algn="ctr"/>
+              <a:endParaRPr lang="en-US"/>
+            </a:p>
+          </p:txBody>
+        </p:sp>
+        <p:sp>
+          <p:nvSpPr>
+            <p:cNvPr id="20" name="Rectangle 19">
+              <a:extLst>
+                <a:ext uri="{FF2B5EF4-FFF2-40B4-BE49-F238E27FC236}">
+                  <a16:creationId xmlns:a16="http://schemas.microsoft.com/office/drawing/2014/main" id="{32C8B854-6657-5A4B-A469-85EB788273BA}"/>
+                </a:ext>
+              </a:extLst>
+            </p:cNvPr>
+            <p:cNvSpPr/>
+            <p:nvPr/>
+          </p:nvSpPr>
+          <p:spPr>
+            <a:xfrm>
+              <a:off x="4839718" y="5288085"/>
+              <a:ext cx="813659" cy="443025"/>
+            </a:xfrm>
+            <a:prstGeom prst="rect">
+              <a:avLst/>
+            </a:prstGeom>
+            <a:solidFill>
+              <a:srgbClr val="FFFFFF">
+                <a:alpha val="85098"/>
+              </a:srgbClr>
+            </a:solidFill>
+            <a:ln>
+              <a:noFill/>
+            </a:ln>
+          </p:spPr>
+          <p:style>
+            <a:lnRef idx="2">
+              <a:schemeClr val="accent1">
+                <a:shade val="50000"/>
+              </a:schemeClr>
+            </a:lnRef>
+            <a:fillRef idx="1">
+              <a:schemeClr val="accent1"/>
+            </a:fillRef>
+            <a:effectRef idx="0">
+              <a:schemeClr val="accent1"/>
+            </a:effectRef>
+            <a:fontRef idx="minor">
+              <a:schemeClr val="lt1"/>
+            </a:fontRef>
+          </p:style>
+          <p:txBody>
+            <a:bodyPr rtlCol="0" anchor="ctr"/>
+            <a:lstStyle/>
+            <a:p>
+              <a:pPr algn="ctr"/>
+              <a:endParaRPr lang="en-US"/>
+            </a:p>
+          </p:txBody>
+        </p:sp>
+        <p:sp>
+          <p:nvSpPr>
+            <p:cNvPr id="21" name="Rectangle 20">
+              <a:extLst>
+                <a:ext uri="{FF2B5EF4-FFF2-40B4-BE49-F238E27FC236}">
+                  <a16:creationId xmlns:a16="http://schemas.microsoft.com/office/drawing/2014/main" id="{A8D89ADE-B4D1-FA47-84B8-93A11322A003}"/>
+                </a:ext>
+              </a:extLst>
+            </p:cNvPr>
+            <p:cNvSpPr/>
+            <p:nvPr/>
+          </p:nvSpPr>
+          <p:spPr>
+            <a:xfrm>
+              <a:off x="5978079" y="5288085"/>
+              <a:ext cx="494283" cy="443025"/>
+            </a:xfrm>
+            <a:prstGeom prst="rect">
+              <a:avLst/>
+            </a:prstGeom>
+            <a:solidFill>
+              <a:srgbClr val="FFFFFF">
+                <a:alpha val="85098"/>
+              </a:srgbClr>
+            </a:solidFill>
+            <a:ln>
+              <a:noFill/>
+            </a:ln>
+          </p:spPr>
+          <p:style>
+            <a:lnRef idx="2">
+              <a:schemeClr val="accent1">
+                <a:shade val="50000"/>
+              </a:schemeClr>
+            </a:lnRef>
+            <a:fillRef idx="1">
+              <a:schemeClr val="accent1"/>
+            </a:fillRef>
+            <a:effectRef idx="0">
+              <a:schemeClr val="accent1"/>
+            </a:effectRef>
+            <a:fontRef idx="minor">
+              <a:schemeClr val="lt1"/>
+            </a:fontRef>
+          </p:style>
+          <p:txBody>
+            <a:bodyPr rtlCol="0" anchor="ctr"/>
+            <a:lstStyle/>
+            <a:p>
+              <a:pPr algn="ctr"/>
+              <a:endParaRPr lang="en-US"/>
+            </a:p>
+          </p:txBody>
+        </p:sp>
+      </p:grpSp>
+    </p:spTree>
+    <p:extLst>
+      <p:ext uri="{BB962C8B-B14F-4D97-AF65-F5344CB8AC3E}">
+        <p14:creationId xmlns:p14="http://schemas.microsoft.com/office/powerpoint/2010/main" val="2734364317"/>
+      </p:ext>
+    </p:extLst>
+  </p:cSld>
+  <p:clrMapOvr>
+    <a:masterClrMapping/>
+  </p:clrMapOvr>
+  <p:transition>
+    <p:fade/>
+  </p:transition>
+  <p:timing>
+    <p:tnLst>
+      <p:par>
+        <p:cTn id="1" dur="indefinite" restart="never" nodeType="tmRoot">
+          <p:childTnLst>
+            <p:seq concurrent="1" nextAc="seek">
+              <p:cTn id="2" dur="indefinite" nodeType="mainSeq">
+                <p:childTnLst>
+                  <p:par>
+                    <p:cTn id="3" fill="hold">
+                      <p:stCondLst>
+                        <p:cond delay="indefinite"/>
+                        <p:cond evt="onBegin" delay="0">
+                          <p:tn val="2"/>
+                        </p:cond>
+                      </p:stCondLst>
+                      <p:childTnLst>
+                        <p:par>
+                          <p:cTn id="4" fill="hold">
+                            <p:stCondLst>
+                              <p:cond delay="0"/>
+                            </p:stCondLst>
+                            <p:childTnLst>
+                              <p:par>
+                                <p:cTn id="5" presetID="10" presetClass="exit" presetSubtype="0" fill="hold" nodeType="withEffect">
+                                  <p:stCondLst>
+                                    <p:cond delay="0"/>
+                                  </p:stCondLst>
+                                  <p:childTnLst>
+                                    <p:animEffect transition="out" filter="fade">
+                                      <p:cBhvr>
+                                        <p:cTn id="6" dur="1000"/>
+                                        <p:tgtEl>
+                                          <p:spTgt spid="3"/>
+                                        </p:tgtEl>
+                                      </p:cBhvr>
+                                    </p:animEffect>
+                                    <p:set>
+                                      <p:cBhvr>
+                                        <p:cTn id="7" dur="1" fill="hold">
+                                          <p:stCondLst>
+                                            <p:cond delay="999"/>
+                                          </p:stCondLst>
+                                        </p:cTn>
+                                        <p:tgtEl>
+                                          <p:spTgt spid="3"/>
+                                        </p:tgtEl>
+                                        <p:attrNameLst>
+                                          <p:attrName>style.visibility</p:attrName>
+                                        </p:attrNameLst>
+                                      </p:cBhvr>
+                                      <p:to>
+                                        <p:strVal val="hidden"/>
                                       </p:to>
                                     </p:set>
                                   </p:childTnLst>
@@ -7638,6 +9281,727 @@
             </p:seq>
           </p:childTnLst>
         </p:cTn>
+      </p:par>
+    </p:tnLst>
+  </p:timing>
+</p:sld>
+</file>
+
+<file path=ppt/slides/slide7.xml><?xml version="1.0" encoding="utf-8"?>
+<p:sld xmlns:a="http://schemas.openxmlformats.org/drawingml/2006/main" xmlns:r="http://schemas.openxmlformats.org/officeDocument/2006/relationships" xmlns:p="http://schemas.openxmlformats.org/presentationml/2006/main">
+  <p:cSld>
+    <p:spTree>
+      <p:nvGrpSpPr>
+        <p:cNvPr id="1" name=""/>
+        <p:cNvGrpSpPr/>
+        <p:nvPr/>
+      </p:nvGrpSpPr>
+      <p:grpSpPr>
+        <a:xfrm>
+          <a:off x="0" y="0"/>
+          <a:ext cx="0" cy="0"/>
+          <a:chOff x="0" y="0"/>
+          <a:chExt cx="0" cy="0"/>
+        </a:xfrm>
+      </p:grpSpPr>
+      <p:sp>
+        <p:nvSpPr>
+          <p:cNvPr id="2" name="Title 1">
+            <a:extLst>
+              <a:ext uri="{FF2B5EF4-FFF2-40B4-BE49-F238E27FC236}">
+                <a16:creationId xmlns:a16="http://schemas.microsoft.com/office/drawing/2014/main" id="{0D67AC33-EE09-F94B-8F59-FF7BB6B5688F}"/>
+              </a:ext>
+            </a:extLst>
+          </p:cNvPr>
+          <p:cNvSpPr>
+            <a:spLocks noGrp="1"/>
+          </p:cNvSpPr>
+          <p:nvPr>
+            <p:ph type="title"/>
+          </p:nvPr>
+        </p:nvSpPr>
+        <p:spPr/>
+        <p:txBody>
+          <a:bodyPr/>
+          <a:lstStyle/>
+          <a:p>
+            <a:r>
+              <a:rPr lang="en-US" dirty="0"/>
+              <a:t>Equilibrium Assumptions</a:t>
+            </a:r>
+          </a:p>
+        </p:txBody>
+      </p:sp>
+      <p:sp>
+        <p:nvSpPr>
+          <p:cNvPr id="4" name="Slide Number Placeholder 3">
+            <a:extLst>
+              <a:ext uri="{FF2B5EF4-FFF2-40B4-BE49-F238E27FC236}">
+                <a16:creationId xmlns:a16="http://schemas.microsoft.com/office/drawing/2014/main" id="{99110574-29DC-C542-B2EE-7ACF6A4FE363}"/>
+              </a:ext>
+            </a:extLst>
+          </p:cNvPr>
+          <p:cNvSpPr>
+            <a:spLocks noGrp="1"/>
+          </p:cNvSpPr>
+          <p:nvPr>
+            <p:ph type="sldNum" sz="quarter" idx="4"/>
+          </p:nvPr>
+        </p:nvSpPr>
+        <p:spPr/>
+        <p:txBody>
+          <a:bodyPr/>
+          <a:lstStyle/>
+          <a:p>
+            <a:pPr algn="ctr"/>
+            <a:fld id="{F1E776F5-9A26-455E-BF09-7D727D022004}" type="slidenum">
+              <a:rPr lang="en-US" smtClean="0"/>
+              <a:pPr algn="ctr"/>
+              <a:t>7</a:t>
+            </a:fld>
+            <a:endParaRPr lang="en-US"/>
+          </a:p>
+        </p:txBody>
+      </p:sp>
+      <p:grpSp>
+        <p:nvGrpSpPr>
+          <p:cNvPr id="24" name="Group 23"/>
+          <p:cNvGrpSpPr/>
+          <p:nvPr/>
+        </p:nvGrpSpPr>
+        <p:grpSpPr>
+          <a:xfrm>
+            <a:off x="2464578" y="5001536"/>
+            <a:ext cx="4408519" cy="946292"/>
+            <a:chOff x="2464578" y="5001536"/>
+            <a:chExt cx="4408519" cy="946292"/>
+          </a:xfrm>
+        </p:grpSpPr>
+        <p:grpSp>
+          <p:nvGrpSpPr>
+            <p:cNvPr id="14" name="Group 13"/>
+            <p:cNvGrpSpPr/>
+            <p:nvPr/>
+          </p:nvGrpSpPr>
+          <p:grpSpPr>
+            <a:xfrm>
+              <a:off x="2464578" y="5001536"/>
+              <a:ext cx="4408519" cy="946292"/>
+              <a:chOff x="2464578" y="5001536"/>
+              <a:chExt cx="4408519" cy="946292"/>
+            </a:xfrm>
+          </p:grpSpPr>
+          <p:pic>
+            <p:nvPicPr>
+              <p:cNvPr id="11" name="Picture 10">
+                <a:extLst>
+                  <a:ext uri="{FF2B5EF4-FFF2-40B4-BE49-F238E27FC236}">
+                    <a16:creationId xmlns:a16="http://schemas.microsoft.com/office/drawing/2014/main" id="{44F23342-32A3-184E-9D57-647F218CA957}"/>
+                  </a:ext>
+                </a:extLst>
+              </p:cNvPr>
+              <p:cNvPicPr>
+                <a:picLocks noChangeAspect="1"/>
+              </p:cNvPicPr>
+              <p:nvPr/>
+            </p:nvPicPr>
+            <p:blipFill>
+              <a:blip r:embed="rId2"/>
+              <a:stretch>
+                <a:fillRect/>
+              </a:stretch>
+            </p:blipFill>
+            <p:spPr>
+              <a:xfrm>
+                <a:off x="2464578" y="5001536"/>
+                <a:ext cx="4408519" cy="946292"/>
+              </a:xfrm>
+              <a:prstGeom prst="rect">
+                <a:avLst/>
+              </a:prstGeom>
+            </p:spPr>
+          </p:pic>
+          <p:pic>
+            <p:nvPicPr>
+              <p:cNvPr id="22" name="Picture 21">
+                <a:extLst>
+                  <a:ext uri="{FF2B5EF4-FFF2-40B4-BE49-F238E27FC236}">
+                    <a16:creationId xmlns:a16="http://schemas.microsoft.com/office/drawing/2014/main" id="{44F23342-32A3-184E-9D57-647F218CA957}"/>
+                  </a:ext>
+                </a:extLst>
+              </p:cNvPr>
+              <p:cNvPicPr>
+                <a:picLocks noChangeAspect="1"/>
+              </p:cNvPicPr>
+              <p:nvPr/>
+            </p:nvPicPr>
+            <p:blipFill rotWithShape="1">
+              <a:blip r:embed="rId2"/>
+              <a:srcRect l="14706" t="34279" r="78198" b="28849"/>
+              <a:stretch/>
+            </p:blipFill>
+            <p:spPr>
+              <a:xfrm>
+                <a:off x="3098289" y="5335139"/>
+                <a:ext cx="312822" cy="348916"/>
+              </a:xfrm>
+              <a:prstGeom prst="rect">
+                <a:avLst/>
+              </a:prstGeom>
+            </p:spPr>
+          </p:pic>
+        </p:grpSp>
+        <p:sp>
+          <p:nvSpPr>
+            <p:cNvPr id="19" name="Rectangle 18">
+              <a:extLst>
+                <a:ext uri="{FF2B5EF4-FFF2-40B4-BE49-F238E27FC236}">
+                  <a16:creationId xmlns:a16="http://schemas.microsoft.com/office/drawing/2014/main" id="{91D30FA5-B69D-064D-9FBC-E39727A89B0C}"/>
+                </a:ext>
+              </a:extLst>
+            </p:cNvPr>
+            <p:cNvSpPr/>
+            <p:nvPr/>
+          </p:nvSpPr>
+          <p:spPr>
+            <a:xfrm>
+              <a:off x="3411111" y="5470496"/>
+              <a:ext cx="1391478" cy="443025"/>
+            </a:xfrm>
+            <a:prstGeom prst="rect">
+              <a:avLst/>
+            </a:prstGeom>
+            <a:solidFill>
+              <a:srgbClr val="FFFFFF">
+                <a:alpha val="85098"/>
+              </a:srgbClr>
+            </a:solidFill>
+            <a:ln>
+              <a:noFill/>
+            </a:ln>
+          </p:spPr>
+          <p:style>
+            <a:lnRef idx="2">
+              <a:schemeClr val="accent1">
+                <a:shade val="50000"/>
+              </a:schemeClr>
+            </a:lnRef>
+            <a:fillRef idx="1">
+              <a:schemeClr val="accent1"/>
+            </a:fillRef>
+            <a:effectRef idx="0">
+              <a:schemeClr val="accent1"/>
+            </a:effectRef>
+            <a:fontRef idx="minor">
+              <a:schemeClr val="lt1"/>
+            </a:fontRef>
+          </p:style>
+          <p:txBody>
+            <a:bodyPr rtlCol="0" anchor="ctr"/>
+            <a:lstStyle/>
+            <a:p>
+              <a:pPr algn="ctr"/>
+              <a:endParaRPr lang="en-US"/>
+            </a:p>
+          </p:txBody>
+        </p:sp>
+        <p:sp>
+          <p:nvSpPr>
+            <p:cNvPr id="20" name="Rectangle 19">
+              <a:extLst>
+                <a:ext uri="{FF2B5EF4-FFF2-40B4-BE49-F238E27FC236}">
+                  <a16:creationId xmlns:a16="http://schemas.microsoft.com/office/drawing/2014/main" id="{32C8B854-6657-5A4B-A469-85EB788273BA}"/>
+                </a:ext>
+              </a:extLst>
+            </p:cNvPr>
+            <p:cNvSpPr/>
+            <p:nvPr/>
+          </p:nvSpPr>
+          <p:spPr>
+            <a:xfrm>
+              <a:off x="4839718" y="5288085"/>
+              <a:ext cx="813659" cy="443025"/>
+            </a:xfrm>
+            <a:prstGeom prst="rect">
+              <a:avLst/>
+            </a:prstGeom>
+            <a:solidFill>
+              <a:srgbClr val="FFFFFF">
+                <a:alpha val="85098"/>
+              </a:srgbClr>
+            </a:solidFill>
+            <a:ln>
+              <a:noFill/>
+            </a:ln>
+          </p:spPr>
+          <p:style>
+            <a:lnRef idx="2">
+              <a:schemeClr val="accent1">
+                <a:shade val="50000"/>
+              </a:schemeClr>
+            </a:lnRef>
+            <a:fillRef idx="1">
+              <a:schemeClr val="accent1"/>
+            </a:fillRef>
+            <a:effectRef idx="0">
+              <a:schemeClr val="accent1"/>
+            </a:effectRef>
+            <a:fontRef idx="minor">
+              <a:schemeClr val="lt1"/>
+            </a:fontRef>
+          </p:style>
+          <p:txBody>
+            <a:bodyPr rtlCol="0" anchor="ctr"/>
+            <a:lstStyle/>
+            <a:p>
+              <a:pPr algn="ctr"/>
+              <a:endParaRPr lang="en-US"/>
+            </a:p>
+          </p:txBody>
+        </p:sp>
+        <p:sp>
+          <p:nvSpPr>
+            <p:cNvPr id="21" name="Rectangle 20">
+              <a:extLst>
+                <a:ext uri="{FF2B5EF4-FFF2-40B4-BE49-F238E27FC236}">
+                  <a16:creationId xmlns:a16="http://schemas.microsoft.com/office/drawing/2014/main" id="{A8D89ADE-B4D1-FA47-84B8-93A11322A003}"/>
+                </a:ext>
+              </a:extLst>
+            </p:cNvPr>
+            <p:cNvSpPr/>
+            <p:nvPr/>
+          </p:nvSpPr>
+          <p:spPr>
+            <a:xfrm>
+              <a:off x="5978079" y="5288085"/>
+              <a:ext cx="494283" cy="443025"/>
+            </a:xfrm>
+            <a:prstGeom prst="rect">
+              <a:avLst/>
+            </a:prstGeom>
+            <a:solidFill>
+              <a:srgbClr val="FFFFFF">
+                <a:alpha val="85098"/>
+              </a:srgbClr>
+            </a:solidFill>
+            <a:ln>
+              <a:noFill/>
+            </a:ln>
+          </p:spPr>
+          <p:style>
+            <a:lnRef idx="2">
+              <a:schemeClr val="accent1">
+                <a:shade val="50000"/>
+              </a:schemeClr>
+            </a:lnRef>
+            <a:fillRef idx="1">
+              <a:schemeClr val="accent1"/>
+            </a:fillRef>
+            <a:effectRef idx="0">
+              <a:schemeClr val="accent1"/>
+            </a:effectRef>
+            <a:fontRef idx="minor">
+              <a:schemeClr val="lt1"/>
+            </a:fontRef>
+          </p:style>
+          <p:txBody>
+            <a:bodyPr rtlCol="0" anchor="ctr"/>
+            <a:lstStyle/>
+            <a:p>
+              <a:pPr algn="ctr"/>
+              <a:endParaRPr lang="en-US"/>
+            </a:p>
+          </p:txBody>
+        </p:sp>
+      </p:grpSp>
+    </p:spTree>
+    <p:extLst>
+      <p:ext uri="{BB962C8B-B14F-4D97-AF65-F5344CB8AC3E}">
+        <p14:creationId xmlns:p14="http://schemas.microsoft.com/office/powerpoint/2010/main" val="2509880439"/>
+      </p:ext>
+    </p:extLst>
+  </p:cSld>
+  <p:clrMapOvr>
+    <a:masterClrMapping/>
+  </p:clrMapOvr>
+  <p:transition>
+    <p:fade/>
+  </p:transition>
+  <p:timing>
+    <p:tnLst>
+      <p:par>
+        <p:cTn id="1" dur="indefinite" restart="never" nodeType="tmRoot">
+          <p:childTnLst>
+            <p:seq concurrent="1" nextAc="seek">
+              <p:cTn id="2" dur="indefinite" nodeType="mainSeq">
+                <p:childTnLst>
+                  <p:par>
+                    <p:cTn id="3" fill="hold">
+                      <p:stCondLst>
+                        <p:cond delay="indefinite"/>
+                        <p:cond evt="onBegin" delay="0">
+                          <p:tn val="2"/>
+                        </p:cond>
+                      </p:stCondLst>
+                      <p:childTnLst>
+                        <p:par>
+                          <p:cTn id="4" fill="hold">
+                            <p:stCondLst>
+                              <p:cond delay="0"/>
+                            </p:stCondLst>
+                            <p:childTnLst>
+                              <p:par>
+                                <p:cTn id="5" presetID="42" presetClass="path" presetSubtype="0" accel="50000" decel="50000" fill="hold" nodeType="withEffect">
+                                  <p:stCondLst>
+                                    <p:cond delay="0"/>
+                                  </p:stCondLst>
+                                  <p:childTnLst>
+                                    <p:animMotion origin="layout" path="M -2.77778E-7 3.7037E-7 L -0.19549 -0.5713 " pathEditMode="relative" rAng="0" ptsTypes="AA">
+                                      <p:cBhvr>
+                                        <p:cTn id="6" dur="2000" fill="hold"/>
+                                        <p:tgtEl>
+                                          <p:spTgt spid="24"/>
+                                        </p:tgtEl>
+                                        <p:attrNameLst>
+                                          <p:attrName>ppt_x</p:attrName>
+                                          <p:attrName>ppt_y</p:attrName>
+                                        </p:attrNameLst>
+                                      </p:cBhvr>
+                                      <p:rCtr x="-9774" y="-28565"/>
+                                    </p:animMotion>
+                                  </p:childTnLst>
+                                </p:cTn>
+                              </p:par>
+                            </p:childTnLst>
+                          </p:cTn>
+                        </p:par>
+                      </p:childTnLst>
+                    </p:cTn>
+                  </p:par>
+                </p:childTnLst>
+              </p:cTn>
+              <p:prevCondLst>
+                <p:cond evt="onPrev" delay="0">
+                  <p:tgtEl>
+                    <p:sldTgt/>
+                  </p:tgtEl>
+                </p:cond>
+              </p:prevCondLst>
+              <p:nextCondLst>
+                <p:cond evt="onNext" delay="0">
+                  <p:tgtEl>
+                    <p:sldTgt/>
+                  </p:tgtEl>
+                </p:cond>
+              </p:nextCondLst>
+            </p:seq>
+          </p:childTnLst>
+        </p:cTn>
+      </p:par>
+    </p:tnLst>
+  </p:timing>
+</p:sld>
+</file>
+
+<file path=ppt/slides/slide8.xml><?xml version="1.0" encoding="utf-8"?>
+<p:sld xmlns:a="http://schemas.openxmlformats.org/drawingml/2006/main" xmlns:r="http://schemas.openxmlformats.org/officeDocument/2006/relationships" xmlns:p="http://schemas.openxmlformats.org/presentationml/2006/main">
+  <p:cSld>
+    <p:spTree>
+      <p:nvGrpSpPr>
+        <p:cNvPr id="1" name=""/>
+        <p:cNvGrpSpPr/>
+        <p:nvPr/>
+      </p:nvGrpSpPr>
+      <p:grpSpPr>
+        <a:xfrm>
+          <a:off x="0" y="0"/>
+          <a:ext cx="0" cy="0"/>
+          <a:chOff x="0" y="0"/>
+          <a:chExt cx="0" cy="0"/>
+        </a:xfrm>
+      </p:grpSpPr>
+      <p:sp>
+        <p:nvSpPr>
+          <p:cNvPr id="2" name="Title 1">
+            <a:extLst>
+              <a:ext uri="{FF2B5EF4-FFF2-40B4-BE49-F238E27FC236}">
+                <a16:creationId xmlns:a16="http://schemas.microsoft.com/office/drawing/2014/main" id="{0D67AC33-EE09-F94B-8F59-FF7BB6B5688F}"/>
+              </a:ext>
+            </a:extLst>
+          </p:cNvPr>
+          <p:cNvSpPr>
+            <a:spLocks noGrp="1"/>
+          </p:cNvSpPr>
+          <p:nvPr>
+            <p:ph type="title"/>
+          </p:nvPr>
+        </p:nvSpPr>
+        <p:spPr/>
+        <p:txBody>
+          <a:bodyPr/>
+          <a:lstStyle/>
+          <a:p>
+            <a:r>
+              <a:rPr lang="en-US" dirty="0"/>
+              <a:t>Equilibrium Assumptions</a:t>
+            </a:r>
+          </a:p>
+        </p:txBody>
+      </p:sp>
+      <p:sp>
+        <p:nvSpPr>
+          <p:cNvPr id="4" name="Slide Number Placeholder 3">
+            <a:extLst>
+              <a:ext uri="{FF2B5EF4-FFF2-40B4-BE49-F238E27FC236}">
+                <a16:creationId xmlns:a16="http://schemas.microsoft.com/office/drawing/2014/main" id="{99110574-29DC-C542-B2EE-7ACF6A4FE363}"/>
+              </a:ext>
+            </a:extLst>
+          </p:cNvPr>
+          <p:cNvSpPr>
+            <a:spLocks noGrp="1"/>
+          </p:cNvSpPr>
+          <p:nvPr>
+            <p:ph type="sldNum" sz="quarter" idx="4"/>
+          </p:nvPr>
+        </p:nvSpPr>
+        <p:spPr/>
+        <p:txBody>
+          <a:bodyPr/>
+          <a:lstStyle/>
+          <a:p>
+            <a:pPr algn="ctr"/>
+            <a:fld id="{F1E776F5-9A26-455E-BF09-7D727D022004}" type="slidenum">
+              <a:rPr lang="en-US" smtClean="0"/>
+              <a:pPr algn="ctr"/>
+              <a:t>8</a:t>
+            </a:fld>
+            <a:endParaRPr lang="en-US"/>
+          </a:p>
+        </p:txBody>
+      </p:sp>
+      <p:grpSp>
+        <p:nvGrpSpPr>
+          <p:cNvPr id="25" name="Group 24" descr="Down:  Group 23"/>
+          <p:cNvGrpSpPr/>
+          <p:nvPr/>
+        </p:nvGrpSpPr>
+        <p:grpSpPr>
+          <a:xfrm>
+            <a:off x="1310728" y="1376381"/>
+            <a:ext cx="3374073" cy="625436"/>
+            <a:chOff x="3098289" y="5288085"/>
+            <a:chExt cx="3374073" cy="625436"/>
+          </a:xfrm>
+        </p:grpSpPr>
+        <p:pic>
+          <p:nvPicPr>
+            <p:cNvPr id="31" name="Picture 30">
+              <a:extLst>
+                <a:ext uri="{FF2B5EF4-FFF2-40B4-BE49-F238E27FC236}">
+                  <a16:creationId xmlns:a16="http://schemas.microsoft.com/office/drawing/2014/main" id="{44F23342-32A3-184E-9D57-647F218CA957}"/>
+                </a:ext>
+              </a:extLst>
+            </p:cNvPr>
+            <p:cNvPicPr>
+              <a:picLocks noChangeAspect="1"/>
+            </p:cNvPicPr>
+            <p:nvPr/>
+          </p:nvPicPr>
+          <p:blipFill rotWithShape="1">
+            <a:blip r:embed="rId2"/>
+            <a:srcRect l="14706" t="34279" r="78198" b="28849"/>
+            <a:stretch/>
+          </p:blipFill>
+          <p:spPr>
+            <a:xfrm>
+              <a:off x="3098289" y="5335139"/>
+              <a:ext cx="312822" cy="348916"/>
+            </a:xfrm>
+            <a:prstGeom prst="rect">
+              <a:avLst/>
+            </a:prstGeom>
+          </p:spPr>
+        </p:pic>
+        <p:sp>
+          <p:nvSpPr>
+            <p:cNvPr id="27" name="Rectangle 26">
+              <a:extLst>
+                <a:ext uri="{FF2B5EF4-FFF2-40B4-BE49-F238E27FC236}">
+                  <a16:creationId xmlns:a16="http://schemas.microsoft.com/office/drawing/2014/main" id="{91D30FA5-B69D-064D-9FBC-E39727A89B0C}"/>
+                </a:ext>
+              </a:extLst>
+            </p:cNvPr>
+            <p:cNvSpPr/>
+            <p:nvPr/>
+          </p:nvSpPr>
+          <p:spPr>
+            <a:xfrm>
+              <a:off x="3411111" y="5470496"/>
+              <a:ext cx="1391478" cy="443025"/>
+            </a:xfrm>
+            <a:prstGeom prst="rect">
+              <a:avLst/>
+            </a:prstGeom>
+            <a:solidFill>
+              <a:srgbClr val="FFFFFF">
+                <a:alpha val="85098"/>
+              </a:srgbClr>
+            </a:solidFill>
+            <a:ln>
+              <a:noFill/>
+            </a:ln>
+          </p:spPr>
+          <p:style>
+            <a:lnRef idx="2">
+              <a:schemeClr val="accent1">
+                <a:shade val="50000"/>
+              </a:schemeClr>
+            </a:lnRef>
+            <a:fillRef idx="1">
+              <a:schemeClr val="accent1"/>
+            </a:fillRef>
+            <a:effectRef idx="0">
+              <a:schemeClr val="accent1"/>
+            </a:effectRef>
+            <a:fontRef idx="minor">
+              <a:schemeClr val="lt1"/>
+            </a:fontRef>
+          </p:style>
+          <p:txBody>
+            <a:bodyPr rtlCol="0" anchor="ctr"/>
+            <a:lstStyle/>
+            <a:p>
+              <a:pPr algn="ctr"/>
+              <a:endParaRPr lang="en-US"/>
+            </a:p>
+          </p:txBody>
+        </p:sp>
+        <p:sp>
+          <p:nvSpPr>
+            <p:cNvPr id="28" name="Rectangle 27">
+              <a:extLst>
+                <a:ext uri="{FF2B5EF4-FFF2-40B4-BE49-F238E27FC236}">
+                  <a16:creationId xmlns:a16="http://schemas.microsoft.com/office/drawing/2014/main" id="{32C8B854-6657-5A4B-A469-85EB788273BA}"/>
+                </a:ext>
+              </a:extLst>
+            </p:cNvPr>
+            <p:cNvSpPr/>
+            <p:nvPr/>
+          </p:nvSpPr>
+          <p:spPr>
+            <a:xfrm>
+              <a:off x="4839718" y="5288085"/>
+              <a:ext cx="813659" cy="443025"/>
+            </a:xfrm>
+            <a:prstGeom prst="rect">
+              <a:avLst/>
+            </a:prstGeom>
+            <a:solidFill>
+              <a:srgbClr val="FFFFFF">
+                <a:alpha val="85098"/>
+              </a:srgbClr>
+            </a:solidFill>
+            <a:ln>
+              <a:noFill/>
+            </a:ln>
+          </p:spPr>
+          <p:style>
+            <a:lnRef idx="2">
+              <a:schemeClr val="accent1">
+                <a:shade val="50000"/>
+              </a:schemeClr>
+            </a:lnRef>
+            <a:fillRef idx="1">
+              <a:schemeClr val="accent1"/>
+            </a:fillRef>
+            <a:effectRef idx="0">
+              <a:schemeClr val="accent1"/>
+            </a:effectRef>
+            <a:fontRef idx="minor">
+              <a:schemeClr val="lt1"/>
+            </a:fontRef>
+          </p:style>
+          <p:txBody>
+            <a:bodyPr rtlCol="0" anchor="ctr"/>
+            <a:lstStyle/>
+            <a:p>
+              <a:pPr algn="ctr"/>
+              <a:endParaRPr lang="en-US"/>
+            </a:p>
+          </p:txBody>
+        </p:sp>
+        <p:sp>
+          <p:nvSpPr>
+            <p:cNvPr id="29" name="Rectangle 28">
+              <a:extLst>
+                <a:ext uri="{FF2B5EF4-FFF2-40B4-BE49-F238E27FC236}">
+                  <a16:creationId xmlns:a16="http://schemas.microsoft.com/office/drawing/2014/main" id="{A8D89ADE-B4D1-FA47-84B8-93A11322A003}"/>
+                </a:ext>
+              </a:extLst>
+            </p:cNvPr>
+            <p:cNvSpPr/>
+            <p:nvPr/>
+          </p:nvSpPr>
+          <p:spPr>
+            <a:xfrm>
+              <a:off x="5978079" y="5288085"/>
+              <a:ext cx="494283" cy="443025"/>
+            </a:xfrm>
+            <a:prstGeom prst="rect">
+              <a:avLst/>
+            </a:prstGeom>
+            <a:solidFill>
+              <a:srgbClr val="FFFFFF">
+                <a:alpha val="85098"/>
+              </a:srgbClr>
+            </a:solidFill>
+            <a:ln>
+              <a:noFill/>
+            </a:ln>
+          </p:spPr>
+          <p:style>
+            <a:lnRef idx="2">
+              <a:schemeClr val="accent1">
+                <a:shade val="50000"/>
+              </a:schemeClr>
+            </a:lnRef>
+            <a:fillRef idx="1">
+              <a:schemeClr val="accent1"/>
+            </a:fillRef>
+            <a:effectRef idx="0">
+              <a:schemeClr val="accent1"/>
+            </a:effectRef>
+            <a:fontRef idx="minor">
+              <a:schemeClr val="lt1"/>
+            </a:fontRef>
+          </p:style>
+          <p:txBody>
+            <a:bodyPr rtlCol="0" anchor="ctr"/>
+            <a:lstStyle/>
+            <a:p>
+              <a:pPr algn="ctr"/>
+              <a:endParaRPr lang="en-US"/>
+            </a:p>
+          </p:txBody>
+        </p:sp>
+      </p:grpSp>
+    </p:spTree>
+    <p:extLst>
+      <p:ext uri="{BB962C8B-B14F-4D97-AF65-F5344CB8AC3E}">
+        <p14:creationId xmlns:p14="http://schemas.microsoft.com/office/powerpoint/2010/main" val="1067795431"/>
+      </p:ext>
+    </p:extLst>
+  </p:cSld>
+  <p:clrMapOvr>
+    <a:masterClrMapping/>
+  </p:clrMapOvr>
+  <p:transition>
+    <p:fade/>
+  </p:transition>
+  <p:timing>
+    <p:tnLst>
+      <p:par>
+        <p:cTn id="1" dur="indefinite" restart="never" nodeType="tmRoot"/>
       </p:par>
     </p:tnLst>
   </p:timing>

--- a/forest_malaria/MMC_presentation.pptx
+++ b/forest_malaria/MMC_presentation.pptx
@@ -5,7 +5,7 @@
     <p:sldMasterId id="2147483648" r:id="rId1"/>
   </p:sldMasterIdLst>
   <p:notesMasterIdLst>
-    <p:notesMasterId r:id="rId10"/>
+    <p:notesMasterId r:id="rId21"/>
   </p:notesMasterIdLst>
   <p:sldIdLst>
     <p:sldId id="262" r:id="rId2"/>
@@ -16,6 +16,17 @@
     <p:sldId id="267" r:id="rId7"/>
     <p:sldId id="268" r:id="rId8"/>
     <p:sldId id="271" r:id="rId9"/>
+    <p:sldId id="272" r:id="rId10"/>
+    <p:sldId id="273" r:id="rId11"/>
+    <p:sldId id="275" r:id="rId12"/>
+    <p:sldId id="276" r:id="rId13"/>
+    <p:sldId id="277" r:id="rId14"/>
+    <p:sldId id="278" r:id="rId15"/>
+    <p:sldId id="279" r:id="rId16"/>
+    <p:sldId id="280" r:id="rId17"/>
+    <p:sldId id="281" r:id="rId18"/>
+    <p:sldId id="282" r:id="rId19"/>
+    <p:sldId id="283" r:id="rId20"/>
   </p:sldIdLst>
   <p:sldSz cx="9144000" cy="6858000" type="screen4x3"/>
   <p:notesSz cx="6858000" cy="9144000"/>
@@ -6119,13 +6130,1561 @@
   <p:transition>
     <p:fade/>
   </p:transition>
-  <p:timing>
-    <p:tnLst>
-      <p:par>
-        <p:cTn id="1" dur="indefinite" restart="never" nodeType="tmRoot"/>
-      </p:par>
-    </p:tnLst>
-  </p:timing>
+</p:sld>
+</file>
+
+<file path=ppt/slides/slide10.xml><?xml version="1.0" encoding="utf-8"?>
+<p:sld xmlns:a="http://schemas.openxmlformats.org/drawingml/2006/main" xmlns:r="http://schemas.openxmlformats.org/officeDocument/2006/relationships" xmlns:p="http://schemas.openxmlformats.org/presentationml/2006/main">
+  <p:cSld>
+    <p:spTree>
+      <p:nvGrpSpPr>
+        <p:cNvPr id="1" name=""/>
+        <p:cNvGrpSpPr/>
+        <p:nvPr/>
+      </p:nvGrpSpPr>
+      <p:grpSpPr>
+        <a:xfrm>
+          <a:off x="0" y="0"/>
+          <a:ext cx="0" cy="0"/>
+          <a:chOff x="0" y="0"/>
+          <a:chExt cx="0" cy="0"/>
+        </a:xfrm>
+      </p:grpSpPr>
+      <p:sp>
+        <p:nvSpPr>
+          <p:cNvPr id="2" name="Title 1">
+            <a:extLst>
+              <a:ext uri="{FF2B5EF4-FFF2-40B4-BE49-F238E27FC236}">
+                <a16:creationId xmlns:a16="http://schemas.microsoft.com/office/drawing/2014/main" id="{C2807040-375B-DA48-BE15-41750F7EED87}"/>
+              </a:ext>
+            </a:extLst>
+          </p:cNvPr>
+          <p:cNvSpPr>
+            <a:spLocks noGrp="1"/>
+          </p:cNvSpPr>
+          <p:nvPr>
+            <p:ph type="title"/>
+          </p:nvPr>
+        </p:nvSpPr>
+        <p:spPr/>
+        <p:txBody>
+          <a:bodyPr/>
+          <a:lstStyle/>
+          <a:p>
+            <a:r>
+              <a:rPr lang="en-US" dirty="0"/>
+              <a:t>Scaling by Time-at-Risk</a:t>
+            </a:r>
+          </a:p>
+        </p:txBody>
+      </p:sp>
+      <p:sp>
+        <p:nvSpPr>
+          <p:cNvPr id="3" name="Slide Number Placeholder 2">
+            <a:extLst>
+              <a:ext uri="{FF2B5EF4-FFF2-40B4-BE49-F238E27FC236}">
+                <a16:creationId xmlns:a16="http://schemas.microsoft.com/office/drawing/2014/main" id="{AF61458F-3547-BC44-8825-F7E27A130904}"/>
+              </a:ext>
+            </a:extLst>
+          </p:cNvPr>
+          <p:cNvSpPr>
+            <a:spLocks noGrp="1"/>
+          </p:cNvSpPr>
+          <p:nvPr>
+            <p:ph type="sldNum" sz="quarter" idx="4"/>
+          </p:nvPr>
+        </p:nvSpPr>
+        <p:spPr/>
+        <p:txBody>
+          <a:bodyPr/>
+          <a:lstStyle/>
+          <a:p>
+            <a:pPr algn="ctr"/>
+            <a:fld id="{F1E776F5-9A26-455E-BF09-7D727D022004}" type="slidenum">
+              <a:rPr lang="en-US" smtClean="0"/>
+              <a:pPr algn="ctr"/>
+              <a:t>10</a:t>
+            </a:fld>
+            <a:endParaRPr lang="en-US"/>
+          </a:p>
+        </p:txBody>
+      </p:sp>
+      <p:pic>
+        <p:nvPicPr>
+          <p:cNvPr id="4" name="Picture 3">
+            <a:extLst>
+              <a:ext uri="{FF2B5EF4-FFF2-40B4-BE49-F238E27FC236}">
+                <a16:creationId xmlns:a16="http://schemas.microsoft.com/office/drawing/2014/main" id="{9F4659D1-8D0A-A747-813A-B58C99526F8A}"/>
+              </a:ext>
+            </a:extLst>
+          </p:cNvPr>
+          <p:cNvPicPr>
+            <a:picLocks noChangeAspect="1"/>
+          </p:cNvPicPr>
+          <p:nvPr/>
+        </p:nvPicPr>
+        <p:blipFill>
+          <a:blip r:embed="rId2"/>
+          <a:stretch>
+            <a:fillRect/>
+          </a:stretch>
+        </p:blipFill>
+        <p:spPr>
+          <a:xfrm>
+            <a:off x="981307" y="3112725"/>
+            <a:ext cx="2996201" cy="632550"/>
+          </a:xfrm>
+          <a:prstGeom prst="rect">
+            <a:avLst/>
+          </a:prstGeom>
+        </p:spPr>
+      </p:pic>
+      <p:pic>
+        <p:nvPicPr>
+          <p:cNvPr id="5" name="Picture 4">
+            <a:extLst>
+              <a:ext uri="{FF2B5EF4-FFF2-40B4-BE49-F238E27FC236}">
+                <a16:creationId xmlns:a16="http://schemas.microsoft.com/office/drawing/2014/main" id="{8B90990B-AB15-DD47-9A60-708D0660D991}"/>
+              </a:ext>
+            </a:extLst>
+          </p:cNvPr>
+          <p:cNvPicPr>
+            <a:picLocks noChangeAspect="1"/>
+          </p:cNvPicPr>
+          <p:nvPr/>
+        </p:nvPicPr>
+        <p:blipFill>
+          <a:blip r:embed="rId3"/>
+          <a:stretch>
+            <a:fillRect/>
+          </a:stretch>
+        </p:blipFill>
+        <p:spPr>
+          <a:xfrm>
+            <a:off x="5166492" y="3080188"/>
+            <a:ext cx="2996201" cy="665087"/>
+          </a:xfrm>
+          <a:prstGeom prst="rect">
+            <a:avLst/>
+          </a:prstGeom>
+        </p:spPr>
+      </p:pic>
+    </p:spTree>
+    <p:extLst>
+      <p:ext uri="{BB962C8B-B14F-4D97-AF65-F5344CB8AC3E}">
+        <p14:creationId xmlns:p14="http://schemas.microsoft.com/office/powerpoint/2010/main" val="3522820397"/>
+      </p:ext>
+    </p:extLst>
+  </p:cSld>
+  <p:clrMapOvr>
+    <a:masterClrMapping/>
+  </p:clrMapOvr>
+  <p:transition>
+    <p:fade/>
+  </p:transition>
+</p:sld>
+</file>
+
+<file path=ppt/slides/slide11.xml><?xml version="1.0" encoding="utf-8"?>
+<p:sld xmlns:a="http://schemas.openxmlformats.org/drawingml/2006/main" xmlns:r="http://schemas.openxmlformats.org/officeDocument/2006/relationships" xmlns:p="http://schemas.openxmlformats.org/presentationml/2006/main">
+  <p:cSld>
+    <p:spTree>
+      <p:nvGrpSpPr>
+        <p:cNvPr id="1" name=""/>
+        <p:cNvGrpSpPr/>
+        <p:nvPr/>
+      </p:nvGrpSpPr>
+      <p:grpSpPr>
+        <a:xfrm>
+          <a:off x="0" y="0"/>
+          <a:ext cx="0" cy="0"/>
+          <a:chOff x="0" y="0"/>
+          <a:chExt cx="0" cy="0"/>
+        </a:xfrm>
+      </p:grpSpPr>
+      <p:sp>
+        <p:nvSpPr>
+          <p:cNvPr id="2" name="Title 1"/>
+          <p:cNvSpPr>
+            <a:spLocks noGrp="1"/>
+          </p:cNvSpPr>
+          <p:nvPr>
+            <p:ph type="title"/>
+          </p:nvPr>
+        </p:nvSpPr>
+        <p:spPr/>
+        <p:txBody>
+          <a:bodyPr/>
+          <a:lstStyle/>
+          <a:p>
+            <a:r>
+              <a:rPr lang="en-US" dirty="0"/>
+              <a:t>Ross-Macdonald Equations</a:t>
+            </a:r>
+          </a:p>
+        </p:txBody>
+      </p:sp>
+      <p:sp>
+        <p:nvSpPr>
+          <p:cNvPr id="4" name="Slide Number Placeholder 3"/>
+          <p:cNvSpPr>
+            <a:spLocks noGrp="1"/>
+          </p:cNvSpPr>
+          <p:nvPr>
+            <p:ph type="sldNum" sz="quarter" idx="4"/>
+          </p:nvPr>
+        </p:nvSpPr>
+        <p:spPr/>
+        <p:txBody>
+          <a:bodyPr/>
+          <a:lstStyle/>
+          <a:p>
+            <a:pPr algn="ctr"/>
+            <a:fld id="{F1E776F5-9A26-455E-BF09-7D727D022004}" type="slidenum">
+              <a:rPr lang="en-US" smtClean="0"/>
+              <a:pPr algn="ctr"/>
+              <a:t>11</a:t>
+            </a:fld>
+            <a:endParaRPr lang="en-US"/>
+          </a:p>
+        </p:txBody>
+      </p:sp>
+      <p:pic>
+        <p:nvPicPr>
+          <p:cNvPr id="5" name="Picture 4">
+            <a:extLst>
+              <a:ext uri="{FF2B5EF4-FFF2-40B4-BE49-F238E27FC236}">
+                <a16:creationId xmlns:a16="http://schemas.microsoft.com/office/drawing/2014/main" id="{AC921A26-5203-7E4F-9A64-2D61C19CF302}"/>
+              </a:ext>
+            </a:extLst>
+          </p:cNvPr>
+          <p:cNvPicPr>
+            <a:picLocks noChangeAspect="1"/>
+          </p:cNvPicPr>
+          <p:nvPr/>
+        </p:nvPicPr>
+        <p:blipFill>
+          <a:blip r:embed="rId2"/>
+          <a:stretch>
+            <a:fillRect/>
+          </a:stretch>
+        </p:blipFill>
+        <p:spPr>
+          <a:xfrm>
+            <a:off x="1823012" y="1982499"/>
+            <a:ext cx="5497975" cy="2979467"/>
+          </a:xfrm>
+          <a:prstGeom prst="rect">
+            <a:avLst/>
+          </a:prstGeom>
+        </p:spPr>
+      </p:pic>
+    </p:spTree>
+    <p:extLst>
+      <p:ext uri="{BB962C8B-B14F-4D97-AF65-F5344CB8AC3E}">
+        <p14:creationId xmlns:p14="http://schemas.microsoft.com/office/powerpoint/2010/main" val="3626024284"/>
+      </p:ext>
+    </p:extLst>
+  </p:cSld>
+  <p:clrMapOvr>
+    <a:masterClrMapping/>
+  </p:clrMapOvr>
+  <p:transition>
+    <p:fade/>
+  </p:transition>
+</p:sld>
+</file>
+
+<file path=ppt/slides/slide12.xml><?xml version="1.0" encoding="utf-8"?>
+<p:sld xmlns:a="http://schemas.openxmlformats.org/drawingml/2006/main" xmlns:r="http://schemas.openxmlformats.org/officeDocument/2006/relationships" xmlns:p="http://schemas.openxmlformats.org/presentationml/2006/main">
+  <p:cSld>
+    <p:spTree>
+      <p:nvGrpSpPr>
+        <p:cNvPr id="1" name=""/>
+        <p:cNvGrpSpPr/>
+        <p:nvPr/>
+      </p:nvGrpSpPr>
+      <p:grpSpPr>
+        <a:xfrm>
+          <a:off x="0" y="0"/>
+          <a:ext cx="0" cy="0"/>
+          <a:chOff x="0" y="0"/>
+          <a:chExt cx="0" cy="0"/>
+        </a:xfrm>
+      </p:grpSpPr>
+      <p:sp>
+        <p:nvSpPr>
+          <p:cNvPr id="2" name="Title 1"/>
+          <p:cNvSpPr>
+            <a:spLocks noGrp="1"/>
+          </p:cNvSpPr>
+          <p:nvPr>
+            <p:ph type="title"/>
+          </p:nvPr>
+        </p:nvSpPr>
+        <p:spPr/>
+        <p:txBody>
+          <a:bodyPr/>
+          <a:lstStyle/>
+          <a:p>
+            <a:r>
+              <a:rPr lang="en-US" dirty="0"/>
+              <a:t>Ross-Macdonald Equations</a:t>
+            </a:r>
+          </a:p>
+        </p:txBody>
+      </p:sp>
+      <p:sp>
+        <p:nvSpPr>
+          <p:cNvPr id="4" name="Slide Number Placeholder 3"/>
+          <p:cNvSpPr>
+            <a:spLocks noGrp="1"/>
+          </p:cNvSpPr>
+          <p:nvPr>
+            <p:ph type="sldNum" sz="quarter" idx="4"/>
+          </p:nvPr>
+        </p:nvSpPr>
+        <p:spPr/>
+        <p:txBody>
+          <a:bodyPr/>
+          <a:lstStyle/>
+          <a:p>
+            <a:pPr algn="ctr"/>
+            <a:fld id="{F1E776F5-9A26-455E-BF09-7D727D022004}" type="slidenum">
+              <a:rPr lang="en-US" smtClean="0"/>
+              <a:pPr algn="ctr"/>
+              <a:t>12</a:t>
+            </a:fld>
+            <a:endParaRPr lang="en-US"/>
+          </a:p>
+        </p:txBody>
+      </p:sp>
+      <p:pic>
+        <p:nvPicPr>
+          <p:cNvPr id="6" name="Picture 5">
+            <a:extLst>
+              <a:ext uri="{FF2B5EF4-FFF2-40B4-BE49-F238E27FC236}">
+                <a16:creationId xmlns:a16="http://schemas.microsoft.com/office/drawing/2014/main" id="{667F0401-DDCB-FC4A-B52A-B2DA0B188A58}"/>
+              </a:ext>
+            </a:extLst>
+          </p:cNvPr>
+          <p:cNvPicPr>
+            <a:picLocks noChangeAspect="1"/>
+          </p:cNvPicPr>
+          <p:nvPr/>
+        </p:nvPicPr>
+        <p:blipFill>
+          <a:blip r:embed="rId2"/>
+          <a:stretch>
+            <a:fillRect/>
+          </a:stretch>
+        </p:blipFill>
+        <p:spPr>
+          <a:xfrm>
+            <a:off x="1823012" y="3921376"/>
+            <a:ext cx="5583044" cy="1040590"/>
+          </a:xfrm>
+          <a:prstGeom prst="rect">
+            <a:avLst/>
+          </a:prstGeom>
+        </p:spPr>
+      </p:pic>
+      <p:pic>
+        <p:nvPicPr>
+          <p:cNvPr id="7" name="Picture 6">
+            <a:extLst>
+              <a:ext uri="{FF2B5EF4-FFF2-40B4-BE49-F238E27FC236}">
+                <a16:creationId xmlns:a16="http://schemas.microsoft.com/office/drawing/2014/main" id="{94FE2521-8D5D-7C45-8251-6C49B1AB8DBA}"/>
+              </a:ext>
+            </a:extLst>
+          </p:cNvPr>
+          <p:cNvPicPr>
+            <a:picLocks noChangeAspect="1"/>
+          </p:cNvPicPr>
+          <p:nvPr/>
+        </p:nvPicPr>
+        <p:blipFill>
+          <a:blip r:embed="rId3"/>
+          <a:stretch>
+            <a:fillRect/>
+          </a:stretch>
+        </p:blipFill>
+        <p:spPr>
+          <a:xfrm>
+            <a:off x="1168807" y="1982499"/>
+            <a:ext cx="6891454" cy="1039738"/>
+          </a:xfrm>
+          <a:prstGeom prst="rect">
+            <a:avLst/>
+          </a:prstGeom>
+        </p:spPr>
+      </p:pic>
+    </p:spTree>
+    <p:extLst>
+      <p:ext uri="{BB962C8B-B14F-4D97-AF65-F5344CB8AC3E}">
+        <p14:creationId xmlns:p14="http://schemas.microsoft.com/office/powerpoint/2010/main" val="3469444587"/>
+      </p:ext>
+    </p:extLst>
+  </p:cSld>
+  <p:clrMapOvr>
+    <a:masterClrMapping/>
+  </p:clrMapOvr>
+  <p:transition>
+    <p:fade/>
+  </p:transition>
+</p:sld>
+</file>
+
+<file path=ppt/slides/slide13.xml><?xml version="1.0" encoding="utf-8"?>
+<p:sld xmlns:a="http://schemas.openxmlformats.org/drawingml/2006/main" xmlns:r="http://schemas.openxmlformats.org/officeDocument/2006/relationships" xmlns:p="http://schemas.openxmlformats.org/presentationml/2006/main">
+  <p:cSld>
+    <p:spTree>
+      <p:nvGrpSpPr>
+        <p:cNvPr id="1" name=""/>
+        <p:cNvGrpSpPr/>
+        <p:nvPr/>
+      </p:nvGrpSpPr>
+      <p:grpSpPr>
+        <a:xfrm>
+          <a:off x="0" y="0"/>
+          <a:ext cx="0" cy="0"/>
+          <a:chOff x="0" y="0"/>
+          <a:chExt cx="0" cy="0"/>
+        </a:xfrm>
+      </p:grpSpPr>
+      <p:sp>
+        <p:nvSpPr>
+          <p:cNvPr id="2" name="Title 1">
+            <a:extLst>
+              <a:ext uri="{FF2B5EF4-FFF2-40B4-BE49-F238E27FC236}">
+                <a16:creationId xmlns:a16="http://schemas.microsoft.com/office/drawing/2014/main" id="{7EEA78F6-FAA5-DD4B-9C07-E5A30904A67B}"/>
+              </a:ext>
+            </a:extLst>
+          </p:cNvPr>
+          <p:cNvSpPr>
+            <a:spLocks noGrp="1"/>
+          </p:cNvSpPr>
+          <p:nvPr>
+            <p:ph type="title"/>
+          </p:nvPr>
+        </p:nvSpPr>
+        <p:spPr/>
+        <p:txBody>
+          <a:bodyPr/>
+          <a:lstStyle/>
+          <a:p>
+            <a:r>
+              <a:rPr lang="en-US" dirty="0"/>
+              <a:t>Equilibrium Assumptions</a:t>
+            </a:r>
+          </a:p>
+        </p:txBody>
+      </p:sp>
+      <p:sp>
+        <p:nvSpPr>
+          <p:cNvPr id="3" name="Slide Number Placeholder 2">
+            <a:extLst>
+              <a:ext uri="{FF2B5EF4-FFF2-40B4-BE49-F238E27FC236}">
+                <a16:creationId xmlns:a16="http://schemas.microsoft.com/office/drawing/2014/main" id="{517C3E7F-1B0C-9B4C-8F12-D2A5C2F1AE7A}"/>
+              </a:ext>
+            </a:extLst>
+          </p:cNvPr>
+          <p:cNvSpPr>
+            <a:spLocks noGrp="1"/>
+          </p:cNvSpPr>
+          <p:nvPr>
+            <p:ph type="sldNum" sz="quarter" idx="4"/>
+          </p:nvPr>
+        </p:nvSpPr>
+        <p:spPr/>
+        <p:txBody>
+          <a:bodyPr/>
+          <a:lstStyle/>
+          <a:p>
+            <a:pPr algn="ctr"/>
+            <a:fld id="{F1E776F5-9A26-455E-BF09-7D727D022004}" type="slidenum">
+              <a:rPr lang="en-US" smtClean="0"/>
+              <a:pPr algn="ctr"/>
+              <a:t>13</a:t>
+            </a:fld>
+            <a:endParaRPr lang="en-US"/>
+          </a:p>
+        </p:txBody>
+      </p:sp>
+      <p:pic>
+        <p:nvPicPr>
+          <p:cNvPr id="4" name="Picture 3">
+            <a:extLst>
+              <a:ext uri="{FF2B5EF4-FFF2-40B4-BE49-F238E27FC236}">
+                <a16:creationId xmlns:a16="http://schemas.microsoft.com/office/drawing/2014/main" id="{1A02C3C5-91D9-9C40-8464-965989921D17}"/>
+              </a:ext>
+            </a:extLst>
+          </p:cNvPr>
+          <p:cNvPicPr>
+            <a:picLocks noChangeAspect="1"/>
+          </p:cNvPicPr>
+          <p:nvPr/>
+        </p:nvPicPr>
+        <p:blipFill>
+          <a:blip r:embed="rId2"/>
+          <a:stretch>
+            <a:fillRect/>
+          </a:stretch>
+        </p:blipFill>
+        <p:spPr>
+          <a:xfrm>
+            <a:off x="828907" y="1789083"/>
+            <a:ext cx="7486185" cy="1099866"/>
+          </a:xfrm>
+          <a:prstGeom prst="rect">
+            <a:avLst/>
+          </a:prstGeom>
+        </p:spPr>
+      </p:pic>
+      <p:pic>
+        <p:nvPicPr>
+          <p:cNvPr id="5" name="Picture 4">
+            <a:extLst>
+              <a:ext uri="{FF2B5EF4-FFF2-40B4-BE49-F238E27FC236}">
+                <a16:creationId xmlns:a16="http://schemas.microsoft.com/office/drawing/2014/main" id="{BE3C704D-792C-684B-A1CF-19B84F094211}"/>
+              </a:ext>
+            </a:extLst>
+          </p:cNvPr>
+          <p:cNvPicPr>
+            <a:picLocks noChangeAspect="1"/>
+          </p:cNvPicPr>
+          <p:nvPr/>
+        </p:nvPicPr>
+        <p:blipFill>
+          <a:blip r:embed="rId3"/>
+          <a:stretch>
+            <a:fillRect/>
+          </a:stretch>
+        </p:blipFill>
+        <p:spPr>
+          <a:xfrm>
+            <a:off x="1129990" y="3969052"/>
+            <a:ext cx="2529052" cy="918004"/>
+          </a:xfrm>
+          <a:prstGeom prst="rect">
+            <a:avLst/>
+          </a:prstGeom>
+        </p:spPr>
+      </p:pic>
+      <p:pic>
+        <p:nvPicPr>
+          <p:cNvPr id="6" name="Picture 5">
+            <a:extLst>
+              <a:ext uri="{FF2B5EF4-FFF2-40B4-BE49-F238E27FC236}">
+                <a16:creationId xmlns:a16="http://schemas.microsoft.com/office/drawing/2014/main" id="{CFCF88DB-F4B2-9946-84B6-2D813790C63E}"/>
+              </a:ext>
+            </a:extLst>
+          </p:cNvPr>
+          <p:cNvPicPr>
+            <a:picLocks noChangeAspect="1"/>
+          </p:cNvPicPr>
+          <p:nvPr/>
+        </p:nvPicPr>
+        <p:blipFill>
+          <a:blip r:embed="rId4"/>
+          <a:stretch>
+            <a:fillRect/>
+          </a:stretch>
+        </p:blipFill>
+        <p:spPr>
+          <a:xfrm>
+            <a:off x="6385930" y="3969051"/>
+            <a:ext cx="1628080" cy="912035"/>
+          </a:xfrm>
+          <a:prstGeom prst="rect">
+            <a:avLst/>
+          </a:prstGeom>
+        </p:spPr>
+      </p:pic>
+    </p:spTree>
+    <p:extLst>
+      <p:ext uri="{BB962C8B-B14F-4D97-AF65-F5344CB8AC3E}">
+        <p14:creationId xmlns:p14="http://schemas.microsoft.com/office/powerpoint/2010/main" val="3820256424"/>
+      </p:ext>
+    </p:extLst>
+  </p:cSld>
+  <p:clrMapOvr>
+    <a:masterClrMapping/>
+  </p:clrMapOvr>
+  <p:transition>
+    <p:fade/>
+  </p:transition>
+</p:sld>
+</file>
+
+<file path=ppt/slides/slide14.xml><?xml version="1.0" encoding="utf-8"?>
+<p:sld xmlns:a="http://schemas.openxmlformats.org/drawingml/2006/main" xmlns:r="http://schemas.openxmlformats.org/officeDocument/2006/relationships" xmlns:p="http://schemas.openxmlformats.org/presentationml/2006/main">
+  <p:cSld>
+    <p:spTree>
+      <p:nvGrpSpPr>
+        <p:cNvPr id="1" name=""/>
+        <p:cNvGrpSpPr/>
+        <p:nvPr/>
+      </p:nvGrpSpPr>
+      <p:grpSpPr>
+        <a:xfrm>
+          <a:off x="0" y="0"/>
+          <a:ext cx="0" cy="0"/>
+          <a:chOff x="0" y="0"/>
+          <a:chExt cx="0" cy="0"/>
+        </a:xfrm>
+      </p:grpSpPr>
+      <p:sp>
+        <p:nvSpPr>
+          <p:cNvPr id="2" name="Title 1">
+            <a:extLst>
+              <a:ext uri="{FF2B5EF4-FFF2-40B4-BE49-F238E27FC236}">
+                <a16:creationId xmlns:a16="http://schemas.microsoft.com/office/drawing/2014/main" id="{14126D35-1130-FA49-BA72-B7DFD15D8F12}"/>
+              </a:ext>
+            </a:extLst>
+          </p:cNvPr>
+          <p:cNvSpPr>
+            <a:spLocks noGrp="1"/>
+          </p:cNvSpPr>
+          <p:nvPr>
+            <p:ph type="title"/>
+          </p:nvPr>
+        </p:nvSpPr>
+        <p:spPr/>
+        <p:txBody>
+          <a:bodyPr/>
+          <a:lstStyle/>
+          <a:p>
+            <a:r>
+              <a:rPr lang="en-US" dirty="0"/>
+              <a:t>Simple Example: One Village, One Forest</a:t>
+            </a:r>
+          </a:p>
+        </p:txBody>
+      </p:sp>
+      <p:sp>
+        <p:nvSpPr>
+          <p:cNvPr id="3" name="Slide Number Placeholder 2">
+            <a:extLst>
+              <a:ext uri="{FF2B5EF4-FFF2-40B4-BE49-F238E27FC236}">
+                <a16:creationId xmlns:a16="http://schemas.microsoft.com/office/drawing/2014/main" id="{543F7B6D-91B0-4C4C-B036-0AAFD1887467}"/>
+              </a:ext>
+            </a:extLst>
+          </p:cNvPr>
+          <p:cNvSpPr>
+            <a:spLocks noGrp="1"/>
+          </p:cNvSpPr>
+          <p:nvPr>
+            <p:ph type="sldNum" sz="quarter" idx="4"/>
+          </p:nvPr>
+        </p:nvSpPr>
+        <p:spPr/>
+        <p:txBody>
+          <a:bodyPr/>
+          <a:lstStyle/>
+          <a:p>
+            <a:pPr algn="ctr"/>
+            <a:fld id="{F1E776F5-9A26-455E-BF09-7D727D022004}" type="slidenum">
+              <a:rPr lang="en-US" smtClean="0"/>
+              <a:pPr algn="ctr"/>
+              <a:t>14</a:t>
+            </a:fld>
+            <a:endParaRPr lang="en-US"/>
+          </a:p>
+        </p:txBody>
+      </p:sp>
+      <p:pic>
+        <p:nvPicPr>
+          <p:cNvPr id="4" name="Picture 3">
+            <a:extLst>
+              <a:ext uri="{FF2B5EF4-FFF2-40B4-BE49-F238E27FC236}">
+                <a16:creationId xmlns:a16="http://schemas.microsoft.com/office/drawing/2014/main" id="{4EB675CB-3B8E-B346-8231-65216A01E0A4}"/>
+              </a:ext>
+            </a:extLst>
+          </p:cNvPr>
+          <p:cNvPicPr>
+            <a:picLocks noChangeAspect="1"/>
+          </p:cNvPicPr>
+          <p:nvPr/>
+        </p:nvPicPr>
+        <p:blipFill>
+          <a:blip r:embed="rId2"/>
+          <a:stretch>
+            <a:fillRect/>
+          </a:stretch>
+        </p:blipFill>
+        <p:spPr>
+          <a:xfrm>
+            <a:off x="1776955" y="1258792"/>
+            <a:ext cx="5783766" cy="2445653"/>
+          </a:xfrm>
+          <a:prstGeom prst="rect">
+            <a:avLst/>
+          </a:prstGeom>
+        </p:spPr>
+      </p:pic>
+      <p:pic>
+        <p:nvPicPr>
+          <p:cNvPr id="5" name="Picture 4">
+            <a:extLst>
+              <a:ext uri="{FF2B5EF4-FFF2-40B4-BE49-F238E27FC236}">
+                <a16:creationId xmlns:a16="http://schemas.microsoft.com/office/drawing/2014/main" id="{24ADDFD3-D6B9-F94B-829C-7967D9208D3B}"/>
+              </a:ext>
+            </a:extLst>
+          </p:cNvPr>
+          <p:cNvPicPr>
+            <a:picLocks noChangeAspect="1"/>
+          </p:cNvPicPr>
+          <p:nvPr/>
+        </p:nvPicPr>
+        <p:blipFill>
+          <a:blip r:embed="rId3"/>
+          <a:stretch>
+            <a:fillRect/>
+          </a:stretch>
+        </p:blipFill>
+        <p:spPr>
+          <a:xfrm>
+            <a:off x="2885112" y="4183505"/>
+            <a:ext cx="3335676" cy="1358913"/>
+          </a:xfrm>
+          <a:prstGeom prst="rect">
+            <a:avLst/>
+          </a:prstGeom>
+        </p:spPr>
+      </p:pic>
+    </p:spTree>
+    <p:extLst>
+      <p:ext uri="{BB962C8B-B14F-4D97-AF65-F5344CB8AC3E}">
+        <p14:creationId xmlns:p14="http://schemas.microsoft.com/office/powerpoint/2010/main" val="34592447"/>
+      </p:ext>
+    </p:extLst>
+  </p:cSld>
+  <p:clrMapOvr>
+    <a:masterClrMapping/>
+  </p:clrMapOvr>
+  <p:transition>
+    <p:fade/>
+  </p:transition>
+</p:sld>
+</file>
+
+<file path=ppt/slides/slide15.xml><?xml version="1.0" encoding="utf-8"?>
+<p:sld xmlns:a="http://schemas.openxmlformats.org/drawingml/2006/main" xmlns:r="http://schemas.openxmlformats.org/officeDocument/2006/relationships" xmlns:p="http://schemas.openxmlformats.org/presentationml/2006/main">
+  <p:cSld>
+    <p:spTree>
+      <p:nvGrpSpPr>
+        <p:cNvPr id="1" name=""/>
+        <p:cNvGrpSpPr/>
+        <p:nvPr/>
+      </p:nvGrpSpPr>
+      <p:grpSpPr>
+        <a:xfrm>
+          <a:off x="0" y="0"/>
+          <a:ext cx="0" cy="0"/>
+          <a:chOff x="0" y="0"/>
+          <a:chExt cx="0" cy="0"/>
+        </a:xfrm>
+      </p:grpSpPr>
+      <p:sp>
+        <p:nvSpPr>
+          <p:cNvPr id="2" name="Title 1">
+            <a:extLst>
+              <a:ext uri="{FF2B5EF4-FFF2-40B4-BE49-F238E27FC236}">
+                <a16:creationId xmlns:a16="http://schemas.microsoft.com/office/drawing/2014/main" id="{9D070613-3DEF-8D42-B700-22C64E6EDC11}"/>
+              </a:ext>
+            </a:extLst>
+          </p:cNvPr>
+          <p:cNvSpPr>
+            <a:spLocks noGrp="1"/>
+          </p:cNvSpPr>
+          <p:nvPr>
+            <p:ph type="title"/>
+          </p:nvPr>
+        </p:nvSpPr>
+        <p:spPr/>
+        <p:txBody>
+          <a:bodyPr/>
+          <a:lstStyle/>
+          <a:p>
+            <a:r>
+              <a:rPr lang="en-US" dirty="0"/>
+              <a:t>Simple Example: One Village, One Forest</a:t>
+            </a:r>
+          </a:p>
+        </p:txBody>
+      </p:sp>
+      <p:sp>
+        <p:nvSpPr>
+          <p:cNvPr id="3" name="Slide Number Placeholder 2">
+            <a:extLst>
+              <a:ext uri="{FF2B5EF4-FFF2-40B4-BE49-F238E27FC236}">
+                <a16:creationId xmlns:a16="http://schemas.microsoft.com/office/drawing/2014/main" id="{FC29BDA8-8DF9-344A-9DD4-7F77ED0F0537}"/>
+              </a:ext>
+            </a:extLst>
+          </p:cNvPr>
+          <p:cNvSpPr>
+            <a:spLocks noGrp="1"/>
+          </p:cNvSpPr>
+          <p:nvPr>
+            <p:ph type="sldNum" sz="quarter" idx="4"/>
+          </p:nvPr>
+        </p:nvSpPr>
+        <p:spPr/>
+        <p:txBody>
+          <a:bodyPr/>
+          <a:lstStyle/>
+          <a:p>
+            <a:pPr algn="ctr"/>
+            <a:fld id="{F1E776F5-9A26-455E-BF09-7D727D022004}" type="slidenum">
+              <a:rPr lang="en-US" smtClean="0"/>
+              <a:pPr algn="ctr"/>
+              <a:t>15</a:t>
+            </a:fld>
+            <a:endParaRPr lang="en-US"/>
+          </a:p>
+        </p:txBody>
+      </p:sp>
+      <p:pic>
+        <p:nvPicPr>
+          <p:cNvPr id="4" name="Picture 3">
+            <a:extLst>
+              <a:ext uri="{FF2B5EF4-FFF2-40B4-BE49-F238E27FC236}">
+                <a16:creationId xmlns:a16="http://schemas.microsoft.com/office/drawing/2014/main" id="{A8D9A7E9-176D-FA4F-B762-B4E9B87487AB}"/>
+              </a:ext>
+            </a:extLst>
+          </p:cNvPr>
+          <p:cNvPicPr>
+            <a:picLocks noChangeAspect="1"/>
+          </p:cNvPicPr>
+          <p:nvPr/>
+        </p:nvPicPr>
+        <p:blipFill>
+          <a:blip r:embed="rId2"/>
+          <a:stretch>
+            <a:fillRect/>
+          </a:stretch>
+        </p:blipFill>
+        <p:spPr>
+          <a:xfrm>
+            <a:off x="999892" y="2952977"/>
+            <a:ext cx="7144215" cy="952046"/>
+          </a:xfrm>
+          <a:prstGeom prst="rect">
+            <a:avLst/>
+          </a:prstGeom>
+        </p:spPr>
+      </p:pic>
+    </p:spTree>
+    <p:extLst>
+      <p:ext uri="{BB962C8B-B14F-4D97-AF65-F5344CB8AC3E}">
+        <p14:creationId xmlns:p14="http://schemas.microsoft.com/office/powerpoint/2010/main" val="4095617184"/>
+      </p:ext>
+    </p:extLst>
+  </p:cSld>
+  <p:clrMapOvr>
+    <a:masterClrMapping/>
+  </p:clrMapOvr>
+  <p:transition>
+    <p:fade/>
+  </p:transition>
+</p:sld>
+</file>
+
+<file path=ppt/slides/slide16.xml><?xml version="1.0" encoding="utf-8"?>
+<p:sld xmlns:a="http://schemas.openxmlformats.org/drawingml/2006/main" xmlns:r="http://schemas.openxmlformats.org/officeDocument/2006/relationships" xmlns:p="http://schemas.openxmlformats.org/presentationml/2006/main">
+  <p:cSld>
+    <p:spTree>
+      <p:nvGrpSpPr>
+        <p:cNvPr id="1" name=""/>
+        <p:cNvGrpSpPr/>
+        <p:nvPr/>
+      </p:nvGrpSpPr>
+      <p:grpSpPr>
+        <a:xfrm>
+          <a:off x="0" y="0"/>
+          <a:ext cx="0" cy="0"/>
+          <a:chOff x="0" y="0"/>
+          <a:chExt cx="0" cy="0"/>
+        </a:xfrm>
+      </p:grpSpPr>
+      <p:sp>
+        <p:nvSpPr>
+          <p:cNvPr id="2" name="Title 1">
+            <a:extLst>
+              <a:ext uri="{FF2B5EF4-FFF2-40B4-BE49-F238E27FC236}">
+                <a16:creationId xmlns:a16="http://schemas.microsoft.com/office/drawing/2014/main" id="{9D070613-3DEF-8D42-B700-22C64E6EDC11}"/>
+              </a:ext>
+            </a:extLst>
+          </p:cNvPr>
+          <p:cNvSpPr>
+            <a:spLocks noGrp="1"/>
+          </p:cNvSpPr>
+          <p:nvPr>
+            <p:ph type="title"/>
+          </p:nvPr>
+        </p:nvSpPr>
+        <p:spPr/>
+        <p:txBody>
+          <a:bodyPr/>
+          <a:lstStyle/>
+          <a:p>
+            <a:r>
+              <a:rPr lang="en-US" dirty="0"/>
+              <a:t>Simple Example: One Village, One Forest</a:t>
+            </a:r>
+          </a:p>
+        </p:txBody>
+      </p:sp>
+      <p:sp>
+        <p:nvSpPr>
+          <p:cNvPr id="3" name="Slide Number Placeholder 2">
+            <a:extLst>
+              <a:ext uri="{FF2B5EF4-FFF2-40B4-BE49-F238E27FC236}">
+                <a16:creationId xmlns:a16="http://schemas.microsoft.com/office/drawing/2014/main" id="{FC29BDA8-8DF9-344A-9DD4-7F77ED0F0537}"/>
+              </a:ext>
+            </a:extLst>
+          </p:cNvPr>
+          <p:cNvSpPr>
+            <a:spLocks noGrp="1"/>
+          </p:cNvSpPr>
+          <p:nvPr>
+            <p:ph type="sldNum" sz="quarter" idx="4"/>
+          </p:nvPr>
+        </p:nvSpPr>
+        <p:spPr/>
+        <p:txBody>
+          <a:bodyPr/>
+          <a:lstStyle/>
+          <a:p>
+            <a:pPr algn="ctr"/>
+            <a:fld id="{F1E776F5-9A26-455E-BF09-7D727D022004}" type="slidenum">
+              <a:rPr lang="en-US" smtClean="0"/>
+              <a:pPr algn="ctr"/>
+              <a:t>16</a:t>
+            </a:fld>
+            <a:endParaRPr lang="en-US"/>
+          </a:p>
+        </p:txBody>
+      </p:sp>
+      <p:pic>
+        <p:nvPicPr>
+          <p:cNvPr id="5" name="Picture 4">
+            <a:extLst>
+              <a:ext uri="{FF2B5EF4-FFF2-40B4-BE49-F238E27FC236}">
+                <a16:creationId xmlns:a16="http://schemas.microsoft.com/office/drawing/2014/main" id="{7E4A5AE6-1534-744F-91DA-BB0052C7B4C6}"/>
+              </a:ext>
+            </a:extLst>
+          </p:cNvPr>
+          <p:cNvPicPr>
+            <a:picLocks noChangeAspect="1"/>
+          </p:cNvPicPr>
+          <p:nvPr/>
+        </p:nvPicPr>
+        <p:blipFill>
+          <a:blip r:embed="rId2"/>
+          <a:stretch>
+            <a:fillRect/>
+          </a:stretch>
+        </p:blipFill>
+        <p:spPr>
+          <a:xfrm>
+            <a:off x="1206075" y="1096263"/>
+            <a:ext cx="6731850" cy="2605878"/>
+          </a:xfrm>
+          <a:prstGeom prst="rect">
+            <a:avLst/>
+          </a:prstGeom>
+        </p:spPr>
+      </p:pic>
+      <p:pic>
+        <p:nvPicPr>
+          <p:cNvPr id="6" name="Picture 5">
+            <a:extLst>
+              <a:ext uri="{FF2B5EF4-FFF2-40B4-BE49-F238E27FC236}">
+                <a16:creationId xmlns:a16="http://schemas.microsoft.com/office/drawing/2014/main" id="{AB81F793-6E7E-1747-9728-369A2BD23C8E}"/>
+              </a:ext>
+            </a:extLst>
+          </p:cNvPr>
+          <p:cNvPicPr>
+            <a:picLocks noChangeAspect="1"/>
+          </p:cNvPicPr>
+          <p:nvPr/>
+        </p:nvPicPr>
+        <p:blipFill>
+          <a:blip r:embed="rId3"/>
+          <a:stretch>
+            <a:fillRect/>
+          </a:stretch>
+        </p:blipFill>
+        <p:spPr>
+          <a:xfrm>
+            <a:off x="1867328" y="4240267"/>
+            <a:ext cx="5409343" cy="1521470"/>
+          </a:xfrm>
+          <a:prstGeom prst="rect">
+            <a:avLst/>
+          </a:prstGeom>
+        </p:spPr>
+      </p:pic>
+    </p:spTree>
+    <p:extLst>
+      <p:ext uri="{BB962C8B-B14F-4D97-AF65-F5344CB8AC3E}">
+        <p14:creationId xmlns:p14="http://schemas.microsoft.com/office/powerpoint/2010/main" val="1792705557"/>
+      </p:ext>
+    </p:extLst>
+  </p:cSld>
+  <p:clrMapOvr>
+    <a:masterClrMapping/>
+  </p:clrMapOvr>
+  <p:transition>
+    <p:fade/>
+  </p:transition>
+</p:sld>
+</file>
+
+<file path=ppt/slides/slide17.xml><?xml version="1.0" encoding="utf-8"?>
+<p:sld xmlns:a="http://schemas.openxmlformats.org/drawingml/2006/main" xmlns:r="http://schemas.openxmlformats.org/officeDocument/2006/relationships" xmlns:p="http://schemas.openxmlformats.org/presentationml/2006/main">
+  <p:cSld>
+    <p:spTree>
+      <p:nvGrpSpPr>
+        <p:cNvPr id="1" name=""/>
+        <p:cNvGrpSpPr/>
+        <p:nvPr/>
+      </p:nvGrpSpPr>
+      <p:grpSpPr>
+        <a:xfrm>
+          <a:off x="0" y="0"/>
+          <a:ext cx="0" cy="0"/>
+          <a:chOff x="0" y="0"/>
+          <a:chExt cx="0" cy="0"/>
+        </a:xfrm>
+      </p:grpSpPr>
+      <p:sp>
+        <p:nvSpPr>
+          <p:cNvPr id="2" name="Title 1">
+            <a:extLst>
+              <a:ext uri="{FF2B5EF4-FFF2-40B4-BE49-F238E27FC236}">
+                <a16:creationId xmlns:a16="http://schemas.microsoft.com/office/drawing/2014/main" id="{E096BD4F-A837-E44D-826A-7501F245F9E1}"/>
+              </a:ext>
+            </a:extLst>
+          </p:cNvPr>
+          <p:cNvSpPr>
+            <a:spLocks noGrp="1"/>
+          </p:cNvSpPr>
+          <p:nvPr>
+            <p:ph type="title"/>
+          </p:nvPr>
+        </p:nvSpPr>
+        <p:spPr/>
+        <p:txBody>
+          <a:bodyPr/>
+          <a:lstStyle/>
+          <a:p>
+            <a:r>
+              <a:rPr lang="en-US" dirty="0"/>
+              <a:t>Simple Example: One Village, One Forest</a:t>
+            </a:r>
+          </a:p>
+        </p:txBody>
+      </p:sp>
+      <p:sp>
+        <p:nvSpPr>
+          <p:cNvPr id="3" name="Slide Number Placeholder 2">
+            <a:extLst>
+              <a:ext uri="{FF2B5EF4-FFF2-40B4-BE49-F238E27FC236}">
+                <a16:creationId xmlns:a16="http://schemas.microsoft.com/office/drawing/2014/main" id="{98777064-C7F2-9E45-96C2-A3BCC524B748}"/>
+              </a:ext>
+            </a:extLst>
+          </p:cNvPr>
+          <p:cNvSpPr>
+            <a:spLocks noGrp="1"/>
+          </p:cNvSpPr>
+          <p:nvPr>
+            <p:ph type="sldNum" sz="quarter" idx="4"/>
+          </p:nvPr>
+        </p:nvSpPr>
+        <p:spPr/>
+        <p:txBody>
+          <a:bodyPr/>
+          <a:lstStyle/>
+          <a:p>
+            <a:pPr algn="ctr"/>
+            <a:fld id="{F1E776F5-9A26-455E-BF09-7D727D022004}" type="slidenum">
+              <a:rPr lang="en-US" smtClean="0"/>
+              <a:pPr algn="ctr"/>
+              <a:t>17</a:t>
+            </a:fld>
+            <a:endParaRPr lang="en-US"/>
+          </a:p>
+        </p:txBody>
+      </p:sp>
+      <p:pic>
+        <p:nvPicPr>
+          <p:cNvPr id="4" name="Picture 3">
+            <a:extLst>
+              <a:ext uri="{FF2B5EF4-FFF2-40B4-BE49-F238E27FC236}">
+                <a16:creationId xmlns:a16="http://schemas.microsoft.com/office/drawing/2014/main" id="{1D0E83C4-4C8C-0743-B43F-798712D42FEB}"/>
+              </a:ext>
+            </a:extLst>
+          </p:cNvPr>
+          <p:cNvPicPr>
+            <a:picLocks noChangeAspect="1"/>
+          </p:cNvPicPr>
+          <p:nvPr/>
+        </p:nvPicPr>
+        <p:blipFill>
+          <a:blip r:embed="rId2"/>
+          <a:stretch>
+            <a:fillRect/>
+          </a:stretch>
+        </p:blipFill>
+        <p:spPr>
+          <a:xfrm>
+            <a:off x="1460810" y="1503596"/>
+            <a:ext cx="6222380" cy="952823"/>
+          </a:xfrm>
+          <a:prstGeom prst="rect">
+            <a:avLst/>
+          </a:prstGeom>
+        </p:spPr>
+      </p:pic>
+      <p:pic>
+        <p:nvPicPr>
+          <p:cNvPr id="5" name="Picture 4">
+            <a:extLst>
+              <a:ext uri="{FF2B5EF4-FFF2-40B4-BE49-F238E27FC236}">
+                <a16:creationId xmlns:a16="http://schemas.microsoft.com/office/drawing/2014/main" id="{4229F4CB-825B-9D4C-8983-0B85140A60CF}"/>
+              </a:ext>
+            </a:extLst>
+          </p:cNvPr>
+          <p:cNvPicPr>
+            <a:picLocks noChangeAspect="1"/>
+          </p:cNvPicPr>
+          <p:nvPr/>
+        </p:nvPicPr>
+        <p:blipFill>
+          <a:blip r:embed="rId3"/>
+          <a:stretch>
+            <a:fillRect/>
+          </a:stretch>
+        </p:blipFill>
+        <p:spPr>
+          <a:xfrm>
+            <a:off x="1345580" y="3180283"/>
+            <a:ext cx="6452839" cy="2536396"/>
+          </a:xfrm>
+          <a:prstGeom prst="rect">
+            <a:avLst/>
+          </a:prstGeom>
+        </p:spPr>
+      </p:pic>
+    </p:spTree>
+    <p:extLst>
+      <p:ext uri="{BB962C8B-B14F-4D97-AF65-F5344CB8AC3E}">
+        <p14:creationId xmlns:p14="http://schemas.microsoft.com/office/powerpoint/2010/main" val="2735197451"/>
+      </p:ext>
+    </p:extLst>
+  </p:cSld>
+  <p:clrMapOvr>
+    <a:masterClrMapping/>
+  </p:clrMapOvr>
+  <p:transition>
+    <p:fade/>
+  </p:transition>
+</p:sld>
+</file>
+
+<file path=ppt/slides/slide18.xml><?xml version="1.0" encoding="utf-8"?>
+<p:sld xmlns:a="http://schemas.openxmlformats.org/drawingml/2006/main" xmlns:r="http://schemas.openxmlformats.org/officeDocument/2006/relationships" xmlns:p="http://schemas.openxmlformats.org/presentationml/2006/main">
+  <p:cSld>
+    <p:spTree>
+      <p:nvGrpSpPr>
+        <p:cNvPr id="1" name=""/>
+        <p:cNvGrpSpPr/>
+        <p:nvPr/>
+      </p:nvGrpSpPr>
+      <p:grpSpPr>
+        <a:xfrm>
+          <a:off x="0" y="0"/>
+          <a:ext cx="0" cy="0"/>
+          <a:chOff x="0" y="0"/>
+          <a:chExt cx="0" cy="0"/>
+        </a:xfrm>
+      </p:grpSpPr>
+      <p:sp>
+        <p:nvSpPr>
+          <p:cNvPr id="2" name="Title 1">
+            <a:extLst>
+              <a:ext uri="{FF2B5EF4-FFF2-40B4-BE49-F238E27FC236}">
+                <a16:creationId xmlns:a16="http://schemas.microsoft.com/office/drawing/2014/main" id="{E096BD4F-A837-E44D-826A-7501F245F9E1}"/>
+              </a:ext>
+            </a:extLst>
+          </p:cNvPr>
+          <p:cNvSpPr>
+            <a:spLocks noGrp="1"/>
+          </p:cNvSpPr>
+          <p:nvPr>
+            <p:ph type="title"/>
+          </p:nvPr>
+        </p:nvSpPr>
+        <p:spPr/>
+        <p:txBody>
+          <a:bodyPr/>
+          <a:lstStyle/>
+          <a:p>
+            <a:r>
+              <a:rPr lang="en-US" dirty="0"/>
+              <a:t>Simple Example: One Village, One Forest</a:t>
+            </a:r>
+          </a:p>
+        </p:txBody>
+      </p:sp>
+      <p:sp>
+        <p:nvSpPr>
+          <p:cNvPr id="3" name="Slide Number Placeholder 2">
+            <a:extLst>
+              <a:ext uri="{FF2B5EF4-FFF2-40B4-BE49-F238E27FC236}">
+                <a16:creationId xmlns:a16="http://schemas.microsoft.com/office/drawing/2014/main" id="{98777064-C7F2-9E45-96C2-A3BCC524B748}"/>
+              </a:ext>
+            </a:extLst>
+          </p:cNvPr>
+          <p:cNvSpPr>
+            <a:spLocks noGrp="1"/>
+          </p:cNvSpPr>
+          <p:nvPr>
+            <p:ph type="sldNum" sz="quarter" idx="4"/>
+          </p:nvPr>
+        </p:nvSpPr>
+        <p:spPr/>
+        <p:txBody>
+          <a:bodyPr/>
+          <a:lstStyle/>
+          <a:p>
+            <a:pPr algn="ctr"/>
+            <a:fld id="{F1E776F5-9A26-455E-BF09-7D727D022004}" type="slidenum">
+              <a:rPr lang="en-US" smtClean="0"/>
+              <a:pPr algn="ctr"/>
+              <a:t>18</a:t>
+            </a:fld>
+            <a:endParaRPr lang="en-US"/>
+          </a:p>
+        </p:txBody>
+      </p:sp>
+      <p:pic>
+        <p:nvPicPr>
+          <p:cNvPr id="7" name="Picture 6">
+            <a:extLst>
+              <a:ext uri="{FF2B5EF4-FFF2-40B4-BE49-F238E27FC236}">
+                <a16:creationId xmlns:a16="http://schemas.microsoft.com/office/drawing/2014/main" id="{1C1185EA-DAC3-EA4D-A60D-D6F328E40D88}"/>
+              </a:ext>
+            </a:extLst>
+          </p:cNvPr>
+          <p:cNvPicPr>
+            <a:picLocks noChangeAspect="1"/>
+          </p:cNvPicPr>
+          <p:nvPr/>
+        </p:nvPicPr>
+        <p:blipFill>
+          <a:blip r:embed="rId2"/>
+          <a:stretch>
+            <a:fillRect/>
+          </a:stretch>
+        </p:blipFill>
+        <p:spPr>
+          <a:xfrm>
+            <a:off x="624468" y="1314203"/>
+            <a:ext cx="2564780" cy="719268"/>
+          </a:xfrm>
+          <a:prstGeom prst="rect">
+            <a:avLst/>
+          </a:prstGeom>
+        </p:spPr>
+      </p:pic>
+      <p:pic>
+        <p:nvPicPr>
+          <p:cNvPr id="8" name="Picture 7">
+            <a:extLst>
+              <a:ext uri="{FF2B5EF4-FFF2-40B4-BE49-F238E27FC236}">
+                <a16:creationId xmlns:a16="http://schemas.microsoft.com/office/drawing/2014/main" id="{92E5F2AD-5222-4344-A059-697BB4F3A535}"/>
+              </a:ext>
+            </a:extLst>
+          </p:cNvPr>
+          <p:cNvPicPr>
+            <a:picLocks noChangeAspect="1"/>
+          </p:cNvPicPr>
+          <p:nvPr/>
+        </p:nvPicPr>
+        <p:blipFill>
+          <a:blip r:embed="rId3"/>
+          <a:stretch>
+            <a:fillRect/>
+          </a:stretch>
+        </p:blipFill>
+        <p:spPr>
+          <a:xfrm>
+            <a:off x="3369778" y="849844"/>
+            <a:ext cx="3281640" cy="1639848"/>
+          </a:xfrm>
+          <a:prstGeom prst="rect">
+            <a:avLst/>
+          </a:prstGeom>
+        </p:spPr>
+      </p:pic>
+      <p:pic>
+        <p:nvPicPr>
+          <p:cNvPr id="9" name="Picture 8">
+            <a:extLst>
+              <a:ext uri="{FF2B5EF4-FFF2-40B4-BE49-F238E27FC236}">
+                <a16:creationId xmlns:a16="http://schemas.microsoft.com/office/drawing/2014/main" id="{AC56E1E0-5725-5C45-84EF-551616CA745F}"/>
+              </a:ext>
+            </a:extLst>
+          </p:cNvPr>
+          <p:cNvPicPr>
+            <a:picLocks noChangeAspect="1"/>
+          </p:cNvPicPr>
+          <p:nvPr/>
+        </p:nvPicPr>
+        <p:blipFill>
+          <a:blip r:embed="rId4"/>
+          <a:stretch>
+            <a:fillRect/>
+          </a:stretch>
+        </p:blipFill>
+        <p:spPr>
+          <a:xfrm>
+            <a:off x="3369778" y="2667124"/>
+            <a:ext cx="3526718" cy="1523752"/>
+          </a:xfrm>
+          <a:prstGeom prst="rect">
+            <a:avLst/>
+          </a:prstGeom>
+        </p:spPr>
+      </p:pic>
+      <p:pic>
+        <p:nvPicPr>
+          <p:cNvPr id="10" name="Picture 9">
+            <a:extLst>
+              <a:ext uri="{FF2B5EF4-FFF2-40B4-BE49-F238E27FC236}">
+                <a16:creationId xmlns:a16="http://schemas.microsoft.com/office/drawing/2014/main" id="{B6850592-95C3-CC4A-8CA8-A3C494046A51}"/>
+              </a:ext>
+            </a:extLst>
+          </p:cNvPr>
+          <p:cNvPicPr>
+            <a:picLocks noChangeAspect="1"/>
+          </p:cNvPicPr>
+          <p:nvPr/>
+        </p:nvPicPr>
+        <p:blipFill rotWithShape="1">
+          <a:blip r:embed="rId5"/>
+          <a:srcRect b="4522"/>
+          <a:stretch/>
+        </p:blipFill>
+        <p:spPr>
+          <a:xfrm>
+            <a:off x="3369778" y="4377084"/>
+            <a:ext cx="5367454" cy="1509356"/>
+          </a:xfrm>
+          <a:prstGeom prst="rect">
+            <a:avLst/>
+          </a:prstGeom>
+        </p:spPr>
+      </p:pic>
+    </p:spTree>
+    <p:extLst>
+      <p:ext uri="{BB962C8B-B14F-4D97-AF65-F5344CB8AC3E}">
+        <p14:creationId xmlns:p14="http://schemas.microsoft.com/office/powerpoint/2010/main" val="2228531786"/>
+      </p:ext>
+    </p:extLst>
+  </p:cSld>
+  <p:clrMapOvr>
+    <a:masterClrMapping/>
+  </p:clrMapOvr>
+  <p:transition>
+    <p:fade/>
+  </p:transition>
+</p:sld>
+</file>
+
+<file path=ppt/slides/slide19.xml><?xml version="1.0" encoding="utf-8"?>
+<p:sld xmlns:a="http://schemas.openxmlformats.org/drawingml/2006/main" xmlns:r="http://schemas.openxmlformats.org/officeDocument/2006/relationships" xmlns:p="http://schemas.openxmlformats.org/presentationml/2006/main">
+  <p:cSld>
+    <p:spTree>
+      <p:nvGrpSpPr>
+        <p:cNvPr id="1" name=""/>
+        <p:cNvGrpSpPr/>
+        <p:nvPr/>
+      </p:nvGrpSpPr>
+      <p:grpSpPr>
+        <a:xfrm>
+          <a:off x="0" y="0"/>
+          <a:ext cx="0" cy="0"/>
+          <a:chOff x="0" y="0"/>
+          <a:chExt cx="0" cy="0"/>
+        </a:xfrm>
+      </p:grpSpPr>
+      <p:sp>
+        <p:nvSpPr>
+          <p:cNvPr id="2" name="Title 1">
+            <a:extLst>
+              <a:ext uri="{FF2B5EF4-FFF2-40B4-BE49-F238E27FC236}">
+                <a16:creationId xmlns:a16="http://schemas.microsoft.com/office/drawing/2014/main" id="{E096BD4F-A837-E44D-826A-7501F245F9E1}"/>
+              </a:ext>
+            </a:extLst>
+          </p:cNvPr>
+          <p:cNvSpPr>
+            <a:spLocks noGrp="1"/>
+          </p:cNvSpPr>
+          <p:nvPr>
+            <p:ph type="title"/>
+          </p:nvPr>
+        </p:nvSpPr>
+        <p:spPr/>
+        <p:txBody>
+          <a:bodyPr/>
+          <a:lstStyle/>
+          <a:p>
+            <a:r>
+              <a:rPr lang="en-US" dirty="0"/>
+              <a:t>Simple Example: One Village, One Forest</a:t>
+            </a:r>
+          </a:p>
+        </p:txBody>
+      </p:sp>
+      <p:sp>
+        <p:nvSpPr>
+          <p:cNvPr id="3" name="Slide Number Placeholder 2">
+            <a:extLst>
+              <a:ext uri="{FF2B5EF4-FFF2-40B4-BE49-F238E27FC236}">
+                <a16:creationId xmlns:a16="http://schemas.microsoft.com/office/drawing/2014/main" id="{98777064-C7F2-9E45-96C2-A3BCC524B748}"/>
+              </a:ext>
+            </a:extLst>
+          </p:cNvPr>
+          <p:cNvSpPr>
+            <a:spLocks noGrp="1"/>
+          </p:cNvSpPr>
+          <p:nvPr>
+            <p:ph type="sldNum" sz="quarter" idx="4"/>
+          </p:nvPr>
+        </p:nvSpPr>
+        <p:spPr/>
+        <p:txBody>
+          <a:bodyPr/>
+          <a:lstStyle/>
+          <a:p>
+            <a:pPr algn="ctr"/>
+            <a:fld id="{F1E776F5-9A26-455E-BF09-7D727D022004}" type="slidenum">
+              <a:rPr lang="en-US" smtClean="0"/>
+              <a:pPr algn="ctr"/>
+              <a:t>19</a:t>
+            </a:fld>
+            <a:endParaRPr lang="en-US"/>
+          </a:p>
+        </p:txBody>
+      </p:sp>
+      <p:pic>
+        <p:nvPicPr>
+          <p:cNvPr id="4" name="Picture 3">
+            <a:extLst>
+              <a:ext uri="{FF2B5EF4-FFF2-40B4-BE49-F238E27FC236}">
+                <a16:creationId xmlns:a16="http://schemas.microsoft.com/office/drawing/2014/main" id="{02F31D63-5702-9747-A47B-C2EB4F6EBE0E}"/>
+              </a:ext>
+            </a:extLst>
+          </p:cNvPr>
+          <p:cNvPicPr>
+            <a:picLocks noChangeAspect="1"/>
+          </p:cNvPicPr>
+          <p:nvPr/>
+        </p:nvPicPr>
+        <p:blipFill>
+          <a:blip r:embed="rId2"/>
+          <a:stretch>
+            <a:fillRect/>
+          </a:stretch>
+        </p:blipFill>
+        <p:spPr>
+          <a:xfrm>
+            <a:off x="1854819" y="1096819"/>
+            <a:ext cx="5434361" cy="775055"/>
+          </a:xfrm>
+          <a:prstGeom prst="rect">
+            <a:avLst/>
+          </a:prstGeom>
+        </p:spPr>
+      </p:pic>
+      <p:pic>
+        <p:nvPicPr>
+          <p:cNvPr id="5" name="Picture 4">
+            <a:extLst>
+              <a:ext uri="{FF2B5EF4-FFF2-40B4-BE49-F238E27FC236}">
+                <a16:creationId xmlns:a16="http://schemas.microsoft.com/office/drawing/2014/main" id="{19017437-6171-B843-9CD0-A4C1D5081D68}"/>
+              </a:ext>
+            </a:extLst>
+          </p:cNvPr>
+          <p:cNvPicPr>
+            <a:picLocks noChangeAspect="1"/>
+          </p:cNvPicPr>
+          <p:nvPr/>
+        </p:nvPicPr>
+        <p:blipFill>
+          <a:blip r:embed="rId3"/>
+          <a:stretch>
+            <a:fillRect/>
+          </a:stretch>
+        </p:blipFill>
+        <p:spPr>
+          <a:xfrm>
+            <a:off x="341760" y="2503040"/>
+            <a:ext cx="8452624" cy="1387472"/>
+          </a:xfrm>
+          <a:prstGeom prst="rect">
+            <a:avLst/>
+          </a:prstGeom>
+        </p:spPr>
+      </p:pic>
+      <p:pic>
+        <p:nvPicPr>
+          <p:cNvPr id="6" name="Picture 5">
+            <a:extLst>
+              <a:ext uri="{FF2B5EF4-FFF2-40B4-BE49-F238E27FC236}">
+                <a16:creationId xmlns:a16="http://schemas.microsoft.com/office/drawing/2014/main" id="{108CD542-9CB8-0248-8F25-225F9222703A}"/>
+              </a:ext>
+            </a:extLst>
+          </p:cNvPr>
+          <p:cNvPicPr>
+            <a:picLocks noChangeAspect="1"/>
+          </p:cNvPicPr>
+          <p:nvPr/>
+        </p:nvPicPr>
+        <p:blipFill>
+          <a:blip r:embed="rId4"/>
+          <a:stretch>
+            <a:fillRect/>
+          </a:stretch>
+        </p:blipFill>
+        <p:spPr>
+          <a:xfrm>
+            <a:off x="419818" y="4521678"/>
+            <a:ext cx="8296507" cy="1537735"/>
+          </a:xfrm>
+          <a:prstGeom prst="rect">
+            <a:avLst/>
+          </a:prstGeom>
+        </p:spPr>
+      </p:pic>
+    </p:spTree>
+    <p:extLst>
+      <p:ext uri="{BB962C8B-B14F-4D97-AF65-F5344CB8AC3E}">
+        <p14:creationId xmlns:p14="http://schemas.microsoft.com/office/powerpoint/2010/main" val="277995090"/>
+      </p:ext>
+    </p:extLst>
+  </p:cSld>
+  <p:clrMapOvr>
+    <a:masterClrMapping/>
+  </p:clrMapOvr>
+  <p:transition>
+    <p:fade/>
+  </p:transition>
 </p:sld>
 </file>
 
@@ -6225,13 +7784,6 @@
   <p:transition>
     <p:fade/>
   </p:transition>
-  <p:timing>
-    <p:tnLst>
-      <p:par>
-        <p:cTn id="1" dur="indefinite" restart="never" nodeType="tmRoot"/>
-      </p:par>
-    </p:tnLst>
-  </p:timing>
 </p:sld>
 </file>
 
@@ -6375,7 +7927,7 @@
                 <a:buSzPct val="110000"/>
               </a:pPr>
               <a:r>
-                <a:rPr lang="en-US" sz="2400" i="1" dirty="0" smtClean="0">
+                <a:rPr lang="en-US" sz="2400" i="1" dirty="0">
                   <a:solidFill>
                     <a:srgbClr val="FFC000"/>
                   </a:solidFill>
@@ -6624,7 +8176,7 @@
                 <a:buSzPct val="110000"/>
               </a:pPr>
               <a:r>
-                <a:rPr lang="en-US" sz="2400" i="1" dirty="0" smtClean="0">
+                <a:rPr lang="en-US" sz="2400" i="1" dirty="0">
                   <a:solidFill>
                     <a:srgbClr val="00B0F0"/>
                   </a:solidFill>
@@ -7088,13 +8640,6 @@
   <p:transition>
     <p:fade/>
   </p:transition>
-  <p:timing>
-    <p:tnLst>
-      <p:par>
-        <p:cTn id="1" dur="indefinite" restart="never" nodeType="tmRoot"/>
-      </p:par>
-    </p:tnLst>
-  </p:timing>
 </p:sld>
 </file>
 
@@ -9743,7 +11288,7 @@
           <a:p>
             <a:r>
               <a:rPr lang="en-US" dirty="0"/>
-              <a:t>Equilibrium Assumptions</a:t>
+              <a:t>Reproductive Rate</a:t>
             </a:r>
           </a:p>
         </p:txBody>
@@ -9985,6 +11530,65 @@
           </p:txBody>
         </p:sp>
       </p:grpSp>
+      <p:pic>
+        <p:nvPicPr>
+          <p:cNvPr id="3" name="Picture 2">
+            <a:extLst>
+              <a:ext uri="{FF2B5EF4-FFF2-40B4-BE49-F238E27FC236}">
+                <a16:creationId xmlns:a16="http://schemas.microsoft.com/office/drawing/2014/main" id="{555D4CEB-F1FC-1F40-85B1-A274CBF17081}"/>
+              </a:ext>
+            </a:extLst>
+          </p:cNvPr>
+          <p:cNvPicPr>
+            <a:picLocks noChangeAspect="1"/>
+          </p:cNvPicPr>
+          <p:nvPr/>
+        </p:nvPicPr>
+        <p:blipFill rotWithShape="1">
+          <a:blip r:embed="rId3"/>
+          <a:srcRect l="14209"/>
+          <a:stretch/>
+        </p:blipFill>
+        <p:spPr>
+          <a:xfrm>
+            <a:off x="1695774" y="1109743"/>
+            <a:ext cx="1899814" cy="892074"/>
+          </a:xfrm>
+          <a:prstGeom prst="rect">
+            <a:avLst/>
+          </a:prstGeom>
+        </p:spPr>
+      </p:pic>
+      <p:pic>
+        <p:nvPicPr>
+          <p:cNvPr id="5" name="Picture 4">
+            <a:extLst>
+              <a:ext uri="{FF2B5EF4-FFF2-40B4-BE49-F238E27FC236}">
+                <a16:creationId xmlns:a16="http://schemas.microsoft.com/office/drawing/2014/main" id="{6B2EBBFB-EFB1-7740-8448-E2E9AAFDCA11}"/>
+              </a:ext>
+            </a:extLst>
+          </p:cNvPr>
+          <p:cNvPicPr>
+            <a:picLocks noChangeAspect="1"/>
+          </p:cNvPicPr>
+          <p:nvPr/>
+        </p:nvPicPr>
+        <p:blipFill>
+          <a:blip r:embed="rId4"/>
+          <a:stretch>
+            <a:fillRect/>
+          </a:stretch>
+        </p:blipFill>
+        <p:spPr>
+          <a:xfrm>
+            <a:off x="1467139" y="3259800"/>
+            <a:ext cx="6214946" cy="1464539"/>
+          </a:xfrm>
+          <a:prstGeom prst="rect">
+            <a:avLst/>
+          </a:prstGeom>
+        </p:spPr>
+      </p:pic>
     </p:spTree>
     <p:extLst>
       <p:ext uri="{BB962C8B-B14F-4D97-AF65-F5344CB8AC3E}">
@@ -10001,10 +11605,505 @@
   <p:timing>
     <p:tnLst>
       <p:par>
-        <p:cTn id="1" dur="indefinite" restart="never" nodeType="tmRoot"/>
+        <p:cTn id="1" dur="indefinite" restart="never" nodeType="tmRoot">
+          <p:childTnLst>
+            <p:seq concurrent="1" nextAc="seek">
+              <p:cTn id="2" dur="indefinite" nodeType="mainSeq">
+                <p:childTnLst>
+                  <p:par>
+                    <p:cTn id="3" fill="hold">
+                      <p:stCondLst>
+                        <p:cond delay="indefinite"/>
+                        <p:cond evt="onBegin" delay="0">
+                          <p:tn val="2"/>
+                        </p:cond>
+                      </p:stCondLst>
+                      <p:childTnLst>
+                        <p:par>
+                          <p:cTn id="4" fill="hold">
+                            <p:stCondLst>
+                              <p:cond delay="0"/>
+                            </p:stCondLst>
+                            <p:childTnLst>
+                              <p:par>
+                                <p:cTn id="5" presetID="10" presetClass="entr" presetSubtype="0" fill="hold" nodeType="withEffect">
+                                  <p:stCondLst>
+                                    <p:cond delay="1000"/>
+                                  </p:stCondLst>
+                                  <p:childTnLst>
+                                    <p:set>
+                                      <p:cBhvr>
+                                        <p:cTn id="6" dur="1" fill="hold">
+                                          <p:stCondLst>
+                                            <p:cond delay="0"/>
+                                          </p:stCondLst>
+                                        </p:cTn>
+                                        <p:tgtEl>
+                                          <p:spTgt spid="3"/>
+                                        </p:tgtEl>
+                                        <p:attrNameLst>
+                                          <p:attrName>style.visibility</p:attrName>
+                                        </p:attrNameLst>
+                                      </p:cBhvr>
+                                      <p:to>
+                                        <p:strVal val="visible"/>
+                                      </p:to>
+                                    </p:set>
+                                    <p:animEffect transition="in" filter="fade">
+                                      <p:cBhvr>
+                                        <p:cTn id="7" dur="1500"/>
+                                        <p:tgtEl>
+                                          <p:spTgt spid="3"/>
+                                        </p:tgtEl>
+                                      </p:cBhvr>
+                                    </p:animEffect>
+                                  </p:childTnLst>
+                                </p:cTn>
+                              </p:par>
+                            </p:childTnLst>
+                          </p:cTn>
+                        </p:par>
+                      </p:childTnLst>
+                    </p:cTn>
+                  </p:par>
+                  <p:par>
+                    <p:cTn id="8" fill="hold">
+                      <p:stCondLst>
+                        <p:cond delay="indefinite"/>
+                      </p:stCondLst>
+                      <p:childTnLst>
+                        <p:par>
+                          <p:cTn id="9" fill="hold">
+                            <p:stCondLst>
+                              <p:cond delay="0"/>
+                            </p:stCondLst>
+                            <p:childTnLst>
+                              <p:par>
+                                <p:cTn id="10" presetID="10" presetClass="entr" presetSubtype="0" fill="hold" nodeType="clickEffect">
+                                  <p:stCondLst>
+                                    <p:cond delay="0"/>
+                                  </p:stCondLst>
+                                  <p:childTnLst>
+                                    <p:set>
+                                      <p:cBhvr>
+                                        <p:cTn id="11" dur="1" fill="hold">
+                                          <p:stCondLst>
+                                            <p:cond delay="0"/>
+                                          </p:stCondLst>
+                                        </p:cTn>
+                                        <p:tgtEl>
+                                          <p:spTgt spid="5"/>
+                                        </p:tgtEl>
+                                        <p:attrNameLst>
+                                          <p:attrName>style.visibility</p:attrName>
+                                        </p:attrNameLst>
+                                      </p:cBhvr>
+                                      <p:to>
+                                        <p:strVal val="visible"/>
+                                      </p:to>
+                                    </p:set>
+                                    <p:animEffect transition="in" filter="fade">
+                                      <p:cBhvr>
+                                        <p:cTn id="12" dur="1500"/>
+                                        <p:tgtEl>
+                                          <p:spTgt spid="5"/>
+                                        </p:tgtEl>
+                                      </p:cBhvr>
+                                    </p:animEffect>
+                                  </p:childTnLst>
+                                </p:cTn>
+                              </p:par>
+                            </p:childTnLst>
+                          </p:cTn>
+                        </p:par>
+                      </p:childTnLst>
+                    </p:cTn>
+                  </p:par>
+                </p:childTnLst>
+              </p:cTn>
+              <p:prevCondLst>
+                <p:cond evt="onPrev" delay="0">
+                  <p:tgtEl>
+                    <p:sldTgt/>
+                  </p:tgtEl>
+                </p:cond>
+              </p:prevCondLst>
+              <p:nextCondLst>
+                <p:cond evt="onNext" delay="0">
+                  <p:tgtEl>
+                    <p:sldTgt/>
+                  </p:tgtEl>
+                </p:cond>
+              </p:nextCondLst>
+            </p:seq>
+          </p:childTnLst>
+        </p:cTn>
       </p:par>
     </p:tnLst>
   </p:timing>
+</p:sld>
+</file>
+
+<file path=ppt/slides/slide9.xml><?xml version="1.0" encoding="utf-8"?>
+<p:sld xmlns:a="http://schemas.openxmlformats.org/drawingml/2006/main" xmlns:r="http://schemas.openxmlformats.org/officeDocument/2006/relationships" xmlns:p="http://schemas.openxmlformats.org/presentationml/2006/main">
+  <p:cSld>
+    <p:spTree>
+      <p:nvGrpSpPr>
+        <p:cNvPr id="1" name=""/>
+        <p:cNvGrpSpPr/>
+        <p:nvPr/>
+      </p:nvGrpSpPr>
+      <p:grpSpPr>
+        <a:xfrm>
+          <a:off x="0" y="0"/>
+          <a:ext cx="0" cy="0"/>
+          <a:chOff x="0" y="0"/>
+          <a:chExt cx="0" cy="0"/>
+        </a:xfrm>
+      </p:grpSpPr>
+      <p:sp>
+        <p:nvSpPr>
+          <p:cNvPr id="2" name="Title 1">
+            <a:extLst>
+              <a:ext uri="{FF2B5EF4-FFF2-40B4-BE49-F238E27FC236}">
+                <a16:creationId xmlns:a16="http://schemas.microsoft.com/office/drawing/2014/main" id="{FBD9EB5A-E6A9-3442-ABD8-8A2C8615A202}"/>
+              </a:ext>
+            </a:extLst>
+          </p:cNvPr>
+          <p:cNvSpPr>
+            <a:spLocks noGrp="1"/>
+          </p:cNvSpPr>
+          <p:nvPr>
+            <p:ph type="title"/>
+          </p:nvPr>
+        </p:nvSpPr>
+        <p:spPr/>
+        <p:txBody>
+          <a:bodyPr/>
+          <a:lstStyle/>
+          <a:p>
+            <a:r>
+              <a:rPr lang="en-US" dirty="0"/>
+              <a:t>Vectors of Variables</a:t>
+            </a:r>
+          </a:p>
+        </p:txBody>
+      </p:sp>
+      <p:sp>
+        <p:nvSpPr>
+          <p:cNvPr id="3" name="Slide Number Placeholder 2">
+            <a:extLst>
+              <a:ext uri="{FF2B5EF4-FFF2-40B4-BE49-F238E27FC236}">
+                <a16:creationId xmlns:a16="http://schemas.microsoft.com/office/drawing/2014/main" id="{4C1ECD60-65E1-9644-9E28-DAC438B6695A}"/>
+              </a:ext>
+            </a:extLst>
+          </p:cNvPr>
+          <p:cNvSpPr>
+            <a:spLocks noGrp="1"/>
+          </p:cNvSpPr>
+          <p:nvPr>
+            <p:ph type="sldNum" sz="quarter" idx="4"/>
+          </p:nvPr>
+        </p:nvSpPr>
+        <p:spPr/>
+        <p:txBody>
+          <a:bodyPr/>
+          <a:lstStyle/>
+          <a:p>
+            <a:pPr algn="ctr"/>
+            <a:fld id="{F1E776F5-9A26-455E-BF09-7D727D022004}" type="slidenum">
+              <a:rPr lang="en-US" smtClean="0"/>
+              <a:pPr algn="ctr"/>
+              <a:t>9</a:t>
+            </a:fld>
+            <a:endParaRPr lang="en-US"/>
+          </a:p>
+        </p:txBody>
+      </p:sp>
+      <p:grpSp>
+        <p:nvGrpSpPr>
+          <p:cNvPr id="6" name="Group 5">
+            <a:extLst>
+              <a:ext uri="{FF2B5EF4-FFF2-40B4-BE49-F238E27FC236}">
+                <a16:creationId xmlns:a16="http://schemas.microsoft.com/office/drawing/2014/main" id="{C399D6BC-B93B-E74D-BD01-5142A73DD551}"/>
+              </a:ext>
+            </a:extLst>
+          </p:cNvPr>
+          <p:cNvGrpSpPr/>
+          <p:nvPr/>
+        </p:nvGrpSpPr>
+        <p:grpSpPr>
+          <a:xfrm>
+            <a:off x="840737" y="2329270"/>
+            <a:ext cx="3228955" cy="2199459"/>
+            <a:chOff x="1781643" y="2615485"/>
+            <a:chExt cx="3228955" cy="2199459"/>
+          </a:xfrm>
+        </p:grpSpPr>
+        <p:pic>
+          <p:nvPicPr>
+            <p:cNvPr id="4" name="Picture 3">
+              <a:extLst>
+                <a:ext uri="{FF2B5EF4-FFF2-40B4-BE49-F238E27FC236}">
+                  <a16:creationId xmlns:a16="http://schemas.microsoft.com/office/drawing/2014/main" id="{1480259C-4B77-9A4B-A918-866A694D9462}"/>
+                </a:ext>
+              </a:extLst>
+            </p:cNvPr>
+            <p:cNvPicPr>
+              <a:picLocks noChangeAspect="1"/>
+            </p:cNvPicPr>
+            <p:nvPr/>
+          </p:nvPicPr>
+          <p:blipFill>
+            <a:blip r:embed="rId2"/>
+            <a:stretch>
+              <a:fillRect/>
+            </a:stretch>
+          </p:blipFill>
+          <p:spPr>
+            <a:xfrm>
+              <a:off x="1781643" y="2624254"/>
+              <a:ext cx="1330882" cy="2181922"/>
+            </a:xfrm>
+            <a:prstGeom prst="rect">
+              <a:avLst/>
+            </a:prstGeom>
+          </p:spPr>
+        </p:pic>
+        <p:pic>
+          <p:nvPicPr>
+            <p:cNvPr id="5" name="Picture 4">
+              <a:extLst>
+                <a:ext uri="{FF2B5EF4-FFF2-40B4-BE49-F238E27FC236}">
+                  <a16:creationId xmlns:a16="http://schemas.microsoft.com/office/drawing/2014/main" id="{7D9C48D6-F142-5F43-AD3B-EB6787A76011}"/>
+                </a:ext>
+              </a:extLst>
+            </p:cNvPr>
+            <p:cNvPicPr>
+              <a:picLocks noChangeAspect="1"/>
+            </p:cNvPicPr>
+            <p:nvPr/>
+          </p:nvPicPr>
+          <p:blipFill>
+            <a:blip r:embed="rId3"/>
+            <a:stretch>
+              <a:fillRect/>
+            </a:stretch>
+          </p:blipFill>
+          <p:spPr>
+            <a:xfrm>
+              <a:off x="3679715" y="2615485"/>
+              <a:ext cx="1330883" cy="2199459"/>
+            </a:xfrm>
+            <a:prstGeom prst="rect">
+              <a:avLst/>
+            </a:prstGeom>
+          </p:spPr>
+        </p:pic>
+      </p:grpSp>
+      <p:grpSp>
+        <p:nvGrpSpPr>
+          <p:cNvPr id="9" name="Group 8">
+            <a:extLst>
+              <a:ext uri="{FF2B5EF4-FFF2-40B4-BE49-F238E27FC236}">
+                <a16:creationId xmlns:a16="http://schemas.microsoft.com/office/drawing/2014/main" id="{A9CBE65F-F0EB-4640-A82E-E8A34359E506}"/>
+              </a:ext>
+            </a:extLst>
+          </p:cNvPr>
+          <p:cNvGrpSpPr/>
+          <p:nvPr/>
+        </p:nvGrpSpPr>
+        <p:grpSpPr>
+          <a:xfrm>
+            <a:off x="5074310" y="2329270"/>
+            <a:ext cx="3478895" cy="2199457"/>
+            <a:chOff x="5074309" y="2438400"/>
+            <a:chExt cx="3478895" cy="2199457"/>
+          </a:xfrm>
+        </p:grpSpPr>
+        <p:pic>
+          <p:nvPicPr>
+            <p:cNvPr id="7" name="Picture 6">
+              <a:extLst>
+                <a:ext uri="{FF2B5EF4-FFF2-40B4-BE49-F238E27FC236}">
+                  <a16:creationId xmlns:a16="http://schemas.microsoft.com/office/drawing/2014/main" id="{113B297B-E903-BF43-8D91-28B64281CCE9}"/>
+                </a:ext>
+              </a:extLst>
+            </p:cNvPr>
+            <p:cNvPicPr>
+              <a:picLocks noChangeAspect="1"/>
+            </p:cNvPicPr>
+            <p:nvPr/>
+          </p:nvPicPr>
+          <p:blipFill>
+            <a:blip r:embed="rId4"/>
+            <a:stretch>
+              <a:fillRect/>
+            </a:stretch>
+          </p:blipFill>
+          <p:spPr>
+            <a:xfrm>
+              <a:off x="7102046" y="2438400"/>
+              <a:ext cx="1451158" cy="2190690"/>
+            </a:xfrm>
+            <a:prstGeom prst="rect">
+              <a:avLst/>
+            </a:prstGeom>
+          </p:spPr>
+        </p:pic>
+        <p:pic>
+          <p:nvPicPr>
+            <p:cNvPr id="8" name="Picture 7">
+              <a:extLst>
+                <a:ext uri="{FF2B5EF4-FFF2-40B4-BE49-F238E27FC236}">
+                  <a16:creationId xmlns:a16="http://schemas.microsoft.com/office/drawing/2014/main" id="{0DD9AA6E-E18C-6C43-96AE-8AF0E96E45FE}"/>
+                </a:ext>
+              </a:extLst>
+            </p:cNvPr>
+            <p:cNvPicPr>
+              <a:picLocks noChangeAspect="1"/>
+            </p:cNvPicPr>
+            <p:nvPr/>
+          </p:nvPicPr>
+          <p:blipFill>
+            <a:blip r:embed="rId5"/>
+            <a:stretch>
+              <a:fillRect/>
+            </a:stretch>
+          </p:blipFill>
+          <p:spPr>
+            <a:xfrm>
+              <a:off x="5074309" y="2447166"/>
+              <a:ext cx="1462794" cy="2190691"/>
+            </a:xfrm>
+            <a:prstGeom prst="rect">
+              <a:avLst/>
+            </a:prstGeom>
+          </p:spPr>
+        </p:pic>
+      </p:grpSp>
+      <p:pic>
+        <p:nvPicPr>
+          <p:cNvPr id="10" name="Picture 9">
+            <a:extLst>
+              <a:ext uri="{FF2B5EF4-FFF2-40B4-BE49-F238E27FC236}">
+                <a16:creationId xmlns:a16="http://schemas.microsoft.com/office/drawing/2014/main" id="{6DC9E538-4F40-2542-AE4D-5E952719E3B6}"/>
+              </a:ext>
+            </a:extLst>
+          </p:cNvPr>
+          <p:cNvPicPr>
+            <a:picLocks noChangeAspect="1"/>
+          </p:cNvPicPr>
+          <p:nvPr/>
+        </p:nvPicPr>
+        <p:blipFill>
+          <a:blip r:embed="rId6"/>
+          <a:stretch>
+            <a:fillRect/>
+          </a:stretch>
+        </p:blipFill>
+        <p:spPr>
+          <a:xfrm>
+            <a:off x="1443071" y="1406001"/>
+            <a:ext cx="2591475" cy="398688"/>
+          </a:xfrm>
+          <a:prstGeom prst="rect">
+            <a:avLst/>
+          </a:prstGeom>
+        </p:spPr>
+      </p:pic>
+      <p:grpSp>
+        <p:nvGrpSpPr>
+          <p:cNvPr id="13" name="Group 12">
+            <a:extLst>
+              <a:ext uri="{FF2B5EF4-FFF2-40B4-BE49-F238E27FC236}">
+                <a16:creationId xmlns:a16="http://schemas.microsoft.com/office/drawing/2014/main" id="{70C1CD5E-4C74-9F4A-A76B-644335D407F0}"/>
+              </a:ext>
+            </a:extLst>
+          </p:cNvPr>
+          <p:cNvGrpSpPr/>
+          <p:nvPr/>
+        </p:nvGrpSpPr>
+        <p:grpSpPr>
+          <a:xfrm>
+            <a:off x="5563178" y="1242968"/>
+            <a:ext cx="3077737" cy="724754"/>
+            <a:chOff x="6475140" y="1305080"/>
+            <a:chExt cx="3077737" cy="724754"/>
+          </a:xfrm>
+        </p:grpSpPr>
+        <p:pic>
+          <p:nvPicPr>
+            <p:cNvPr id="11" name="Picture 10">
+              <a:extLst>
+                <a:ext uri="{FF2B5EF4-FFF2-40B4-BE49-F238E27FC236}">
+                  <a16:creationId xmlns:a16="http://schemas.microsoft.com/office/drawing/2014/main" id="{6F3356FA-FA57-014C-98C7-4AD01E11B418}"/>
+                </a:ext>
+              </a:extLst>
+            </p:cNvPr>
+            <p:cNvPicPr>
+              <a:picLocks noChangeAspect="1"/>
+            </p:cNvPicPr>
+            <p:nvPr/>
+          </p:nvPicPr>
+          <p:blipFill rotWithShape="1">
+            <a:blip r:embed="rId7"/>
+            <a:srcRect r="58974"/>
+            <a:stretch/>
+          </p:blipFill>
+          <p:spPr>
+            <a:xfrm>
+              <a:off x="6943491" y="1305080"/>
+              <a:ext cx="2141033" cy="362377"/>
+            </a:xfrm>
+            <a:prstGeom prst="rect">
+              <a:avLst/>
+            </a:prstGeom>
+          </p:spPr>
+        </p:pic>
+        <p:pic>
+          <p:nvPicPr>
+            <p:cNvPr id="12" name="Picture 11">
+              <a:extLst>
+                <a:ext uri="{FF2B5EF4-FFF2-40B4-BE49-F238E27FC236}">
+                  <a16:creationId xmlns:a16="http://schemas.microsoft.com/office/drawing/2014/main" id="{61DA7760-3457-4A45-AC19-19FF669BB86D}"/>
+                </a:ext>
+              </a:extLst>
+            </p:cNvPr>
+            <p:cNvPicPr>
+              <a:picLocks noChangeAspect="1"/>
+            </p:cNvPicPr>
+            <p:nvPr/>
+          </p:nvPicPr>
+          <p:blipFill rotWithShape="1">
+            <a:blip r:embed="rId7"/>
+            <a:srcRect l="41026"/>
+            <a:stretch/>
+          </p:blipFill>
+          <p:spPr>
+            <a:xfrm>
+              <a:off x="6475140" y="1667457"/>
+              <a:ext cx="3077737" cy="362377"/>
+            </a:xfrm>
+            <a:prstGeom prst="rect">
+              <a:avLst/>
+            </a:prstGeom>
+          </p:spPr>
+        </p:pic>
+      </p:grpSp>
+    </p:spTree>
+    <p:extLst>
+      <p:ext uri="{BB962C8B-B14F-4D97-AF65-F5344CB8AC3E}">
+        <p14:creationId xmlns:p14="http://schemas.microsoft.com/office/powerpoint/2010/main" val="621801560"/>
+      </p:ext>
+    </p:extLst>
+  </p:cSld>
+  <p:clrMapOvr>
+    <a:masterClrMapping/>
+  </p:clrMapOvr>
+  <p:transition>
+    <p:fade/>
+  </p:transition>
 </p:sld>
 </file>
 

--- a/forest_malaria/MMC_presentation.pptx
+++ b/forest_malaria/MMC_presentation.pptx
@@ -6130,6 +6130,13 @@
   <p:transition>
     <p:fade/>
   </p:transition>
+  <p:timing>
+    <p:tnLst>
+      <p:par>
+        <p:cTn id="1" dur="indefinite" restart="never" nodeType="tmRoot"/>
+      </p:par>
+    </p:tnLst>
+  </p:timing>
 </p:sld>
 </file>
 
@@ -6209,66 +6216,81 @@
           </a:p>
         </p:txBody>
       </p:sp>
-      <p:pic>
-        <p:nvPicPr>
-          <p:cNvPr id="4" name="Picture 3">
-            <a:extLst>
-              <a:ext uri="{FF2B5EF4-FFF2-40B4-BE49-F238E27FC236}">
-                <a16:creationId xmlns:a16="http://schemas.microsoft.com/office/drawing/2014/main" id="{9F4659D1-8D0A-A747-813A-B58C99526F8A}"/>
-              </a:ext>
-            </a:extLst>
-          </p:cNvPr>
-          <p:cNvPicPr>
-            <a:picLocks noChangeAspect="1"/>
-          </p:cNvPicPr>
+      <p:grpSp>
+        <p:nvGrpSpPr>
+          <p:cNvPr id="6" name="Group 5"/>
+          <p:cNvGrpSpPr/>
           <p:nvPr/>
-        </p:nvPicPr>
-        <p:blipFill>
-          <a:blip r:embed="rId2"/>
-          <a:stretch>
-            <a:fillRect/>
-          </a:stretch>
-        </p:blipFill>
-        <p:spPr>
+        </p:nvGrpSpPr>
+        <p:grpSpPr>
           <a:xfrm>
-            <a:off x="981307" y="3112725"/>
-            <a:ext cx="2996201" cy="632550"/>
+            <a:off x="981307" y="3080188"/>
+            <a:ext cx="7181386" cy="665087"/>
+            <a:chOff x="981307" y="3080188"/>
+            <a:chExt cx="7181386" cy="665087"/>
           </a:xfrm>
-          <a:prstGeom prst="rect">
-            <a:avLst/>
-          </a:prstGeom>
-        </p:spPr>
-      </p:pic>
-      <p:pic>
-        <p:nvPicPr>
-          <p:cNvPr id="5" name="Picture 4">
-            <a:extLst>
-              <a:ext uri="{FF2B5EF4-FFF2-40B4-BE49-F238E27FC236}">
-                <a16:creationId xmlns:a16="http://schemas.microsoft.com/office/drawing/2014/main" id="{8B90990B-AB15-DD47-9A60-708D0660D991}"/>
-              </a:ext>
-            </a:extLst>
-          </p:cNvPr>
-          <p:cNvPicPr>
-            <a:picLocks noChangeAspect="1"/>
-          </p:cNvPicPr>
-          <p:nvPr/>
-        </p:nvPicPr>
-        <p:blipFill>
-          <a:blip r:embed="rId3"/>
-          <a:stretch>
-            <a:fillRect/>
-          </a:stretch>
-        </p:blipFill>
-        <p:spPr>
-          <a:xfrm>
-            <a:off x="5166492" y="3080188"/>
-            <a:ext cx="2996201" cy="665087"/>
-          </a:xfrm>
-          <a:prstGeom prst="rect">
-            <a:avLst/>
-          </a:prstGeom>
-        </p:spPr>
-      </p:pic>
+        </p:grpSpPr>
+        <p:pic>
+          <p:nvPicPr>
+            <p:cNvPr id="4" name="Picture 3">
+              <a:extLst>
+                <a:ext uri="{FF2B5EF4-FFF2-40B4-BE49-F238E27FC236}">
+                  <a16:creationId xmlns:a16="http://schemas.microsoft.com/office/drawing/2014/main" id="{9F4659D1-8D0A-A747-813A-B58C99526F8A}"/>
+                </a:ext>
+              </a:extLst>
+            </p:cNvPr>
+            <p:cNvPicPr>
+              <a:picLocks noChangeAspect="1"/>
+            </p:cNvPicPr>
+            <p:nvPr/>
+          </p:nvPicPr>
+          <p:blipFill>
+            <a:blip r:embed="rId2"/>
+            <a:stretch>
+              <a:fillRect/>
+            </a:stretch>
+          </p:blipFill>
+          <p:spPr>
+            <a:xfrm>
+              <a:off x="981307" y="3112725"/>
+              <a:ext cx="2996201" cy="632550"/>
+            </a:xfrm>
+            <a:prstGeom prst="rect">
+              <a:avLst/>
+            </a:prstGeom>
+          </p:spPr>
+        </p:pic>
+        <p:pic>
+          <p:nvPicPr>
+            <p:cNvPr id="5" name="Picture 4">
+              <a:extLst>
+                <a:ext uri="{FF2B5EF4-FFF2-40B4-BE49-F238E27FC236}">
+                  <a16:creationId xmlns:a16="http://schemas.microsoft.com/office/drawing/2014/main" id="{8B90990B-AB15-DD47-9A60-708D0660D991}"/>
+                </a:ext>
+              </a:extLst>
+            </p:cNvPr>
+            <p:cNvPicPr>
+              <a:picLocks noChangeAspect="1"/>
+            </p:cNvPicPr>
+            <p:nvPr/>
+          </p:nvPicPr>
+          <p:blipFill>
+            <a:blip r:embed="rId3"/>
+            <a:stretch>
+              <a:fillRect/>
+            </a:stretch>
+          </p:blipFill>
+          <p:spPr>
+            <a:xfrm>
+              <a:off x="5166492" y="3080188"/>
+              <a:ext cx="2996201" cy="665087"/>
+            </a:xfrm>
+            <a:prstGeom prst="rect">
+              <a:avLst/>
+            </a:prstGeom>
+          </p:spPr>
+        </p:pic>
+      </p:grpSp>
     </p:spTree>
     <p:extLst>
       <p:ext uri="{BB962C8B-B14F-4D97-AF65-F5344CB8AC3E}">
@@ -6282,6 +6304,89 @@
   <p:transition>
     <p:fade/>
   </p:transition>
+  <p:timing>
+    <p:tnLst>
+      <p:par>
+        <p:cTn id="1" dur="indefinite" restart="never" nodeType="tmRoot">
+          <p:childTnLst>
+            <p:seq concurrent="1" nextAc="seek">
+              <p:cTn id="2" dur="indefinite" nodeType="mainSeq">
+                <p:childTnLst>
+                  <p:par>
+                    <p:cTn id="3" fill="hold">
+                      <p:stCondLst>
+                        <p:cond delay="indefinite"/>
+                      </p:stCondLst>
+                      <p:childTnLst>
+                        <p:par>
+                          <p:cTn id="4" fill="hold">
+                            <p:stCondLst>
+                              <p:cond delay="0"/>
+                            </p:stCondLst>
+                            <p:childTnLst>
+                              <p:par>
+                                <p:cTn id="5" presetID="10" presetClass="entr" presetSubtype="0" fill="hold" nodeType="clickEffect">
+                                  <p:stCondLst>
+                                    <p:cond delay="0"/>
+                                  </p:stCondLst>
+                                  <p:childTnLst>
+                                    <p:set>
+                                      <p:cBhvr>
+                                        <p:cTn id="6" dur="1" fill="hold">
+                                          <p:stCondLst>
+                                            <p:cond delay="0"/>
+                                          </p:stCondLst>
+                                        </p:cTn>
+                                        <p:tgtEl>
+                                          <p:spTgt spid="6"/>
+                                        </p:tgtEl>
+                                        <p:attrNameLst>
+                                          <p:attrName>style.visibility</p:attrName>
+                                        </p:attrNameLst>
+                                      </p:cBhvr>
+                                      <p:to>
+                                        <p:strVal val="visible"/>
+                                      </p:to>
+                                    </p:set>
+                                    <p:animEffect transition="in" filter="fade">
+                                      <p:cBhvr>
+                                        <p:cTn id="7" dur="500"/>
+                                        <p:tgtEl>
+                                          <p:spTgt spid="6"/>
+                                        </p:tgtEl>
+                                      </p:cBhvr>
+                                    </p:animEffect>
+                                  </p:childTnLst>
+                                </p:cTn>
+                              </p:par>
+                            </p:childTnLst>
+                          </p:cTn>
+                        </p:par>
+                      </p:childTnLst>
+                    </p:cTn>
+                  </p:par>
+                </p:childTnLst>
+              </p:cTn>
+              <p:prevCondLst>
+                <p:cond evt="onPrev" delay="0">
+                  <p:tgtEl>
+                    <p:sldTgt/>
+                  </p:tgtEl>
+                </p:cond>
+              </p:prevCondLst>
+              <p:nextCondLst>
+                <p:cond evt="onNext" delay="0">
+                  <p:tgtEl>
+                    <p:sldTgt/>
+                  </p:tgtEl>
+                </p:cond>
+              </p:nextCondLst>
+            </p:seq>
+          </p:childTnLst>
+        </p:cTn>
+      </p:par>
+    </p:tnLst>
+  </p:timing>
 </p:sld>
 </file>
 
@@ -6392,6 +6497,13 @@
   <p:transition>
     <p:fade/>
   </p:transition>
+  <p:timing>
+    <p:tnLst>
+      <p:par>
+        <p:cTn id="1" dur="indefinite" restart="never" nodeType="tmRoot"/>
+      </p:par>
+    </p:tnLst>
+  </p:timing>
 </p:sld>
 </file>
 
@@ -6532,6 +6644,13 @@
   <p:transition>
     <p:fade/>
   </p:transition>
+  <p:timing>
+    <p:tnLst>
+      <p:par>
+        <p:cTn id="1" dur="indefinite" restart="never" nodeType="tmRoot"/>
+      </p:par>
+    </p:tnLst>
+  </p:timing>
 </p:sld>
 </file>
 
@@ -6641,66 +6760,81 @@
           </a:prstGeom>
         </p:spPr>
       </p:pic>
-      <p:pic>
-        <p:nvPicPr>
-          <p:cNvPr id="5" name="Picture 4">
-            <a:extLst>
-              <a:ext uri="{FF2B5EF4-FFF2-40B4-BE49-F238E27FC236}">
-                <a16:creationId xmlns:a16="http://schemas.microsoft.com/office/drawing/2014/main" id="{BE3C704D-792C-684B-A1CF-19B84F094211}"/>
-              </a:ext>
-            </a:extLst>
-          </p:cNvPr>
-          <p:cNvPicPr>
-            <a:picLocks noChangeAspect="1"/>
-          </p:cNvPicPr>
+      <p:grpSp>
+        <p:nvGrpSpPr>
+          <p:cNvPr id="7" name="Group 6"/>
+          <p:cNvGrpSpPr/>
           <p:nvPr/>
-        </p:nvPicPr>
-        <p:blipFill>
-          <a:blip r:embed="rId3"/>
-          <a:stretch>
-            <a:fillRect/>
-          </a:stretch>
-        </p:blipFill>
-        <p:spPr>
+        </p:nvGrpSpPr>
+        <p:grpSpPr>
           <a:xfrm>
-            <a:off x="1129990" y="3969052"/>
-            <a:ext cx="2529052" cy="918004"/>
+            <a:off x="1129990" y="3969051"/>
+            <a:ext cx="6884020" cy="918005"/>
+            <a:chOff x="1129990" y="3969051"/>
+            <a:chExt cx="6884020" cy="918005"/>
           </a:xfrm>
-          <a:prstGeom prst="rect">
-            <a:avLst/>
-          </a:prstGeom>
-        </p:spPr>
-      </p:pic>
-      <p:pic>
-        <p:nvPicPr>
-          <p:cNvPr id="6" name="Picture 5">
-            <a:extLst>
-              <a:ext uri="{FF2B5EF4-FFF2-40B4-BE49-F238E27FC236}">
-                <a16:creationId xmlns:a16="http://schemas.microsoft.com/office/drawing/2014/main" id="{CFCF88DB-F4B2-9946-84B6-2D813790C63E}"/>
-              </a:ext>
-            </a:extLst>
-          </p:cNvPr>
-          <p:cNvPicPr>
-            <a:picLocks noChangeAspect="1"/>
-          </p:cNvPicPr>
-          <p:nvPr/>
-        </p:nvPicPr>
-        <p:blipFill>
-          <a:blip r:embed="rId4"/>
-          <a:stretch>
-            <a:fillRect/>
-          </a:stretch>
-        </p:blipFill>
-        <p:spPr>
-          <a:xfrm>
-            <a:off x="6385930" y="3969051"/>
-            <a:ext cx="1628080" cy="912035"/>
-          </a:xfrm>
-          <a:prstGeom prst="rect">
-            <a:avLst/>
-          </a:prstGeom>
-        </p:spPr>
-      </p:pic>
+        </p:grpSpPr>
+        <p:pic>
+          <p:nvPicPr>
+            <p:cNvPr id="5" name="Picture 4">
+              <a:extLst>
+                <a:ext uri="{FF2B5EF4-FFF2-40B4-BE49-F238E27FC236}">
+                  <a16:creationId xmlns:a16="http://schemas.microsoft.com/office/drawing/2014/main" id="{BE3C704D-792C-684B-A1CF-19B84F094211}"/>
+                </a:ext>
+              </a:extLst>
+            </p:cNvPr>
+            <p:cNvPicPr>
+              <a:picLocks noChangeAspect="1"/>
+            </p:cNvPicPr>
+            <p:nvPr/>
+          </p:nvPicPr>
+          <p:blipFill>
+            <a:blip r:embed="rId3"/>
+            <a:stretch>
+              <a:fillRect/>
+            </a:stretch>
+          </p:blipFill>
+          <p:spPr>
+            <a:xfrm>
+              <a:off x="1129990" y="3969052"/>
+              <a:ext cx="2529052" cy="918004"/>
+            </a:xfrm>
+            <a:prstGeom prst="rect">
+              <a:avLst/>
+            </a:prstGeom>
+          </p:spPr>
+        </p:pic>
+        <p:pic>
+          <p:nvPicPr>
+            <p:cNvPr id="6" name="Picture 5">
+              <a:extLst>
+                <a:ext uri="{FF2B5EF4-FFF2-40B4-BE49-F238E27FC236}">
+                  <a16:creationId xmlns:a16="http://schemas.microsoft.com/office/drawing/2014/main" id="{CFCF88DB-F4B2-9946-84B6-2D813790C63E}"/>
+                </a:ext>
+              </a:extLst>
+            </p:cNvPr>
+            <p:cNvPicPr>
+              <a:picLocks noChangeAspect="1"/>
+            </p:cNvPicPr>
+            <p:nvPr/>
+          </p:nvPicPr>
+          <p:blipFill>
+            <a:blip r:embed="rId4"/>
+            <a:stretch>
+              <a:fillRect/>
+            </a:stretch>
+          </p:blipFill>
+          <p:spPr>
+            <a:xfrm>
+              <a:off x="6385930" y="3969051"/>
+              <a:ext cx="1628080" cy="912035"/>
+            </a:xfrm>
+            <a:prstGeom prst="rect">
+              <a:avLst/>
+            </a:prstGeom>
+          </p:spPr>
+        </p:pic>
+      </p:grpSp>
     </p:spTree>
     <p:extLst>
       <p:ext uri="{BB962C8B-B14F-4D97-AF65-F5344CB8AC3E}">
@@ -6714,6 +6848,142 @@
   <p:transition>
     <p:fade/>
   </p:transition>
+  <p:timing>
+    <p:tnLst>
+      <p:par>
+        <p:cTn id="1" dur="indefinite" restart="never" nodeType="tmRoot">
+          <p:childTnLst>
+            <p:seq concurrent="1" nextAc="seek">
+              <p:cTn id="2" dur="indefinite" nodeType="mainSeq">
+                <p:childTnLst>
+                  <p:par>
+                    <p:cTn id="3" fill="hold">
+                      <p:stCondLst>
+                        <p:cond delay="indefinite"/>
+                      </p:stCondLst>
+                      <p:childTnLst>
+                        <p:par>
+                          <p:cTn id="4" fill="hold">
+                            <p:stCondLst>
+                              <p:cond delay="0"/>
+                            </p:stCondLst>
+                            <p:childTnLst>
+                              <p:par>
+                                <p:cTn id="5" presetID="10" presetClass="entr" presetSubtype="0" fill="hold" nodeType="clickEffect">
+                                  <p:stCondLst>
+                                    <p:cond delay="0"/>
+                                  </p:stCondLst>
+                                  <p:childTnLst>
+                                    <p:set>
+                                      <p:cBhvr>
+                                        <p:cTn id="6" dur="1" fill="hold">
+                                          <p:stCondLst>
+                                            <p:cond delay="0"/>
+                                          </p:stCondLst>
+                                        </p:cTn>
+                                        <p:tgtEl>
+                                          <p:spTgt spid="4"/>
+                                        </p:tgtEl>
+                                        <p:attrNameLst>
+                                          <p:attrName>style.visibility</p:attrName>
+                                        </p:attrNameLst>
+                                      </p:cBhvr>
+                                      <p:to>
+                                        <p:strVal val="visible"/>
+                                      </p:to>
+                                    </p:set>
+                                    <p:animEffect transition="in" filter="fade">
+                                      <p:cBhvr>
+                                        <p:cTn id="7" dur="500"/>
+                                        <p:tgtEl>
+                                          <p:spTgt spid="4"/>
+                                        </p:tgtEl>
+                                      </p:cBhvr>
+                                    </p:animEffect>
+                                  </p:childTnLst>
+                                </p:cTn>
+                              </p:par>
+                            </p:childTnLst>
+                          </p:cTn>
+                        </p:par>
+                      </p:childTnLst>
+                    </p:cTn>
+                  </p:par>
+                  <p:par>
+                    <p:cTn id="8" fill="hold">
+                      <p:stCondLst>
+                        <p:cond delay="indefinite"/>
+                      </p:stCondLst>
+                      <p:childTnLst>
+                        <p:par>
+                          <p:cTn id="9" fill="hold">
+                            <p:stCondLst>
+                              <p:cond delay="0"/>
+                            </p:stCondLst>
+                            <p:childTnLst>
+                              <p:par>
+                                <p:cTn id="10" presetID="10" presetClass="entr" presetSubtype="0" fill="hold" nodeType="clickEffect">
+                                  <p:stCondLst>
+                                    <p:cond delay="0"/>
+                                  </p:stCondLst>
+                                  <p:childTnLst>
+                                    <p:set>
+                                      <p:cBhvr>
+                                        <p:cTn id="11" dur="1" fill="hold">
+                                          <p:stCondLst>
+                                            <p:cond delay="0"/>
+                                          </p:stCondLst>
+                                        </p:cTn>
+                                        <p:tgtEl>
+                                          <p:spTgt spid="7"/>
+                                        </p:tgtEl>
+                                        <p:attrNameLst>
+                                          <p:attrName>style.visibility</p:attrName>
+                                        </p:attrNameLst>
+                                      </p:cBhvr>
+                                      <p:to>
+                                        <p:strVal val="visible"/>
+                                      </p:to>
+                                    </p:set>
+                                    <p:animEffect transition="in" filter="fade">
+                                      <p:cBhvr>
+                                        <p:cTn id="12" dur="500"/>
+                                        <p:tgtEl>
+                                          <p:spTgt spid="7"/>
+                                        </p:tgtEl>
+                                      </p:cBhvr>
+                                    </p:animEffect>
+                                  </p:childTnLst>
+                                </p:cTn>
+                              </p:par>
+                            </p:childTnLst>
+                          </p:cTn>
+                        </p:par>
+                      </p:childTnLst>
+                    </p:cTn>
+                  </p:par>
+                </p:childTnLst>
+              </p:cTn>
+              <p:prevCondLst>
+                <p:cond evt="onPrev" delay="0">
+                  <p:tgtEl>
+                    <p:sldTgt/>
+                  </p:tgtEl>
+                </p:cond>
+              </p:prevCondLst>
+              <p:nextCondLst>
+                <p:cond evt="onNext" delay="0">
+                  <p:tgtEl>
+                    <p:sldTgt/>
+                  </p:tgtEl>
+                </p:cond>
+              </p:nextCondLst>
+            </p:seq>
+          </p:childTnLst>
+        </p:cTn>
+      </p:par>
+    </p:tnLst>
+  </p:timing>
 </p:sld>
 </file>
 
@@ -6866,6 +7136,142 @@
   <p:transition>
     <p:fade/>
   </p:transition>
+  <p:timing>
+    <p:tnLst>
+      <p:par>
+        <p:cTn id="1" dur="indefinite" restart="never" nodeType="tmRoot">
+          <p:childTnLst>
+            <p:seq concurrent="1" nextAc="seek">
+              <p:cTn id="2" dur="indefinite" nodeType="mainSeq">
+                <p:childTnLst>
+                  <p:par>
+                    <p:cTn id="3" fill="hold">
+                      <p:stCondLst>
+                        <p:cond delay="indefinite"/>
+                      </p:stCondLst>
+                      <p:childTnLst>
+                        <p:par>
+                          <p:cTn id="4" fill="hold">
+                            <p:stCondLst>
+                              <p:cond delay="0"/>
+                            </p:stCondLst>
+                            <p:childTnLst>
+                              <p:par>
+                                <p:cTn id="5" presetID="10" presetClass="entr" presetSubtype="0" fill="hold" nodeType="clickEffect">
+                                  <p:stCondLst>
+                                    <p:cond delay="0"/>
+                                  </p:stCondLst>
+                                  <p:childTnLst>
+                                    <p:set>
+                                      <p:cBhvr>
+                                        <p:cTn id="6" dur="1" fill="hold">
+                                          <p:stCondLst>
+                                            <p:cond delay="0"/>
+                                          </p:stCondLst>
+                                        </p:cTn>
+                                        <p:tgtEl>
+                                          <p:spTgt spid="4"/>
+                                        </p:tgtEl>
+                                        <p:attrNameLst>
+                                          <p:attrName>style.visibility</p:attrName>
+                                        </p:attrNameLst>
+                                      </p:cBhvr>
+                                      <p:to>
+                                        <p:strVal val="visible"/>
+                                      </p:to>
+                                    </p:set>
+                                    <p:animEffect transition="in" filter="fade">
+                                      <p:cBhvr>
+                                        <p:cTn id="7" dur="500"/>
+                                        <p:tgtEl>
+                                          <p:spTgt spid="4"/>
+                                        </p:tgtEl>
+                                      </p:cBhvr>
+                                    </p:animEffect>
+                                  </p:childTnLst>
+                                </p:cTn>
+                              </p:par>
+                            </p:childTnLst>
+                          </p:cTn>
+                        </p:par>
+                      </p:childTnLst>
+                    </p:cTn>
+                  </p:par>
+                  <p:par>
+                    <p:cTn id="8" fill="hold">
+                      <p:stCondLst>
+                        <p:cond delay="indefinite"/>
+                      </p:stCondLst>
+                      <p:childTnLst>
+                        <p:par>
+                          <p:cTn id="9" fill="hold">
+                            <p:stCondLst>
+                              <p:cond delay="0"/>
+                            </p:stCondLst>
+                            <p:childTnLst>
+                              <p:par>
+                                <p:cTn id="10" presetID="10" presetClass="entr" presetSubtype="0" fill="hold" nodeType="clickEffect">
+                                  <p:stCondLst>
+                                    <p:cond delay="0"/>
+                                  </p:stCondLst>
+                                  <p:childTnLst>
+                                    <p:set>
+                                      <p:cBhvr>
+                                        <p:cTn id="11" dur="1" fill="hold">
+                                          <p:stCondLst>
+                                            <p:cond delay="0"/>
+                                          </p:stCondLst>
+                                        </p:cTn>
+                                        <p:tgtEl>
+                                          <p:spTgt spid="5"/>
+                                        </p:tgtEl>
+                                        <p:attrNameLst>
+                                          <p:attrName>style.visibility</p:attrName>
+                                        </p:attrNameLst>
+                                      </p:cBhvr>
+                                      <p:to>
+                                        <p:strVal val="visible"/>
+                                      </p:to>
+                                    </p:set>
+                                    <p:animEffect transition="in" filter="fade">
+                                      <p:cBhvr>
+                                        <p:cTn id="12" dur="500"/>
+                                        <p:tgtEl>
+                                          <p:spTgt spid="5"/>
+                                        </p:tgtEl>
+                                      </p:cBhvr>
+                                    </p:animEffect>
+                                  </p:childTnLst>
+                                </p:cTn>
+                              </p:par>
+                            </p:childTnLst>
+                          </p:cTn>
+                        </p:par>
+                      </p:childTnLst>
+                    </p:cTn>
+                  </p:par>
+                </p:childTnLst>
+              </p:cTn>
+              <p:prevCondLst>
+                <p:cond evt="onPrev" delay="0">
+                  <p:tgtEl>
+                    <p:sldTgt/>
+                  </p:tgtEl>
+                </p:cond>
+              </p:prevCondLst>
+              <p:nextCondLst>
+                <p:cond evt="onNext" delay="0">
+                  <p:tgtEl>
+                    <p:sldTgt/>
+                  </p:tgtEl>
+                </p:cond>
+              </p:nextCondLst>
+            </p:seq>
+          </p:childTnLst>
+        </p:cTn>
+      </p:par>
+    </p:tnLst>
+  </p:timing>
 </p:sld>
 </file>
 
@@ -6988,6 +7394,13 @@
   <p:transition>
     <p:fade/>
   </p:transition>
+  <p:timing>
+    <p:tnLst>
+      <p:par>
+        <p:cTn id="1" dur="indefinite" restart="never" nodeType="tmRoot"/>
+      </p:par>
+    </p:tnLst>
+  </p:timing>
 </p:sld>
 </file>
 
@@ -7140,6 +7553,142 @@
   <p:transition>
     <p:fade/>
   </p:transition>
+  <p:timing>
+    <p:tnLst>
+      <p:par>
+        <p:cTn id="1" dur="indefinite" restart="never" nodeType="tmRoot">
+          <p:childTnLst>
+            <p:seq concurrent="1" nextAc="seek">
+              <p:cTn id="2" dur="indefinite" nodeType="mainSeq">
+                <p:childTnLst>
+                  <p:par>
+                    <p:cTn id="3" fill="hold">
+                      <p:stCondLst>
+                        <p:cond delay="indefinite"/>
+                      </p:stCondLst>
+                      <p:childTnLst>
+                        <p:par>
+                          <p:cTn id="4" fill="hold">
+                            <p:stCondLst>
+                              <p:cond delay="0"/>
+                            </p:stCondLst>
+                            <p:childTnLst>
+                              <p:par>
+                                <p:cTn id="5" presetID="10" presetClass="entr" presetSubtype="0" fill="hold" nodeType="clickEffect">
+                                  <p:stCondLst>
+                                    <p:cond delay="0"/>
+                                  </p:stCondLst>
+                                  <p:childTnLst>
+                                    <p:set>
+                                      <p:cBhvr>
+                                        <p:cTn id="6" dur="1" fill="hold">
+                                          <p:stCondLst>
+                                            <p:cond delay="0"/>
+                                          </p:stCondLst>
+                                        </p:cTn>
+                                        <p:tgtEl>
+                                          <p:spTgt spid="5"/>
+                                        </p:tgtEl>
+                                        <p:attrNameLst>
+                                          <p:attrName>style.visibility</p:attrName>
+                                        </p:attrNameLst>
+                                      </p:cBhvr>
+                                      <p:to>
+                                        <p:strVal val="visible"/>
+                                      </p:to>
+                                    </p:set>
+                                    <p:animEffect transition="in" filter="fade">
+                                      <p:cBhvr>
+                                        <p:cTn id="7" dur="500"/>
+                                        <p:tgtEl>
+                                          <p:spTgt spid="5"/>
+                                        </p:tgtEl>
+                                      </p:cBhvr>
+                                    </p:animEffect>
+                                  </p:childTnLst>
+                                </p:cTn>
+                              </p:par>
+                            </p:childTnLst>
+                          </p:cTn>
+                        </p:par>
+                      </p:childTnLst>
+                    </p:cTn>
+                  </p:par>
+                  <p:par>
+                    <p:cTn id="8" fill="hold">
+                      <p:stCondLst>
+                        <p:cond delay="indefinite"/>
+                      </p:stCondLst>
+                      <p:childTnLst>
+                        <p:par>
+                          <p:cTn id="9" fill="hold">
+                            <p:stCondLst>
+                              <p:cond delay="0"/>
+                            </p:stCondLst>
+                            <p:childTnLst>
+                              <p:par>
+                                <p:cTn id="10" presetID="10" presetClass="entr" presetSubtype="0" fill="hold" nodeType="clickEffect">
+                                  <p:stCondLst>
+                                    <p:cond delay="0"/>
+                                  </p:stCondLst>
+                                  <p:childTnLst>
+                                    <p:set>
+                                      <p:cBhvr>
+                                        <p:cTn id="11" dur="1" fill="hold">
+                                          <p:stCondLst>
+                                            <p:cond delay="0"/>
+                                          </p:stCondLst>
+                                        </p:cTn>
+                                        <p:tgtEl>
+                                          <p:spTgt spid="6"/>
+                                        </p:tgtEl>
+                                        <p:attrNameLst>
+                                          <p:attrName>style.visibility</p:attrName>
+                                        </p:attrNameLst>
+                                      </p:cBhvr>
+                                      <p:to>
+                                        <p:strVal val="visible"/>
+                                      </p:to>
+                                    </p:set>
+                                    <p:animEffect transition="in" filter="fade">
+                                      <p:cBhvr>
+                                        <p:cTn id="12" dur="500"/>
+                                        <p:tgtEl>
+                                          <p:spTgt spid="6"/>
+                                        </p:tgtEl>
+                                      </p:cBhvr>
+                                    </p:animEffect>
+                                  </p:childTnLst>
+                                </p:cTn>
+                              </p:par>
+                            </p:childTnLst>
+                          </p:cTn>
+                        </p:par>
+                      </p:childTnLst>
+                    </p:cTn>
+                  </p:par>
+                </p:childTnLst>
+              </p:cTn>
+              <p:prevCondLst>
+                <p:cond evt="onPrev" delay="0">
+                  <p:tgtEl>
+                    <p:sldTgt/>
+                  </p:tgtEl>
+                </p:cond>
+              </p:prevCondLst>
+              <p:nextCondLst>
+                <p:cond evt="onNext" delay="0">
+                  <p:tgtEl>
+                    <p:sldTgt/>
+                  </p:tgtEl>
+                </p:cond>
+              </p:nextCondLst>
+            </p:seq>
+          </p:childTnLst>
+        </p:cTn>
+      </p:par>
+    </p:tnLst>
+  </p:timing>
 </p:sld>
 </file>
 
@@ -7292,6 +7841,142 @@
   <p:transition>
     <p:fade/>
   </p:transition>
+  <p:timing>
+    <p:tnLst>
+      <p:par>
+        <p:cTn id="1" dur="indefinite" restart="never" nodeType="tmRoot">
+          <p:childTnLst>
+            <p:seq concurrent="1" nextAc="seek">
+              <p:cTn id="2" dur="indefinite" nodeType="mainSeq">
+                <p:childTnLst>
+                  <p:par>
+                    <p:cTn id="3" fill="hold">
+                      <p:stCondLst>
+                        <p:cond delay="indefinite"/>
+                      </p:stCondLst>
+                      <p:childTnLst>
+                        <p:par>
+                          <p:cTn id="4" fill="hold">
+                            <p:stCondLst>
+                              <p:cond delay="0"/>
+                            </p:stCondLst>
+                            <p:childTnLst>
+                              <p:par>
+                                <p:cTn id="5" presetID="10" presetClass="entr" presetSubtype="0" fill="hold" nodeType="clickEffect">
+                                  <p:stCondLst>
+                                    <p:cond delay="0"/>
+                                  </p:stCondLst>
+                                  <p:childTnLst>
+                                    <p:set>
+                                      <p:cBhvr>
+                                        <p:cTn id="6" dur="1" fill="hold">
+                                          <p:stCondLst>
+                                            <p:cond delay="0"/>
+                                          </p:stCondLst>
+                                        </p:cTn>
+                                        <p:tgtEl>
+                                          <p:spTgt spid="4"/>
+                                        </p:tgtEl>
+                                        <p:attrNameLst>
+                                          <p:attrName>style.visibility</p:attrName>
+                                        </p:attrNameLst>
+                                      </p:cBhvr>
+                                      <p:to>
+                                        <p:strVal val="visible"/>
+                                      </p:to>
+                                    </p:set>
+                                    <p:animEffect transition="in" filter="fade">
+                                      <p:cBhvr>
+                                        <p:cTn id="7" dur="500"/>
+                                        <p:tgtEl>
+                                          <p:spTgt spid="4"/>
+                                        </p:tgtEl>
+                                      </p:cBhvr>
+                                    </p:animEffect>
+                                  </p:childTnLst>
+                                </p:cTn>
+                              </p:par>
+                            </p:childTnLst>
+                          </p:cTn>
+                        </p:par>
+                      </p:childTnLst>
+                    </p:cTn>
+                  </p:par>
+                  <p:par>
+                    <p:cTn id="8" fill="hold">
+                      <p:stCondLst>
+                        <p:cond delay="indefinite"/>
+                      </p:stCondLst>
+                      <p:childTnLst>
+                        <p:par>
+                          <p:cTn id="9" fill="hold">
+                            <p:stCondLst>
+                              <p:cond delay="0"/>
+                            </p:stCondLst>
+                            <p:childTnLst>
+                              <p:par>
+                                <p:cTn id="10" presetID="10" presetClass="entr" presetSubtype="0" fill="hold" nodeType="clickEffect">
+                                  <p:stCondLst>
+                                    <p:cond delay="0"/>
+                                  </p:stCondLst>
+                                  <p:childTnLst>
+                                    <p:set>
+                                      <p:cBhvr>
+                                        <p:cTn id="11" dur="1" fill="hold">
+                                          <p:stCondLst>
+                                            <p:cond delay="0"/>
+                                          </p:stCondLst>
+                                        </p:cTn>
+                                        <p:tgtEl>
+                                          <p:spTgt spid="5"/>
+                                        </p:tgtEl>
+                                        <p:attrNameLst>
+                                          <p:attrName>style.visibility</p:attrName>
+                                        </p:attrNameLst>
+                                      </p:cBhvr>
+                                      <p:to>
+                                        <p:strVal val="visible"/>
+                                      </p:to>
+                                    </p:set>
+                                    <p:animEffect transition="in" filter="fade">
+                                      <p:cBhvr>
+                                        <p:cTn id="12" dur="500"/>
+                                        <p:tgtEl>
+                                          <p:spTgt spid="5"/>
+                                        </p:tgtEl>
+                                      </p:cBhvr>
+                                    </p:animEffect>
+                                  </p:childTnLst>
+                                </p:cTn>
+                              </p:par>
+                            </p:childTnLst>
+                          </p:cTn>
+                        </p:par>
+                      </p:childTnLst>
+                    </p:cTn>
+                  </p:par>
+                </p:childTnLst>
+              </p:cTn>
+              <p:prevCondLst>
+                <p:cond evt="onPrev" delay="0">
+                  <p:tgtEl>
+                    <p:sldTgt/>
+                  </p:tgtEl>
+                </p:cond>
+              </p:prevCondLst>
+              <p:nextCondLst>
+                <p:cond evt="onNext" delay="0">
+                  <p:tgtEl>
+                    <p:sldTgt/>
+                  </p:tgtEl>
+                </p:cond>
+              </p:nextCondLst>
+            </p:seq>
+          </p:childTnLst>
+        </p:cTn>
+      </p:par>
+    </p:tnLst>
+  </p:timing>
 </p:sld>
 </file>
 
@@ -7503,6 +8188,224 @@
   <p:transition>
     <p:fade/>
   </p:transition>
+  <p:timing>
+    <p:tnLst>
+      <p:par>
+        <p:cTn id="1" dur="indefinite" restart="never" nodeType="tmRoot">
+          <p:childTnLst>
+            <p:seq concurrent="1" nextAc="seek">
+              <p:cTn id="2" dur="indefinite" nodeType="mainSeq">
+                <p:childTnLst>
+                  <p:par>
+                    <p:cTn id="3" fill="hold">
+                      <p:stCondLst>
+                        <p:cond delay="indefinite"/>
+                        <p:cond evt="onBegin" delay="0">
+                          <p:tn val="2"/>
+                        </p:cond>
+                      </p:stCondLst>
+                      <p:childTnLst>
+                        <p:par>
+                          <p:cTn id="4" fill="hold">
+                            <p:stCondLst>
+                              <p:cond delay="0"/>
+                            </p:stCondLst>
+                            <p:childTnLst>
+                              <p:par>
+                                <p:cTn id="5" presetID="10" presetClass="entr" presetSubtype="0" fill="hold" nodeType="withEffect">
+                                  <p:stCondLst>
+                                    <p:cond delay="1000"/>
+                                  </p:stCondLst>
+                                  <p:childTnLst>
+                                    <p:set>
+                                      <p:cBhvr>
+                                        <p:cTn id="6" dur="1" fill="hold">
+                                          <p:stCondLst>
+                                            <p:cond delay="0"/>
+                                          </p:stCondLst>
+                                        </p:cTn>
+                                        <p:tgtEl>
+                                          <p:spTgt spid="7"/>
+                                        </p:tgtEl>
+                                        <p:attrNameLst>
+                                          <p:attrName>style.visibility</p:attrName>
+                                        </p:attrNameLst>
+                                      </p:cBhvr>
+                                      <p:to>
+                                        <p:strVal val="visible"/>
+                                      </p:to>
+                                    </p:set>
+                                    <p:animEffect transition="in" filter="fade">
+                                      <p:cBhvr>
+                                        <p:cTn id="7" dur="500"/>
+                                        <p:tgtEl>
+                                          <p:spTgt spid="7"/>
+                                        </p:tgtEl>
+                                      </p:cBhvr>
+                                    </p:animEffect>
+                                  </p:childTnLst>
+                                </p:cTn>
+                              </p:par>
+                            </p:childTnLst>
+                          </p:cTn>
+                        </p:par>
+                        <p:par>
+                          <p:cTn id="8" fill="hold">
+                            <p:stCondLst>
+                              <p:cond delay="1500"/>
+                            </p:stCondLst>
+                            <p:childTnLst>
+                              <p:par>
+                                <p:cTn id="9" presetID="10" presetClass="entr" presetSubtype="0" fill="hold" nodeType="afterEffect">
+                                  <p:stCondLst>
+                                    <p:cond delay="0"/>
+                                  </p:stCondLst>
+                                  <p:childTnLst>
+                                    <p:set>
+                                      <p:cBhvr>
+                                        <p:cTn id="10" dur="1" fill="hold">
+                                          <p:stCondLst>
+                                            <p:cond delay="0"/>
+                                          </p:stCondLst>
+                                        </p:cTn>
+                                        <p:tgtEl>
+                                          <p:spTgt spid="8"/>
+                                        </p:tgtEl>
+                                        <p:attrNameLst>
+                                          <p:attrName>style.visibility</p:attrName>
+                                        </p:attrNameLst>
+                                      </p:cBhvr>
+                                      <p:to>
+                                        <p:strVal val="visible"/>
+                                      </p:to>
+                                    </p:set>
+                                    <p:animEffect transition="in" filter="fade">
+                                      <p:cBhvr>
+                                        <p:cTn id="11" dur="500"/>
+                                        <p:tgtEl>
+                                          <p:spTgt spid="8"/>
+                                        </p:tgtEl>
+                                      </p:cBhvr>
+                                    </p:animEffect>
+                                  </p:childTnLst>
+                                </p:cTn>
+                              </p:par>
+                            </p:childTnLst>
+                          </p:cTn>
+                        </p:par>
+                        <p:par>
+                          <p:cTn id="12" fill="hold">
+                            <p:stCondLst>
+                              <p:cond delay="2000"/>
+                            </p:stCondLst>
+                            <p:childTnLst>
+                              <p:par>
+                                <p:cTn id="13" presetID="10" presetClass="entr" presetSubtype="0" fill="hold" nodeType="afterEffect">
+                                  <p:stCondLst>
+                                    <p:cond delay="0"/>
+                                  </p:stCondLst>
+                                  <p:childTnLst>
+                                    <p:set>
+                                      <p:cBhvr>
+                                        <p:cTn id="14" dur="1" fill="hold">
+                                          <p:stCondLst>
+                                            <p:cond delay="0"/>
+                                          </p:stCondLst>
+                                        </p:cTn>
+                                        <p:tgtEl>
+                                          <p:spTgt spid="9"/>
+                                        </p:tgtEl>
+                                        <p:attrNameLst>
+                                          <p:attrName>style.visibility</p:attrName>
+                                        </p:attrNameLst>
+                                      </p:cBhvr>
+                                      <p:to>
+                                        <p:strVal val="visible"/>
+                                      </p:to>
+                                    </p:set>
+                                    <p:animEffect transition="in" filter="fade">
+                                      <p:cBhvr>
+                                        <p:cTn id="15" dur="500"/>
+                                        <p:tgtEl>
+                                          <p:spTgt spid="9"/>
+                                        </p:tgtEl>
+                                      </p:cBhvr>
+                                    </p:animEffect>
+                                  </p:childTnLst>
+                                </p:cTn>
+                              </p:par>
+                            </p:childTnLst>
+                          </p:cTn>
+                        </p:par>
+                        <p:par>
+                          <p:cTn id="16" fill="hold">
+                            <p:stCondLst>
+                              <p:cond delay="2500"/>
+                            </p:stCondLst>
+                            <p:childTnLst>
+                              <p:par>
+                                <p:cTn id="17" presetID="10" presetClass="entr" presetSubtype="0" fill="hold" nodeType="afterEffect">
+                                  <p:stCondLst>
+                                    <p:cond delay="0"/>
+                                  </p:stCondLst>
+                                  <p:childTnLst>
+                                    <p:set>
+                                      <p:cBhvr>
+                                        <p:cTn id="18" dur="1" fill="hold">
+                                          <p:stCondLst>
+                                            <p:cond delay="0"/>
+                                          </p:stCondLst>
+                                        </p:cTn>
+                                        <p:tgtEl>
+                                          <p:spTgt spid="10"/>
+                                        </p:tgtEl>
+                                        <p:attrNameLst>
+                                          <p:attrName>style.visibility</p:attrName>
+                                        </p:attrNameLst>
+                                      </p:cBhvr>
+                                      <p:to>
+                                        <p:strVal val="visible"/>
+                                      </p:to>
+                                    </p:set>
+                                    <p:animEffect transition="in" filter="fade">
+                                      <p:cBhvr>
+                                        <p:cTn id="19" dur="500"/>
+                                        <p:tgtEl>
+                                          <p:spTgt spid="10"/>
+                                        </p:tgtEl>
+                                      </p:cBhvr>
+                                    </p:animEffect>
+                                  </p:childTnLst>
+                                </p:cTn>
+                              </p:par>
+                            </p:childTnLst>
+                          </p:cTn>
+                        </p:par>
+                      </p:childTnLst>
+                    </p:cTn>
+                  </p:par>
+                </p:childTnLst>
+              </p:cTn>
+              <p:prevCondLst>
+                <p:cond evt="onPrev" delay="0">
+                  <p:tgtEl>
+                    <p:sldTgt/>
+                  </p:tgtEl>
+                </p:cond>
+              </p:prevCondLst>
+              <p:nextCondLst>
+                <p:cond evt="onNext" delay="0">
+                  <p:tgtEl>
+                    <p:sldTgt/>
+                  </p:tgtEl>
+                </p:cond>
+              </p:nextCondLst>
+            </p:seq>
+          </p:childTnLst>
+        </p:cTn>
+      </p:par>
+    </p:tnLst>
+  </p:timing>
 </p:sld>
 </file>
 
@@ -7685,6 +8588,180 @@
   <p:transition>
     <p:fade/>
   </p:transition>
+  <p:timing>
+    <p:tnLst>
+      <p:par>
+        <p:cTn id="1" dur="indefinite" restart="never" nodeType="tmRoot">
+          <p:childTnLst>
+            <p:seq concurrent="1" nextAc="seek">
+              <p:cTn id="2" dur="indefinite" nodeType="mainSeq">
+                <p:childTnLst>
+                  <p:par>
+                    <p:cTn id="3" fill="hold">
+                      <p:stCondLst>
+                        <p:cond delay="indefinite"/>
+                        <p:cond evt="onBegin" delay="0">
+                          <p:tn val="2"/>
+                        </p:cond>
+                      </p:stCondLst>
+                      <p:childTnLst>
+                        <p:par>
+                          <p:cTn id="4" fill="hold">
+                            <p:stCondLst>
+                              <p:cond delay="0"/>
+                            </p:stCondLst>
+                            <p:childTnLst>
+                              <p:par>
+                                <p:cTn id="5" presetID="10" presetClass="entr" presetSubtype="0" fill="hold" nodeType="withEffect">
+                                  <p:stCondLst>
+                                    <p:cond delay="1000"/>
+                                  </p:stCondLst>
+                                  <p:childTnLst>
+                                    <p:set>
+                                      <p:cBhvr>
+                                        <p:cTn id="6" dur="1" fill="hold">
+                                          <p:stCondLst>
+                                            <p:cond delay="0"/>
+                                          </p:stCondLst>
+                                        </p:cTn>
+                                        <p:tgtEl>
+                                          <p:spTgt spid="4"/>
+                                        </p:tgtEl>
+                                        <p:attrNameLst>
+                                          <p:attrName>style.visibility</p:attrName>
+                                        </p:attrNameLst>
+                                      </p:cBhvr>
+                                      <p:to>
+                                        <p:strVal val="visible"/>
+                                      </p:to>
+                                    </p:set>
+                                    <p:animEffect transition="in" filter="fade">
+                                      <p:cBhvr>
+                                        <p:cTn id="7" dur="500"/>
+                                        <p:tgtEl>
+                                          <p:spTgt spid="4"/>
+                                        </p:tgtEl>
+                                      </p:cBhvr>
+                                    </p:animEffect>
+                                  </p:childTnLst>
+                                </p:cTn>
+                              </p:par>
+                            </p:childTnLst>
+                          </p:cTn>
+                        </p:par>
+                        <p:par>
+                          <p:cTn id="8" fill="hold">
+                            <p:stCondLst>
+                              <p:cond delay="1500"/>
+                            </p:stCondLst>
+                            <p:childTnLst>
+                              <p:par>
+                                <p:cTn id="9" presetID="10" presetClass="entr" presetSubtype="0" fill="hold" nodeType="afterEffect">
+                                  <p:stCondLst>
+                                    <p:cond delay="0"/>
+                                  </p:stCondLst>
+                                  <p:childTnLst>
+                                    <p:set>
+                                      <p:cBhvr>
+                                        <p:cTn id="10" dur="1" fill="hold">
+                                          <p:stCondLst>
+                                            <p:cond delay="0"/>
+                                          </p:stCondLst>
+                                        </p:cTn>
+                                        <p:tgtEl>
+                                          <p:spTgt spid="5"/>
+                                        </p:tgtEl>
+                                        <p:attrNameLst>
+                                          <p:attrName>style.visibility</p:attrName>
+                                        </p:attrNameLst>
+                                      </p:cBhvr>
+                                      <p:to>
+                                        <p:strVal val="visible"/>
+                                      </p:to>
+                                    </p:set>
+                                    <p:animEffect transition="in" filter="fade">
+                                      <p:cBhvr>
+                                        <p:cTn id="11" dur="500"/>
+                                        <p:tgtEl>
+                                          <p:spTgt spid="5"/>
+                                        </p:tgtEl>
+                                      </p:cBhvr>
+                                    </p:animEffect>
+                                  </p:childTnLst>
+                                </p:cTn>
+                              </p:par>
+                            </p:childTnLst>
+                          </p:cTn>
+                        </p:par>
+                        <p:par>
+                          <p:cTn id="12" fill="hold">
+                            <p:stCondLst>
+                              <p:cond delay="2000"/>
+                            </p:stCondLst>
+                            <p:childTnLst>
+                              <p:par>
+                                <p:cTn id="13" presetID="10" presetClass="entr" presetSubtype="0" fill="hold" nodeType="afterEffect">
+                                  <p:stCondLst>
+                                    <p:cond delay="0"/>
+                                  </p:stCondLst>
+                                  <p:childTnLst>
+                                    <p:set>
+                                      <p:cBhvr>
+                                        <p:cTn id="14" dur="1" fill="hold">
+                                          <p:stCondLst>
+                                            <p:cond delay="0"/>
+                                          </p:stCondLst>
+                                        </p:cTn>
+                                        <p:tgtEl>
+                                          <p:spTgt spid="6"/>
+                                        </p:tgtEl>
+                                        <p:attrNameLst>
+                                          <p:attrName>style.visibility</p:attrName>
+                                        </p:attrNameLst>
+                                      </p:cBhvr>
+                                      <p:to>
+                                        <p:strVal val="visible"/>
+                                      </p:to>
+                                    </p:set>
+                                    <p:animEffect transition="in" filter="fade">
+                                      <p:cBhvr>
+                                        <p:cTn id="15" dur="500"/>
+                                        <p:tgtEl>
+                                          <p:spTgt spid="6"/>
+                                        </p:tgtEl>
+                                      </p:cBhvr>
+                                    </p:animEffect>
+                                  </p:childTnLst>
+                                </p:cTn>
+                              </p:par>
+                            </p:childTnLst>
+                          </p:cTn>
+                        </p:par>
+                      </p:childTnLst>
+                    </p:cTn>
+                  </p:par>
+                </p:childTnLst>
+              </p:cTn>
+              <p:prevCondLst>
+                <p:cond evt="onPrev" delay="0">
+                  <p:tgtEl>
+                    <p:sldTgt/>
+                  </p:tgtEl>
+                </p:cond>
+              </p:prevCondLst>
+              <p:nextCondLst>
+                <p:cond evt="onNext" delay="0">
+                  <p:tgtEl>
+                    <p:sldTgt/>
+                  </p:tgtEl>
+                </p:cond>
+              </p:nextCondLst>
+            </p:seq>
+          </p:childTnLst>
+        </p:cTn>
+      </p:par>
+    </p:tnLst>
+  </p:timing>
 </p:sld>
 </file>
 
@@ -7784,6 +8861,13 @@
   <p:transition>
     <p:fade/>
   </p:transition>
+  <p:timing>
+    <p:tnLst>
+      <p:par>
+        <p:cTn id="1" dur="indefinite" restart="never" nodeType="tmRoot"/>
+      </p:par>
+    </p:tnLst>
+  </p:timing>
 </p:sld>
 </file>
 
@@ -8132,16 +9216,16 @@
       </p:grpSp>
       <p:grpSp>
         <p:nvGrpSpPr>
-          <p:cNvPr id="15" name="Group 14"/>
+          <p:cNvPr id="17" name="Group 16"/>
           <p:cNvGrpSpPr/>
           <p:nvPr/>
         </p:nvGrpSpPr>
         <p:grpSpPr>
           <a:xfrm>
-            <a:off x="4253749" y="1094874"/>
-            <a:ext cx="4146071" cy="3569368"/>
-            <a:chOff x="4253749" y="1094874"/>
-            <a:chExt cx="4146071" cy="3569368"/>
+            <a:off x="2565620" y="1094874"/>
+            <a:ext cx="5834200" cy="3569368"/>
+            <a:chOff x="2565620" y="1094874"/>
+            <a:chExt cx="5834200" cy="3569368"/>
           </a:xfrm>
         </p:grpSpPr>
         <p:sp>
@@ -8330,6 +9414,54 @@
             </a:p>
           </p:txBody>
         </p:sp>
+        <p:sp>
+          <p:nvSpPr>
+            <p:cNvPr id="16" name="Rectangle 15"/>
+            <p:cNvSpPr/>
+            <p:nvPr/>
+          </p:nvSpPr>
+          <p:spPr>
+            <a:xfrm>
+              <a:off x="2565620" y="3970421"/>
+              <a:ext cx="352926" cy="409074"/>
+            </a:xfrm>
+            <a:prstGeom prst="rect">
+              <a:avLst/>
+            </a:prstGeom>
+            <a:solidFill>
+              <a:srgbClr val="00B0F0">
+                <a:alpha val="36078"/>
+              </a:srgbClr>
+            </a:solidFill>
+            <a:ln>
+              <a:noFill/>
+            </a:ln>
+          </p:spPr>
+          <p:style>
+            <a:lnRef idx="2">
+              <a:schemeClr val="accent1">
+                <a:shade val="50000"/>
+              </a:schemeClr>
+            </a:lnRef>
+            <a:fillRef idx="1">
+              <a:schemeClr val="accent1"/>
+            </a:fillRef>
+            <a:effectRef idx="0">
+              <a:schemeClr val="accent1"/>
+            </a:effectRef>
+            <a:fontRef idx="minor">
+              <a:schemeClr val="lt1"/>
+            </a:fontRef>
+          </p:style>
+          <p:txBody>
+            <a:bodyPr rtlCol="0" anchor="ctr"/>
+            <a:lstStyle/>
+            <a:p>
+              <a:pPr algn="ctr"/>
+              <a:endParaRPr lang="en-US"/>
+            </a:p>
+          </p:txBody>
+        </p:sp>
       </p:grpSp>
     </p:spTree>
     <p:extLst>
@@ -8431,7 +9563,7 @@
                                           </p:stCondLst>
                                         </p:cTn>
                                         <p:tgtEl>
-                                          <p:spTgt spid="15"/>
+                                          <p:spTgt spid="17"/>
                                         </p:tgtEl>
                                         <p:attrNameLst>
                                           <p:attrName>style.visibility</p:attrName>
@@ -8445,7 +9577,7 @@
                                       <p:cBhvr>
                                         <p:cTn id="12" dur="500"/>
                                         <p:tgtEl>
-                                          <p:spTgt spid="15"/>
+                                          <p:spTgt spid="17"/>
                                         </p:tgtEl>
                                       </p:cBhvr>
                                     </p:animEffect>
@@ -8640,6 +9772,13 @@
   <p:transition>
     <p:fade/>
   </p:transition>
+  <p:timing>
+    <p:tnLst>
+      <p:par>
+        <p:cTn id="1" dur="indefinite" restart="never" nodeType="tmRoot"/>
+      </p:par>
+    </p:tnLst>
+  </p:timing>
 </p:sld>
 </file>
 
@@ -10740,7 +11879,7 @@
   <p:clrMapOvr>
     <a:masterClrMapping/>
   </p:clrMapOvr>
-  <p:transition>
+  <p:transition advTm="1000">
     <p:fade/>
   </p:transition>
   <p:timing>
@@ -11169,7 +12308,7 @@
   <p:clrMapOvr>
     <a:masterClrMapping/>
   </p:clrMapOvr>
-  <p:transition>
+  <p:transition advTm="1000">
     <p:fade/>
   </p:transition>
   <p:timing>
@@ -12104,6 +13243,248 @@
   <p:transition>
     <p:fade/>
   </p:transition>
+  <p:timing>
+    <p:tnLst>
+      <p:par>
+        <p:cTn id="1" dur="indefinite" restart="never" nodeType="tmRoot">
+          <p:childTnLst>
+            <p:seq concurrent="1" nextAc="seek">
+              <p:cTn id="2" dur="indefinite" nodeType="mainSeq">
+                <p:childTnLst>
+                  <p:par>
+                    <p:cTn id="3" fill="hold">
+                      <p:stCondLst>
+                        <p:cond delay="indefinite"/>
+                      </p:stCondLst>
+                      <p:childTnLst>
+                        <p:par>
+                          <p:cTn id="4" fill="hold">
+                            <p:stCondLst>
+                              <p:cond delay="0"/>
+                            </p:stCondLst>
+                            <p:childTnLst>
+                              <p:par>
+                                <p:cTn id="5" presetID="10" presetClass="entr" presetSubtype="0" fill="hold" nodeType="clickEffect">
+                                  <p:stCondLst>
+                                    <p:cond delay="0"/>
+                                  </p:stCondLst>
+                                  <p:childTnLst>
+                                    <p:set>
+                                      <p:cBhvr>
+                                        <p:cTn id="6" dur="1" fill="hold">
+                                          <p:stCondLst>
+                                            <p:cond delay="0"/>
+                                          </p:stCondLst>
+                                        </p:cTn>
+                                        <p:tgtEl>
+                                          <p:spTgt spid="10"/>
+                                        </p:tgtEl>
+                                        <p:attrNameLst>
+                                          <p:attrName>style.visibility</p:attrName>
+                                        </p:attrNameLst>
+                                      </p:cBhvr>
+                                      <p:to>
+                                        <p:strVal val="visible"/>
+                                      </p:to>
+                                    </p:set>
+                                    <p:animEffect transition="in" filter="fade">
+                                      <p:cBhvr>
+                                        <p:cTn id="7" dur="500"/>
+                                        <p:tgtEl>
+                                          <p:spTgt spid="10"/>
+                                        </p:tgtEl>
+                                      </p:cBhvr>
+                                    </p:animEffect>
+                                  </p:childTnLst>
+                                </p:cTn>
+                              </p:par>
+                            </p:childTnLst>
+                          </p:cTn>
+                        </p:par>
+                      </p:childTnLst>
+                    </p:cTn>
+                  </p:par>
+                  <p:par>
+                    <p:cTn id="8" fill="hold">
+                      <p:stCondLst>
+                        <p:cond delay="indefinite"/>
+                      </p:stCondLst>
+                      <p:childTnLst>
+                        <p:par>
+                          <p:cTn id="9" fill="hold">
+                            <p:stCondLst>
+                              <p:cond delay="0"/>
+                            </p:stCondLst>
+                            <p:childTnLst>
+                              <p:par>
+                                <p:cTn id="10" presetID="10" presetClass="entr" presetSubtype="0" fill="hold" nodeType="clickEffect">
+                                  <p:stCondLst>
+                                    <p:cond delay="0"/>
+                                  </p:stCondLst>
+                                  <p:childTnLst>
+                                    <p:set>
+                                      <p:cBhvr>
+                                        <p:cTn id="11" dur="1" fill="hold">
+                                          <p:stCondLst>
+                                            <p:cond delay="0"/>
+                                          </p:stCondLst>
+                                        </p:cTn>
+                                        <p:tgtEl>
+                                          <p:spTgt spid="6"/>
+                                        </p:tgtEl>
+                                        <p:attrNameLst>
+                                          <p:attrName>style.visibility</p:attrName>
+                                        </p:attrNameLst>
+                                      </p:cBhvr>
+                                      <p:to>
+                                        <p:strVal val="visible"/>
+                                      </p:to>
+                                    </p:set>
+                                    <p:animEffect transition="in" filter="fade">
+                                      <p:cBhvr>
+                                        <p:cTn id="12" dur="500"/>
+                                        <p:tgtEl>
+                                          <p:spTgt spid="6"/>
+                                        </p:tgtEl>
+                                      </p:cBhvr>
+                                    </p:animEffect>
+                                  </p:childTnLst>
+                                </p:cTn>
+                              </p:par>
+                            </p:childTnLst>
+                          </p:cTn>
+                        </p:par>
+                      </p:childTnLst>
+                    </p:cTn>
+                  </p:par>
+                  <p:par>
+                    <p:cTn id="13" fill="hold">
+                      <p:stCondLst>
+                        <p:cond delay="indefinite"/>
+                      </p:stCondLst>
+                      <p:childTnLst>
+                        <p:par>
+                          <p:cTn id="14" fill="hold">
+                            <p:stCondLst>
+                              <p:cond delay="0"/>
+                            </p:stCondLst>
+                            <p:childTnLst>
+                              <p:par>
+                                <p:cTn id="15" presetID="10" presetClass="entr" presetSubtype="0" fill="hold" nodeType="clickEffect">
+                                  <p:stCondLst>
+                                    <p:cond delay="0"/>
+                                  </p:stCondLst>
+                                  <p:childTnLst>
+                                    <p:set>
+                                      <p:cBhvr>
+                                        <p:cTn id="16" dur="1" fill="hold">
+                                          <p:stCondLst>
+                                            <p:cond delay="0"/>
+                                          </p:stCondLst>
+                                        </p:cTn>
+                                        <p:tgtEl>
+                                          <p:spTgt spid="13"/>
+                                        </p:tgtEl>
+                                        <p:attrNameLst>
+                                          <p:attrName>style.visibility</p:attrName>
+                                        </p:attrNameLst>
+                                      </p:cBhvr>
+                                      <p:to>
+                                        <p:strVal val="visible"/>
+                                      </p:to>
+                                    </p:set>
+                                    <p:animEffect transition="in" filter="fade">
+                                      <p:cBhvr>
+                                        <p:cTn id="17" dur="500"/>
+                                        <p:tgtEl>
+                                          <p:spTgt spid="13"/>
+                                        </p:tgtEl>
+                                      </p:cBhvr>
+                                    </p:animEffect>
+                                  </p:childTnLst>
+                                </p:cTn>
+                              </p:par>
+                            </p:childTnLst>
+                          </p:cTn>
+                        </p:par>
+                      </p:childTnLst>
+                    </p:cTn>
+                  </p:par>
+                  <p:par>
+                    <p:cTn id="18" fill="hold">
+                      <p:stCondLst>
+                        <p:cond delay="indefinite"/>
+                      </p:stCondLst>
+                      <p:childTnLst>
+                        <p:par>
+                          <p:cTn id="19" fill="hold">
+                            <p:stCondLst>
+                              <p:cond delay="0"/>
+                            </p:stCondLst>
+                            <p:childTnLst>
+                              <p:par>
+                                <p:cTn id="20" presetID="10" presetClass="entr" presetSubtype="0" fill="hold" nodeType="clickEffect">
+                                  <p:stCondLst>
+                                    <p:cond delay="0"/>
+                                  </p:stCondLst>
+                                  <p:childTnLst>
+                                    <p:set>
+                                      <p:cBhvr>
+                                        <p:cTn id="21" dur="1" fill="hold">
+                                          <p:stCondLst>
+                                            <p:cond delay="0"/>
+                                          </p:stCondLst>
+                                        </p:cTn>
+                                        <p:tgtEl>
+                                          <p:spTgt spid="9"/>
+                                        </p:tgtEl>
+                                        <p:attrNameLst>
+                                          <p:attrName>style.visibility</p:attrName>
+                                        </p:attrNameLst>
+                                      </p:cBhvr>
+                                      <p:to>
+                                        <p:strVal val="visible"/>
+                                      </p:to>
+                                    </p:set>
+                                    <p:animEffect transition="in" filter="fade">
+                                      <p:cBhvr>
+                                        <p:cTn id="22" dur="500"/>
+                                        <p:tgtEl>
+                                          <p:spTgt spid="9"/>
+                                        </p:tgtEl>
+                                      </p:cBhvr>
+                                    </p:animEffect>
+                                  </p:childTnLst>
+                                </p:cTn>
+                              </p:par>
+                            </p:childTnLst>
+                          </p:cTn>
+                        </p:par>
+                      </p:childTnLst>
+                    </p:cTn>
+                  </p:par>
+                </p:childTnLst>
+              </p:cTn>
+              <p:prevCondLst>
+                <p:cond evt="onPrev" delay="0">
+                  <p:tgtEl>
+                    <p:sldTgt/>
+                  </p:tgtEl>
+                </p:cond>
+              </p:prevCondLst>
+              <p:nextCondLst>
+                <p:cond evt="onNext" delay="0">
+                  <p:tgtEl>
+                    <p:sldTgt/>
+                  </p:tgtEl>
+                </p:cond>
+              </p:nextCondLst>
+            </p:seq>
+          </p:childTnLst>
+        </p:cTn>
+      </p:par>
+    </p:tnLst>
+  </p:timing>
 </p:sld>
 </file>
 

--- a/forest_malaria/MMC_presentation.pptx
+++ b/forest_malaria/MMC_presentation.pptx
@@ -887,6 +887,176 @@
     <p:extLst>
       <p:ext uri="{BB962C8B-B14F-4D97-AF65-F5344CB8AC3E}">
         <p14:creationId xmlns:p14="http://schemas.microsoft.com/office/powerpoint/2010/main" val="1546181660"/>
+      </p:ext>
+    </p:extLst>
+  </p:cSld>
+  <p:clrMapOvr>
+    <a:masterClrMapping/>
+  </p:clrMapOvr>
+</p:notes>
+</file>
+
+<file path=ppt/notesSlides/notesSlide2.xml><?xml version="1.0" encoding="utf-8"?>
+<p:notes xmlns:a="http://schemas.openxmlformats.org/drawingml/2006/main" xmlns:r="http://schemas.openxmlformats.org/officeDocument/2006/relationships" xmlns:p="http://schemas.openxmlformats.org/presentationml/2006/main">
+  <p:cSld>
+    <p:spTree>
+      <p:nvGrpSpPr>
+        <p:cNvPr id="1" name=""/>
+        <p:cNvGrpSpPr/>
+        <p:nvPr/>
+      </p:nvGrpSpPr>
+      <p:grpSpPr>
+        <a:xfrm>
+          <a:off x="0" y="0"/>
+          <a:ext cx="0" cy="0"/>
+          <a:chOff x="0" y="0"/>
+          <a:chExt cx="0" cy="0"/>
+        </a:xfrm>
+      </p:grpSpPr>
+      <p:sp>
+        <p:nvSpPr>
+          <p:cNvPr id="2" name="Slide Image Placeholder 1"/>
+          <p:cNvSpPr>
+            <a:spLocks noGrp="1" noRot="1" noChangeAspect="1"/>
+          </p:cNvSpPr>
+          <p:nvPr>
+            <p:ph type="sldImg"/>
+          </p:nvPr>
+        </p:nvSpPr>
+        <p:spPr/>
+      </p:sp>
+      <p:sp>
+        <p:nvSpPr>
+          <p:cNvPr id="3" name="Notes Placeholder 2"/>
+          <p:cNvSpPr>
+            <a:spLocks noGrp="1"/>
+          </p:cNvSpPr>
+          <p:nvPr>
+            <p:ph type="body" idx="1"/>
+          </p:nvPr>
+        </p:nvSpPr>
+        <p:spPr/>
+        <p:txBody>
+          <a:bodyPr/>
+          <a:lstStyle/>
+          <a:p>
+            <a:endParaRPr lang="en-US" dirty="0"/>
+          </a:p>
+        </p:txBody>
+      </p:sp>
+      <p:sp>
+        <p:nvSpPr>
+          <p:cNvPr id="4" name="Slide Number Placeholder 3"/>
+          <p:cNvSpPr>
+            <a:spLocks noGrp="1"/>
+          </p:cNvSpPr>
+          <p:nvPr>
+            <p:ph type="sldNum" sz="quarter" idx="5"/>
+          </p:nvPr>
+        </p:nvSpPr>
+        <p:spPr/>
+        <p:txBody>
+          <a:bodyPr/>
+          <a:lstStyle/>
+          <a:p>
+            <a:fld id="{0F7F0950-DD71-48EC-948F-2D6829375BC3}" type="slidenum">
+              <a:rPr lang="en-US" altLang="en-US" smtClean="0"/>
+              <a:pPr/>
+              <a:t>7</a:t>
+            </a:fld>
+            <a:endParaRPr lang="en-US" altLang="en-US"/>
+          </a:p>
+        </p:txBody>
+      </p:sp>
+    </p:spTree>
+    <p:extLst>
+      <p:ext uri="{BB962C8B-B14F-4D97-AF65-F5344CB8AC3E}">
+        <p14:creationId xmlns:p14="http://schemas.microsoft.com/office/powerpoint/2010/main" val="1172126775"/>
+      </p:ext>
+    </p:extLst>
+  </p:cSld>
+  <p:clrMapOvr>
+    <a:masterClrMapping/>
+  </p:clrMapOvr>
+</p:notes>
+</file>
+
+<file path=ppt/notesSlides/notesSlide3.xml><?xml version="1.0" encoding="utf-8"?>
+<p:notes xmlns:a="http://schemas.openxmlformats.org/drawingml/2006/main" xmlns:r="http://schemas.openxmlformats.org/officeDocument/2006/relationships" xmlns:p="http://schemas.openxmlformats.org/presentationml/2006/main">
+  <p:cSld>
+    <p:spTree>
+      <p:nvGrpSpPr>
+        <p:cNvPr id="1" name=""/>
+        <p:cNvGrpSpPr/>
+        <p:nvPr/>
+      </p:nvGrpSpPr>
+      <p:grpSpPr>
+        <a:xfrm>
+          <a:off x="0" y="0"/>
+          <a:ext cx="0" cy="0"/>
+          <a:chOff x="0" y="0"/>
+          <a:chExt cx="0" cy="0"/>
+        </a:xfrm>
+      </p:grpSpPr>
+      <p:sp>
+        <p:nvSpPr>
+          <p:cNvPr id="2" name="Slide Image Placeholder 1"/>
+          <p:cNvSpPr>
+            <a:spLocks noGrp="1" noRot="1" noChangeAspect="1"/>
+          </p:cNvSpPr>
+          <p:nvPr>
+            <p:ph type="sldImg"/>
+          </p:nvPr>
+        </p:nvSpPr>
+        <p:spPr/>
+      </p:sp>
+      <p:sp>
+        <p:nvSpPr>
+          <p:cNvPr id="3" name="Notes Placeholder 2"/>
+          <p:cNvSpPr>
+            <a:spLocks noGrp="1"/>
+          </p:cNvSpPr>
+          <p:nvPr>
+            <p:ph type="body" idx="1"/>
+          </p:nvPr>
+        </p:nvSpPr>
+        <p:spPr/>
+        <p:txBody>
+          <a:bodyPr/>
+          <a:lstStyle/>
+          <a:p>
+            <a:endParaRPr lang="en-US" dirty="0"/>
+          </a:p>
+        </p:txBody>
+      </p:sp>
+      <p:sp>
+        <p:nvSpPr>
+          <p:cNvPr id="4" name="Slide Number Placeholder 3"/>
+          <p:cNvSpPr>
+            <a:spLocks noGrp="1"/>
+          </p:cNvSpPr>
+          <p:nvPr>
+            <p:ph type="sldNum" sz="quarter" idx="5"/>
+          </p:nvPr>
+        </p:nvSpPr>
+        <p:spPr/>
+        <p:txBody>
+          <a:bodyPr/>
+          <a:lstStyle/>
+          <a:p>
+            <a:fld id="{0F7F0950-DD71-48EC-948F-2D6829375BC3}" type="slidenum">
+              <a:rPr lang="en-US" altLang="en-US" smtClean="0"/>
+              <a:pPr/>
+              <a:t>19</a:t>
+            </a:fld>
+            <a:endParaRPr lang="en-US" altLang="en-US"/>
+          </a:p>
+        </p:txBody>
+      </p:sp>
+    </p:spTree>
+    <p:extLst>
+      <p:ext uri="{BB962C8B-B14F-4D97-AF65-F5344CB8AC3E}">
+        <p14:creationId xmlns:p14="http://schemas.microsoft.com/office/powerpoint/2010/main" val="1341049461"/>
       </p:ext>
     </p:extLst>
   </p:cSld>
@@ -6130,13 +6300,6 @@
   <p:transition>
     <p:fade/>
   </p:transition>
-  <p:timing>
-    <p:tnLst>
-      <p:par>
-        <p:cTn id="1" dur="indefinite" restart="never" nodeType="tmRoot"/>
-      </p:par>
-    </p:tnLst>
-  </p:timing>
 </p:sld>
 </file>
 
@@ -6497,13 +6660,6 @@
   <p:transition>
     <p:fade/>
   </p:transition>
-  <p:timing>
-    <p:tnLst>
-      <p:par>
-        <p:cTn id="1" dur="indefinite" restart="never" nodeType="tmRoot"/>
-      </p:par>
-    </p:tnLst>
-  </p:timing>
 </p:sld>
 </file>
 
@@ -6644,13 +6800,6 @@
   <p:transition>
     <p:fade/>
   </p:transition>
-  <p:timing>
-    <p:tnLst>
-      <p:par>
-        <p:cTn id="1" dur="indefinite" restart="never" nodeType="tmRoot"/>
-      </p:par>
-    </p:tnLst>
-  </p:timing>
 </p:sld>
 </file>
 
@@ -7394,13 +7543,6 @@
   <p:transition>
     <p:fade/>
   </p:transition>
-  <p:timing>
-    <p:tnLst>
-      <p:par>
-        <p:cTn id="1" dur="indefinite" restart="never" nodeType="tmRoot"/>
-      </p:par>
-    </p:tnLst>
-  </p:timing>
 </p:sld>
 </file>
 
@@ -8500,7 +8642,7 @@
           <p:nvPr/>
         </p:nvPicPr>
         <p:blipFill>
-          <a:blip r:embed="rId2"/>
+          <a:blip r:embed="rId3"/>
           <a:stretch>
             <a:fillRect/>
           </a:stretch>
@@ -8530,7 +8672,7 @@
           <p:nvPr/>
         </p:nvPicPr>
         <p:blipFill>
-          <a:blip r:embed="rId3"/>
+          <a:blip r:embed="rId4"/>
           <a:stretch>
             <a:fillRect/>
           </a:stretch>
@@ -8560,7 +8702,7 @@
           <p:nvPr/>
         </p:nvPicPr>
         <p:blipFill>
-          <a:blip r:embed="rId4"/>
+          <a:blip r:embed="rId5"/>
           <a:stretch>
             <a:fillRect/>
           </a:stretch>
@@ -8575,6 +8717,749 @@
           </a:prstGeom>
         </p:spPr>
       </p:pic>
+      <p:grpSp>
+        <p:nvGrpSpPr>
+          <p:cNvPr id="21" name="Group 20">
+            <a:extLst>
+              <a:ext uri="{FF2B5EF4-FFF2-40B4-BE49-F238E27FC236}">
+                <a16:creationId xmlns:a16="http://schemas.microsoft.com/office/drawing/2014/main" id="{A6B2EB72-D196-D446-91C4-8D768EFF6DB5}"/>
+              </a:ext>
+            </a:extLst>
+          </p:cNvPr>
+          <p:cNvGrpSpPr/>
+          <p:nvPr/>
+        </p:nvGrpSpPr>
+        <p:grpSpPr>
+          <a:xfrm>
+            <a:off x="2018370" y="4534830"/>
+            <a:ext cx="6556917" cy="1468243"/>
+            <a:chOff x="2018370" y="4534830"/>
+            <a:chExt cx="6556917" cy="1468243"/>
+          </a:xfrm>
+        </p:grpSpPr>
+        <p:sp>
+          <p:nvSpPr>
+            <p:cNvPr id="7" name="Rectangle 6">
+              <a:extLst>
+                <a:ext uri="{FF2B5EF4-FFF2-40B4-BE49-F238E27FC236}">
+                  <a16:creationId xmlns:a16="http://schemas.microsoft.com/office/drawing/2014/main" id="{D37B9659-93B9-B446-9DE4-0EE638268394}"/>
+                </a:ext>
+              </a:extLst>
+            </p:cNvPr>
+            <p:cNvSpPr/>
+            <p:nvPr/>
+          </p:nvSpPr>
+          <p:spPr>
+            <a:xfrm>
+              <a:off x="2691161" y="4705815"/>
+              <a:ext cx="379141" cy="341970"/>
+            </a:xfrm>
+            <a:prstGeom prst="rect">
+              <a:avLst/>
+            </a:prstGeom>
+            <a:solidFill>
+              <a:srgbClr val="92C67C">
+                <a:alpha val="40000"/>
+              </a:srgbClr>
+            </a:solidFill>
+            <a:ln>
+              <a:noFill/>
+            </a:ln>
+          </p:spPr>
+          <p:style>
+            <a:lnRef idx="2">
+              <a:schemeClr val="accent1">
+                <a:shade val="50000"/>
+              </a:schemeClr>
+            </a:lnRef>
+            <a:fillRef idx="1">
+              <a:schemeClr val="accent1"/>
+            </a:fillRef>
+            <a:effectRef idx="0">
+              <a:schemeClr val="accent1"/>
+            </a:effectRef>
+            <a:fontRef idx="minor">
+              <a:schemeClr val="lt1"/>
+            </a:fontRef>
+          </p:style>
+          <p:txBody>
+            <a:bodyPr rtlCol="0" anchor="ctr"/>
+            <a:lstStyle/>
+            <a:p>
+              <a:pPr algn="ctr"/>
+              <a:endParaRPr lang="en-US"/>
+            </a:p>
+          </p:txBody>
+        </p:sp>
+        <p:sp>
+          <p:nvSpPr>
+            <p:cNvPr id="8" name="Rectangle 7">
+              <a:extLst>
+                <a:ext uri="{FF2B5EF4-FFF2-40B4-BE49-F238E27FC236}">
+                  <a16:creationId xmlns:a16="http://schemas.microsoft.com/office/drawing/2014/main" id="{D5183472-D299-D242-9E6A-DD9AFC7B558E}"/>
+                </a:ext>
+              </a:extLst>
+            </p:cNvPr>
+            <p:cNvSpPr/>
+            <p:nvPr/>
+          </p:nvSpPr>
+          <p:spPr>
+            <a:xfrm>
+              <a:off x="2018370" y="5490118"/>
+              <a:ext cx="379141" cy="341970"/>
+            </a:xfrm>
+            <a:prstGeom prst="rect">
+              <a:avLst/>
+            </a:prstGeom>
+            <a:solidFill>
+              <a:srgbClr val="92C67C">
+                <a:alpha val="40000"/>
+              </a:srgbClr>
+            </a:solidFill>
+            <a:ln>
+              <a:noFill/>
+            </a:ln>
+          </p:spPr>
+          <p:style>
+            <a:lnRef idx="2">
+              <a:schemeClr val="accent1">
+                <a:shade val="50000"/>
+              </a:schemeClr>
+            </a:lnRef>
+            <a:fillRef idx="1">
+              <a:schemeClr val="accent1"/>
+            </a:fillRef>
+            <a:effectRef idx="0">
+              <a:schemeClr val="accent1"/>
+            </a:effectRef>
+            <a:fontRef idx="minor">
+              <a:schemeClr val="lt1"/>
+            </a:fontRef>
+          </p:style>
+          <p:txBody>
+            <a:bodyPr rtlCol="0" anchor="ctr"/>
+            <a:lstStyle/>
+            <a:p>
+              <a:pPr algn="ctr"/>
+              <a:endParaRPr lang="en-US"/>
+            </a:p>
+          </p:txBody>
+        </p:sp>
+        <p:sp>
+          <p:nvSpPr>
+            <p:cNvPr id="9" name="Rectangle 8">
+              <a:extLst>
+                <a:ext uri="{FF2B5EF4-FFF2-40B4-BE49-F238E27FC236}">
+                  <a16:creationId xmlns:a16="http://schemas.microsoft.com/office/drawing/2014/main" id="{16EDEC2D-E319-414C-AA42-E115ECECB11A}"/>
+                </a:ext>
+              </a:extLst>
+            </p:cNvPr>
+            <p:cNvSpPr/>
+            <p:nvPr/>
+          </p:nvSpPr>
+          <p:spPr>
+            <a:xfrm>
+              <a:off x="4062761" y="5490118"/>
+              <a:ext cx="379141" cy="341970"/>
+            </a:xfrm>
+            <a:prstGeom prst="rect">
+              <a:avLst/>
+            </a:prstGeom>
+            <a:solidFill>
+              <a:srgbClr val="92C67C">
+                <a:alpha val="40000"/>
+              </a:srgbClr>
+            </a:solidFill>
+            <a:ln>
+              <a:noFill/>
+            </a:ln>
+          </p:spPr>
+          <p:style>
+            <a:lnRef idx="2">
+              <a:schemeClr val="accent1">
+                <a:shade val="50000"/>
+              </a:schemeClr>
+            </a:lnRef>
+            <a:fillRef idx="1">
+              <a:schemeClr val="accent1"/>
+            </a:fillRef>
+            <a:effectRef idx="0">
+              <a:schemeClr val="accent1"/>
+            </a:effectRef>
+            <a:fontRef idx="minor">
+              <a:schemeClr val="lt1"/>
+            </a:fontRef>
+          </p:style>
+          <p:txBody>
+            <a:bodyPr rtlCol="0" anchor="ctr"/>
+            <a:lstStyle/>
+            <a:p>
+              <a:pPr algn="ctr"/>
+              <a:endParaRPr lang="en-US"/>
+            </a:p>
+          </p:txBody>
+        </p:sp>
+        <p:sp>
+          <p:nvSpPr>
+            <p:cNvPr id="10" name="Rectangle 9">
+              <a:extLst>
+                <a:ext uri="{FF2B5EF4-FFF2-40B4-BE49-F238E27FC236}">
+                  <a16:creationId xmlns:a16="http://schemas.microsoft.com/office/drawing/2014/main" id="{0BE1AF12-567A-214E-BDE0-2B7FEE54DA54}"/>
+                </a:ext>
+              </a:extLst>
+            </p:cNvPr>
+            <p:cNvSpPr/>
+            <p:nvPr/>
+          </p:nvSpPr>
+          <p:spPr>
+            <a:xfrm>
+              <a:off x="3490332" y="4534830"/>
+              <a:ext cx="379141" cy="341970"/>
+            </a:xfrm>
+            <a:prstGeom prst="rect">
+              <a:avLst/>
+            </a:prstGeom>
+            <a:solidFill>
+              <a:schemeClr val="accent3">
+                <a:lumMod val="60000"/>
+                <a:lumOff val="40000"/>
+                <a:alpha val="40000"/>
+              </a:schemeClr>
+            </a:solidFill>
+            <a:ln>
+              <a:noFill/>
+            </a:ln>
+          </p:spPr>
+          <p:style>
+            <a:lnRef idx="2">
+              <a:schemeClr val="accent1">
+                <a:shade val="50000"/>
+              </a:schemeClr>
+            </a:lnRef>
+            <a:fillRef idx="1">
+              <a:schemeClr val="accent1"/>
+            </a:fillRef>
+            <a:effectRef idx="0">
+              <a:schemeClr val="accent1"/>
+            </a:effectRef>
+            <a:fontRef idx="minor">
+              <a:schemeClr val="lt1"/>
+            </a:fontRef>
+          </p:style>
+          <p:txBody>
+            <a:bodyPr rtlCol="0" anchor="ctr"/>
+            <a:lstStyle/>
+            <a:p>
+              <a:pPr algn="ctr"/>
+              <a:endParaRPr lang="en-US"/>
+            </a:p>
+          </p:txBody>
+        </p:sp>
+        <p:sp>
+          <p:nvSpPr>
+            <p:cNvPr id="11" name="Rectangle 10">
+              <a:extLst>
+                <a:ext uri="{FF2B5EF4-FFF2-40B4-BE49-F238E27FC236}">
+                  <a16:creationId xmlns:a16="http://schemas.microsoft.com/office/drawing/2014/main" id="{B40EA8F3-4B1C-4B48-80DC-1262E8A8FF93}"/>
+                </a:ext>
+              </a:extLst>
+            </p:cNvPr>
+            <p:cNvSpPr/>
+            <p:nvPr/>
+          </p:nvSpPr>
+          <p:spPr>
+            <a:xfrm>
+              <a:off x="3475463" y="4889952"/>
+              <a:ext cx="379141" cy="341970"/>
+            </a:xfrm>
+            <a:prstGeom prst="rect">
+              <a:avLst/>
+            </a:prstGeom>
+            <a:solidFill>
+              <a:schemeClr val="accent3">
+                <a:lumMod val="60000"/>
+                <a:lumOff val="40000"/>
+                <a:alpha val="40000"/>
+              </a:schemeClr>
+            </a:solidFill>
+            <a:ln>
+              <a:noFill/>
+            </a:ln>
+          </p:spPr>
+          <p:style>
+            <a:lnRef idx="2">
+              <a:schemeClr val="accent1">
+                <a:shade val="50000"/>
+              </a:schemeClr>
+            </a:lnRef>
+            <a:fillRef idx="1">
+              <a:schemeClr val="accent1"/>
+            </a:fillRef>
+            <a:effectRef idx="0">
+              <a:schemeClr val="accent1"/>
+            </a:effectRef>
+            <a:fontRef idx="minor">
+              <a:schemeClr val="lt1"/>
+            </a:fontRef>
+          </p:style>
+          <p:txBody>
+            <a:bodyPr rtlCol="0" anchor="ctr"/>
+            <a:lstStyle/>
+            <a:p>
+              <a:pPr algn="ctr"/>
+              <a:endParaRPr lang="en-US"/>
+            </a:p>
+          </p:txBody>
+        </p:sp>
+        <p:sp>
+          <p:nvSpPr>
+            <p:cNvPr id="12" name="Rectangle 11">
+              <a:extLst>
+                <a:ext uri="{FF2B5EF4-FFF2-40B4-BE49-F238E27FC236}">
+                  <a16:creationId xmlns:a16="http://schemas.microsoft.com/office/drawing/2014/main" id="{0A00B154-E773-A041-986A-7EDC528982AE}"/>
+                </a:ext>
+              </a:extLst>
+            </p:cNvPr>
+            <p:cNvSpPr/>
+            <p:nvPr/>
+          </p:nvSpPr>
+          <p:spPr>
+            <a:xfrm>
+              <a:off x="5330176" y="4711533"/>
+              <a:ext cx="594839" cy="341970"/>
+            </a:xfrm>
+            <a:prstGeom prst="rect">
+              <a:avLst/>
+            </a:prstGeom>
+            <a:solidFill>
+              <a:schemeClr val="accent3">
+                <a:lumMod val="60000"/>
+                <a:lumOff val="40000"/>
+                <a:alpha val="40000"/>
+              </a:schemeClr>
+            </a:solidFill>
+            <a:ln>
+              <a:noFill/>
+            </a:ln>
+          </p:spPr>
+          <p:style>
+            <a:lnRef idx="2">
+              <a:schemeClr val="accent1">
+                <a:shade val="50000"/>
+              </a:schemeClr>
+            </a:lnRef>
+            <a:fillRef idx="1">
+              <a:schemeClr val="accent1"/>
+            </a:fillRef>
+            <a:effectRef idx="0">
+              <a:schemeClr val="accent1"/>
+            </a:effectRef>
+            <a:fontRef idx="minor">
+              <a:schemeClr val="lt1"/>
+            </a:fontRef>
+          </p:style>
+          <p:txBody>
+            <a:bodyPr rtlCol="0" anchor="ctr"/>
+            <a:lstStyle/>
+            <a:p>
+              <a:pPr algn="ctr"/>
+              <a:endParaRPr lang="en-US"/>
+            </a:p>
+          </p:txBody>
+        </p:sp>
+        <p:sp>
+          <p:nvSpPr>
+            <p:cNvPr id="13" name="Rectangle 12">
+              <a:extLst>
+                <a:ext uri="{FF2B5EF4-FFF2-40B4-BE49-F238E27FC236}">
+                  <a16:creationId xmlns:a16="http://schemas.microsoft.com/office/drawing/2014/main" id="{D8BC1B92-D244-274C-BA28-EC93978A8168}"/>
+                </a:ext>
+              </a:extLst>
+            </p:cNvPr>
+            <p:cNvSpPr/>
+            <p:nvPr/>
+          </p:nvSpPr>
+          <p:spPr>
+            <a:xfrm>
+              <a:off x="6315410" y="4705815"/>
+              <a:ext cx="594839" cy="341970"/>
+            </a:xfrm>
+            <a:prstGeom prst="rect">
+              <a:avLst/>
+            </a:prstGeom>
+            <a:solidFill>
+              <a:schemeClr val="accent3">
+                <a:lumMod val="60000"/>
+                <a:lumOff val="40000"/>
+                <a:alpha val="40000"/>
+              </a:schemeClr>
+            </a:solidFill>
+            <a:ln>
+              <a:noFill/>
+            </a:ln>
+          </p:spPr>
+          <p:style>
+            <a:lnRef idx="2">
+              <a:schemeClr val="accent1">
+                <a:shade val="50000"/>
+              </a:schemeClr>
+            </a:lnRef>
+            <a:fillRef idx="1">
+              <a:schemeClr val="accent1"/>
+            </a:fillRef>
+            <a:effectRef idx="0">
+              <a:schemeClr val="accent1"/>
+            </a:effectRef>
+            <a:fontRef idx="minor">
+              <a:schemeClr val="lt1"/>
+            </a:fontRef>
+          </p:style>
+          <p:txBody>
+            <a:bodyPr rtlCol="0" anchor="ctr"/>
+            <a:lstStyle/>
+            <a:p>
+              <a:pPr algn="ctr"/>
+              <a:endParaRPr lang="en-US"/>
+            </a:p>
+          </p:txBody>
+        </p:sp>
+        <p:sp>
+          <p:nvSpPr>
+            <p:cNvPr id="14" name="Rectangle 13">
+              <a:extLst>
+                <a:ext uri="{FF2B5EF4-FFF2-40B4-BE49-F238E27FC236}">
+                  <a16:creationId xmlns:a16="http://schemas.microsoft.com/office/drawing/2014/main" id="{97604453-7BFB-FD4F-B578-90299FCF70E1}"/>
+                </a:ext>
+              </a:extLst>
+            </p:cNvPr>
+            <p:cNvSpPr/>
+            <p:nvPr/>
+          </p:nvSpPr>
+          <p:spPr>
+            <a:xfrm>
+              <a:off x="6910249" y="5490118"/>
+              <a:ext cx="665146" cy="341970"/>
+            </a:xfrm>
+            <a:prstGeom prst="rect">
+              <a:avLst/>
+            </a:prstGeom>
+            <a:solidFill>
+              <a:schemeClr val="accent3">
+                <a:lumMod val="60000"/>
+                <a:lumOff val="40000"/>
+                <a:alpha val="40000"/>
+              </a:schemeClr>
+            </a:solidFill>
+            <a:ln>
+              <a:noFill/>
+            </a:ln>
+          </p:spPr>
+          <p:style>
+            <a:lnRef idx="2">
+              <a:schemeClr val="accent1">
+                <a:shade val="50000"/>
+              </a:schemeClr>
+            </a:lnRef>
+            <a:fillRef idx="1">
+              <a:schemeClr val="accent1"/>
+            </a:fillRef>
+            <a:effectRef idx="0">
+              <a:schemeClr val="accent1"/>
+            </a:effectRef>
+            <a:fontRef idx="minor">
+              <a:schemeClr val="lt1"/>
+            </a:fontRef>
+          </p:style>
+          <p:txBody>
+            <a:bodyPr rtlCol="0" anchor="ctr"/>
+            <a:lstStyle/>
+            <a:p>
+              <a:pPr algn="ctr"/>
+              <a:endParaRPr lang="en-US"/>
+            </a:p>
+          </p:txBody>
+        </p:sp>
+        <p:sp>
+          <p:nvSpPr>
+            <p:cNvPr id="15" name="Rectangle 14">
+              <a:extLst>
+                <a:ext uri="{FF2B5EF4-FFF2-40B4-BE49-F238E27FC236}">
+                  <a16:creationId xmlns:a16="http://schemas.microsoft.com/office/drawing/2014/main" id="{AC26729E-0C25-C64C-B063-3778F6163380}"/>
+                </a:ext>
+              </a:extLst>
+            </p:cNvPr>
+            <p:cNvSpPr/>
+            <p:nvPr/>
+          </p:nvSpPr>
+          <p:spPr>
+            <a:xfrm>
+              <a:off x="7910141" y="5490118"/>
+              <a:ext cx="665146" cy="341970"/>
+            </a:xfrm>
+            <a:prstGeom prst="rect">
+              <a:avLst/>
+            </a:prstGeom>
+            <a:solidFill>
+              <a:schemeClr val="accent3">
+                <a:lumMod val="60000"/>
+                <a:lumOff val="40000"/>
+                <a:alpha val="40000"/>
+              </a:schemeClr>
+            </a:solidFill>
+            <a:ln>
+              <a:noFill/>
+            </a:ln>
+          </p:spPr>
+          <p:style>
+            <a:lnRef idx="2">
+              <a:schemeClr val="accent1">
+                <a:shade val="50000"/>
+              </a:schemeClr>
+            </a:lnRef>
+            <a:fillRef idx="1">
+              <a:schemeClr val="accent1"/>
+            </a:fillRef>
+            <a:effectRef idx="0">
+              <a:schemeClr val="accent1"/>
+            </a:effectRef>
+            <a:fontRef idx="minor">
+              <a:schemeClr val="lt1"/>
+            </a:fontRef>
+          </p:style>
+          <p:txBody>
+            <a:bodyPr rtlCol="0" anchor="ctr"/>
+            <a:lstStyle/>
+            <a:p>
+              <a:pPr algn="ctr"/>
+              <a:endParaRPr lang="en-US"/>
+            </a:p>
+          </p:txBody>
+        </p:sp>
+        <p:sp>
+          <p:nvSpPr>
+            <p:cNvPr id="16" name="Rectangle 15">
+              <a:extLst>
+                <a:ext uri="{FF2B5EF4-FFF2-40B4-BE49-F238E27FC236}">
+                  <a16:creationId xmlns:a16="http://schemas.microsoft.com/office/drawing/2014/main" id="{DB007603-8CF7-724C-9675-849D149DA9E6}"/>
+                </a:ext>
+              </a:extLst>
+            </p:cNvPr>
+            <p:cNvSpPr/>
+            <p:nvPr/>
+          </p:nvSpPr>
+          <p:spPr>
+            <a:xfrm>
+              <a:off x="2836126" y="5319133"/>
+              <a:ext cx="379141" cy="341970"/>
+            </a:xfrm>
+            <a:prstGeom prst="rect">
+              <a:avLst/>
+            </a:prstGeom>
+            <a:solidFill>
+              <a:schemeClr val="accent3">
+                <a:lumMod val="60000"/>
+                <a:lumOff val="40000"/>
+                <a:alpha val="40000"/>
+              </a:schemeClr>
+            </a:solidFill>
+            <a:ln>
+              <a:noFill/>
+            </a:ln>
+          </p:spPr>
+          <p:style>
+            <a:lnRef idx="2">
+              <a:schemeClr val="accent1">
+                <a:shade val="50000"/>
+              </a:schemeClr>
+            </a:lnRef>
+            <a:fillRef idx="1">
+              <a:schemeClr val="accent1"/>
+            </a:fillRef>
+            <a:effectRef idx="0">
+              <a:schemeClr val="accent1"/>
+            </a:effectRef>
+            <a:fontRef idx="minor">
+              <a:schemeClr val="lt1"/>
+            </a:fontRef>
+          </p:style>
+          <p:txBody>
+            <a:bodyPr rtlCol="0" anchor="ctr"/>
+            <a:lstStyle/>
+            <a:p>
+              <a:pPr algn="ctr"/>
+              <a:endParaRPr lang="en-US"/>
+            </a:p>
+          </p:txBody>
+        </p:sp>
+        <p:sp>
+          <p:nvSpPr>
+            <p:cNvPr id="17" name="Rectangle 16">
+              <a:extLst>
+                <a:ext uri="{FF2B5EF4-FFF2-40B4-BE49-F238E27FC236}">
+                  <a16:creationId xmlns:a16="http://schemas.microsoft.com/office/drawing/2014/main" id="{08C6391F-3BDC-3749-8736-228CE8AFD02A}"/>
+                </a:ext>
+              </a:extLst>
+            </p:cNvPr>
+            <p:cNvSpPr/>
+            <p:nvPr/>
+          </p:nvSpPr>
+          <p:spPr>
+            <a:xfrm>
+              <a:off x="2810316" y="5661103"/>
+              <a:ext cx="379142" cy="341970"/>
+            </a:xfrm>
+            <a:prstGeom prst="rect">
+              <a:avLst/>
+            </a:prstGeom>
+            <a:solidFill>
+              <a:schemeClr val="accent3">
+                <a:lumMod val="60000"/>
+                <a:lumOff val="40000"/>
+                <a:alpha val="40000"/>
+              </a:schemeClr>
+            </a:solidFill>
+            <a:ln>
+              <a:noFill/>
+            </a:ln>
+          </p:spPr>
+          <p:style>
+            <a:lnRef idx="2">
+              <a:schemeClr val="accent1">
+                <a:shade val="50000"/>
+              </a:schemeClr>
+            </a:lnRef>
+            <a:fillRef idx="1">
+              <a:schemeClr val="accent1"/>
+            </a:fillRef>
+            <a:effectRef idx="0">
+              <a:schemeClr val="accent1"/>
+            </a:effectRef>
+            <a:fontRef idx="minor">
+              <a:schemeClr val="lt1"/>
+            </a:fontRef>
+          </p:style>
+          <p:txBody>
+            <a:bodyPr rtlCol="0" anchor="ctr"/>
+            <a:lstStyle/>
+            <a:p>
+              <a:pPr algn="ctr"/>
+              <a:endParaRPr lang="en-US"/>
+            </a:p>
+          </p:txBody>
+        </p:sp>
+        <p:sp>
+          <p:nvSpPr>
+            <p:cNvPr id="18" name="Rectangle 17">
+              <a:extLst>
+                <a:ext uri="{FF2B5EF4-FFF2-40B4-BE49-F238E27FC236}">
+                  <a16:creationId xmlns:a16="http://schemas.microsoft.com/office/drawing/2014/main" id="{7E861496-0646-CB44-861F-23636B838923}"/>
+                </a:ext>
+              </a:extLst>
+            </p:cNvPr>
+            <p:cNvSpPr/>
+            <p:nvPr/>
+          </p:nvSpPr>
+          <p:spPr>
+            <a:xfrm>
+              <a:off x="4847378" y="5661103"/>
+              <a:ext cx="379142" cy="341970"/>
+            </a:xfrm>
+            <a:prstGeom prst="rect">
+              <a:avLst/>
+            </a:prstGeom>
+            <a:solidFill>
+              <a:schemeClr val="accent3">
+                <a:lumMod val="60000"/>
+                <a:lumOff val="40000"/>
+                <a:alpha val="40000"/>
+              </a:schemeClr>
+            </a:solidFill>
+            <a:ln>
+              <a:noFill/>
+            </a:ln>
+          </p:spPr>
+          <p:style>
+            <a:lnRef idx="2">
+              <a:schemeClr val="accent1">
+                <a:shade val="50000"/>
+              </a:schemeClr>
+            </a:lnRef>
+            <a:fillRef idx="1">
+              <a:schemeClr val="accent1"/>
+            </a:fillRef>
+            <a:effectRef idx="0">
+              <a:schemeClr val="accent1"/>
+            </a:effectRef>
+            <a:fontRef idx="minor">
+              <a:schemeClr val="lt1"/>
+            </a:fontRef>
+          </p:style>
+          <p:txBody>
+            <a:bodyPr rtlCol="0" anchor="ctr"/>
+            <a:lstStyle/>
+            <a:p>
+              <a:pPr algn="ctr"/>
+              <a:endParaRPr lang="en-US"/>
+            </a:p>
+          </p:txBody>
+        </p:sp>
+        <p:sp>
+          <p:nvSpPr>
+            <p:cNvPr id="19" name="Rectangle 18">
+              <a:extLst>
+                <a:ext uri="{FF2B5EF4-FFF2-40B4-BE49-F238E27FC236}">
+                  <a16:creationId xmlns:a16="http://schemas.microsoft.com/office/drawing/2014/main" id="{CE4B500B-8A87-B243-A112-330CCEA95620}"/>
+                </a:ext>
+              </a:extLst>
+            </p:cNvPr>
+            <p:cNvSpPr/>
+            <p:nvPr/>
+          </p:nvSpPr>
+          <p:spPr>
+            <a:xfrm>
+              <a:off x="4880936" y="5319133"/>
+              <a:ext cx="379142" cy="341970"/>
+            </a:xfrm>
+            <a:prstGeom prst="rect">
+              <a:avLst/>
+            </a:prstGeom>
+            <a:solidFill>
+              <a:schemeClr val="accent3">
+                <a:lumMod val="60000"/>
+                <a:lumOff val="40000"/>
+                <a:alpha val="40000"/>
+              </a:schemeClr>
+            </a:solidFill>
+            <a:ln>
+              <a:noFill/>
+            </a:ln>
+          </p:spPr>
+          <p:style>
+            <a:lnRef idx="2">
+              <a:schemeClr val="accent1">
+                <a:shade val="50000"/>
+              </a:schemeClr>
+            </a:lnRef>
+            <a:fillRef idx="1">
+              <a:schemeClr val="accent1"/>
+            </a:fillRef>
+            <a:effectRef idx="0">
+              <a:schemeClr val="accent1"/>
+            </a:effectRef>
+            <a:fontRef idx="minor">
+              <a:schemeClr val="lt1"/>
+            </a:fontRef>
+          </p:style>
+          <p:txBody>
+            <a:bodyPr rtlCol="0" anchor="ctr"/>
+            <a:lstStyle/>
+            <a:p>
+              <a:pPr algn="ctr"/>
+              <a:endParaRPr lang="en-US"/>
+            </a:p>
+          </p:txBody>
+        </p:sp>
+      </p:grpSp>
     </p:spTree>
     <p:extLst>
       <p:ext uri="{BB962C8B-B14F-4D97-AF65-F5344CB8AC3E}">
@@ -8740,6 +9625,59 @@
                       </p:childTnLst>
                     </p:cTn>
                   </p:par>
+                  <p:par>
+                    <p:cTn id="16" fill="hold">
+                      <p:stCondLst>
+                        <p:cond delay="indefinite"/>
+                      </p:stCondLst>
+                      <p:childTnLst>
+                        <p:par>
+                          <p:cTn id="17" fill="hold">
+                            <p:stCondLst>
+                              <p:cond delay="0"/>
+                            </p:stCondLst>
+                            <p:childTnLst>
+                              <p:par>
+                                <p:cTn id="18" presetID="10" presetClass="entr" presetSubtype="0" fill="hold" nodeType="clickEffect">
+                                  <p:stCondLst>
+                                    <p:cond delay="0"/>
+                                  </p:stCondLst>
+                                  <p:childTnLst>
+                                    <p:set>
+                                      <p:cBhvr>
+                                        <p:cTn id="19" dur="1" fill="hold">
+                                          <p:stCondLst>
+                                            <p:cond delay="0"/>
+                                          </p:stCondLst>
+                                        </p:cTn>
+                                        <p:tgtEl>
+                                          <p:spTgt spid="21"/>
+                                        </p:tgtEl>
+                                        <p:attrNameLst>
+                                          <p:attrName>style.visibility</p:attrName>
+                                        </p:attrNameLst>
+                                      </p:cBhvr>
+                                      <p:to>
+                                        <p:strVal val="visible"/>
+                                      </p:to>
+                                    </p:set>
+                                    <p:animEffect transition="in" filter="fade">
+                                      <p:cBhvr>
+                                        <p:cTn id="20" dur="500"/>
+                                        <p:tgtEl>
+                                          <p:spTgt spid="21"/>
+                                        </p:tgtEl>
+                                      </p:cBhvr>
+                                    </p:animEffect>
+                                  </p:childTnLst>
+                                </p:cTn>
+                              </p:par>
+                            </p:childTnLst>
+                          </p:cTn>
+                        </p:par>
+                      </p:childTnLst>
+                    </p:cTn>
+                  </p:par>
                 </p:childTnLst>
               </p:cTn>
               <p:prevCondLst>
@@ -8861,13 +9799,6 @@
   <p:transition>
     <p:fade/>
   </p:transition>
-  <p:timing>
-    <p:tnLst>
-      <p:par>
-        <p:cTn id="1" dur="indefinite" restart="never" nodeType="tmRoot"/>
-      </p:par>
-    </p:tnLst>
-  </p:timing>
 </p:sld>
 </file>
 
@@ -9772,13 +10703,6 @@
   <p:transition>
     <p:fade/>
   </p:transition>
-  <p:timing>
-    <p:tnLst>
-      <p:par>
-        <p:cTn id="1" dur="indefinite" restart="never" nodeType="tmRoot"/>
-      </p:par>
-    </p:tnLst>
-  </p:timing>
 </p:sld>
 </file>
 
@@ -10239,10 +11163,10 @@
       </p:grpSp>
       <p:grpSp>
         <p:nvGrpSpPr>
-          <p:cNvPr id="23" name="Group 22">
+          <p:cNvPr id="14" name="Group 13">
             <a:extLst>
               <a:ext uri="{FF2B5EF4-FFF2-40B4-BE49-F238E27FC236}">
-                <a16:creationId xmlns:a16="http://schemas.microsoft.com/office/drawing/2014/main" id="{24E4A82F-9FE6-C842-8AF4-1E9A3DBCF9F6}"/>
+                <a16:creationId xmlns:a16="http://schemas.microsoft.com/office/drawing/2014/main" id="{661E9F4D-AA7B-D548-847F-C8E878A7DF72}"/>
               </a:ext>
             </a:extLst>
           </p:cNvPr>
@@ -10251,18 +11175,18 @@
         </p:nvGrpSpPr>
         <p:grpSpPr>
           <a:xfrm>
-            <a:off x="1629645" y="995622"/>
-            <a:ext cx="6607906" cy="4917899"/>
-            <a:chOff x="1629645" y="995622"/>
-            <a:chExt cx="6607906" cy="4917899"/>
+            <a:off x="3087267" y="5110410"/>
+            <a:ext cx="3744409" cy="767452"/>
+            <a:chOff x="3087267" y="5110410"/>
+            <a:chExt cx="3744409" cy="767452"/>
           </a:xfrm>
         </p:grpSpPr>
         <p:sp>
           <p:nvSpPr>
-            <p:cNvPr id="16" name="Rectangle 15">
+            <p:cNvPr id="25" name="Rectangle 24">
               <a:extLst>
                 <a:ext uri="{FF2B5EF4-FFF2-40B4-BE49-F238E27FC236}">
-                  <a16:creationId xmlns:a16="http://schemas.microsoft.com/office/drawing/2014/main" id="{23B7AC37-1FD5-1544-9F4B-9EAD5C91A0B5}"/>
+                  <a16:creationId xmlns:a16="http://schemas.microsoft.com/office/drawing/2014/main" id="{42C51B4E-A695-3242-A1D7-AB5EDEBFC3D2}"/>
                 </a:ext>
               </a:extLst>
             </p:cNvPr>
@@ -10271,15 +11195,15 @@
           </p:nvSpPr>
           <p:spPr>
             <a:xfrm>
-              <a:off x="1629645" y="995622"/>
-              <a:ext cx="6607906" cy="877680"/>
+              <a:off x="3087267" y="5338612"/>
+              <a:ext cx="379141" cy="341970"/>
             </a:xfrm>
             <a:prstGeom prst="rect">
               <a:avLst/>
             </a:prstGeom>
             <a:solidFill>
-              <a:srgbClr val="FFFFFF">
-                <a:alpha val="85098"/>
+              <a:srgbClr val="92C67C">
+                <a:alpha val="40000"/>
               </a:srgbClr>
             </a:solidFill>
             <a:ln>
@@ -10313,10 +11237,10 @@
         </p:sp>
         <p:sp>
           <p:nvSpPr>
-            <p:cNvPr id="17" name="Rectangle 16">
+            <p:cNvPr id="36" name="Rectangle 35">
               <a:extLst>
                 <a:ext uri="{FF2B5EF4-FFF2-40B4-BE49-F238E27FC236}">
-                  <a16:creationId xmlns:a16="http://schemas.microsoft.com/office/drawing/2014/main" id="{5A6E001E-A975-DD4D-B3A4-F67714EC63ED}"/>
+                  <a16:creationId xmlns:a16="http://schemas.microsoft.com/office/drawing/2014/main" id="{0650280A-ECE1-944D-9F68-096000B7DA6F}"/>
                 </a:ext>
               </a:extLst>
             </p:cNvPr>
@@ -10325,16 +11249,18 @@
           </p:nvSpPr>
           <p:spPr>
             <a:xfrm>
-              <a:off x="2696427" y="1988802"/>
-              <a:ext cx="5040581" cy="877680"/>
+              <a:off x="3965112" y="5110410"/>
+              <a:ext cx="312821" cy="341970"/>
             </a:xfrm>
             <a:prstGeom prst="rect">
               <a:avLst/>
             </a:prstGeom>
             <a:solidFill>
-              <a:srgbClr val="FFFFFF">
-                <a:alpha val="85098"/>
-              </a:srgbClr>
+              <a:schemeClr val="accent3">
+                <a:lumMod val="60000"/>
+                <a:lumOff val="40000"/>
+                <a:alpha val="40000"/>
+              </a:schemeClr>
             </a:solidFill>
             <a:ln>
               <a:noFill/>
@@ -10367,10 +11293,10 @@
         </p:sp>
         <p:sp>
           <p:nvSpPr>
-            <p:cNvPr id="18" name="Rectangle 17">
+            <p:cNvPr id="38" name="Rectangle 37">
               <a:extLst>
                 <a:ext uri="{FF2B5EF4-FFF2-40B4-BE49-F238E27FC236}">
-                  <a16:creationId xmlns:a16="http://schemas.microsoft.com/office/drawing/2014/main" id="{219E35DD-7DB9-4641-A9CC-9C8F5818506B}"/>
+                  <a16:creationId xmlns:a16="http://schemas.microsoft.com/office/drawing/2014/main" id="{389C2D33-00B6-6543-99CF-E5F78B399D11}"/>
                 </a:ext>
               </a:extLst>
             </p:cNvPr>
@@ -10379,16 +11305,18 @@
           </p:nvSpPr>
           <p:spPr>
             <a:xfrm>
-              <a:off x="1751022" y="3009541"/>
-              <a:ext cx="5595523" cy="1775089"/>
+              <a:off x="4493025" y="5535892"/>
+              <a:ext cx="312821" cy="341970"/>
             </a:xfrm>
             <a:prstGeom prst="rect">
               <a:avLst/>
             </a:prstGeom>
             <a:solidFill>
-              <a:srgbClr val="FFFFFF">
-                <a:alpha val="85098"/>
-              </a:srgbClr>
+              <a:schemeClr val="accent3">
+                <a:lumMod val="60000"/>
+                <a:lumOff val="40000"/>
+                <a:alpha val="40000"/>
+              </a:schemeClr>
             </a:solidFill>
             <a:ln>
               <a:noFill/>
@@ -10421,10 +11349,10 @@
         </p:sp>
         <p:sp>
           <p:nvSpPr>
-            <p:cNvPr id="19" name="Rectangle 18">
+            <p:cNvPr id="39" name="Rectangle 38">
               <a:extLst>
                 <a:ext uri="{FF2B5EF4-FFF2-40B4-BE49-F238E27FC236}">
-                  <a16:creationId xmlns:a16="http://schemas.microsoft.com/office/drawing/2014/main" id="{91D30FA5-B69D-064D-9FBC-E39727A89B0C}"/>
+                  <a16:creationId xmlns:a16="http://schemas.microsoft.com/office/drawing/2014/main" id="{85C90E04-FF9C-FC4E-BC78-18664AAEC203}"/>
                 </a:ext>
               </a:extLst>
             </p:cNvPr>
@@ -10433,16 +11361,18 @@
           </p:nvSpPr>
           <p:spPr>
             <a:xfrm>
-              <a:off x="3411111" y="5470496"/>
-              <a:ext cx="1391478" cy="443025"/>
+              <a:off x="5692462" y="5320271"/>
+              <a:ext cx="312821" cy="341970"/>
             </a:xfrm>
             <a:prstGeom prst="rect">
               <a:avLst/>
             </a:prstGeom>
             <a:solidFill>
-              <a:srgbClr val="FFFFFF">
-                <a:alpha val="85098"/>
-              </a:srgbClr>
+              <a:schemeClr val="accent3">
+                <a:lumMod val="60000"/>
+                <a:lumOff val="40000"/>
+                <a:alpha val="40000"/>
+              </a:schemeClr>
             </a:solidFill>
             <a:ln>
               <a:noFill/>
@@ -10475,10 +11405,10 @@
         </p:sp>
         <p:sp>
           <p:nvSpPr>
-            <p:cNvPr id="20" name="Rectangle 19">
+            <p:cNvPr id="40" name="Rectangle 39">
               <a:extLst>
                 <a:ext uri="{FF2B5EF4-FFF2-40B4-BE49-F238E27FC236}">
-                  <a16:creationId xmlns:a16="http://schemas.microsoft.com/office/drawing/2014/main" id="{32C8B854-6657-5A4B-A469-85EB788273BA}"/>
+                  <a16:creationId xmlns:a16="http://schemas.microsoft.com/office/drawing/2014/main" id="{803C249D-9AF0-1844-8D33-9029DCA11022}"/>
                 </a:ext>
               </a:extLst>
             </p:cNvPr>
@@ -10487,70 +11417,18 @@
           </p:nvSpPr>
           <p:spPr>
             <a:xfrm>
-              <a:off x="4839718" y="5288085"/>
-              <a:ext cx="813659" cy="443025"/>
+              <a:off x="6518855" y="5320271"/>
+              <a:ext cx="312821" cy="341970"/>
             </a:xfrm>
             <a:prstGeom prst="rect">
               <a:avLst/>
             </a:prstGeom>
             <a:solidFill>
-              <a:srgbClr val="FFFFFF">
-                <a:alpha val="85098"/>
-              </a:srgbClr>
-            </a:solidFill>
-            <a:ln>
-              <a:noFill/>
-            </a:ln>
-          </p:spPr>
-          <p:style>
-            <a:lnRef idx="2">
-              <a:schemeClr val="accent1">
-                <a:shade val="50000"/>
+              <a:schemeClr val="accent3">
+                <a:lumMod val="60000"/>
+                <a:lumOff val="40000"/>
+                <a:alpha val="40000"/>
               </a:schemeClr>
-            </a:lnRef>
-            <a:fillRef idx="1">
-              <a:schemeClr val="accent1"/>
-            </a:fillRef>
-            <a:effectRef idx="0">
-              <a:schemeClr val="accent1"/>
-            </a:effectRef>
-            <a:fontRef idx="minor">
-              <a:schemeClr val="lt1"/>
-            </a:fontRef>
-          </p:style>
-          <p:txBody>
-            <a:bodyPr rtlCol="0" anchor="ctr"/>
-            <a:lstStyle/>
-            <a:p>
-              <a:pPr algn="ctr"/>
-              <a:endParaRPr lang="en-US"/>
-            </a:p>
-          </p:txBody>
-        </p:sp>
-        <p:sp>
-          <p:nvSpPr>
-            <p:cNvPr id="21" name="Rectangle 20">
-              <a:extLst>
-                <a:ext uri="{FF2B5EF4-FFF2-40B4-BE49-F238E27FC236}">
-                  <a16:creationId xmlns:a16="http://schemas.microsoft.com/office/drawing/2014/main" id="{A8D89ADE-B4D1-FA47-84B8-93A11322A003}"/>
-                </a:ext>
-              </a:extLst>
-            </p:cNvPr>
-            <p:cNvSpPr/>
-            <p:nvPr/>
-          </p:nvSpPr>
-          <p:spPr>
-            <a:xfrm>
-              <a:off x="5978079" y="5288085"/>
-              <a:ext cx="494283" cy="443025"/>
-            </a:xfrm>
-            <a:prstGeom prst="rect">
-              <a:avLst/>
-            </a:prstGeom>
-            <a:solidFill>
-              <a:srgbClr val="FFFFFF">
-                <a:alpha val="85098"/>
-              </a:srgbClr>
             </a:solidFill>
             <a:ln>
               <a:noFill/>
@@ -10621,7 +11499,7 @@
                               <p:par>
                                 <p:cTn id="5" presetID="10" presetClass="entr" presetSubtype="0" fill="hold" nodeType="afterEffect">
                                   <p:stCondLst>
-                                    <p:cond delay="1000"/>
+                                    <p:cond delay="500"/>
                                   </p:stCondLst>
                                   <p:childTnLst>
                                     <p:set>
@@ -10659,13 +11537,13 @@
                         <p:par>
                           <p:cTn id="8" fill="hold">
                             <p:stCondLst>
-                              <p:cond delay="1500"/>
+                              <p:cond delay="1000"/>
                             </p:stCondLst>
                             <p:childTnLst>
                               <p:par>
                                 <p:cTn id="9" presetID="10" presetClass="entr" presetSubtype="0" fill="hold" nodeType="afterEffect">
                                   <p:stCondLst>
-                                    <p:cond delay="1000"/>
+                                    <p:cond delay="500"/>
                                   </p:stCondLst>
                                   <p:childTnLst>
                                     <p:set>
@@ -10703,13 +11581,13 @@
                         <p:par>
                           <p:cTn id="12" fill="hold">
                             <p:stCondLst>
-                              <p:cond delay="3000"/>
+                              <p:cond delay="2000"/>
                             </p:stCondLst>
                             <p:childTnLst>
                               <p:par>
                                 <p:cTn id="13" presetID="10" presetClass="entr" presetSubtype="0" fill="hold" nodeType="afterEffect">
                                   <p:stCondLst>
-                                    <p:cond delay="1000"/>
+                                    <p:cond delay="500"/>
                                   </p:stCondLst>
                                   <p:childTnLst>
                                     <p:set>
@@ -10747,13 +11625,13 @@
                         <p:par>
                           <p:cTn id="16" fill="hold">
                             <p:stCondLst>
-                              <p:cond delay="4500"/>
+                              <p:cond delay="3000"/>
                             </p:stCondLst>
                             <p:childTnLst>
                               <p:par>
                                 <p:cTn id="17" presetID="10" presetClass="entr" presetSubtype="0" fill="hold" nodeType="afterEffect">
                                   <p:stCondLst>
-                                    <p:cond delay="1000"/>
+                                    <p:cond delay="500"/>
                                   </p:stCondLst>
                                   <p:childTnLst>
                                     <p:set>
@@ -10791,13 +11669,13 @@
                         <p:par>
                           <p:cTn id="20" fill="hold">
                             <p:stCondLst>
-                              <p:cond delay="6000"/>
+                              <p:cond delay="4000"/>
                             </p:stCondLst>
                             <p:childTnLst>
                               <p:par>
                                 <p:cTn id="21" presetID="10" presetClass="entr" presetSubtype="0" fill="hold" nodeType="afterEffect">
                                   <p:stCondLst>
-                                    <p:cond delay="1000"/>
+                                    <p:cond delay="500"/>
                                   </p:stCondLst>
                                   <p:childTnLst>
                                     <p:set>
@@ -10835,13 +11713,13 @@
                         <p:par>
                           <p:cTn id="24" fill="hold">
                             <p:stCondLst>
-                              <p:cond delay="7500"/>
+                              <p:cond delay="5000"/>
                             </p:stCondLst>
                             <p:childTnLst>
                               <p:par>
                                 <p:cTn id="25" presetID="10" presetClass="entr" presetSubtype="0" fill="hold" nodeType="afterEffect">
                                   <p:stCondLst>
-                                    <p:cond delay="1000"/>
+                                    <p:cond delay="500"/>
                                   </p:stCondLst>
                                   <p:childTnLst>
                                     <p:set>
@@ -10879,13 +11757,13 @@
                         <p:par>
                           <p:cTn id="28" fill="hold">
                             <p:stCondLst>
-                              <p:cond delay="9000"/>
+                              <p:cond delay="6000"/>
                             </p:stCondLst>
                             <p:childTnLst>
                               <p:par>
                                 <p:cTn id="29" presetID="10" presetClass="entr" presetSubtype="0" fill="hold" nodeType="afterEffect">
                                   <p:stCondLst>
-                                    <p:cond delay="1000"/>
+                                    <p:cond delay="500"/>
                                   </p:stCondLst>
                                   <p:childTnLst>
                                     <p:set>
@@ -11002,7 +11880,7 @@
                                           </p:stCondLst>
                                         </p:cTn>
                                         <p:tgtEl>
-                                          <p:spTgt spid="23"/>
+                                          <p:spTgt spid="14"/>
                                         </p:tgtEl>
                                         <p:attrNameLst>
                                           <p:attrName>style.visibility</p:attrName>
@@ -11016,7 +11894,7 @@
                                       <p:cBhvr>
                                         <p:cTn id="41" dur="500"/>
                                         <p:tgtEl>
-                                          <p:spTgt spid="23"/>
+                                          <p:spTgt spid="14"/>
                                         </p:tgtEl>
                                       </p:cBhvr>
                                     </p:animEffect>
@@ -11539,9 +12417,9 @@
         <p:grpSpPr>
           <a:xfrm>
             <a:off x="1629645" y="995622"/>
-            <a:ext cx="6607906" cy="4917899"/>
+            <a:ext cx="6607906" cy="3789008"/>
             <a:chOff x="1629645" y="995622"/>
-            <a:chExt cx="6607906" cy="4917899"/>
+            <a:chExt cx="6607906" cy="3789008"/>
           </a:xfrm>
         </p:grpSpPr>
         <p:sp>
@@ -11668,168 +12546,6 @@
             <a:xfrm>
               <a:off x="1751022" y="3009541"/>
               <a:ext cx="5595523" cy="1775089"/>
-            </a:xfrm>
-            <a:prstGeom prst="rect">
-              <a:avLst/>
-            </a:prstGeom>
-            <a:solidFill>
-              <a:srgbClr val="FFFFFF">
-                <a:alpha val="85098"/>
-              </a:srgbClr>
-            </a:solidFill>
-            <a:ln>
-              <a:noFill/>
-            </a:ln>
-          </p:spPr>
-          <p:style>
-            <a:lnRef idx="2">
-              <a:schemeClr val="accent1">
-                <a:shade val="50000"/>
-              </a:schemeClr>
-            </a:lnRef>
-            <a:fillRef idx="1">
-              <a:schemeClr val="accent1"/>
-            </a:fillRef>
-            <a:effectRef idx="0">
-              <a:schemeClr val="accent1"/>
-            </a:effectRef>
-            <a:fontRef idx="minor">
-              <a:schemeClr val="lt1"/>
-            </a:fontRef>
-          </p:style>
-          <p:txBody>
-            <a:bodyPr rtlCol="0" anchor="ctr"/>
-            <a:lstStyle/>
-            <a:p>
-              <a:pPr algn="ctr"/>
-              <a:endParaRPr lang="en-US"/>
-            </a:p>
-          </p:txBody>
-        </p:sp>
-        <p:sp>
-          <p:nvSpPr>
-            <p:cNvPr id="19" name="Rectangle 18">
-              <a:extLst>
-                <a:ext uri="{FF2B5EF4-FFF2-40B4-BE49-F238E27FC236}">
-                  <a16:creationId xmlns:a16="http://schemas.microsoft.com/office/drawing/2014/main" id="{91D30FA5-B69D-064D-9FBC-E39727A89B0C}"/>
-                </a:ext>
-              </a:extLst>
-            </p:cNvPr>
-            <p:cNvSpPr/>
-            <p:nvPr/>
-          </p:nvSpPr>
-          <p:spPr>
-            <a:xfrm>
-              <a:off x="3411111" y="5470496"/>
-              <a:ext cx="1391478" cy="443025"/>
-            </a:xfrm>
-            <a:prstGeom prst="rect">
-              <a:avLst/>
-            </a:prstGeom>
-            <a:solidFill>
-              <a:srgbClr val="FFFFFF">
-                <a:alpha val="85098"/>
-              </a:srgbClr>
-            </a:solidFill>
-            <a:ln>
-              <a:noFill/>
-            </a:ln>
-          </p:spPr>
-          <p:style>
-            <a:lnRef idx="2">
-              <a:schemeClr val="accent1">
-                <a:shade val="50000"/>
-              </a:schemeClr>
-            </a:lnRef>
-            <a:fillRef idx="1">
-              <a:schemeClr val="accent1"/>
-            </a:fillRef>
-            <a:effectRef idx="0">
-              <a:schemeClr val="accent1"/>
-            </a:effectRef>
-            <a:fontRef idx="minor">
-              <a:schemeClr val="lt1"/>
-            </a:fontRef>
-          </p:style>
-          <p:txBody>
-            <a:bodyPr rtlCol="0" anchor="ctr"/>
-            <a:lstStyle/>
-            <a:p>
-              <a:pPr algn="ctr"/>
-              <a:endParaRPr lang="en-US"/>
-            </a:p>
-          </p:txBody>
-        </p:sp>
-        <p:sp>
-          <p:nvSpPr>
-            <p:cNvPr id="20" name="Rectangle 19">
-              <a:extLst>
-                <a:ext uri="{FF2B5EF4-FFF2-40B4-BE49-F238E27FC236}">
-                  <a16:creationId xmlns:a16="http://schemas.microsoft.com/office/drawing/2014/main" id="{32C8B854-6657-5A4B-A469-85EB788273BA}"/>
-                </a:ext>
-              </a:extLst>
-            </p:cNvPr>
-            <p:cNvSpPr/>
-            <p:nvPr/>
-          </p:nvSpPr>
-          <p:spPr>
-            <a:xfrm>
-              <a:off x="4839718" y="5288085"/>
-              <a:ext cx="813659" cy="443025"/>
-            </a:xfrm>
-            <a:prstGeom prst="rect">
-              <a:avLst/>
-            </a:prstGeom>
-            <a:solidFill>
-              <a:srgbClr val="FFFFFF">
-                <a:alpha val="85098"/>
-              </a:srgbClr>
-            </a:solidFill>
-            <a:ln>
-              <a:noFill/>
-            </a:ln>
-          </p:spPr>
-          <p:style>
-            <a:lnRef idx="2">
-              <a:schemeClr val="accent1">
-                <a:shade val="50000"/>
-              </a:schemeClr>
-            </a:lnRef>
-            <a:fillRef idx="1">
-              <a:schemeClr val="accent1"/>
-            </a:fillRef>
-            <a:effectRef idx="0">
-              <a:schemeClr val="accent1"/>
-            </a:effectRef>
-            <a:fontRef idx="minor">
-              <a:schemeClr val="lt1"/>
-            </a:fontRef>
-          </p:style>
-          <p:txBody>
-            <a:bodyPr rtlCol="0" anchor="ctr"/>
-            <a:lstStyle/>
-            <a:p>
-              <a:pPr algn="ctr"/>
-              <a:endParaRPr lang="en-US"/>
-            </a:p>
-          </p:txBody>
-        </p:sp>
-        <p:sp>
-          <p:nvSpPr>
-            <p:cNvPr id="21" name="Rectangle 20">
-              <a:extLst>
-                <a:ext uri="{FF2B5EF4-FFF2-40B4-BE49-F238E27FC236}">
-                  <a16:creationId xmlns:a16="http://schemas.microsoft.com/office/drawing/2014/main" id="{A8D89ADE-B4D1-FA47-84B8-93A11322A003}"/>
-                </a:ext>
-              </a:extLst>
-            </p:cNvPr>
-            <p:cNvSpPr/>
-            <p:nvPr/>
-          </p:nvSpPr>
-          <p:spPr>
-            <a:xfrm>
-              <a:off x="5978079" y="5288085"/>
-              <a:ext cx="494283" cy="443025"/>
             </a:xfrm>
             <a:prstGeom prst="rect">
               <a:avLst/>
@@ -12090,7 +12806,7 @@
               <p:nvPr/>
             </p:nvPicPr>
             <p:blipFill>
-              <a:blip r:embed="rId2"/>
+              <a:blip r:embed="rId3"/>
               <a:stretch>
                 <a:fillRect/>
               </a:stretch>
@@ -12120,7 +12836,7 @@
               <p:nvPr/>
             </p:nvPicPr>
             <p:blipFill rotWithShape="1">
-              <a:blip r:embed="rId2"/>
+              <a:blip r:embed="rId3"/>
               <a:srcRect l="14706" t="34279" r="78198" b="28849"/>
               <a:stretch/>
             </p:blipFill>
@@ -12257,8 +12973,8 @@
           </p:nvSpPr>
           <p:spPr>
             <a:xfrm>
-              <a:off x="5978079" y="5288085"/>
-              <a:ext cx="494283" cy="443025"/>
+              <a:off x="5617435" y="5288085"/>
+              <a:ext cx="1174303" cy="443025"/>
             </a:xfrm>
             <a:prstGeom prst="rect">
               <a:avLst/>
@@ -12298,6 +13014,114 @@
           </p:txBody>
         </p:sp>
       </p:grpSp>
+      <p:sp>
+        <p:nvSpPr>
+          <p:cNvPr id="13" name="Rectangle 12">
+            <a:extLst>
+              <a:ext uri="{FF2B5EF4-FFF2-40B4-BE49-F238E27FC236}">
+                <a16:creationId xmlns:a16="http://schemas.microsoft.com/office/drawing/2014/main" id="{0021A002-FA94-D54C-965E-48E9D4D0DC26}"/>
+              </a:ext>
+            </a:extLst>
+          </p:cNvPr>
+          <p:cNvSpPr/>
+          <p:nvPr/>
+        </p:nvSpPr>
+        <p:spPr>
+          <a:xfrm>
+            <a:off x="3901255" y="5118234"/>
+            <a:ext cx="439777" cy="284583"/>
+          </a:xfrm>
+          <a:prstGeom prst="rect">
+            <a:avLst/>
+          </a:prstGeom>
+          <a:solidFill>
+            <a:srgbClr val="FFFFFF">
+              <a:alpha val="85098"/>
+            </a:srgbClr>
+          </a:solidFill>
+          <a:ln>
+            <a:noFill/>
+          </a:ln>
+        </p:spPr>
+        <p:style>
+          <a:lnRef idx="2">
+            <a:schemeClr val="accent1">
+              <a:shade val="50000"/>
+            </a:schemeClr>
+          </a:lnRef>
+          <a:fillRef idx="1">
+            <a:schemeClr val="accent1"/>
+          </a:fillRef>
+          <a:effectRef idx="0">
+            <a:schemeClr val="accent1"/>
+          </a:effectRef>
+          <a:fontRef idx="minor">
+            <a:schemeClr val="lt1"/>
+          </a:fontRef>
+        </p:style>
+        <p:txBody>
+          <a:bodyPr rtlCol="0" anchor="ctr"/>
+          <a:lstStyle/>
+          <a:p>
+            <a:pPr algn="ctr"/>
+            <a:endParaRPr lang="en-US"/>
+          </a:p>
+        </p:txBody>
+      </p:sp>
+      <p:sp>
+        <p:nvSpPr>
+          <p:cNvPr id="15" name="Rectangle 14">
+            <a:extLst>
+              <a:ext uri="{FF2B5EF4-FFF2-40B4-BE49-F238E27FC236}">
+                <a16:creationId xmlns:a16="http://schemas.microsoft.com/office/drawing/2014/main" id="{E6C33E0C-5DB2-294B-8888-116BB3B26DE4}"/>
+              </a:ext>
+            </a:extLst>
+          </p:cNvPr>
+          <p:cNvSpPr/>
+          <p:nvPr/>
+        </p:nvSpPr>
+        <p:spPr>
+          <a:xfrm>
+            <a:off x="2507271" y="5335139"/>
+            <a:ext cx="579138" cy="284583"/>
+          </a:xfrm>
+          <a:prstGeom prst="rect">
+            <a:avLst/>
+          </a:prstGeom>
+          <a:solidFill>
+            <a:srgbClr val="FFFFFF">
+              <a:alpha val="85098"/>
+            </a:srgbClr>
+          </a:solidFill>
+          <a:ln>
+            <a:noFill/>
+          </a:ln>
+        </p:spPr>
+        <p:style>
+          <a:lnRef idx="2">
+            <a:schemeClr val="accent1">
+              <a:shade val="50000"/>
+            </a:schemeClr>
+          </a:lnRef>
+          <a:fillRef idx="1">
+            <a:schemeClr val="accent1"/>
+          </a:fillRef>
+          <a:effectRef idx="0">
+            <a:schemeClr val="accent1"/>
+          </a:effectRef>
+          <a:fontRef idx="minor">
+            <a:schemeClr val="lt1"/>
+          </a:fontRef>
+        </p:style>
+        <p:txBody>
+          <a:bodyPr rtlCol="0" anchor="ctr"/>
+          <a:lstStyle/>
+          <a:p>
+            <a:pPr algn="ctr"/>
+            <a:endParaRPr lang="en-US"/>
+          </a:p>
+        </p:txBody>
+      </p:sp>
     </p:spTree>
     <p:extLst>
       <p:ext uri="{BB962C8B-B14F-4D97-AF65-F5344CB8AC3E}">
@@ -13153,10 +13977,10 @@
       </p:pic>
       <p:grpSp>
         <p:nvGrpSpPr>
-          <p:cNvPr id="13" name="Group 12">
+          <p:cNvPr id="17" name="Group 16">
             <a:extLst>
               <a:ext uri="{FF2B5EF4-FFF2-40B4-BE49-F238E27FC236}">
-                <a16:creationId xmlns:a16="http://schemas.microsoft.com/office/drawing/2014/main" id="{70C1CD5E-4C74-9F4A-A76B-644335D407F0}"/>
+                <a16:creationId xmlns:a16="http://schemas.microsoft.com/office/drawing/2014/main" id="{7CF5922B-0B7A-7943-94D1-64A1C3BF2FBD}"/>
               </a:ext>
             </a:extLst>
           </p:cNvPr>
@@ -13165,18 +13989,18 @@
         </p:nvGrpSpPr>
         <p:grpSpPr>
           <a:xfrm>
-            <a:off x="5563178" y="1242968"/>
-            <a:ext cx="3077737" cy="724754"/>
-            <a:chOff x="6475140" y="1305080"/>
-            <a:chExt cx="3077737" cy="724754"/>
+            <a:off x="5683467" y="1200245"/>
+            <a:ext cx="2837160" cy="810200"/>
+            <a:chOff x="5205341" y="928918"/>
+            <a:chExt cx="2837160" cy="810200"/>
           </a:xfrm>
         </p:grpSpPr>
         <p:pic>
           <p:nvPicPr>
-            <p:cNvPr id="11" name="Picture 10">
+            <p:cNvPr id="15" name="Picture 14">
               <a:extLst>
                 <a:ext uri="{FF2B5EF4-FFF2-40B4-BE49-F238E27FC236}">
-                  <a16:creationId xmlns:a16="http://schemas.microsoft.com/office/drawing/2014/main" id="{6F3356FA-FA57-014C-98C7-4AD01E11B418}"/>
+                  <a16:creationId xmlns:a16="http://schemas.microsoft.com/office/drawing/2014/main" id="{7E548254-9C08-2945-91CE-E07E2ED1051B}"/>
                 </a:ext>
               </a:extLst>
             </p:cNvPr>
@@ -13187,13 +14011,13 @@
           </p:nvPicPr>
           <p:blipFill rotWithShape="1">
             <a:blip r:embed="rId7"/>
-            <a:srcRect r="58974"/>
+            <a:srcRect r="58516"/>
             <a:stretch/>
           </p:blipFill>
           <p:spPr>
             <a:xfrm>
-              <a:off x="6943491" y="1305080"/>
-              <a:ext cx="2141033" cy="362377"/>
+              <a:off x="5627843" y="928918"/>
+              <a:ext cx="1992157" cy="403979"/>
             </a:xfrm>
             <a:prstGeom prst="rect">
               <a:avLst/>
@@ -13202,10 +14026,10 @@
         </p:pic>
         <p:pic>
           <p:nvPicPr>
-            <p:cNvPr id="12" name="Picture 11">
+            <p:cNvPr id="16" name="Picture 15">
               <a:extLst>
                 <a:ext uri="{FF2B5EF4-FFF2-40B4-BE49-F238E27FC236}">
-                  <a16:creationId xmlns:a16="http://schemas.microsoft.com/office/drawing/2014/main" id="{61DA7760-3457-4A45-AC19-19FF669BB86D}"/>
+                  <a16:creationId xmlns:a16="http://schemas.microsoft.com/office/drawing/2014/main" id="{EFB106D2-7E61-1E4E-9A3E-327160C48D3B}"/>
                 </a:ext>
               </a:extLst>
             </p:cNvPr>
@@ -13216,13 +14040,13 @@
           </p:nvPicPr>
           <p:blipFill rotWithShape="1">
             <a:blip r:embed="rId7"/>
-            <a:srcRect l="41026"/>
+            <a:srcRect l="40921"/>
             <a:stretch/>
           </p:blipFill>
           <p:spPr>
             <a:xfrm>
-              <a:off x="6475140" y="1667457"/>
-              <a:ext cx="3077737" cy="362377"/>
+              <a:off x="5205341" y="1335139"/>
+              <a:ext cx="2837160" cy="403979"/>
             </a:xfrm>
             <a:prstGeom prst="rect">
               <a:avLst/>
@@ -13383,7 +14207,7 @@
                                           </p:stCondLst>
                                         </p:cTn>
                                         <p:tgtEl>
-                                          <p:spTgt spid="13"/>
+                                          <p:spTgt spid="9"/>
                                         </p:tgtEl>
                                         <p:attrNameLst>
                                           <p:attrName>style.visibility</p:attrName>
@@ -13396,59 +14220,6 @@
                                     <p:animEffect transition="in" filter="fade">
                                       <p:cBhvr>
                                         <p:cTn id="17" dur="500"/>
-                                        <p:tgtEl>
-                                          <p:spTgt spid="13"/>
-                                        </p:tgtEl>
-                                      </p:cBhvr>
-                                    </p:animEffect>
-                                  </p:childTnLst>
-                                </p:cTn>
-                              </p:par>
-                            </p:childTnLst>
-                          </p:cTn>
-                        </p:par>
-                      </p:childTnLst>
-                    </p:cTn>
-                  </p:par>
-                  <p:par>
-                    <p:cTn id="18" fill="hold">
-                      <p:stCondLst>
-                        <p:cond delay="indefinite"/>
-                      </p:stCondLst>
-                      <p:childTnLst>
-                        <p:par>
-                          <p:cTn id="19" fill="hold">
-                            <p:stCondLst>
-                              <p:cond delay="0"/>
-                            </p:stCondLst>
-                            <p:childTnLst>
-                              <p:par>
-                                <p:cTn id="20" presetID="10" presetClass="entr" presetSubtype="0" fill="hold" nodeType="clickEffect">
-                                  <p:stCondLst>
-                                    <p:cond delay="0"/>
-                                  </p:stCondLst>
-                                  <p:childTnLst>
-                                    <p:set>
-                                      <p:cBhvr>
-                                        <p:cTn id="21" dur="1" fill="hold">
-                                          <p:stCondLst>
-                                            <p:cond delay="0"/>
-                                          </p:stCondLst>
-                                        </p:cTn>
-                                        <p:tgtEl>
-                                          <p:spTgt spid="9"/>
-                                        </p:tgtEl>
-                                        <p:attrNameLst>
-                                          <p:attrName>style.visibility</p:attrName>
-                                        </p:attrNameLst>
-                                      </p:cBhvr>
-                                      <p:to>
-                                        <p:strVal val="visible"/>
-                                      </p:to>
-                                    </p:set>
-                                    <p:animEffect transition="in" filter="fade">
-                                      <p:cBhvr>
-                                        <p:cTn id="22" dur="500"/>
                                         <p:tgtEl>
                                           <p:spTgt spid="9"/>
                                         </p:tgtEl>

--- a/forest_malaria/MMC_presentation.pptx
+++ b/forest_malaria/MMC_presentation.pptx
@@ -6300,6 +6300,13 @@
   <p:transition>
     <p:fade/>
   </p:transition>
+  <p:timing>
+    <p:tnLst>
+      <p:par>
+        <p:cTn id="1" dur="indefinite" restart="never" nodeType="tmRoot"/>
+      </p:par>
+    </p:tnLst>
+  </p:timing>
 </p:sld>
 </file>
 
@@ -6660,6 +6667,13 @@
   <p:transition>
     <p:fade/>
   </p:transition>
+  <p:timing>
+    <p:tnLst>
+      <p:par>
+        <p:cTn id="1" dur="indefinite" restart="never" nodeType="tmRoot"/>
+      </p:par>
+    </p:tnLst>
+  </p:timing>
 </p:sld>
 </file>
 
@@ -6800,6 +6814,13 @@
   <p:transition>
     <p:fade/>
   </p:transition>
+  <p:timing>
+    <p:tnLst>
+      <p:par>
+        <p:cTn id="1" dur="indefinite" restart="never" nodeType="tmRoot"/>
+      </p:par>
+    </p:tnLst>
+  </p:timing>
 </p:sld>
 </file>
 
@@ -7543,6 +7564,13 @@
   <p:transition>
     <p:fade/>
   </p:transition>
+  <p:timing>
+    <p:tnLst>
+      <p:par>
+        <p:cTn id="1" dur="indefinite" restart="never" nodeType="tmRoot"/>
+      </p:par>
+    </p:tnLst>
+  </p:timing>
 </p:sld>
 </file>
 
@@ -8356,7 +8384,7 @@
                               <p:par>
                                 <p:cTn id="5" presetID="10" presetClass="entr" presetSubtype="0" fill="hold" nodeType="withEffect">
                                   <p:stCondLst>
-                                    <p:cond delay="1000"/>
+                                    <p:cond delay="0"/>
                                   </p:stCondLst>
                                   <p:childTnLst>
                                     <p:set>
@@ -8394,7 +8422,7 @@
                         <p:par>
                           <p:cTn id="8" fill="hold">
                             <p:stCondLst>
-                              <p:cond delay="1500"/>
+                              <p:cond delay="500"/>
                             </p:stCondLst>
                             <p:childTnLst>
                               <p:par>
@@ -8438,7 +8466,7 @@
                         <p:par>
                           <p:cTn id="12" fill="hold">
                             <p:stCondLst>
-                              <p:cond delay="2000"/>
+                              <p:cond delay="1000"/>
                             </p:stCondLst>
                             <p:childTnLst>
                               <p:par>
@@ -8482,7 +8510,7 @@
                         <p:par>
                           <p:cTn id="16" fill="hold">
                             <p:stCondLst>
-                              <p:cond delay="2500"/>
+                              <p:cond delay="1500"/>
                             </p:stCondLst>
                             <p:childTnLst>
                               <p:par>
@@ -9799,6 +9827,13 @@
   <p:transition>
     <p:fade/>
   </p:transition>
+  <p:timing>
+    <p:tnLst>
+      <p:par>
+        <p:cTn id="1" dur="indefinite" restart="never" nodeType="tmRoot"/>
+      </p:par>
+    </p:tnLst>
+  </p:timing>
 </p:sld>
 </file>
 
@@ -10703,6 +10738,13 @@
   <p:transition>
     <p:fade/>
   </p:transition>
+  <p:timing>
+    <p:tnLst>
+      <p:par>
+        <p:cTn id="1" dur="indefinite" restart="never" nodeType="tmRoot"/>
+      </p:par>
+    </p:tnLst>
+  </p:timing>
 </p:sld>
 </file>
 
@@ -11499,7 +11541,7 @@
                               <p:par>
                                 <p:cTn id="5" presetID="10" presetClass="entr" presetSubtype="0" fill="hold" nodeType="afterEffect">
                                   <p:stCondLst>
-                                    <p:cond delay="500"/>
+                                    <p:cond delay="0"/>
                                   </p:stCondLst>
                                   <p:childTnLst>
                                     <p:set>
@@ -11537,13 +11579,13 @@
                         <p:par>
                           <p:cTn id="8" fill="hold">
                             <p:stCondLst>
-                              <p:cond delay="1000"/>
+                              <p:cond delay="500"/>
                             </p:stCondLst>
                             <p:childTnLst>
                               <p:par>
                                 <p:cTn id="9" presetID="10" presetClass="entr" presetSubtype="0" fill="hold" nodeType="afterEffect">
                                   <p:stCondLst>
-                                    <p:cond delay="500"/>
+                                    <p:cond delay="0"/>
                                   </p:stCondLst>
                                   <p:childTnLst>
                                     <p:set>
@@ -11581,13 +11623,13 @@
                         <p:par>
                           <p:cTn id="12" fill="hold">
                             <p:stCondLst>
-                              <p:cond delay="2000"/>
+                              <p:cond delay="1000"/>
                             </p:stCondLst>
                             <p:childTnLst>
                               <p:par>
                                 <p:cTn id="13" presetID="10" presetClass="entr" presetSubtype="0" fill="hold" nodeType="afterEffect">
                                   <p:stCondLst>
-                                    <p:cond delay="500"/>
+                                    <p:cond delay="0"/>
                                   </p:stCondLst>
                                   <p:childTnLst>
                                     <p:set>
@@ -11625,13 +11667,13 @@
                         <p:par>
                           <p:cTn id="16" fill="hold">
                             <p:stCondLst>
-                              <p:cond delay="3000"/>
+                              <p:cond delay="1500"/>
                             </p:stCondLst>
                             <p:childTnLst>
                               <p:par>
                                 <p:cTn id="17" presetID="10" presetClass="entr" presetSubtype="0" fill="hold" nodeType="afterEffect">
                                   <p:stCondLst>
-                                    <p:cond delay="500"/>
+                                    <p:cond delay="0"/>
                                   </p:stCondLst>
                                   <p:childTnLst>
                                     <p:set>
@@ -11669,13 +11711,13 @@
                         <p:par>
                           <p:cTn id="20" fill="hold">
                             <p:stCondLst>
-                              <p:cond delay="4000"/>
+                              <p:cond delay="2000"/>
                             </p:stCondLst>
                             <p:childTnLst>
                               <p:par>
                                 <p:cTn id="21" presetID="10" presetClass="entr" presetSubtype="0" fill="hold" nodeType="afterEffect">
                                   <p:stCondLst>
-                                    <p:cond delay="500"/>
+                                    <p:cond delay="0"/>
                                   </p:stCondLst>
                                   <p:childTnLst>
                                     <p:set>
@@ -11713,13 +11755,13 @@
                         <p:par>
                           <p:cTn id="24" fill="hold">
                             <p:stCondLst>
-                              <p:cond delay="5000"/>
+                              <p:cond delay="2500"/>
                             </p:stCondLst>
                             <p:childTnLst>
                               <p:par>
                                 <p:cTn id="25" presetID="10" presetClass="entr" presetSubtype="0" fill="hold" nodeType="afterEffect">
                                   <p:stCondLst>
-                                    <p:cond delay="500"/>
+                                    <p:cond delay="0"/>
                                   </p:stCondLst>
                                   <p:childTnLst>
                                     <p:set>
@@ -11757,13 +11799,13 @@
                         <p:par>
                           <p:cTn id="28" fill="hold">
                             <p:stCondLst>
-                              <p:cond delay="6000"/>
+                              <p:cond delay="3000"/>
                             </p:stCondLst>
                             <p:childTnLst>
                               <p:par>
                                 <p:cTn id="29" presetID="10" presetClass="entr" presetSubtype="0" fill="hold" nodeType="afterEffect">
                                   <p:stCondLst>
-                                    <p:cond delay="500"/>
+                                    <p:cond delay="0"/>
                                   </p:stCondLst>
                                   <p:childTnLst>
                                     <p:set>

--- a/forest_malaria/MMC_presentation.pptx
+++ b/forest_malaria/MMC_presentation.pptx
@@ -5,7 +5,7 @@
     <p:sldMasterId id="2147483648" r:id="rId1"/>
   </p:sldMasterIdLst>
   <p:notesMasterIdLst>
-    <p:notesMasterId r:id="rId21"/>
+    <p:notesMasterId r:id="rId25"/>
   </p:notesMasterIdLst>
   <p:sldIdLst>
     <p:sldId id="262" r:id="rId2"/>
@@ -15,7 +15,7 @@
     <p:sldId id="266" r:id="rId6"/>
     <p:sldId id="267" r:id="rId7"/>
     <p:sldId id="268" r:id="rId8"/>
-    <p:sldId id="271" r:id="rId9"/>
+    <p:sldId id="284" r:id="rId9"/>
     <p:sldId id="272" r:id="rId10"/>
     <p:sldId id="273" r:id="rId11"/>
     <p:sldId id="275" r:id="rId12"/>
@@ -27,6 +27,10 @@
     <p:sldId id="281" r:id="rId18"/>
     <p:sldId id="282" r:id="rId19"/>
     <p:sldId id="283" r:id="rId20"/>
+    <p:sldId id="285" r:id="rId21"/>
+    <p:sldId id="288" r:id="rId22"/>
+    <p:sldId id="287" r:id="rId23"/>
+    <p:sldId id="286" r:id="rId24"/>
   </p:sldIdLst>
   <p:sldSz cx="9144000" cy="6858000" type="screen4x3"/>
   <p:notesSz cx="6858000" cy="9144000"/>
@@ -982,6 +986,91 @@
 </file>
 
 <file path=ppt/notesSlides/notesSlide3.xml><?xml version="1.0" encoding="utf-8"?>
+<p:notes xmlns:a="http://schemas.openxmlformats.org/drawingml/2006/main" xmlns:r="http://schemas.openxmlformats.org/officeDocument/2006/relationships" xmlns:p="http://schemas.openxmlformats.org/presentationml/2006/main">
+  <p:cSld>
+    <p:spTree>
+      <p:nvGrpSpPr>
+        <p:cNvPr id="1" name=""/>
+        <p:cNvGrpSpPr/>
+        <p:nvPr/>
+      </p:nvGrpSpPr>
+      <p:grpSpPr>
+        <a:xfrm>
+          <a:off x="0" y="0"/>
+          <a:ext cx="0" cy="0"/>
+          <a:chOff x="0" y="0"/>
+          <a:chExt cx="0" cy="0"/>
+        </a:xfrm>
+      </p:grpSpPr>
+      <p:sp>
+        <p:nvSpPr>
+          <p:cNvPr id="2" name="Slide Image Placeholder 1"/>
+          <p:cNvSpPr>
+            <a:spLocks noGrp="1" noRot="1" noChangeAspect="1"/>
+          </p:cNvSpPr>
+          <p:nvPr>
+            <p:ph type="sldImg"/>
+          </p:nvPr>
+        </p:nvSpPr>
+        <p:spPr/>
+      </p:sp>
+      <p:sp>
+        <p:nvSpPr>
+          <p:cNvPr id="3" name="Notes Placeholder 2"/>
+          <p:cNvSpPr>
+            <a:spLocks noGrp="1"/>
+          </p:cNvSpPr>
+          <p:nvPr>
+            <p:ph type="body" idx="1"/>
+          </p:nvPr>
+        </p:nvSpPr>
+        <p:spPr/>
+        <p:txBody>
+          <a:bodyPr/>
+          <a:lstStyle/>
+          <a:p>
+            <a:endParaRPr lang="en-US" dirty="0"/>
+          </a:p>
+        </p:txBody>
+      </p:sp>
+      <p:sp>
+        <p:nvSpPr>
+          <p:cNvPr id="4" name="Slide Number Placeholder 3"/>
+          <p:cNvSpPr>
+            <a:spLocks noGrp="1"/>
+          </p:cNvSpPr>
+          <p:nvPr>
+            <p:ph type="sldNum" sz="quarter" idx="5"/>
+          </p:nvPr>
+        </p:nvSpPr>
+        <p:spPr/>
+        <p:txBody>
+          <a:bodyPr/>
+          <a:lstStyle/>
+          <a:p>
+            <a:fld id="{0F7F0950-DD71-48EC-948F-2D6829375BC3}" type="slidenum">
+              <a:rPr lang="en-US" altLang="en-US" smtClean="0"/>
+              <a:pPr/>
+              <a:t>8</a:t>
+            </a:fld>
+            <a:endParaRPr lang="en-US" altLang="en-US"/>
+          </a:p>
+        </p:txBody>
+      </p:sp>
+    </p:spTree>
+    <p:extLst>
+      <p:ext uri="{BB962C8B-B14F-4D97-AF65-F5344CB8AC3E}">
+        <p14:creationId xmlns:p14="http://schemas.microsoft.com/office/powerpoint/2010/main" val="2486176898"/>
+      </p:ext>
+    </p:extLst>
+  </p:cSld>
+  <p:clrMapOvr>
+    <a:masterClrMapping/>
+  </p:clrMapOvr>
+</p:notes>
+</file>
+
+<file path=ppt/notesSlides/notesSlide4.xml><?xml version="1.0" encoding="utf-8"?>
 <p:notes xmlns:a="http://schemas.openxmlformats.org/drawingml/2006/main" xmlns:r="http://schemas.openxmlformats.org/officeDocument/2006/relationships" xmlns:p="http://schemas.openxmlformats.org/presentationml/2006/main">
   <p:cSld>
     <p:spTree>
@@ -2421,7 +2510,6 @@
   <p:transition>
     <p:fade/>
   </p:transition>
-  <p:hf hdr="0" ftr="0" dt="0"/>
 </p:sldLayout>
 </file>
 
@@ -5621,7 +5709,7 @@
   <p:transition>
     <p:fade/>
   </p:transition>
-  <p:hf hdr="0" ftr="0" dt="0"/>
+  <p:hf sldNum="0" hdr="0" ftr="0" dt="0"/>
   <p:txStyles>
     <p:titleStyle>
       <a:lvl1pPr algn="l" rtl="0" eaLnBrk="0" fontAlgn="base" hangingPunct="0">
@@ -6355,37 +6443,6 @@
           </a:p>
         </p:txBody>
       </p:sp>
-      <p:sp>
-        <p:nvSpPr>
-          <p:cNvPr id="3" name="Slide Number Placeholder 2">
-            <a:extLst>
-              <a:ext uri="{FF2B5EF4-FFF2-40B4-BE49-F238E27FC236}">
-                <a16:creationId xmlns:a16="http://schemas.microsoft.com/office/drawing/2014/main" id="{AF61458F-3547-BC44-8825-F7E27A130904}"/>
-              </a:ext>
-            </a:extLst>
-          </p:cNvPr>
-          <p:cNvSpPr>
-            <a:spLocks noGrp="1"/>
-          </p:cNvSpPr>
-          <p:nvPr>
-            <p:ph type="sldNum" sz="quarter" idx="4"/>
-          </p:nvPr>
-        </p:nvSpPr>
-        <p:spPr/>
-        <p:txBody>
-          <a:bodyPr/>
-          <a:lstStyle/>
-          <a:p>
-            <a:pPr algn="ctr"/>
-            <a:fld id="{F1E776F5-9A26-455E-BF09-7D727D022004}" type="slidenum">
-              <a:rPr lang="en-US" smtClean="0"/>
-              <a:pPr algn="ctr"/>
-              <a:t>10</a:t>
-            </a:fld>
-            <a:endParaRPr lang="en-US"/>
-          </a:p>
-        </p:txBody>
-      </p:sp>
       <p:grpSp>
         <p:nvGrpSpPr>
           <p:cNvPr id="6" name="Group 5"/>
@@ -6599,31 +6656,6 @@
           </a:p>
         </p:txBody>
       </p:sp>
-      <p:sp>
-        <p:nvSpPr>
-          <p:cNvPr id="4" name="Slide Number Placeholder 3"/>
-          <p:cNvSpPr>
-            <a:spLocks noGrp="1"/>
-          </p:cNvSpPr>
-          <p:nvPr>
-            <p:ph type="sldNum" sz="quarter" idx="4"/>
-          </p:nvPr>
-        </p:nvSpPr>
-        <p:spPr/>
-        <p:txBody>
-          <a:bodyPr/>
-          <a:lstStyle/>
-          <a:p>
-            <a:pPr algn="ctr"/>
-            <a:fld id="{F1E776F5-9A26-455E-BF09-7D727D022004}" type="slidenum">
-              <a:rPr lang="en-US" smtClean="0"/>
-              <a:pPr algn="ctr"/>
-              <a:t>11</a:t>
-            </a:fld>
-            <a:endParaRPr lang="en-US"/>
-          </a:p>
-        </p:txBody>
-      </p:sp>
       <p:pic>
         <p:nvPicPr>
           <p:cNvPr id="5" name="Picture 4">
@@ -6713,31 +6745,6 @@
               <a:rPr lang="en-US" dirty="0"/>
               <a:t>Ross-Macdonald Equations</a:t>
             </a:r>
-          </a:p>
-        </p:txBody>
-      </p:sp>
-      <p:sp>
-        <p:nvSpPr>
-          <p:cNvPr id="4" name="Slide Number Placeholder 3"/>
-          <p:cNvSpPr>
-            <a:spLocks noGrp="1"/>
-          </p:cNvSpPr>
-          <p:nvPr>
-            <p:ph type="sldNum" sz="quarter" idx="4"/>
-          </p:nvPr>
-        </p:nvSpPr>
-        <p:spPr/>
-        <p:txBody>
-          <a:bodyPr/>
-          <a:lstStyle/>
-          <a:p>
-            <a:pPr algn="ctr"/>
-            <a:fld id="{F1E776F5-9A26-455E-BF09-7D727D022004}" type="slidenum">
-              <a:rPr lang="en-US" smtClean="0"/>
-              <a:pPr algn="ctr"/>
-              <a:t>12</a:t>
-            </a:fld>
-            <a:endParaRPr lang="en-US"/>
           </a:p>
         </p:txBody>
       </p:sp>
@@ -6866,37 +6873,6 @@
               <a:rPr lang="en-US" dirty="0"/>
               <a:t>Equilibrium Assumptions</a:t>
             </a:r>
-          </a:p>
-        </p:txBody>
-      </p:sp>
-      <p:sp>
-        <p:nvSpPr>
-          <p:cNvPr id="3" name="Slide Number Placeholder 2">
-            <a:extLst>
-              <a:ext uri="{FF2B5EF4-FFF2-40B4-BE49-F238E27FC236}">
-                <a16:creationId xmlns:a16="http://schemas.microsoft.com/office/drawing/2014/main" id="{517C3E7F-1B0C-9B4C-8F12-D2A5C2F1AE7A}"/>
-              </a:ext>
-            </a:extLst>
-          </p:cNvPr>
-          <p:cNvSpPr>
-            <a:spLocks noGrp="1"/>
-          </p:cNvSpPr>
-          <p:nvPr>
-            <p:ph type="sldNum" sz="quarter" idx="4"/>
-          </p:nvPr>
-        </p:nvSpPr>
-        <p:spPr/>
-        <p:txBody>
-          <a:bodyPr/>
-          <a:lstStyle/>
-          <a:p>
-            <a:pPr algn="ctr"/>
-            <a:fld id="{F1E776F5-9A26-455E-BF09-7D727D022004}" type="slidenum">
-              <a:rPr lang="en-US" smtClean="0"/>
-              <a:pPr algn="ctr"/>
-              <a:t>13</a:t>
-            </a:fld>
-            <a:endParaRPr lang="en-US"/>
           </a:p>
         </p:txBody>
       </p:sp>
@@ -7202,37 +7178,6 @@
           </a:p>
         </p:txBody>
       </p:sp>
-      <p:sp>
-        <p:nvSpPr>
-          <p:cNvPr id="3" name="Slide Number Placeholder 2">
-            <a:extLst>
-              <a:ext uri="{FF2B5EF4-FFF2-40B4-BE49-F238E27FC236}">
-                <a16:creationId xmlns:a16="http://schemas.microsoft.com/office/drawing/2014/main" id="{543F7B6D-91B0-4C4C-B036-0AAFD1887467}"/>
-              </a:ext>
-            </a:extLst>
-          </p:cNvPr>
-          <p:cNvSpPr>
-            <a:spLocks noGrp="1"/>
-          </p:cNvSpPr>
-          <p:nvPr>
-            <p:ph type="sldNum" sz="quarter" idx="4"/>
-          </p:nvPr>
-        </p:nvSpPr>
-        <p:spPr/>
-        <p:txBody>
-          <a:bodyPr/>
-          <a:lstStyle/>
-          <a:p>
-            <a:pPr algn="ctr"/>
-            <a:fld id="{F1E776F5-9A26-455E-BF09-7D727D022004}" type="slidenum">
-              <a:rPr lang="en-US" smtClean="0"/>
-              <a:pPr algn="ctr"/>
-              <a:t>14</a:t>
-            </a:fld>
-            <a:endParaRPr lang="en-US"/>
-          </a:p>
-        </p:txBody>
-      </p:sp>
       <p:pic>
         <p:nvPicPr>
           <p:cNvPr id="4" name="Picture 3">
@@ -7490,37 +7435,6 @@
           </a:p>
         </p:txBody>
       </p:sp>
-      <p:sp>
-        <p:nvSpPr>
-          <p:cNvPr id="3" name="Slide Number Placeholder 2">
-            <a:extLst>
-              <a:ext uri="{FF2B5EF4-FFF2-40B4-BE49-F238E27FC236}">
-                <a16:creationId xmlns:a16="http://schemas.microsoft.com/office/drawing/2014/main" id="{FC29BDA8-8DF9-344A-9DD4-7F77ED0F0537}"/>
-              </a:ext>
-            </a:extLst>
-          </p:cNvPr>
-          <p:cNvSpPr>
-            <a:spLocks noGrp="1"/>
-          </p:cNvSpPr>
-          <p:nvPr>
-            <p:ph type="sldNum" sz="quarter" idx="4"/>
-          </p:nvPr>
-        </p:nvSpPr>
-        <p:spPr/>
-        <p:txBody>
-          <a:bodyPr/>
-          <a:lstStyle/>
-          <a:p>
-            <a:pPr algn="ctr"/>
-            <a:fld id="{F1E776F5-9A26-455E-BF09-7D727D022004}" type="slidenum">
-              <a:rPr lang="en-US" smtClean="0"/>
-              <a:pPr algn="ctr"/>
-              <a:t>15</a:t>
-            </a:fld>
-            <a:endParaRPr lang="en-US"/>
-          </a:p>
-        </p:txBody>
-      </p:sp>
       <p:pic>
         <p:nvPicPr>
           <p:cNvPr id="4" name="Picture 3">
@@ -7616,37 +7530,6 @@
               <a:rPr lang="en-US" dirty="0"/>
               <a:t>Simple Example: One Village, One Forest</a:t>
             </a:r>
-          </a:p>
-        </p:txBody>
-      </p:sp>
-      <p:sp>
-        <p:nvSpPr>
-          <p:cNvPr id="3" name="Slide Number Placeholder 2">
-            <a:extLst>
-              <a:ext uri="{FF2B5EF4-FFF2-40B4-BE49-F238E27FC236}">
-                <a16:creationId xmlns:a16="http://schemas.microsoft.com/office/drawing/2014/main" id="{FC29BDA8-8DF9-344A-9DD4-7F77ED0F0537}"/>
-              </a:ext>
-            </a:extLst>
-          </p:cNvPr>
-          <p:cNvSpPr>
-            <a:spLocks noGrp="1"/>
-          </p:cNvSpPr>
-          <p:nvPr>
-            <p:ph type="sldNum" sz="quarter" idx="4"/>
-          </p:nvPr>
-        </p:nvSpPr>
-        <p:spPr/>
-        <p:txBody>
-          <a:bodyPr/>
-          <a:lstStyle/>
-          <a:p>
-            <a:pPr algn="ctr"/>
-            <a:fld id="{F1E776F5-9A26-455E-BF09-7D727D022004}" type="slidenum">
-              <a:rPr lang="en-US" smtClean="0"/>
-              <a:pPr algn="ctr"/>
-              <a:t>16</a:t>
-            </a:fld>
-            <a:endParaRPr lang="en-US"/>
           </a:p>
         </p:txBody>
       </p:sp>
@@ -7907,37 +7790,6 @@
           </a:p>
         </p:txBody>
       </p:sp>
-      <p:sp>
-        <p:nvSpPr>
-          <p:cNvPr id="3" name="Slide Number Placeholder 2">
-            <a:extLst>
-              <a:ext uri="{FF2B5EF4-FFF2-40B4-BE49-F238E27FC236}">
-                <a16:creationId xmlns:a16="http://schemas.microsoft.com/office/drawing/2014/main" id="{98777064-C7F2-9E45-96C2-A3BCC524B748}"/>
-              </a:ext>
-            </a:extLst>
-          </p:cNvPr>
-          <p:cNvSpPr>
-            <a:spLocks noGrp="1"/>
-          </p:cNvSpPr>
-          <p:nvPr>
-            <p:ph type="sldNum" sz="quarter" idx="4"/>
-          </p:nvPr>
-        </p:nvSpPr>
-        <p:spPr/>
-        <p:txBody>
-          <a:bodyPr/>
-          <a:lstStyle/>
-          <a:p>
-            <a:pPr algn="ctr"/>
-            <a:fld id="{F1E776F5-9A26-455E-BF09-7D727D022004}" type="slidenum">
-              <a:rPr lang="en-US" smtClean="0"/>
-              <a:pPr algn="ctr"/>
-              <a:t>17</a:t>
-            </a:fld>
-            <a:endParaRPr lang="en-US"/>
-          </a:p>
-        </p:txBody>
-      </p:sp>
       <p:pic>
         <p:nvPicPr>
           <p:cNvPr id="4" name="Picture 3">
@@ -8192,37 +8044,6 @@
               <a:rPr lang="en-US" dirty="0"/>
               <a:t>Simple Example: One Village, One Forest</a:t>
             </a:r>
-          </a:p>
-        </p:txBody>
-      </p:sp>
-      <p:sp>
-        <p:nvSpPr>
-          <p:cNvPr id="3" name="Slide Number Placeholder 2">
-            <a:extLst>
-              <a:ext uri="{FF2B5EF4-FFF2-40B4-BE49-F238E27FC236}">
-                <a16:creationId xmlns:a16="http://schemas.microsoft.com/office/drawing/2014/main" id="{98777064-C7F2-9E45-96C2-A3BCC524B748}"/>
-              </a:ext>
-            </a:extLst>
-          </p:cNvPr>
-          <p:cNvSpPr>
-            <a:spLocks noGrp="1"/>
-          </p:cNvSpPr>
-          <p:nvPr>
-            <p:ph type="sldNum" sz="quarter" idx="4"/>
-          </p:nvPr>
-        </p:nvSpPr>
-        <p:spPr/>
-        <p:txBody>
-          <a:bodyPr/>
-          <a:lstStyle/>
-          <a:p>
-            <a:pPr algn="ctr"/>
-            <a:fld id="{F1E776F5-9A26-455E-BF09-7D727D022004}" type="slidenum">
-              <a:rPr lang="en-US" smtClean="0"/>
-              <a:pPr algn="ctr"/>
-              <a:t>18</a:t>
-            </a:fld>
-            <a:endParaRPr lang="en-US"/>
           </a:p>
         </p:txBody>
       </p:sp>
@@ -8621,37 +8442,6 @@
               <a:rPr lang="en-US" dirty="0"/>
               <a:t>Simple Example: One Village, One Forest</a:t>
             </a:r>
-          </a:p>
-        </p:txBody>
-      </p:sp>
-      <p:sp>
-        <p:nvSpPr>
-          <p:cNvPr id="3" name="Slide Number Placeholder 2">
-            <a:extLst>
-              <a:ext uri="{FF2B5EF4-FFF2-40B4-BE49-F238E27FC236}">
-                <a16:creationId xmlns:a16="http://schemas.microsoft.com/office/drawing/2014/main" id="{98777064-C7F2-9E45-96C2-A3BCC524B748}"/>
-              </a:ext>
-            </a:extLst>
-          </p:cNvPr>
-          <p:cNvSpPr>
-            <a:spLocks noGrp="1"/>
-          </p:cNvSpPr>
-          <p:nvPr>
-            <p:ph type="sldNum" sz="quarter" idx="4"/>
-          </p:nvPr>
-        </p:nvSpPr>
-        <p:spPr/>
-        <p:txBody>
-          <a:bodyPr/>
-          <a:lstStyle/>
-          <a:p>
-            <a:pPr algn="ctr"/>
-            <a:fld id="{F1E776F5-9A26-455E-BF09-7D727D022004}" type="slidenum">
-              <a:rPr lang="en-US" smtClean="0"/>
-              <a:pPr algn="ctr"/>
-              <a:t>19</a:t>
-            </a:fld>
-            <a:endParaRPr lang="en-US"/>
           </a:p>
         </p:txBody>
       </p:sp>
@@ -9789,31 +9579,6 @@
           </a:p>
         </p:txBody>
       </p:sp>
-      <p:sp>
-        <p:nvSpPr>
-          <p:cNvPr id="4" name="Slide Number Placeholder 3"/>
-          <p:cNvSpPr>
-            <a:spLocks noGrp="1"/>
-          </p:cNvSpPr>
-          <p:nvPr>
-            <p:ph type="sldNum" sz="quarter" idx="4"/>
-          </p:nvPr>
-        </p:nvSpPr>
-        <p:spPr/>
-        <p:txBody>
-          <a:bodyPr/>
-          <a:lstStyle/>
-          <a:p>
-            <a:pPr algn="ctr"/>
-            <a:fld id="{F1E776F5-9A26-455E-BF09-7D727D022004}" type="slidenum">
-              <a:rPr lang="en-US" smtClean="0"/>
-              <a:pPr algn="ctr"/>
-              <a:t>2</a:t>
-            </a:fld>
-            <a:endParaRPr lang="en-US"/>
-          </a:p>
-        </p:txBody>
-      </p:sp>
     </p:spTree>
     <p:extLst>
       <p:ext uri="{BB962C8B-B14F-4D97-AF65-F5344CB8AC3E}">
@@ -9831,6 +9596,581 @@
     <p:tnLst>
       <p:par>
         <p:cTn id="1" dur="indefinite" restart="never" nodeType="tmRoot"/>
+      </p:par>
+    </p:tnLst>
+  </p:timing>
+</p:sld>
+</file>
+
+<file path=ppt/slides/slide20.xml><?xml version="1.0" encoding="utf-8"?>
+<p:sld xmlns:a="http://schemas.openxmlformats.org/drawingml/2006/main" xmlns:r="http://schemas.openxmlformats.org/officeDocument/2006/relationships" xmlns:p="http://schemas.openxmlformats.org/presentationml/2006/main">
+  <p:cSld>
+    <p:spTree>
+      <p:nvGrpSpPr>
+        <p:cNvPr id="1" name=""/>
+        <p:cNvGrpSpPr/>
+        <p:nvPr/>
+      </p:nvGrpSpPr>
+      <p:grpSpPr>
+        <a:xfrm>
+          <a:off x="0" y="0"/>
+          <a:ext cx="0" cy="0"/>
+          <a:chOff x="0" y="0"/>
+          <a:chExt cx="0" cy="0"/>
+        </a:xfrm>
+      </p:grpSpPr>
+      <p:sp>
+        <p:nvSpPr>
+          <p:cNvPr id="2" name="Title 1"/>
+          <p:cNvSpPr>
+            <a:spLocks noGrp="1"/>
+          </p:cNvSpPr>
+          <p:nvPr>
+            <p:ph type="title"/>
+          </p:nvPr>
+        </p:nvSpPr>
+        <p:spPr/>
+        <p:txBody>
+          <a:bodyPr/>
+          <a:lstStyle/>
+          <a:p>
+            <a:r>
+              <a:rPr lang="en-US" dirty="0" smtClean="0"/>
+              <a:t>Expand to More Villages and Forests</a:t>
+            </a:r>
+            <a:endParaRPr lang="en-US" dirty="0"/>
+          </a:p>
+        </p:txBody>
+      </p:sp>
+      <p:pic>
+        <p:nvPicPr>
+          <p:cNvPr id="4" name="Picture 3"/>
+          <p:cNvPicPr>
+            <a:picLocks noChangeAspect="1"/>
+          </p:cNvPicPr>
+          <p:nvPr/>
+        </p:nvPicPr>
+        <p:blipFill>
+          <a:blip r:embed="rId2"/>
+          <a:stretch>
+            <a:fillRect/>
+          </a:stretch>
+        </p:blipFill>
+        <p:spPr>
+          <a:xfrm>
+            <a:off x="1378116" y="1438126"/>
+            <a:ext cx="6387768" cy="3981749"/>
+          </a:xfrm>
+          <a:prstGeom prst="rect">
+            <a:avLst/>
+          </a:prstGeom>
+        </p:spPr>
+      </p:pic>
+    </p:spTree>
+    <p:extLst>
+      <p:ext uri="{BB962C8B-B14F-4D97-AF65-F5344CB8AC3E}">
+        <p14:creationId xmlns:p14="http://schemas.microsoft.com/office/powerpoint/2010/main" val="2616691279"/>
+      </p:ext>
+    </p:extLst>
+  </p:cSld>
+  <p:clrMapOvr>
+    <a:masterClrMapping/>
+  </p:clrMapOvr>
+  <p:transition>
+    <p:fade/>
+  </p:transition>
+  <p:timing>
+    <p:tnLst>
+      <p:par>
+        <p:cTn id="1" dur="indefinite" restart="never" nodeType="tmRoot"/>
+      </p:par>
+    </p:tnLst>
+  </p:timing>
+</p:sld>
+</file>
+
+<file path=ppt/slides/slide21.xml><?xml version="1.0" encoding="utf-8"?>
+<p:sld xmlns:a="http://schemas.openxmlformats.org/drawingml/2006/main" xmlns:r="http://schemas.openxmlformats.org/officeDocument/2006/relationships" xmlns:p="http://schemas.openxmlformats.org/presentationml/2006/main">
+  <p:cSld>
+    <p:spTree>
+      <p:nvGrpSpPr>
+        <p:cNvPr id="1" name=""/>
+        <p:cNvGrpSpPr/>
+        <p:nvPr/>
+      </p:nvGrpSpPr>
+      <p:grpSpPr>
+        <a:xfrm>
+          <a:off x="0" y="0"/>
+          <a:ext cx="0" cy="0"/>
+          <a:chOff x="0" y="0"/>
+          <a:chExt cx="0" cy="0"/>
+        </a:xfrm>
+      </p:grpSpPr>
+      <p:sp>
+        <p:nvSpPr>
+          <p:cNvPr id="2" name="Title 1"/>
+          <p:cNvSpPr>
+            <a:spLocks noGrp="1"/>
+          </p:cNvSpPr>
+          <p:nvPr>
+            <p:ph type="title"/>
+          </p:nvPr>
+        </p:nvSpPr>
+        <p:spPr/>
+        <p:txBody>
+          <a:bodyPr/>
+          <a:lstStyle/>
+          <a:p>
+            <a:r>
+              <a:rPr lang="en-US" dirty="0" smtClean="0"/>
+              <a:t>Expand to More Villages and Forests</a:t>
+            </a:r>
+            <a:endParaRPr lang="en-US" dirty="0"/>
+          </a:p>
+        </p:txBody>
+      </p:sp>
+      <p:pic>
+        <p:nvPicPr>
+          <p:cNvPr id="4" name="Picture 3"/>
+          <p:cNvPicPr>
+            <a:picLocks noChangeAspect="1"/>
+          </p:cNvPicPr>
+          <p:nvPr/>
+        </p:nvPicPr>
+        <p:blipFill>
+          <a:blip r:embed="rId2"/>
+          <a:stretch>
+            <a:fillRect/>
+          </a:stretch>
+        </p:blipFill>
+        <p:spPr>
+          <a:xfrm>
+            <a:off x="1378116" y="1438126"/>
+            <a:ext cx="6387768" cy="3981749"/>
+          </a:xfrm>
+          <a:prstGeom prst="rect">
+            <a:avLst/>
+          </a:prstGeom>
+        </p:spPr>
+      </p:pic>
+    </p:spTree>
+    <p:extLst>
+      <p:ext uri="{BB962C8B-B14F-4D97-AF65-F5344CB8AC3E}">
+        <p14:creationId xmlns:p14="http://schemas.microsoft.com/office/powerpoint/2010/main" val="262997679"/>
+      </p:ext>
+    </p:extLst>
+  </p:cSld>
+  <p:clrMapOvr>
+    <a:masterClrMapping/>
+  </p:clrMapOvr>
+  <p:transition advTm="0">
+    <p:fade/>
+  </p:transition>
+  <p:timing>
+    <p:tnLst>
+      <p:par>
+        <p:cTn id="1" dur="indefinite" restart="never" nodeType="tmRoot">
+          <p:childTnLst>
+            <p:seq concurrent="1" nextAc="seek">
+              <p:cTn id="2" dur="indefinite" nodeType="mainSeq">
+                <p:childTnLst>
+                  <p:par>
+                    <p:cTn id="3" fill="hold">
+                      <p:stCondLst>
+                        <p:cond delay="indefinite"/>
+                      </p:stCondLst>
+                      <p:childTnLst>
+                        <p:par>
+                          <p:cTn id="4" fill="hold">
+                            <p:stCondLst>
+                              <p:cond delay="0"/>
+                            </p:stCondLst>
+                            <p:childTnLst>
+                              <p:par>
+                                <p:cTn id="5" presetID="6" presetClass="emph" presetSubtype="0" fill="hold" nodeType="clickEffect">
+                                  <p:stCondLst>
+                                    <p:cond delay="0"/>
+                                  </p:stCondLst>
+                                  <p:childTnLst>
+                                    <p:animScale>
+                                      <p:cBhvr>
+                                        <p:cTn id="6" dur="1000" fill="hold"/>
+                                        <p:tgtEl>
+                                          <p:spTgt spid="4"/>
+                                        </p:tgtEl>
+                                      </p:cBhvr>
+                                      <p:by x="65000" y="65000"/>
+                                    </p:animScale>
+                                  </p:childTnLst>
+                                </p:cTn>
+                              </p:par>
+                            </p:childTnLst>
+                          </p:cTn>
+                        </p:par>
+                      </p:childTnLst>
+                    </p:cTn>
+                  </p:par>
+                </p:childTnLst>
+              </p:cTn>
+              <p:prevCondLst>
+                <p:cond evt="onPrev" delay="0">
+                  <p:tgtEl>
+                    <p:sldTgt/>
+                  </p:tgtEl>
+                </p:cond>
+              </p:prevCondLst>
+              <p:nextCondLst>
+                <p:cond evt="onNext" delay="0">
+                  <p:tgtEl>
+                    <p:sldTgt/>
+                  </p:tgtEl>
+                </p:cond>
+              </p:nextCondLst>
+            </p:seq>
+          </p:childTnLst>
+        </p:cTn>
+      </p:par>
+    </p:tnLst>
+  </p:timing>
+</p:sld>
+</file>
+
+<file path=ppt/slides/slide22.xml><?xml version="1.0" encoding="utf-8"?>
+<p:sld xmlns:a="http://schemas.openxmlformats.org/drawingml/2006/main" xmlns:r="http://schemas.openxmlformats.org/officeDocument/2006/relationships" xmlns:p="http://schemas.openxmlformats.org/presentationml/2006/main">
+  <p:cSld>
+    <p:spTree>
+      <p:nvGrpSpPr>
+        <p:cNvPr id="1" name=""/>
+        <p:cNvGrpSpPr/>
+        <p:nvPr/>
+      </p:nvGrpSpPr>
+      <p:grpSpPr>
+        <a:xfrm>
+          <a:off x="0" y="0"/>
+          <a:ext cx="0" cy="0"/>
+          <a:chOff x="0" y="0"/>
+          <a:chExt cx="0" cy="0"/>
+        </a:xfrm>
+      </p:grpSpPr>
+      <p:sp>
+        <p:nvSpPr>
+          <p:cNvPr id="2" name="Title 1"/>
+          <p:cNvSpPr>
+            <a:spLocks noGrp="1"/>
+          </p:cNvSpPr>
+          <p:nvPr>
+            <p:ph type="title"/>
+          </p:nvPr>
+        </p:nvSpPr>
+        <p:spPr/>
+        <p:txBody>
+          <a:bodyPr/>
+          <a:lstStyle/>
+          <a:p>
+            <a:r>
+              <a:rPr lang="en-US" dirty="0" smtClean="0"/>
+              <a:t>Expand to More Villages and Forests</a:t>
+            </a:r>
+            <a:endParaRPr lang="en-US" dirty="0"/>
+          </a:p>
+        </p:txBody>
+      </p:sp>
+      <p:pic>
+        <p:nvPicPr>
+          <p:cNvPr id="5" name="Picture 4"/>
+          <p:cNvPicPr preferRelativeResize="0">
+            <a:picLocks noChangeAspect="1"/>
+          </p:cNvPicPr>
+          <p:nvPr/>
+        </p:nvPicPr>
+        <p:blipFill>
+          <a:blip r:embed="rId2"/>
+          <a:stretch>
+            <a:fillRect/>
+          </a:stretch>
+        </p:blipFill>
+        <p:spPr>
+          <a:xfrm>
+            <a:off x="2495976" y="2134932"/>
+            <a:ext cx="4152049" cy="2588137"/>
+          </a:xfrm>
+          <a:prstGeom prst="rect">
+            <a:avLst/>
+          </a:prstGeom>
+        </p:spPr>
+      </p:pic>
+    </p:spTree>
+    <p:extLst>
+      <p:ext uri="{BB962C8B-B14F-4D97-AF65-F5344CB8AC3E}">
+        <p14:creationId xmlns:p14="http://schemas.microsoft.com/office/powerpoint/2010/main" val="1157716474"/>
+      </p:ext>
+    </p:extLst>
+  </p:cSld>
+  <p:clrMapOvr>
+    <a:masterClrMapping/>
+  </p:clrMapOvr>
+  <p:transition advTm="0">
+    <p:fade/>
+  </p:transition>
+  <p:timing>
+    <p:tnLst>
+      <p:par>
+        <p:cTn id="1" dur="indefinite" restart="never" nodeType="tmRoot">
+          <p:childTnLst>
+            <p:seq concurrent="1" nextAc="seek">
+              <p:cTn id="2" dur="indefinite" nodeType="mainSeq">
+                <p:childTnLst>
+                  <p:par>
+                    <p:cTn id="3" fill="hold">
+                      <p:stCondLst>
+                        <p:cond delay="indefinite"/>
+                        <p:cond evt="onBegin" delay="0">
+                          <p:tn val="2"/>
+                        </p:cond>
+                      </p:stCondLst>
+                      <p:childTnLst>
+                        <p:par>
+                          <p:cTn id="4" fill="hold">
+                            <p:stCondLst>
+                              <p:cond delay="0"/>
+                            </p:stCondLst>
+                            <p:childTnLst>
+                              <p:par>
+                                <p:cTn id="5" presetID="35" presetClass="path" presetSubtype="0" accel="50000" decel="50000" fill="hold" nodeType="withEffect">
+                                  <p:stCondLst>
+                                    <p:cond delay="0"/>
+                                  </p:stCondLst>
+                                  <p:childTnLst>
+                                    <p:animMotion origin="layout" path="M 0 0 L -0.25 0 E" pathEditMode="relative" ptsTypes="">
+                                      <p:cBhvr>
+                                        <p:cTn id="6" dur="1000" fill="hold"/>
+                                        <p:tgtEl>
+                                          <p:spTgt spid="5"/>
+                                        </p:tgtEl>
+                                        <p:attrNameLst>
+                                          <p:attrName>ppt_x</p:attrName>
+                                          <p:attrName>ppt_y</p:attrName>
+                                        </p:attrNameLst>
+                                      </p:cBhvr>
+                                    </p:animMotion>
+                                  </p:childTnLst>
+                                </p:cTn>
+                              </p:par>
+                            </p:childTnLst>
+                          </p:cTn>
+                        </p:par>
+                      </p:childTnLst>
+                    </p:cTn>
+                  </p:par>
+                </p:childTnLst>
+              </p:cTn>
+              <p:prevCondLst>
+                <p:cond evt="onPrev" delay="0">
+                  <p:tgtEl>
+                    <p:sldTgt/>
+                  </p:tgtEl>
+                </p:cond>
+              </p:prevCondLst>
+              <p:nextCondLst>
+                <p:cond evt="onNext" delay="0">
+                  <p:tgtEl>
+                    <p:sldTgt/>
+                  </p:tgtEl>
+                </p:cond>
+              </p:nextCondLst>
+            </p:seq>
+          </p:childTnLst>
+        </p:cTn>
+      </p:par>
+    </p:tnLst>
+  </p:timing>
+</p:sld>
+</file>
+
+<file path=ppt/slides/slide23.xml><?xml version="1.0" encoding="utf-8"?>
+<p:sld xmlns:a="http://schemas.openxmlformats.org/drawingml/2006/main" xmlns:r="http://schemas.openxmlformats.org/officeDocument/2006/relationships" xmlns:p="http://schemas.openxmlformats.org/presentationml/2006/main">
+  <p:cSld>
+    <p:spTree>
+      <p:nvGrpSpPr>
+        <p:cNvPr id="1" name=""/>
+        <p:cNvGrpSpPr/>
+        <p:nvPr/>
+      </p:nvGrpSpPr>
+      <p:grpSpPr>
+        <a:xfrm>
+          <a:off x="0" y="0"/>
+          <a:ext cx="0" cy="0"/>
+          <a:chOff x="0" y="0"/>
+          <a:chExt cx="0" cy="0"/>
+        </a:xfrm>
+      </p:grpSpPr>
+      <p:sp>
+        <p:nvSpPr>
+          <p:cNvPr id="2" name="Title 1"/>
+          <p:cNvSpPr>
+            <a:spLocks noGrp="1"/>
+          </p:cNvSpPr>
+          <p:nvPr>
+            <p:ph type="title"/>
+          </p:nvPr>
+        </p:nvSpPr>
+        <p:spPr/>
+        <p:txBody>
+          <a:bodyPr/>
+          <a:lstStyle/>
+          <a:p>
+            <a:r>
+              <a:rPr lang="en-US" dirty="0" smtClean="0"/>
+              <a:t>Expand to More Villages and Forests</a:t>
+            </a:r>
+            <a:endParaRPr lang="en-US" dirty="0"/>
+          </a:p>
+        </p:txBody>
+      </p:sp>
+      <p:pic>
+        <p:nvPicPr>
+          <p:cNvPr id="5" name="Picture 4"/>
+          <p:cNvPicPr>
+            <a:picLocks noChangeAspect="1"/>
+          </p:cNvPicPr>
+          <p:nvPr/>
+        </p:nvPicPr>
+        <p:blipFill>
+          <a:blip r:embed="rId2"/>
+          <a:stretch>
+            <a:fillRect/>
+          </a:stretch>
+        </p:blipFill>
+        <p:spPr>
+          <a:xfrm>
+            <a:off x="4668838" y="1705025"/>
+            <a:ext cx="4103410" cy="3224661"/>
+          </a:xfrm>
+          <a:prstGeom prst="rect">
+            <a:avLst/>
+          </a:prstGeom>
+        </p:spPr>
+      </p:pic>
+      <p:pic>
+        <p:nvPicPr>
+          <p:cNvPr id="6" name="Picture 5" descr="Left:  Picture 4"/>
+          <p:cNvPicPr preferRelativeResize="0">
+            <a:picLocks noChangeAspect="1"/>
+          </p:cNvPicPr>
+          <p:nvPr/>
+        </p:nvPicPr>
+        <p:blipFill>
+          <a:blip r:embed="rId3"/>
+          <a:stretch>
+            <a:fillRect/>
+          </a:stretch>
+        </p:blipFill>
+        <p:spPr>
+          <a:xfrm>
+            <a:off x="209976" y="2134932"/>
+            <a:ext cx="4152049" cy="2588137"/>
+          </a:xfrm>
+          <a:prstGeom prst="rect">
+            <a:avLst/>
+          </a:prstGeom>
+        </p:spPr>
+      </p:pic>
+    </p:spTree>
+    <p:extLst>
+      <p:ext uri="{BB962C8B-B14F-4D97-AF65-F5344CB8AC3E}">
+        <p14:creationId xmlns:p14="http://schemas.microsoft.com/office/powerpoint/2010/main" val="787647221"/>
+      </p:ext>
+    </p:extLst>
+  </p:cSld>
+  <p:clrMapOvr>
+    <a:masterClrMapping/>
+  </p:clrMapOvr>
+  <p:transition>
+    <p:fade/>
+  </p:transition>
+  <p:timing>
+    <p:tnLst>
+      <p:par>
+        <p:cTn id="1" dur="indefinite" restart="never" nodeType="tmRoot">
+          <p:childTnLst>
+            <p:seq concurrent="1" nextAc="seek">
+              <p:cTn id="2" dur="indefinite" nodeType="mainSeq">
+                <p:childTnLst>
+                  <p:par>
+                    <p:cTn id="3" fill="hold">
+                      <p:stCondLst>
+                        <p:cond delay="indefinite"/>
+                        <p:cond evt="onBegin" delay="0">
+                          <p:tn val="2"/>
+                        </p:cond>
+                      </p:stCondLst>
+                      <p:childTnLst>
+                        <p:par>
+                          <p:cTn id="4" fill="hold">
+                            <p:stCondLst>
+                              <p:cond delay="0"/>
+                            </p:stCondLst>
+                            <p:childTnLst>
+                              <p:par>
+                                <p:cTn id="5" presetID="10" presetClass="entr" presetSubtype="0" fill="hold" nodeType="withEffect">
+                                  <p:stCondLst>
+                                    <p:cond delay="0"/>
+                                  </p:stCondLst>
+                                  <p:childTnLst>
+                                    <p:set>
+                                      <p:cBhvr>
+                                        <p:cTn id="6" dur="1" fill="hold">
+                                          <p:stCondLst>
+                                            <p:cond delay="0"/>
+                                          </p:stCondLst>
+                                        </p:cTn>
+                                        <p:tgtEl>
+                                          <p:spTgt spid="5"/>
+                                        </p:tgtEl>
+                                        <p:attrNameLst>
+                                          <p:attrName>style.visibility</p:attrName>
+                                        </p:attrNameLst>
+                                      </p:cBhvr>
+                                      <p:to>
+                                        <p:strVal val="visible"/>
+                                      </p:to>
+                                    </p:set>
+                                    <p:animEffect transition="in" filter="fade">
+                                      <p:cBhvr>
+                                        <p:cTn id="7" dur="500"/>
+                                        <p:tgtEl>
+                                          <p:spTgt spid="5"/>
+                                        </p:tgtEl>
+                                      </p:cBhvr>
+                                    </p:animEffect>
+                                  </p:childTnLst>
+                                </p:cTn>
+                              </p:par>
+                            </p:childTnLst>
+                          </p:cTn>
+                        </p:par>
+                      </p:childTnLst>
+                    </p:cTn>
+                  </p:par>
+                </p:childTnLst>
+              </p:cTn>
+              <p:prevCondLst>
+                <p:cond evt="onPrev" delay="0">
+                  <p:tgtEl>
+                    <p:sldTgt/>
+                  </p:tgtEl>
+                </p:cond>
+              </p:prevCondLst>
+              <p:nextCondLst>
+                <p:cond evt="onNext" delay="0">
+                  <p:tgtEl>
+                    <p:sldTgt/>
+                  </p:tgtEl>
+                </p:cond>
+              </p:nextCondLst>
+            </p:seq>
+          </p:childTnLst>
+        </p:cTn>
       </p:par>
     </p:tnLst>
   </p:timing>
@@ -9873,31 +10213,6 @@
               <a:rPr lang="en-US" dirty="0"/>
               <a:t>Ross-Macdonald Equations</a:t>
             </a:r>
-          </a:p>
-        </p:txBody>
-      </p:sp>
-      <p:sp>
-        <p:nvSpPr>
-          <p:cNvPr id="4" name="Slide Number Placeholder 3"/>
-          <p:cNvSpPr>
-            <a:spLocks noGrp="1"/>
-          </p:cNvSpPr>
-          <p:nvPr>
-            <p:ph type="sldNum" sz="quarter" idx="4"/>
-          </p:nvPr>
-        </p:nvSpPr>
-        <p:spPr/>
-        <p:txBody>
-          <a:bodyPr/>
-          <a:lstStyle/>
-          <a:p>
-            <a:pPr algn="ctr"/>
-            <a:fld id="{F1E776F5-9A26-455E-BF09-7D727D022004}" type="slidenum">
-              <a:rPr lang="en-US" smtClean="0"/>
-              <a:pPr algn="ctr"/>
-              <a:t>3</a:t>
-            </a:fld>
-            <a:endParaRPr lang="en-US"/>
           </a:p>
         </p:txBody>
       </p:sp>
@@ -10634,37 +10949,6 @@
           </a:p>
         </p:txBody>
       </p:sp>
-      <p:sp>
-        <p:nvSpPr>
-          <p:cNvPr id="4" name="Slide Number Placeholder 3">
-            <a:extLst>
-              <a:ext uri="{FF2B5EF4-FFF2-40B4-BE49-F238E27FC236}">
-                <a16:creationId xmlns:a16="http://schemas.microsoft.com/office/drawing/2014/main" id="{739CBB8E-7AF2-F54E-A13C-6F6A3D946171}"/>
-              </a:ext>
-            </a:extLst>
-          </p:cNvPr>
-          <p:cNvSpPr>
-            <a:spLocks noGrp="1"/>
-          </p:cNvSpPr>
-          <p:nvPr>
-            <p:ph type="sldNum" sz="quarter" idx="4"/>
-          </p:nvPr>
-        </p:nvSpPr>
-        <p:spPr/>
-        <p:txBody>
-          <a:bodyPr/>
-          <a:lstStyle/>
-          <a:p>
-            <a:pPr algn="ctr"/>
-            <a:fld id="{F1E776F5-9A26-455E-BF09-7D727D022004}" type="slidenum">
-              <a:rPr lang="en-US" smtClean="0"/>
-              <a:pPr algn="ctr"/>
-              <a:t>4</a:t>
-            </a:fld>
-            <a:endParaRPr lang="en-US"/>
-          </a:p>
-        </p:txBody>
-      </p:sp>
       <p:pic>
         <p:nvPicPr>
           <p:cNvPr id="5" name="Picture 4">
@@ -10864,37 +11148,6 @@
               <a:rPr lang="en-US" dirty="0"/>
               <a:t>Equilibrium Assumptions</a:t>
             </a:r>
-          </a:p>
-        </p:txBody>
-      </p:sp>
-      <p:sp>
-        <p:nvSpPr>
-          <p:cNvPr id="4" name="Slide Number Placeholder 3">
-            <a:extLst>
-              <a:ext uri="{FF2B5EF4-FFF2-40B4-BE49-F238E27FC236}">
-                <a16:creationId xmlns:a16="http://schemas.microsoft.com/office/drawing/2014/main" id="{99110574-29DC-C542-B2EE-7ACF6A4FE363}"/>
-              </a:ext>
-            </a:extLst>
-          </p:cNvPr>
-          <p:cNvSpPr>
-            <a:spLocks noGrp="1"/>
-          </p:cNvSpPr>
-          <p:nvPr>
-            <p:ph type="sldNum" sz="quarter" idx="4"/>
-          </p:nvPr>
-        </p:nvSpPr>
-        <p:spPr/>
-        <p:txBody>
-          <a:bodyPr/>
-          <a:lstStyle/>
-          <a:p>
-            <a:pPr algn="ctr"/>
-            <a:fld id="{F1E776F5-9A26-455E-BF09-7D727D022004}" type="slidenum">
-              <a:rPr lang="en-US" smtClean="0"/>
-              <a:pPr algn="ctr"/>
-              <a:t>5</a:t>
-            </a:fld>
-            <a:endParaRPr lang="en-US"/>
           </a:p>
         </p:txBody>
       </p:sp>
@@ -12093,37 +12346,6 @@
           </a:p>
         </p:txBody>
       </p:sp>
-      <p:sp>
-        <p:nvSpPr>
-          <p:cNvPr id="4" name="Slide Number Placeholder 3">
-            <a:extLst>
-              <a:ext uri="{FF2B5EF4-FFF2-40B4-BE49-F238E27FC236}">
-                <a16:creationId xmlns:a16="http://schemas.microsoft.com/office/drawing/2014/main" id="{99110574-29DC-C542-B2EE-7ACF6A4FE363}"/>
-              </a:ext>
-            </a:extLst>
-          </p:cNvPr>
-          <p:cNvSpPr>
-            <a:spLocks noGrp="1"/>
-          </p:cNvSpPr>
-          <p:nvPr>
-            <p:ph type="sldNum" sz="quarter" idx="4"/>
-          </p:nvPr>
-        </p:nvSpPr>
-        <p:spPr/>
-        <p:txBody>
-          <a:bodyPr/>
-          <a:lstStyle/>
-          <a:p>
-            <a:pPr algn="ctr"/>
-            <a:fld id="{F1E776F5-9A26-455E-BF09-7D727D022004}" type="slidenum">
-              <a:rPr lang="en-US" smtClean="0"/>
-              <a:pPr algn="ctr"/>
-              <a:t>6</a:t>
-            </a:fld>
-            <a:endParaRPr lang="en-US"/>
-          </a:p>
-        </p:txBody>
-      </p:sp>
       <p:grpSp>
         <p:nvGrpSpPr>
           <p:cNvPr id="3" name="Group 2"/>
@@ -12774,40 +12996,9 @@
           </a:p>
         </p:txBody>
       </p:sp>
-      <p:sp>
-        <p:nvSpPr>
-          <p:cNvPr id="4" name="Slide Number Placeholder 3">
-            <a:extLst>
-              <a:ext uri="{FF2B5EF4-FFF2-40B4-BE49-F238E27FC236}">
-                <a16:creationId xmlns:a16="http://schemas.microsoft.com/office/drawing/2014/main" id="{99110574-29DC-C542-B2EE-7ACF6A4FE363}"/>
-              </a:ext>
-            </a:extLst>
-          </p:cNvPr>
-          <p:cNvSpPr>
-            <a:spLocks noGrp="1"/>
-          </p:cNvSpPr>
-          <p:nvPr>
-            <p:ph type="sldNum" sz="quarter" idx="4"/>
-          </p:nvPr>
-        </p:nvSpPr>
-        <p:spPr/>
-        <p:txBody>
-          <a:bodyPr/>
-          <a:lstStyle/>
-          <a:p>
-            <a:pPr algn="ctr"/>
-            <a:fld id="{F1E776F5-9A26-455E-BF09-7D727D022004}" type="slidenum">
-              <a:rPr lang="en-US" smtClean="0"/>
-              <a:pPr algn="ctr"/>
-              <a:t>7</a:t>
-            </a:fld>
-            <a:endParaRPr lang="en-US"/>
-          </a:p>
-        </p:txBody>
-      </p:sp>
       <p:grpSp>
         <p:nvGrpSpPr>
-          <p:cNvPr id="24" name="Group 23"/>
+          <p:cNvPr id="5" name="Group 4"/>
           <p:cNvGrpSpPr/>
           <p:nvPr/>
         </p:nvGrpSpPr>
@@ -13015,7 +13206,7 @@
           </p:nvSpPr>
           <p:spPr>
             <a:xfrm>
-              <a:off x="5617435" y="5288085"/>
+              <a:off x="5647515" y="5288085"/>
               <a:ext cx="1174303" cy="443025"/>
             </a:xfrm>
             <a:prstGeom prst="rect">
@@ -13055,115 +13246,115 @@
             </a:p>
           </p:txBody>
         </p:sp>
+        <p:sp>
+          <p:nvSpPr>
+            <p:cNvPr id="13" name="Rectangle 12">
+              <a:extLst>
+                <a:ext uri="{FF2B5EF4-FFF2-40B4-BE49-F238E27FC236}">
+                  <a16:creationId xmlns:a16="http://schemas.microsoft.com/office/drawing/2014/main" id="{0021A002-FA94-D54C-965E-48E9D4D0DC26}"/>
+                </a:ext>
+              </a:extLst>
+            </p:cNvPr>
+            <p:cNvSpPr/>
+            <p:nvPr/>
+          </p:nvSpPr>
+          <p:spPr>
+            <a:xfrm>
+              <a:off x="3901255" y="5118234"/>
+              <a:ext cx="439777" cy="284583"/>
+            </a:xfrm>
+            <a:prstGeom prst="rect">
+              <a:avLst/>
+            </a:prstGeom>
+            <a:solidFill>
+              <a:srgbClr val="FFFFFF">
+                <a:alpha val="85098"/>
+              </a:srgbClr>
+            </a:solidFill>
+            <a:ln>
+              <a:noFill/>
+            </a:ln>
+          </p:spPr>
+          <p:style>
+            <a:lnRef idx="2">
+              <a:schemeClr val="accent1">
+                <a:shade val="50000"/>
+              </a:schemeClr>
+            </a:lnRef>
+            <a:fillRef idx="1">
+              <a:schemeClr val="accent1"/>
+            </a:fillRef>
+            <a:effectRef idx="0">
+              <a:schemeClr val="accent1"/>
+            </a:effectRef>
+            <a:fontRef idx="minor">
+              <a:schemeClr val="lt1"/>
+            </a:fontRef>
+          </p:style>
+          <p:txBody>
+            <a:bodyPr rtlCol="0" anchor="ctr"/>
+            <a:lstStyle/>
+            <a:p>
+              <a:pPr algn="ctr"/>
+              <a:endParaRPr lang="en-US"/>
+            </a:p>
+          </p:txBody>
+        </p:sp>
+        <p:sp>
+          <p:nvSpPr>
+            <p:cNvPr id="15" name="Rectangle 14">
+              <a:extLst>
+                <a:ext uri="{FF2B5EF4-FFF2-40B4-BE49-F238E27FC236}">
+                  <a16:creationId xmlns:a16="http://schemas.microsoft.com/office/drawing/2014/main" id="{E6C33E0C-5DB2-294B-8888-116BB3B26DE4}"/>
+                </a:ext>
+              </a:extLst>
+            </p:cNvPr>
+            <p:cNvSpPr/>
+            <p:nvPr/>
+          </p:nvSpPr>
+          <p:spPr>
+            <a:xfrm>
+              <a:off x="2507271" y="5335139"/>
+              <a:ext cx="579138" cy="284583"/>
+            </a:xfrm>
+            <a:prstGeom prst="rect">
+              <a:avLst/>
+            </a:prstGeom>
+            <a:solidFill>
+              <a:srgbClr val="FFFFFF">
+                <a:alpha val="85098"/>
+              </a:srgbClr>
+            </a:solidFill>
+            <a:ln>
+              <a:noFill/>
+            </a:ln>
+          </p:spPr>
+          <p:style>
+            <a:lnRef idx="2">
+              <a:schemeClr val="accent1">
+                <a:shade val="50000"/>
+              </a:schemeClr>
+            </a:lnRef>
+            <a:fillRef idx="1">
+              <a:schemeClr val="accent1"/>
+            </a:fillRef>
+            <a:effectRef idx="0">
+              <a:schemeClr val="accent1"/>
+            </a:effectRef>
+            <a:fontRef idx="minor">
+              <a:schemeClr val="lt1"/>
+            </a:fontRef>
+          </p:style>
+          <p:txBody>
+            <a:bodyPr rtlCol="0" anchor="ctr"/>
+            <a:lstStyle/>
+            <a:p>
+              <a:pPr algn="ctr"/>
+              <a:endParaRPr lang="en-US"/>
+            </a:p>
+          </p:txBody>
+        </p:sp>
       </p:grpSp>
-      <p:sp>
-        <p:nvSpPr>
-          <p:cNvPr id="13" name="Rectangle 12">
-            <a:extLst>
-              <a:ext uri="{FF2B5EF4-FFF2-40B4-BE49-F238E27FC236}">
-                <a16:creationId xmlns:a16="http://schemas.microsoft.com/office/drawing/2014/main" id="{0021A002-FA94-D54C-965E-48E9D4D0DC26}"/>
-              </a:ext>
-            </a:extLst>
-          </p:cNvPr>
-          <p:cNvSpPr/>
-          <p:nvPr/>
-        </p:nvSpPr>
-        <p:spPr>
-          <a:xfrm>
-            <a:off x="3901255" y="5118234"/>
-            <a:ext cx="439777" cy="284583"/>
-          </a:xfrm>
-          <a:prstGeom prst="rect">
-            <a:avLst/>
-          </a:prstGeom>
-          <a:solidFill>
-            <a:srgbClr val="FFFFFF">
-              <a:alpha val="85098"/>
-            </a:srgbClr>
-          </a:solidFill>
-          <a:ln>
-            <a:noFill/>
-          </a:ln>
-        </p:spPr>
-        <p:style>
-          <a:lnRef idx="2">
-            <a:schemeClr val="accent1">
-              <a:shade val="50000"/>
-            </a:schemeClr>
-          </a:lnRef>
-          <a:fillRef idx="1">
-            <a:schemeClr val="accent1"/>
-          </a:fillRef>
-          <a:effectRef idx="0">
-            <a:schemeClr val="accent1"/>
-          </a:effectRef>
-          <a:fontRef idx="minor">
-            <a:schemeClr val="lt1"/>
-          </a:fontRef>
-        </p:style>
-        <p:txBody>
-          <a:bodyPr rtlCol="0" anchor="ctr"/>
-          <a:lstStyle/>
-          <a:p>
-            <a:pPr algn="ctr"/>
-            <a:endParaRPr lang="en-US"/>
-          </a:p>
-        </p:txBody>
-      </p:sp>
-      <p:sp>
-        <p:nvSpPr>
-          <p:cNvPr id="15" name="Rectangle 14">
-            <a:extLst>
-              <a:ext uri="{FF2B5EF4-FFF2-40B4-BE49-F238E27FC236}">
-                <a16:creationId xmlns:a16="http://schemas.microsoft.com/office/drawing/2014/main" id="{E6C33E0C-5DB2-294B-8888-116BB3B26DE4}"/>
-              </a:ext>
-            </a:extLst>
-          </p:cNvPr>
-          <p:cNvSpPr/>
-          <p:nvPr/>
-        </p:nvSpPr>
-        <p:spPr>
-          <a:xfrm>
-            <a:off x="2507271" y="5335139"/>
-            <a:ext cx="579138" cy="284583"/>
-          </a:xfrm>
-          <a:prstGeom prst="rect">
-            <a:avLst/>
-          </a:prstGeom>
-          <a:solidFill>
-            <a:srgbClr val="FFFFFF">
-              <a:alpha val="85098"/>
-            </a:srgbClr>
-          </a:solidFill>
-          <a:ln>
-            <a:noFill/>
-          </a:ln>
-        </p:spPr>
-        <p:style>
-          <a:lnRef idx="2">
-            <a:schemeClr val="accent1">
-              <a:shade val="50000"/>
-            </a:schemeClr>
-          </a:lnRef>
-          <a:fillRef idx="1">
-            <a:schemeClr val="accent1"/>
-          </a:fillRef>
-          <a:effectRef idx="0">
-            <a:schemeClr val="accent1"/>
-          </a:effectRef>
-          <a:fontRef idx="minor">
-            <a:schemeClr val="lt1"/>
-          </a:fontRef>
-        </p:style>
-        <p:txBody>
-          <a:bodyPr rtlCol="0" anchor="ctr"/>
-          <a:lstStyle/>
-          <a:p>
-            <a:pPr algn="ctr"/>
-            <a:endParaRPr lang="en-US"/>
-          </a:p>
-        </p:txBody>
-      </p:sp>
     </p:spTree>
     <p:extLst>
       <p:ext uri="{BB962C8B-B14F-4D97-AF65-F5344CB8AC3E}">
@@ -13189,9 +13380,6 @@
                     <p:cTn id="3" fill="hold">
                       <p:stCondLst>
                         <p:cond delay="indefinite"/>
-                        <p:cond evt="onBegin" delay="0">
-                          <p:tn val="2"/>
-                        </p:cond>
                       </p:stCondLst>
                       <p:childTnLst>
                         <p:par>
@@ -13201,23 +13389,23 @@
                             </p:stCondLst>
                             <p:childTnLst>
                               <p:par>
-                                <p:cTn id="5" presetID="42" presetClass="path" presetSubtype="0" accel="50000" decel="50000" fill="hold" nodeType="withEffect">
+                                <p:cTn id="5" presetID="42" presetClass="path" presetSubtype="0" accel="50000" decel="50000" fill="hold" nodeType="clickEffect">
                                   <p:stCondLst>
                                     <p:cond delay="0"/>
                                   </p:stCondLst>
                                   <p:childTnLst>
-                                    <p:animMotion origin="layout" path="M -2.77778E-7 3.7037E-7 L -0.19549 -0.5713 " pathEditMode="relative" rAng="0" ptsTypes="AA">
+                                    <p:animMotion origin="layout" path="M -2.77778E-7 3.7037E-7 L -0.16892 -0.54653 " pathEditMode="relative" rAng="0" ptsTypes="AA">
                                       <p:cBhvr>
                                         <p:cTn id="6" dur="2000" fill="hold"/>
                                         <p:tgtEl>
-                                          <p:spTgt spid="24"/>
+                                          <p:spTgt spid="5"/>
                                         </p:tgtEl>
                                         <p:attrNameLst>
                                           <p:attrName>ppt_x</p:attrName>
                                           <p:attrName>ppt_y</p:attrName>
                                         </p:attrNameLst>
                                       </p:cBhvr>
-                                      <p:rCtr x="-9774" y="-28565"/>
+                                      <p:rCtr x="-8455" y="-27338"/>
                                     </p:animMotion>
                                   </p:childTnLst>
                                 </p:cTn>
@@ -13292,252 +13480,45 @@
           <a:lstStyle/>
           <a:p>
             <a:r>
-              <a:rPr lang="en-US" dirty="0"/>
+              <a:rPr lang="en-US" dirty="0" smtClean="0"/>
               <a:t>Reproductive Rate</a:t>
             </a:r>
+            <a:endParaRPr lang="en-US" dirty="0"/>
           </a:p>
         </p:txBody>
       </p:sp>
-      <p:sp>
-        <p:nvSpPr>
-          <p:cNvPr id="4" name="Slide Number Placeholder 3">
+      <p:pic>
+        <p:nvPicPr>
+          <p:cNvPr id="29" name="Picture 28">
             <a:extLst>
               <a:ext uri="{FF2B5EF4-FFF2-40B4-BE49-F238E27FC236}">
-                <a16:creationId xmlns:a16="http://schemas.microsoft.com/office/drawing/2014/main" id="{99110574-29DC-C542-B2EE-7ACF6A4FE363}"/>
+                <a16:creationId xmlns:a16="http://schemas.microsoft.com/office/drawing/2014/main" id="{44F23342-32A3-184E-9D57-647F218CA957}"/>
               </a:ext>
             </a:extLst>
           </p:cNvPr>
-          <p:cNvSpPr>
-            <a:spLocks noGrp="1"/>
-          </p:cNvSpPr>
-          <p:nvPr>
-            <p:ph type="sldNum" sz="quarter" idx="4"/>
-          </p:nvPr>
-        </p:nvSpPr>
-        <p:spPr/>
-        <p:txBody>
-          <a:bodyPr/>
-          <a:lstStyle/>
-          <a:p>
-            <a:pPr algn="ctr"/>
-            <a:fld id="{F1E776F5-9A26-455E-BF09-7D727D022004}" type="slidenum">
-              <a:rPr lang="en-US" smtClean="0"/>
-              <a:pPr algn="ctr"/>
-              <a:t>8</a:t>
-            </a:fld>
-            <a:endParaRPr lang="en-US"/>
-          </a:p>
-        </p:txBody>
-      </p:sp>
-      <p:grpSp>
-        <p:nvGrpSpPr>
-          <p:cNvPr id="25" name="Group 24" descr="Down:  Group 23"/>
-          <p:cNvGrpSpPr/>
+          <p:cNvPicPr>
+            <a:picLocks noChangeAspect="1"/>
+          </p:cNvPicPr>
           <p:nvPr/>
-        </p:nvGrpSpPr>
-        <p:grpSpPr>
+        </p:nvPicPr>
+        <p:blipFill rotWithShape="1">
+          <a:blip r:embed="rId3"/>
+          <a:srcRect l="14706" t="34279" r="78198" b="28849"/>
+          <a:stretch/>
+        </p:blipFill>
+        <p:spPr>
           <a:xfrm>
-            <a:off x="1310728" y="1376381"/>
-            <a:ext cx="3374073" cy="625436"/>
-            <a:chOff x="3098289" y="5288085"/>
-            <a:chExt cx="3374073" cy="625436"/>
+            <a:off x="1553685" y="1587037"/>
+            <a:ext cx="312822" cy="348916"/>
           </a:xfrm>
-        </p:grpSpPr>
-        <p:pic>
-          <p:nvPicPr>
-            <p:cNvPr id="31" name="Picture 30">
-              <a:extLst>
-                <a:ext uri="{FF2B5EF4-FFF2-40B4-BE49-F238E27FC236}">
-                  <a16:creationId xmlns:a16="http://schemas.microsoft.com/office/drawing/2014/main" id="{44F23342-32A3-184E-9D57-647F218CA957}"/>
-                </a:ext>
-              </a:extLst>
-            </p:cNvPr>
-            <p:cNvPicPr>
-              <a:picLocks noChangeAspect="1"/>
-            </p:cNvPicPr>
-            <p:nvPr/>
-          </p:nvPicPr>
-          <p:blipFill rotWithShape="1">
-            <a:blip r:embed="rId2"/>
-            <a:srcRect l="14706" t="34279" r="78198" b="28849"/>
-            <a:stretch/>
-          </p:blipFill>
-          <p:spPr>
-            <a:xfrm>
-              <a:off x="3098289" y="5335139"/>
-              <a:ext cx="312822" cy="348916"/>
-            </a:xfrm>
-            <a:prstGeom prst="rect">
-              <a:avLst/>
-            </a:prstGeom>
-          </p:spPr>
-        </p:pic>
-        <p:sp>
-          <p:nvSpPr>
-            <p:cNvPr id="27" name="Rectangle 26">
-              <a:extLst>
-                <a:ext uri="{FF2B5EF4-FFF2-40B4-BE49-F238E27FC236}">
-                  <a16:creationId xmlns:a16="http://schemas.microsoft.com/office/drawing/2014/main" id="{91D30FA5-B69D-064D-9FBC-E39727A89B0C}"/>
-                </a:ext>
-              </a:extLst>
-            </p:cNvPr>
-            <p:cNvSpPr/>
-            <p:nvPr/>
-          </p:nvSpPr>
-          <p:spPr>
-            <a:xfrm>
-              <a:off x="3411111" y="5470496"/>
-              <a:ext cx="1391478" cy="443025"/>
-            </a:xfrm>
-            <a:prstGeom prst="rect">
-              <a:avLst/>
-            </a:prstGeom>
-            <a:solidFill>
-              <a:srgbClr val="FFFFFF">
-                <a:alpha val="85098"/>
-              </a:srgbClr>
-            </a:solidFill>
-            <a:ln>
-              <a:noFill/>
-            </a:ln>
-          </p:spPr>
-          <p:style>
-            <a:lnRef idx="2">
-              <a:schemeClr val="accent1">
-                <a:shade val="50000"/>
-              </a:schemeClr>
-            </a:lnRef>
-            <a:fillRef idx="1">
-              <a:schemeClr val="accent1"/>
-            </a:fillRef>
-            <a:effectRef idx="0">
-              <a:schemeClr val="accent1"/>
-            </a:effectRef>
-            <a:fontRef idx="minor">
-              <a:schemeClr val="lt1"/>
-            </a:fontRef>
-          </p:style>
-          <p:txBody>
-            <a:bodyPr rtlCol="0" anchor="ctr"/>
-            <a:lstStyle/>
-            <a:p>
-              <a:pPr algn="ctr"/>
-              <a:endParaRPr lang="en-US"/>
-            </a:p>
-          </p:txBody>
-        </p:sp>
-        <p:sp>
-          <p:nvSpPr>
-            <p:cNvPr id="28" name="Rectangle 27">
-              <a:extLst>
-                <a:ext uri="{FF2B5EF4-FFF2-40B4-BE49-F238E27FC236}">
-                  <a16:creationId xmlns:a16="http://schemas.microsoft.com/office/drawing/2014/main" id="{32C8B854-6657-5A4B-A469-85EB788273BA}"/>
-                </a:ext>
-              </a:extLst>
-            </p:cNvPr>
-            <p:cNvSpPr/>
-            <p:nvPr/>
-          </p:nvSpPr>
-          <p:spPr>
-            <a:xfrm>
-              <a:off x="4839718" y="5288085"/>
-              <a:ext cx="813659" cy="443025"/>
-            </a:xfrm>
-            <a:prstGeom prst="rect">
-              <a:avLst/>
-            </a:prstGeom>
-            <a:solidFill>
-              <a:srgbClr val="FFFFFF">
-                <a:alpha val="85098"/>
-              </a:srgbClr>
-            </a:solidFill>
-            <a:ln>
-              <a:noFill/>
-            </a:ln>
-          </p:spPr>
-          <p:style>
-            <a:lnRef idx="2">
-              <a:schemeClr val="accent1">
-                <a:shade val="50000"/>
-              </a:schemeClr>
-            </a:lnRef>
-            <a:fillRef idx="1">
-              <a:schemeClr val="accent1"/>
-            </a:fillRef>
-            <a:effectRef idx="0">
-              <a:schemeClr val="accent1"/>
-            </a:effectRef>
-            <a:fontRef idx="minor">
-              <a:schemeClr val="lt1"/>
-            </a:fontRef>
-          </p:style>
-          <p:txBody>
-            <a:bodyPr rtlCol="0" anchor="ctr"/>
-            <a:lstStyle/>
-            <a:p>
-              <a:pPr algn="ctr"/>
-              <a:endParaRPr lang="en-US"/>
-            </a:p>
-          </p:txBody>
-        </p:sp>
-        <p:sp>
-          <p:nvSpPr>
-            <p:cNvPr id="29" name="Rectangle 28">
-              <a:extLst>
-                <a:ext uri="{FF2B5EF4-FFF2-40B4-BE49-F238E27FC236}">
-                  <a16:creationId xmlns:a16="http://schemas.microsoft.com/office/drawing/2014/main" id="{A8D89ADE-B4D1-FA47-84B8-93A11322A003}"/>
-                </a:ext>
-              </a:extLst>
-            </p:cNvPr>
-            <p:cNvSpPr/>
-            <p:nvPr/>
-          </p:nvSpPr>
-          <p:spPr>
-            <a:xfrm>
-              <a:off x="5978079" y="5288085"/>
-              <a:ext cx="494283" cy="443025"/>
-            </a:xfrm>
-            <a:prstGeom prst="rect">
-              <a:avLst/>
-            </a:prstGeom>
-            <a:solidFill>
-              <a:srgbClr val="FFFFFF">
-                <a:alpha val="85098"/>
-              </a:srgbClr>
-            </a:solidFill>
-            <a:ln>
-              <a:noFill/>
-            </a:ln>
-          </p:spPr>
-          <p:style>
-            <a:lnRef idx="2">
-              <a:schemeClr val="accent1">
-                <a:shade val="50000"/>
-              </a:schemeClr>
-            </a:lnRef>
-            <a:fillRef idx="1">
-              <a:schemeClr val="accent1"/>
-            </a:fillRef>
-            <a:effectRef idx="0">
-              <a:schemeClr val="accent1"/>
-            </a:effectRef>
-            <a:fontRef idx="minor">
-              <a:schemeClr val="lt1"/>
-            </a:fontRef>
-          </p:style>
-          <p:txBody>
-            <a:bodyPr rtlCol="0" anchor="ctr"/>
-            <a:lstStyle/>
-            <a:p>
-              <a:pPr algn="ctr"/>
-              <a:endParaRPr lang="en-US"/>
-            </a:p>
-          </p:txBody>
-        </p:sp>
-      </p:grpSp>
+          <a:prstGeom prst="rect">
+            <a:avLst/>
+          </a:prstGeom>
+        </p:spPr>
+      </p:pic>
       <p:pic>
         <p:nvPicPr>
-          <p:cNvPr id="3" name="Picture 2">
+          <p:cNvPr id="24" name="Picture 23">
             <a:extLst>
               <a:ext uri="{FF2B5EF4-FFF2-40B4-BE49-F238E27FC236}">
                 <a16:creationId xmlns:a16="http://schemas.microsoft.com/office/drawing/2014/main" id="{555D4CEB-F1FC-1F40-85B1-A274CBF17081}"/>
@@ -13550,13 +13531,13 @@
           <p:nvPr/>
         </p:nvPicPr>
         <p:blipFill rotWithShape="1">
-          <a:blip r:embed="rId3"/>
+          <a:blip r:embed="rId4"/>
           <a:srcRect l="14209"/>
           <a:stretch/>
         </p:blipFill>
         <p:spPr>
           <a:xfrm>
-            <a:off x="1695774" y="1109743"/>
+            <a:off x="1918359" y="1272170"/>
             <a:ext cx="1899814" cy="892074"/>
           </a:xfrm>
           <a:prstGeom prst="rect">
@@ -13566,7 +13547,7 @@
       </p:pic>
       <p:pic>
         <p:nvPicPr>
-          <p:cNvPr id="5" name="Picture 4">
+          <p:cNvPr id="30" name="Picture 29">
             <a:extLst>
               <a:ext uri="{FF2B5EF4-FFF2-40B4-BE49-F238E27FC236}">
                 <a16:creationId xmlns:a16="http://schemas.microsoft.com/office/drawing/2014/main" id="{6B2EBBFB-EFB1-7740-8448-E2E9AAFDCA11}"/>
@@ -13579,7 +13560,7 @@
           <p:nvPr/>
         </p:nvPicPr>
         <p:blipFill>
-          <a:blip r:embed="rId4"/>
+          <a:blip r:embed="rId5"/>
           <a:stretch>
             <a:fillRect/>
           </a:stretch>
@@ -13597,7 +13578,7 @@
     </p:spTree>
     <p:extLst>
       <p:ext uri="{BB962C8B-B14F-4D97-AF65-F5344CB8AC3E}">
-        <p14:creationId xmlns:p14="http://schemas.microsoft.com/office/powerpoint/2010/main" val="1067795431"/>
+        <p14:creationId xmlns:p14="http://schemas.microsoft.com/office/powerpoint/2010/main" val="1202846228"/>
       </p:ext>
     </p:extLst>
   </p:cSld>
@@ -13644,7 +13625,7 @@
                                           </p:stCondLst>
                                         </p:cTn>
                                         <p:tgtEl>
-                                          <p:spTgt spid="3"/>
+                                          <p:spTgt spid="24"/>
                                         </p:tgtEl>
                                         <p:attrNameLst>
                                           <p:attrName>style.visibility</p:attrName>
@@ -13658,7 +13639,7 @@
                                       <p:cBhvr>
                                         <p:cTn id="7" dur="1500"/>
                                         <p:tgtEl>
-                                          <p:spTgt spid="3"/>
+                                          <p:spTgt spid="24"/>
                                         </p:tgtEl>
                                       </p:cBhvr>
                                     </p:animEffect>
@@ -13697,7 +13678,7 @@
                                           </p:stCondLst>
                                         </p:cTn>
                                         <p:tgtEl>
-                                          <p:spTgt spid="5"/>
+                                          <p:spTgt spid="30"/>
                                         </p:tgtEl>
                                         <p:attrNameLst>
                                           <p:attrName>style.visibility</p:attrName>
@@ -13709,9 +13690,9 @@
                                     </p:set>
                                     <p:animEffect transition="in" filter="fade">
                                       <p:cBhvr>
-                                        <p:cTn id="12" dur="1500"/>
+                                        <p:cTn id="12" dur="500"/>
                                         <p:tgtEl>
-                                          <p:spTgt spid="5"/>
+                                          <p:spTgt spid="30"/>
                                         </p:tgtEl>
                                       </p:cBhvr>
                                     </p:animEffect>
@@ -13791,37 +13772,6 @@
               <a:rPr lang="en-US" dirty="0"/>
               <a:t>Vectors of Variables</a:t>
             </a:r>
-          </a:p>
-        </p:txBody>
-      </p:sp>
-      <p:sp>
-        <p:nvSpPr>
-          <p:cNvPr id="3" name="Slide Number Placeholder 2">
-            <a:extLst>
-              <a:ext uri="{FF2B5EF4-FFF2-40B4-BE49-F238E27FC236}">
-                <a16:creationId xmlns:a16="http://schemas.microsoft.com/office/drawing/2014/main" id="{4C1ECD60-65E1-9644-9E28-DAC438B6695A}"/>
-              </a:ext>
-            </a:extLst>
-          </p:cNvPr>
-          <p:cNvSpPr>
-            <a:spLocks noGrp="1"/>
-          </p:cNvSpPr>
-          <p:nvPr>
-            <p:ph type="sldNum" sz="quarter" idx="4"/>
-          </p:nvPr>
-        </p:nvSpPr>
-        <p:spPr/>
-        <p:txBody>
-          <a:bodyPr/>
-          <a:lstStyle/>
-          <a:p>
-            <a:pPr algn="ctr"/>
-            <a:fld id="{F1E776F5-9A26-455E-BF09-7D727D022004}" type="slidenum">
-              <a:rPr lang="en-US" smtClean="0"/>
-              <a:pPr algn="ctr"/>
-              <a:t>9</a:t>
-            </a:fld>
-            <a:endParaRPr lang="en-US"/>
           </a:p>
         </p:txBody>
       </p:sp>
@@ -14009,7 +13959,7 @@
         </p:blipFill>
         <p:spPr>
           <a:xfrm>
-            <a:off x="1443071" y="1406001"/>
+            <a:off x="1443071" y="1404880"/>
             <a:ext cx="2591475" cy="398688"/>
           </a:xfrm>
           <a:prstGeom prst="rect">
@@ -14249,6 +14199,59 @@
                                           </p:stCondLst>
                                         </p:cTn>
                                         <p:tgtEl>
+                                          <p:spTgt spid="17"/>
+                                        </p:tgtEl>
+                                        <p:attrNameLst>
+                                          <p:attrName>style.visibility</p:attrName>
+                                        </p:attrNameLst>
+                                      </p:cBhvr>
+                                      <p:to>
+                                        <p:strVal val="visible"/>
+                                      </p:to>
+                                    </p:set>
+                                    <p:animEffect transition="in" filter="fade">
+                                      <p:cBhvr>
+                                        <p:cTn id="17" dur="500"/>
+                                        <p:tgtEl>
+                                          <p:spTgt spid="17"/>
+                                        </p:tgtEl>
+                                      </p:cBhvr>
+                                    </p:animEffect>
+                                  </p:childTnLst>
+                                </p:cTn>
+                              </p:par>
+                            </p:childTnLst>
+                          </p:cTn>
+                        </p:par>
+                      </p:childTnLst>
+                    </p:cTn>
+                  </p:par>
+                  <p:par>
+                    <p:cTn id="18" fill="hold">
+                      <p:stCondLst>
+                        <p:cond delay="indefinite"/>
+                      </p:stCondLst>
+                      <p:childTnLst>
+                        <p:par>
+                          <p:cTn id="19" fill="hold">
+                            <p:stCondLst>
+                              <p:cond delay="0"/>
+                            </p:stCondLst>
+                            <p:childTnLst>
+                              <p:par>
+                                <p:cTn id="20" presetID="10" presetClass="entr" presetSubtype="0" fill="hold" nodeType="clickEffect">
+                                  <p:stCondLst>
+                                    <p:cond delay="0"/>
+                                  </p:stCondLst>
+                                  <p:childTnLst>
+                                    <p:set>
+                                      <p:cBhvr>
+                                        <p:cTn id="21" dur="1" fill="hold">
+                                          <p:stCondLst>
+                                            <p:cond delay="0"/>
+                                          </p:stCondLst>
+                                        </p:cTn>
+                                        <p:tgtEl>
                                           <p:spTgt spid="9"/>
                                         </p:tgtEl>
                                         <p:attrNameLst>
@@ -14261,7 +14264,7 @@
                                     </p:set>
                                     <p:animEffect transition="in" filter="fade">
                                       <p:cBhvr>
-                                        <p:cTn id="17" dur="500"/>
+                                        <p:cTn id="22" dur="500"/>
                                         <p:tgtEl>
                                           <p:spTgt spid="9"/>
                                         </p:tgtEl>

--- a/forest_malaria/MMC_presentation.pptx
+++ b/forest_malaria/MMC_presentation.pptx
@@ -6388,13 +6388,6 @@
   <p:transition>
     <p:fade/>
   </p:transition>
-  <p:timing>
-    <p:tnLst>
-      <p:par>
-        <p:cTn id="1" dur="indefinite" restart="never" nodeType="tmRoot"/>
-      </p:par>
-    </p:tnLst>
-  </p:timing>
 </p:sld>
 </file>
 
@@ -6699,13 +6692,6 @@
   <p:transition>
     <p:fade/>
   </p:transition>
-  <p:timing>
-    <p:tnLst>
-      <p:par>
-        <p:cTn id="1" dur="indefinite" restart="never" nodeType="tmRoot"/>
-      </p:par>
-    </p:tnLst>
-  </p:timing>
 </p:sld>
 </file>
 
@@ -6821,13 +6807,6 @@
   <p:transition>
     <p:fade/>
   </p:transition>
-  <p:timing>
-    <p:tnLst>
-      <p:par>
-        <p:cTn id="1" dur="indefinite" restart="never" nodeType="tmRoot"/>
-      </p:par>
-    </p:tnLst>
-  </p:timing>
 </p:sld>
 </file>
 
@@ -7478,13 +7457,6 @@
   <p:transition>
     <p:fade/>
   </p:transition>
-  <p:timing>
-    <p:tnLst>
-      <p:par>
-        <p:cTn id="1" dur="indefinite" restart="never" nodeType="tmRoot"/>
-      </p:par>
-    </p:tnLst>
-  </p:timing>
 </p:sld>
 </file>
 
@@ -9592,13 +9564,6 @@
   <p:transition>
     <p:fade/>
   </p:transition>
-  <p:timing>
-    <p:tnLst>
-      <p:par>
-        <p:cTn id="1" dur="indefinite" restart="never" nodeType="tmRoot"/>
-      </p:par>
-    </p:tnLst>
-  </p:timing>
 </p:sld>
 </file>
 
@@ -9635,10 +9600,9 @@
           <a:lstStyle/>
           <a:p>
             <a:r>
-              <a:rPr lang="en-US" dirty="0" smtClean="0"/>
+              <a:rPr lang="en-US" dirty="0"/>
               <a:t>Expand to More Villages and Forests</a:t>
             </a:r>
-            <a:endParaRPr lang="en-US" dirty="0"/>
           </a:p>
         </p:txBody>
       </p:sp>
@@ -9679,13 +9643,6 @@
   <p:transition>
     <p:fade/>
   </p:transition>
-  <p:timing>
-    <p:tnLst>
-      <p:par>
-        <p:cTn id="1" dur="indefinite" restart="never" nodeType="tmRoot"/>
-      </p:par>
-    </p:tnLst>
-  </p:timing>
 </p:sld>
 </file>
 
@@ -9722,10 +9679,9 @@
           <a:lstStyle/>
           <a:p>
             <a:r>
-              <a:rPr lang="en-US" dirty="0" smtClean="0"/>
+              <a:rPr lang="en-US" dirty="0"/>
               <a:t>Expand to More Villages and Forests</a:t>
             </a:r>
-            <a:endParaRPr lang="en-US" dirty="0"/>
           </a:p>
         </p:txBody>
       </p:sp>
@@ -9868,10 +9824,9 @@
           <a:lstStyle/>
           <a:p>
             <a:r>
-              <a:rPr lang="en-US" dirty="0" smtClean="0"/>
+              <a:rPr lang="en-US" dirty="0"/>
               <a:t>Expand to More Villages and Forests</a:t>
             </a:r>
-            <a:endParaRPr lang="en-US" dirty="0"/>
           </a:p>
         </p:txBody>
       </p:sp>
@@ -10020,10 +9975,9 @@
           <a:lstStyle/>
           <a:p>
             <a:r>
-              <a:rPr lang="en-US" dirty="0" smtClean="0"/>
+              <a:rPr lang="en-US" dirty="0"/>
               <a:t>Expand to More Villages and Forests</a:t>
             </a:r>
-            <a:endParaRPr lang="en-US" dirty="0"/>
           </a:p>
         </p:txBody>
       </p:sp>
@@ -11022,13 +10976,6 @@
   <p:transition>
     <p:fade/>
   </p:transition>
-  <p:timing>
-    <p:tnLst>
-      <p:par>
-        <p:cTn id="1" dur="indefinite" restart="never" nodeType="tmRoot"/>
-      </p:par>
-    </p:tnLst>
-  </p:timing>
 </p:sld>
 </file>
 
@@ -13480,10 +13427,9 @@
           <a:lstStyle/>
           <a:p>
             <a:r>
-              <a:rPr lang="en-US" dirty="0" smtClean="0"/>
+              <a:rPr lang="en-US" dirty="0"/>
               <a:t>Reproductive Rate</a:t>
             </a:r>
-            <a:endParaRPr lang="en-US" dirty="0"/>
           </a:p>
         </p:txBody>
       </p:sp>
